--- a/すみませんASOゲームショウまでに間に合いませんでした.pptx
+++ b/すみませんASOゲームショウまでに間に合いませんでした.pptx
@@ -28,8 +28,8 @@
     <p:sldId id="275" r:id="rId22"/>
     <p:sldId id="277" r:id="rId23"/>
     <p:sldId id="279" r:id="rId24"/>
-    <p:sldId id="280" r:id="rId25"/>
-    <p:sldId id="278" r:id="rId26"/>
+    <p:sldId id="278" r:id="rId25"/>
+    <p:sldId id="280" r:id="rId26"/>
   </p:sldIdLst>
   <p:sldSz cx="12192000" cy="6858000"/>
   <p:notesSz cx="6858000" cy="9144000"/>
@@ -156,8 +156,8 @@
             <p14:sldId id="275"/>
             <p14:sldId id="277"/>
             <p14:sldId id="279"/>
+            <p14:sldId id="278"/>
             <p14:sldId id="280"/>
-            <p14:sldId id="278"/>
           </p14:sldIdLst>
         </p14:section>
       </p14:sectionLst>
@@ -167,6 +167,32 @@
     </p:ext>
   </p:extLst>
 </p:presentation>
+</file>
+
+<file path=ppt/commentAuthors.xml><?xml version="1.0" encoding="utf-8"?>
+<p:cmAuthorLst xmlns:a="http://schemas.openxmlformats.org/drawingml/2006/main" xmlns:r="http://schemas.openxmlformats.org/officeDocument/2006/relationships" xmlns:p="http://schemas.openxmlformats.org/presentationml/2006/main">
+  <p:cmAuthor id="1" name="川浪 康士朗" initials="川浪" lastIdx="1" clrIdx="0">
+    <p:extLst>
+      <p:ext uri="{19B8F6BF-5375-455C-9EA6-DF929625EA0E}">
+        <p15:presenceInfo xmlns:p15="http://schemas.microsoft.com/office/powerpoint/2012/main" userId="ac08058604fb7f92" providerId="Windows Live"/>
+      </p:ext>
+    </p:extLst>
+  </p:cmAuthor>
+</p:cmAuthorLst>
+</file>
+
+<file path=ppt/comments/comment1.xml><?xml version="1.0" encoding="utf-8"?>
+<p:cmLst xmlns:a="http://schemas.openxmlformats.org/drawingml/2006/main" xmlns:r="http://schemas.openxmlformats.org/officeDocument/2006/relationships" xmlns:p="http://schemas.openxmlformats.org/presentationml/2006/main">
+  <p:cm authorId="1" dt="2020-05-13T09:47:34.624" idx="1">
+    <p:pos x="7301" y="106"/>
+    <p:text/>
+    <p:extLst>
+      <p:ext uri="{C676402C-5697-4E1C-873F-D02D1690AC5C}">
+        <p15:threadingInfo xmlns:p15="http://schemas.microsoft.com/office/powerpoint/2012/main" timeZoneBias="-540"/>
+      </p:ext>
+    </p:extLst>
+  </p:cm>
+</p:cmLst>
 </file>
 
 <file path=ppt/slideLayouts/slideLayout1.xml><?xml version="1.0" encoding="utf-8"?>
@@ -298,7 +324,7 @@
           <a:p>
             <a:fld id="{C9D909E4-55EF-4C03-B3F2-C5767FAA5706}" type="datetimeFigureOut">
               <a:rPr lang="en-US" smtClean="0"/>
-              <a:t>5/12/2020</a:t>
+              <a:t>5/13/2020</a:t>
             </a:fld>
             <a:endParaRPr lang="en-US"/>
           </a:p>
@@ -466,7 +492,7 @@
           <a:p>
             <a:fld id="{C9D909E4-55EF-4C03-B3F2-C5767FAA5706}" type="datetimeFigureOut">
               <a:rPr lang="en-US" smtClean="0"/>
-              <a:t>5/12/2020</a:t>
+              <a:t>5/13/2020</a:t>
             </a:fld>
             <a:endParaRPr lang="en-US"/>
           </a:p>
@@ -644,7 +670,7 @@
           <a:p>
             <a:fld id="{C9D909E4-55EF-4C03-B3F2-C5767FAA5706}" type="datetimeFigureOut">
               <a:rPr lang="en-US" smtClean="0"/>
-              <a:t>5/12/2020</a:t>
+              <a:t>5/13/2020</a:t>
             </a:fld>
             <a:endParaRPr lang="en-US"/>
           </a:p>
@@ -812,7 +838,7 @@
           <a:p>
             <a:fld id="{C9D909E4-55EF-4C03-B3F2-C5767FAA5706}" type="datetimeFigureOut">
               <a:rPr lang="en-US" smtClean="0"/>
-              <a:t>5/12/2020</a:t>
+              <a:t>5/13/2020</a:t>
             </a:fld>
             <a:endParaRPr lang="en-US"/>
           </a:p>
@@ -1057,7 +1083,7 @@
           <a:p>
             <a:fld id="{C9D909E4-55EF-4C03-B3F2-C5767FAA5706}" type="datetimeFigureOut">
               <a:rPr lang="en-US" smtClean="0"/>
-              <a:t>5/12/2020</a:t>
+              <a:t>5/13/2020</a:t>
             </a:fld>
             <a:endParaRPr lang="en-US"/>
           </a:p>
@@ -1286,7 +1312,7 @@
           <a:p>
             <a:fld id="{C9D909E4-55EF-4C03-B3F2-C5767FAA5706}" type="datetimeFigureOut">
               <a:rPr lang="en-US" smtClean="0"/>
-              <a:t>5/12/2020</a:t>
+              <a:t>5/13/2020</a:t>
             </a:fld>
             <a:endParaRPr lang="en-US"/>
           </a:p>
@@ -1650,7 +1676,7 @@
           <a:p>
             <a:fld id="{C9D909E4-55EF-4C03-B3F2-C5767FAA5706}" type="datetimeFigureOut">
               <a:rPr lang="en-US" smtClean="0"/>
-              <a:t>5/12/2020</a:t>
+              <a:t>5/13/2020</a:t>
             </a:fld>
             <a:endParaRPr lang="en-US"/>
           </a:p>
@@ -1767,7 +1793,7 @@
           <a:p>
             <a:fld id="{C9D909E4-55EF-4C03-B3F2-C5767FAA5706}" type="datetimeFigureOut">
               <a:rPr lang="en-US" smtClean="0"/>
-              <a:t>5/12/2020</a:t>
+              <a:t>5/13/2020</a:t>
             </a:fld>
             <a:endParaRPr lang="en-US"/>
           </a:p>
@@ -1862,7 +1888,7 @@
           <a:p>
             <a:fld id="{C9D909E4-55EF-4C03-B3F2-C5767FAA5706}" type="datetimeFigureOut">
               <a:rPr lang="en-US" smtClean="0"/>
-              <a:t>5/12/2020</a:t>
+              <a:t>5/13/2020</a:t>
             </a:fld>
             <a:endParaRPr lang="en-US"/>
           </a:p>
@@ -2137,7 +2163,7 @@
           <a:p>
             <a:fld id="{C9D909E4-55EF-4C03-B3F2-C5767FAA5706}" type="datetimeFigureOut">
               <a:rPr lang="en-US" smtClean="0"/>
-              <a:t>5/12/2020</a:t>
+              <a:t>5/13/2020</a:t>
             </a:fld>
             <a:endParaRPr lang="en-US"/>
           </a:p>
@@ -2389,7 +2415,7 @@
           <a:p>
             <a:fld id="{C9D909E4-55EF-4C03-B3F2-C5767FAA5706}" type="datetimeFigureOut">
               <a:rPr lang="en-US" smtClean="0"/>
-              <a:t>5/12/2020</a:t>
+              <a:t>5/13/2020</a:t>
             </a:fld>
             <a:endParaRPr lang="en-US"/>
           </a:p>
@@ -2600,7 +2626,7 @@
           <a:p>
             <a:fld id="{C9D909E4-55EF-4C03-B3F2-C5767FAA5706}" type="datetimeFigureOut">
               <a:rPr lang="en-US" smtClean="0"/>
-              <a:t>5/12/2020</a:t>
+              <a:t>5/13/2020</a:t>
             </a:fld>
             <a:endParaRPr lang="en-US"/>
           </a:p>
@@ -18406,7 +18432,7 @@
           <a:lstStyle/>
           <a:p>
             <a:r>
-              <a:rPr lang="en-US" dirty="0" smtClean="0"/>
+              <a:rPr lang="en-US" dirty="0"/>
               <a:t>Object</a:t>
             </a:r>
           </a:p>
@@ -18437,10 +18463,9 @@
           <a:lstStyle/>
           <a:p>
             <a:r>
-              <a:rPr lang="en-US" dirty="0" smtClean="0"/>
+              <a:rPr lang="en-US" dirty="0"/>
               <a:t>Player</a:t>
             </a:r>
-            <a:endParaRPr lang="en-US" dirty="0"/>
           </a:p>
         </p:txBody>
       </p:sp>
@@ -18501,7 +18526,7 @@
           <a:lstStyle/>
           <a:p>
             <a:r>
-              <a:rPr lang="ja-JP" altLang="en-US" dirty="0" smtClean="0"/>
+              <a:rPr lang="ja-JP" altLang="en-US" dirty="0"/>
               <a:t>アイテム</a:t>
             </a:r>
             <a:endParaRPr lang="en-US" dirty="0"/>
@@ -18531,10 +18556,9 @@
           <a:lstStyle/>
           <a:p>
             <a:r>
-              <a:rPr lang="en-US" dirty="0" smtClean="0"/>
+              <a:rPr lang="en-US" dirty="0"/>
               <a:t>Bullet</a:t>
             </a:r>
-            <a:endParaRPr lang="en-US" dirty="0"/>
           </a:p>
         </p:txBody>
       </p:sp>
@@ -18561,7 +18585,7 @@
           <a:lstStyle/>
           <a:p>
             <a:r>
-              <a:rPr lang="en-US" b="1" dirty="0" smtClean="0">
+              <a:rPr lang="en-US" b="1" dirty="0">
                 <a:solidFill>
                   <a:schemeClr val="bg1"/>
                 </a:solidFill>
@@ -18569,7 +18593,7 @@
               <a:t>HP</a:t>
             </a:r>
             <a:r>
-              <a:rPr lang="en-US" dirty="0" smtClean="0">
+              <a:rPr lang="en-US" dirty="0">
                 <a:solidFill>
                   <a:schemeClr val="bg1"/>
                 </a:solidFill>
@@ -18584,7 +18608,7 @@
               </a:rPr>
               <a:t>仮想関数</a:t>
             </a:r>
-            <a:endParaRPr lang="en-US" dirty="0" smtClean="0">
+            <a:endParaRPr lang="en-US" dirty="0">
               <a:solidFill>
                 <a:schemeClr val="bg1"/>
               </a:solidFill>
@@ -18615,7 +18639,7 @@
           <a:lstStyle/>
           <a:p>
             <a:r>
-              <a:rPr lang="en-US" b="1" dirty="0" smtClean="0">
+              <a:rPr lang="en-US" b="1" dirty="0">
                 <a:solidFill>
                   <a:schemeClr val="bg1"/>
                 </a:solidFill>
@@ -18623,7 +18647,7 @@
               <a:t>Size</a:t>
             </a:r>
             <a:r>
-              <a:rPr lang="en-US" dirty="0" smtClean="0">
+              <a:rPr lang="en-US" dirty="0">
                 <a:solidFill>
                   <a:schemeClr val="bg1"/>
                 </a:solidFill>
@@ -18631,22 +18655,14 @@
               <a:t>:</a:t>
             </a:r>
             <a:r>
-              <a:rPr lang="ja-JP" altLang="en-US" dirty="0" smtClean="0">
-                <a:solidFill>
-                  <a:schemeClr val="bg1"/>
-                </a:solidFill>
-              </a:rPr>
-              <a:t>仮</a:t>
-            </a:r>
-            <a:r>
               <a:rPr lang="ja-JP" altLang="en-US" dirty="0">
                 <a:solidFill>
                   <a:schemeClr val="bg1"/>
                 </a:solidFill>
               </a:rPr>
-              <a:t>想関数</a:t>
-            </a:r>
-            <a:endParaRPr lang="en-US" dirty="0" smtClean="0">
+              <a:t>仮想関数</a:t>
+            </a:r>
+            <a:endParaRPr lang="en-US" dirty="0">
               <a:solidFill>
                 <a:schemeClr val="bg1"/>
               </a:solidFill>
@@ -18677,7 +18693,7 @@
           <a:lstStyle/>
           <a:p>
             <a:r>
-              <a:rPr lang="ja-JP" altLang="en-US" b="1" dirty="0" smtClean="0">
+              <a:rPr lang="ja-JP" altLang="en-US" b="1" dirty="0">
                 <a:solidFill>
                   <a:schemeClr val="bg1"/>
                 </a:solidFill>
@@ -18715,18 +18731,13 @@
           <a:lstStyle/>
           <a:p>
             <a:r>
-              <a:rPr lang="en-US" b="1" dirty="0" smtClean="0">
+              <a:rPr lang="en-US" b="1" dirty="0">
                 <a:solidFill>
                   <a:schemeClr val="bg1"/>
                 </a:solidFill>
               </a:rPr>
               <a:t>Animation</a:t>
             </a:r>
-            <a:endParaRPr lang="en-US" b="1" dirty="0">
-              <a:solidFill>
-                <a:schemeClr val="bg1"/>
-              </a:solidFill>
-            </a:endParaRPr>
           </a:p>
         </p:txBody>
       </p:sp>
@@ -18753,10 +18764,9 @@
           <a:lstStyle/>
           <a:p>
             <a:r>
-              <a:rPr lang="en-US" dirty="0" smtClean="0"/>
+              <a:rPr lang="en-US" dirty="0"/>
               <a:t>HP</a:t>
             </a:r>
-            <a:endParaRPr lang="en-US" dirty="0"/>
           </a:p>
         </p:txBody>
       </p:sp>
@@ -18783,10 +18793,9 @@
           <a:lstStyle/>
           <a:p>
             <a:r>
-              <a:rPr lang="en-US" sz="2000" b="1" dirty="0" smtClean="0"/>
+              <a:rPr lang="en-US" sz="2000" b="1" dirty="0"/>
               <a:t>Move state</a:t>
             </a:r>
-            <a:endParaRPr lang="en-US" sz="2000" b="1" dirty="0"/>
           </a:p>
         </p:txBody>
       </p:sp>
@@ -18870,10 +18879,9 @@
             <a:lstStyle/>
             <a:p>
               <a:r>
-                <a:rPr lang="en-US" sz="2000" b="1" dirty="0" smtClean="0"/>
+                <a:rPr lang="en-US" sz="2000" b="1" dirty="0"/>
                 <a:t>Body state</a:t>
               </a:r>
-              <a:endParaRPr lang="en-US" sz="2000" b="1" dirty="0"/>
             </a:p>
           </p:txBody>
         </p:sp>
@@ -18900,10 +18908,9 @@
             <a:lstStyle/>
             <a:p>
               <a:r>
-                <a:rPr lang="en-US" dirty="0" smtClean="0"/>
+                <a:rPr lang="en-US" dirty="0"/>
                 <a:t>Stun</a:t>
               </a:r>
-              <a:endParaRPr lang="en-US" dirty="0"/>
             </a:p>
           </p:txBody>
         </p:sp>
@@ -18930,10 +18937,9 @@
             <a:lstStyle/>
             <a:p>
               <a:r>
-                <a:rPr lang="en-US" dirty="0" smtClean="0"/>
+                <a:rPr lang="en-US" dirty="0"/>
                 <a:t>Bleeding</a:t>
               </a:r>
-              <a:endParaRPr lang="en-US" dirty="0"/>
             </a:p>
           </p:txBody>
         </p:sp>
@@ -18960,10 +18966,9 @@
             <a:lstStyle/>
             <a:p>
               <a:r>
-                <a:rPr lang="en-US" dirty="0" smtClean="0"/>
+                <a:rPr lang="en-US" dirty="0"/>
                 <a:t>invincible</a:t>
               </a:r>
-              <a:endParaRPr lang="en-US" dirty="0"/>
             </a:p>
           </p:txBody>
         </p:sp>
@@ -18990,10 +18995,9 @@
             <a:lstStyle/>
             <a:p>
               <a:r>
-                <a:rPr lang="en-US" dirty="0" smtClean="0"/>
+                <a:rPr lang="en-US" dirty="0"/>
                 <a:t>poison</a:t>
               </a:r>
-              <a:endParaRPr lang="en-US" dirty="0"/>
             </a:p>
           </p:txBody>
         </p:sp>
@@ -19020,10 +19024,9 @@
             <a:lstStyle/>
             <a:p>
               <a:r>
-                <a:rPr lang="en-US" dirty="0" smtClean="0"/>
+                <a:rPr lang="en-US" dirty="0"/>
                 <a:t>dead</a:t>
               </a:r>
-              <a:endParaRPr lang="en-US" dirty="0"/>
             </a:p>
           </p:txBody>
         </p:sp>
@@ -19050,10 +19053,9 @@
             <a:lstStyle/>
             <a:p>
               <a:r>
-                <a:rPr lang="en-US" dirty="0" smtClean="0"/>
+                <a:rPr lang="en-US" dirty="0"/>
                 <a:t>normal</a:t>
               </a:r>
-              <a:endParaRPr lang="en-US" dirty="0"/>
             </a:p>
           </p:txBody>
         </p:sp>
@@ -19081,10 +19083,9 @@
           <a:lstStyle/>
           <a:p>
             <a:r>
-              <a:rPr lang="en-US" dirty="0" smtClean="0"/>
+              <a:rPr lang="en-US" dirty="0"/>
               <a:t>attack</a:t>
             </a:r>
-            <a:endParaRPr lang="en-US" dirty="0"/>
           </a:p>
         </p:txBody>
       </p:sp>
@@ -19111,10 +19112,9 @@
           <a:lstStyle/>
           <a:p>
             <a:r>
-              <a:rPr lang="en-US" dirty="0" smtClean="0"/>
+              <a:rPr lang="en-US" dirty="0"/>
               <a:t>idle</a:t>
             </a:r>
-            <a:endParaRPr lang="en-US" dirty="0"/>
           </a:p>
         </p:txBody>
       </p:sp>
@@ -19141,10 +19141,9 @@
           <a:lstStyle/>
           <a:p>
             <a:r>
-              <a:rPr lang="en-US" dirty="0" smtClean="0"/>
+              <a:rPr lang="en-US" dirty="0"/>
               <a:t>walk</a:t>
             </a:r>
-            <a:endParaRPr lang="en-US" dirty="0"/>
           </a:p>
         </p:txBody>
       </p:sp>
@@ -19171,10 +19170,9 @@
           <a:lstStyle/>
           <a:p>
             <a:r>
-              <a:rPr lang="en-US" dirty="0" smtClean="0"/>
+              <a:rPr lang="en-US" dirty="0"/>
               <a:t>run</a:t>
             </a:r>
-            <a:endParaRPr lang="en-US" dirty="0"/>
           </a:p>
         </p:txBody>
       </p:sp>
@@ -19201,10 +19199,9 @@
           <a:lstStyle/>
           <a:p>
             <a:r>
-              <a:rPr lang="en-US" dirty="0" smtClean="0"/>
+              <a:rPr lang="en-US" dirty="0"/>
               <a:t>roll</a:t>
             </a:r>
-            <a:endParaRPr lang="en-US" dirty="0"/>
           </a:p>
         </p:txBody>
       </p:sp>
@@ -19231,10 +19228,9 @@
           <a:lstStyle/>
           <a:p>
             <a:r>
-              <a:rPr lang="en-US" dirty="0" smtClean="0"/>
+              <a:rPr lang="en-US" dirty="0"/>
               <a:t>hitted</a:t>
             </a:r>
-            <a:endParaRPr lang="en-US" dirty="0"/>
           </a:p>
         </p:txBody>
       </p:sp>
@@ -19261,10 +19257,9 @@
           <a:lstStyle/>
           <a:p>
             <a:r>
-              <a:rPr lang="en-US" dirty="0" smtClean="0"/>
+              <a:rPr lang="en-US" dirty="0"/>
               <a:t>Move Input</a:t>
             </a:r>
-            <a:endParaRPr lang="en-US" dirty="0"/>
           </a:p>
         </p:txBody>
       </p:sp>
@@ -19291,10 +19286,9 @@
           <a:lstStyle/>
           <a:p>
             <a:r>
-              <a:rPr lang="en-US" dirty="0" smtClean="0"/>
+              <a:rPr lang="en-US" dirty="0"/>
               <a:t>AI</a:t>
             </a:r>
-            <a:endParaRPr lang="en-US" dirty="0"/>
           </a:p>
         </p:txBody>
       </p:sp>
@@ -19500,10 +19494,9 @@
           <a:lstStyle/>
           <a:p>
             <a:r>
-              <a:rPr lang="en-US" dirty="0" smtClean="0"/>
+              <a:rPr lang="en-US" dirty="0"/>
               <a:t>Work</a:t>
             </a:r>
-            <a:endParaRPr lang="en-US" dirty="0"/>
           </a:p>
         </p:txBody>
       </p:sp>
@@ -19530,10 +19523,9 @@
           <a:lstStyle/>
           <a:p>
             <a:r>
-              <a:rPr lang="en-US" b="1" dirty="0" smtClean="0"/>
+              <a:rPr lang="en-US" b="1" dirty="0"/>
               <a:t>Program</a:t>
             </a:r>
-            <a:endParaRPr lang="en-US" b="1" dirty="0"/>
           </a:p>
         </p:txBody>
       </p:sp>
@@ -19560,7 +19552,7 @@
           <a:lstStyle/>
           <a:p>
             <a:r>
-              <a:rPr lang="en-US" b="1" dirty="0" smtClean="0"/>
+              <a:rPr lang="en-US" b="1" dirty="0"/>
               <a:t>Graphic</a:t>
             </a:r>
           </a:p>
@@ -19589,7 +19581,7 @@
           <a:lstStyle/>
           <a:p>
             <a:r>
-              <a:rPr lang="ja-JP" altLang="en-US" dirty="0" smtClean="0"/>
+              <a:rPr lang="ja-JP" altLang="en-US" dirty="0"/>
               <a:t>プレイヤ関連</a:t>
             </a:r>
             <a:endParaRPr lang="en-US" dirty="0"/>
@@ -19619,7 +19611,7 @@
           <a:lstStyle/>
           <a:p>
             <a:r>
-              <a:rPr lang="ja-JP" altLang="en-US" dirty="0" smtClean="0"/>
+              <a:rPr lang="ja-JP" altLang="en-US" dirty="0"/>
               <a:t>プレイヤアクシオン</a:t>
             </a:r>
             <a:endParaRPr lang="en-US" dirty="0"/>
@@ -19649,7 +19641,7 @@
           <a:lstStyle/>
           <a:p>
             <a:r>
-              <a:rPr lang="ja-JP" altLang="en-US" dirty="0" smtClean="0"/>
+              <a:rPr lang="ja-JP" altLang="en-US" dirty="0"/>
               <a:t>プレイヤ移動制御</a:t>
             </a:r>
             <a:endParaRPr lang="en-US" dirty="0"/>
@@ -19764,11 +19756,11 @@
           <a:lstStyle/>
           <a:p>
             <a:r>
-              <a:rPr lang="ja-JP" altLang="en-US" dirty="0" smtClean="0"/>
+              <a:rPr lang="ja-JP" altLang="en-US" dirty="0"/>
               <a:t>プレイヤ</a:t>
             </a:r>
             <a:r>
-              <a:rPr lang="en-US" altLang="ja-JP" b="1" dirty="0" smtClean="0">
+              <a:rPr lang="en-US" altLang="ja-JP" b="1" dirty="0">
                 <a:solidFill>
                   <a:srgbClr val="FF0000"/>
                 </a:solidFill>
@@ -19776,7 +19768,7 @@
               <a:t>8</a:t>
             </a:r>
             <a:r>
-              <a:rPr lang="ja-JP" altLang="en-US" dirty="0" smtClean="0"/>
+              <a:rPr lang="ja-JP" altLang="en-US" dirty="0"/>
               <a:t>方向移動</a:t>
             </a:r>
             <a:endParaRPr lang="en-US" dirty="0"/>
@@ -19849,12 +19841,8 @@
           <a:lstStyle/>
           <a:p>
             <a:r>
-              <a:rPr lang="ja-JP" altLang="en-US" dirty="0" smtClean="0"/>
-              <a:t>プレイヤ</a:t>
-            </a:r>
-            <a:r>
               <a:rPr lang="ja-JP" altLang="en-US" dirty="0"/>
-              <a:t>グラフィック</a:t>
+              <a:t>プレイヤグラフィック</a:t>
             </a:r>
             <a:endParaRPr lang="en-US" dirty="0"/>
           </a:p>
@@ -19923,7 +19911,7 @@
           <a:lstStyle/>
           <a:p>
             <a:r>
-              <a:rPr lang="ja-JP" altLang="en-US" dirty="0" smtClean="0"/>
+              <a:rPr lang="ja-JP" altLang="en-US" dirty="0"/>
               <a:t>プレイヤデザイン</a:t>
             </a:r>
             <a:endParaRPr lang="en-US" dirty="0"/>
@@ -19953,24 +19941,8 @@
           <a:lstStyle/>
           <a:p>
             <a:r>
-              <a:rPr lang="ja-JP" altLang="en-US" dirty="0" smtClean="0"/>
-              <a:t>プレイヤ</a:t>
-            </a:r>
-            <a:r>
               <a:rPr lang="ja-JP" altLang="en-US" dirty="0"/>
-              <a:t>アニ</a:t>
-            </a:r>
-            <a:r>
-              <a:rPr lang="ja-JP" altLang="en-US" dirty="0" smtClean="0"/>
-              <a:t>メ</a:t>
-            </a:r>
-            <a:r>
-              <a:rPr lang="ja-JP" altLang="en-US" dirty="0"/>
-              <a:t>ーショ</a:t>
-            </a:r>
-            <a:r>
-              <a:rPr lang="ja-JP" altLang="en-US" dirty="0" smtClean="0"/>
-              <a:t>ン</a:t>
+              <a:t>プレイヤアニメーション</a:t>
             </a:r>
             <a:endParaRPr lang="en-US" dirty="0"/>
           </a:p>
@@ -20089,7 +20061,7 @@
           <a:lstStyle/>
           <a:p>
             <a:r>
-              <a:rPr lang="ja-JP" altLang="en-US" dirty="0" smtClean="0"/>
+              <a:rPr lang="ja-JP" altLang="en-US" dirty="0"/>
               <a:t>プレイヤ</a:t>
             </a:r>
             <a:r>
@@ -20102,27 +20074,7 @@
             </a:r>
             <a:r>
               <a:rPr lang="ja-JP" altLang="en-US" dirty="0"/>
-              <a:t>方向移</a:t>
-            </a:r>
-            <a:r>
-              <a:rPr lang="ja-JP" altLang="en-US" dirty="0" smtClean="0"/>
-              <a:t>動ア</a:t>
-            </a:r>
-            <a:r>
-              <a:rPr lang="ja-JP" altLang="en-US" dirty="0"/>
-              <a:t>ニ</a:t>
-            </a:r>
-            <a:r>
-              <a:rPr lang="ja-JP" altLang="en-US" dirty="0" smtClean="0"/>
-              <a:t>メ</a:t>
-            </a:r>
-            <a:r>
-              <a:rPr lang="ja-JP" altLang="en-US" dirty="0"/>
-              <a:t>ーショ</a:t>
-            </a:r>
-            <a:r>
-              <a:rPr lang="ja-JP" altLang="en-US" dirty="0" smtClean="0"/>
-              <a:t>ン</a:t>
+              <a:t>方向移動アニメーション</a:t>
             </a:r>
             <a:endParaRPr lang="en-US" dirty="0"/>
           </a:p>
@@ -20194,24 +20146,8 @@
           <a:lstStyle/>
           <a:p>
             <a:r>
-              <a:rPr lang="ja-JP" altLang="en-US" dirty="0" smtClean="0"/>
-              <a:t>プレイヤアタックア</a:t>
-            </a:r>
-            <a:r>
               <a:rPr lang="ja-JP" altLang="en-US" dirty="0"/>
-              <a:t>ニ</a:t>
-            </a:r>
-            <a:r>
-              <a:rPr lang="ja-JP" altLang="en-US" dirty="0" smtClean="0"/>
-              <a:t>メ</a:t>
-            </a:r>
-            <a:r>
-              <a:rPr lang="ja-JP" altLang="en-US" dirty="0"/>
-              <a:t>ーショ</a:t>
-            </a:r>
-            <a:r>
-              <a:rPr lang="ja-JP" altLang="en-US" dirty="0" smtClean="0"/>
-              <a:t>ン</a:t>
+              <a:t>プレイヤアタックアニメーション</a:t>
             </a:r>
             <a:endParaRPr lang="en-US" dirty="0"/>
           </a:p>
@@ -20240,7 +20176,7 @@
           <a:lstStyle/>
           <a:p>
             <a:r>
-              <a:rPr lang="ja-JP" altLang="en-US" dirty="0" smtClean="0"/>
+              <a:rPr lang="ja-JP" altLang="en-US" dirty="0"/>
               <a:t>プレイヤアタック制御</a:t>
             </a:r>
             <a:endParaRPr lang="en-US" dirty="0"/>
@@ -20322,14 +20258,189 @@
       </p:grpSpPr>
       <p:sp>
         <p:nvSpPr>
+          <p:cNvPr id="7" name="楕円 6">
+            <a:extLst>
+              <a:ext uri="{FF2B5EF4-FFF2-40B4-BE49-F238E27FC236}">
+                <a16:creationId xmlns:a16="http://schemas.microsoft.com/office/drawing/2014/main" id="{3C3B408F-62D9-4F7F-8CDA-41D189E0A063}"/>
+              </a:ext>
+            </a:extLst>
+          </p:cNvPr>
+          <p:cNvSpPr/>
+          <p:nvPr/>
+        </p:nvSpPr>
+        <p:spPr>
+          <a:xfrm>
+            <a:off x="8803562" y="1937847"/>
+            <a:ext cx="2314313" cy="2198867"/>
+          </a:xfrm>
+          <a:prstGeom prst="ellipse">
+            <a:avLst/>
+          </a:prstGeom>
+          <a:solidFill>
+            <a:srgbClr val="FFFF00"/>
+          </a:solidFill>
+          <a:ln>
+            <a:noFill/>
+          </a:ln>
+        </p:spPr>
+        <p:style>
+          <a:lnRef idx="2">
+            <a:schemeClr val="accent1">
+              <a:shade val="50000"/>
+            </a:schemeClr>
+          </a:lnRef>
+          <a:fillRef idx="1">
+            <a:schemeClr val="accent1"/>
+          </a:fillRef>
+          <a:effectRef idx="0">
+            <a:schemeClr val="accent1"/>
+          </a:effectRef>
+          <a:fontRef idx="minor">
+            <a:schemeClr val="lt1"/>
+          </a:fontRef>
+        </p:style>
+        <p:txBody>
+          <a:bodyPr rtlCol="0" anchor="ctr"/>
+          <a:lstStyle/>
+          <a:p>
+            <a:pPr algn="ctr"/>
+            <a:endParaRPr kumimoji="1" lang="ja-JP" altLang="en-US"/>
+          </a:p>
+        </p:txBody>
+      </p:sp>
+      <p:pic>
+        <p:nvPicPr>
+          <p:cNvPr id="1026" name="Picture 2" descr="Criminal with covered head - Free people icons"/>
+          <p:cNvPicPr>
+            <a:picLocks noChangeAspect="1" noChangeArrowheads="1"/>
+          </p:cNvPicPr>
+          <p:nvPr/>
+        </p:nvPicPr>
+        <p:blipFill>
+          <a:blip r:embed="rId2" cstate="print">
+            <a:extLst>
+              <a:ext uri="{28A0092B-C50C-407E-A947-70E740481C1C}">
+                <a14:useLocalDpi xmlns:a14="http://schemas.microsoft.com/office/drawing/2010/main" val="0"/>
+              </a:ext>
+            </a:extLst>
+          </a:blip>
+          <a:srcRect/>
+          <a:stretch>
+            <a:fillRect/>
+          </a:stretch>
+        </p:blipFill>
+        <p:spPr bwMode="auto">
+          <a:xfrm>
+            <a:off x="9434057" y="2386571"/>
+            <a:ext cx="957331" cy="957331"/>
+          </a:xfrm>
+          <a:prstGeom prst="rect">
+            <a:avLst/>
+          </a:prstGeom>
+          <a:noFill/>
+          <a:extLst>
+            <a:ext uri="{909E8E84-426E-40DD-AFC4-6F175D3DCCD1}">
+              <a14:hiddenFill xmlns:a14="http://schemas.microsoft.com/office/drawing/2010/main">
+                <a:solidFill>
+                  <a:srgbClr val="FFFFFF"/>
+                </a:solidFill>
+              </a14:hiddenFill>
+            </a:ext>
+          </a:extLst>
+        </p:spPr>
+      </p:pic>
+      <p:pic>
+        <p:nvPicPr>
+          <p:cNvPr id="1028" name="Picture 4" descr="Guard, helmet, police, policeman, riot, security, weapon icon"/>
+          <p:cNvPicPr>
+            <a:picLocks noChangeAspect="1" noChangeArrowheads="1"/>
+          </p:cNvPicPr>
+          <p:nvPr/>
+        </p:nvPicPr>
+        <p:blipFill>
+          <a:blip r:embed="rId3" cstate="print">
+            <a:extLst>
+              <a:ext uri="{28A0092B-C50C-407E-A947-70E740481C1C}">
+                <a14:useLocalDpi xmlns:a14="http://schemas.microsoft.com/office/drawing/2010/main" val="0"/>
+              </a:ext>
+            </a:extLst>
+          </a:blip>
+          <a:srcRect/>
+          <a:stretch>
+            <a:fillRect/>
+          </a:stretch>
+        </p:blipFill>
+        <p:spPr bwMode="auto">
+          <a:xfrm>
+            <a:off x="1645970" y="1992476"/>
+            <a:ext cx="715479" cy="1205018"/>
+          </a:xfrm>
+          <a:prstGeom prst="rect">
+            <a:avLst/>
+          </a:prstGeom>
+          <a:noFill/>
+          <a:extLst>
+            <a:ext uri="{909E8E84-426E-40DD-AFC4-6F175D3DCCD1}">
+              <a14:hiddenFill xmlns:a14="http://schemas.microsoft.com/office/drawing/2010/main">
+                <a:solidFill>
+                  <a:srgbClr val="FFFFFF"/>
+                </a:solidFill>
+              </a14:hiddenFill>
+            </a:ext>
+          </a:extLst>
+        </p:spPr>
+      </p:pic>
+      <p:pic>
+        <p:nvPicPr>
+          <p:cNvPr id="6" name="Picture 6" descr="https://external-content.duckduckgo.com/iu/?u=https%3A%2F%2Ftse1.mm.bing.net%2Fth%3Fid%3DOIP.Fzl7S98H5cbRWqFn--aw6gHaHa%26pid%3DApi&amp;f=1"/>
+          <p:cNvPicPr>
+            <a:picLocks noChangeAspect="1" noChangeArrowheads="1"/>
+          </p:cNvPicPr>
+          <p:nvPr/>
+        </p:nvPicPr>
+        <p:blipFill>
+          <a:blip r:embed="rId4" cstate="print">
+            <a:extLst>
+              <a:ext uri="{28A0092B-C50C-407E-A947-70E740481C1C}">
+                <a14:useLocalDpi xmlns:a14="http://schemas.microsoft.com/office/drawing/2010/main" val="0"/>
+              </a:ext>
+            </a:extLst>
+          </a:blip>
+          <a:srcRect/>
+          <a:stretch>
+            <a:fillRect/>
+          </a:stretch>
+        </p:blipFill>
+        <p:spPr bwMode="auto">
+          <a:xfrm>
+            <a:off x="8263057" y="2324732"/>
+            <a:ext cx="540505" cy="540505"/>
+          </a:xfrm>
+          <a:prstGeom prst="rect">
+            <a:avLst/>
+          </a:prstGeom>
+          <a:noFill/>
+          <a:extLst>
+            <a:ext uri="{909E8E84-426E-40DD-AFC4-6F175D3DCCD1}">
+              <a14:hiddenFill xmlns:a14="http://schemas.microsoft.com/office/drawing/2010/main">
+                <a:solidFill>
+                  <a:srgbClr val="FFFFFF"/>
+                </a:solidFill>
+              </a14:hiddenFill>
+            </a:ext>
+          </a:extLst>
+        </p:spPr>
+      </p:pic>
+      <p:sp>
+        <p:nvSpPr>
           <p:cNvPr id="4" name="Rectangle 3"/>
           <p:cNvSpPr/>
           <p:nvPr/>
         </p:nvSpPr>
         <p:spPr>
           <a:xfrm>
-            <a:off x="2117033" y="1728375"/>
-            <a:ext cx="6096000" cy="3108543"/>
+            <a:off x="2707562" y="1366941"/>
+            <a:ext cx="6096000" cy="923330"/>
           </a:xfrm>
           <a:prstGeom prst="rect">
             <a:avLst/>
@@ -20342,22 +20453,406 @@
           <a:lstStyle/>
           <a:p>
             <a:r>
-              <a:rPr lang="ja-JP" altLang="en-US" sz="2800" dirty="0">
-                <a:latin typeface="Segoe UI" panose="020B0502040204020203" pitchFamily="34" charset="0"/>
+              <a:rPr lang="en-US" dirty="0"/>
+              <a:t>敵が武器を投げて、プレイヤーがキャッチシステムをアクティブにしないと、プレイヤーがやられてしまいます。</a:t>
+            </a:r>
+          </a:p>
+        </p:txBody>
+      </p:sp>
+      <p:pic>
+        <p:nvPicPr>
+          <p:cNvPr id="1030" name="Picture 6" descr="Angry, annoyed, cringe, emoji, hurt, upset icon"/>
+          <p:cNvPicPr>
+            <a:picLocks noChangeAspect="1" noChangeArrowheads="1"/>
+          </p:cNvPicPr>
+          <p:nvPr/>
+        </p:nvPicPr>
+        <p:blipFill>
+          <a:blip r:embed="rId5" cstate="print">
+            <a:extLst>
+              <a:ext uri="{28A0092B-C50C-407E-A947-70E740481C1C}">
+                <a14:useLocalDpi xmlns:a14="http://schemas.microsoft.com/office/drawing/2010/main" val="0"/>
+              </a:ext>
+            </a:extLst>
+          </a:blip>
+          <a:srcRect/>
+          <a:stretch>
+            <a:fillRect/>
+          </a:stretch>
+        </p:blipFill>
+        <p:spPr bwMode="auto">
+          <a:xfrm>
+            <a:off x="9572825" y="1950373"/>
+            <a:ext cx="679796" cy="679796"/>
+          </a:xfrm>
+          <a:prstGeom prst="rect">
+            <a:avLst/>
+          </a:prstGeom>
+          <a:noFill/>
+          <a:extLst>
+            <a:ext uri="{909E8E84-426E-40DD-AFC4-6F175D3DCCD1}">
+              <a14:hiddenFill xmlns:a14="http://schemas.microsoft.com/office/drawing/2010/main">
+                <a:solidFill>
+                  <a:srgbClr val="FFFFFF"/>
+                </a:solidFill>
+              </a14:hiddenFill>
+            </a:ext>
+          </a:extLst>
+        </p:spPr>
+      </p:pic>
+      <p:sp>
+        <p:nvSpPr>
+          <p:cNvPr id="2" name="楕円 1">
+            <a:extLst>
+              <a:ext uri="{FF2B5EF4-FFF2-40B4-BE49-F238E27FC236}">
+                <a16:creationId xmlns:a16="http://schemas.microsoft.com/office/drawing/2014/main" id="{493F7F35-45DA-4100-85F7-448E9A86ED14}"/>
+              </a:ext>
+            </a:extLst>
+          </p:cNvPr>
+          <p:cNvSpPr/>
+          <p:nvPr/>
+        </p:nvSpPr>
+        <p:spPr>
+          <a:xfrm>
+            <a:off x="9867549" y="2782521"/>
+            <a:ext cx="346113" cy="352337"/>
+          </a:xfrm>
+          <a:prstGeom prst="ellipse">
+            <a:avLst/>
+          </a:prstGeom>
+          <a:solidFill>
+            <a:schemeClr val="tx1">
+              <a:lumMod val="50000"/>
+              <a:lumOff val="50000"/>
+            </a:schemeClr>
+          </a:solidFill>
+          <a:ln>
+            <a:noFill/>
+          </a:ln>
+        </p:spPr>
+        <p:style>
+          <a:lnRef idx="2">
+            <a:schemeClr val="accent1">
+              <a:shade val="50000"/>
+            </a:schemeClr>
+          </a:lnRef>
+          <a:fillRef idx="1">
+            <a:schemeClr val="accent1"/>
+          </a:fillRef>
+          <a:effectRef idx="0">
+            <a:schemeClr val="accent1"/>
+          </a:effectRef>
+          <a:fontRef idx="minor">
+            <a:schemeClr val="lt1"/>
+          </a:fontRef>
+        </p:style>
+        <p:txBody>
+          <a:bodyPr rtlCol="0" anchor="ctr"/>
+          <a:lstStyle/>
+          <a:p>
+            <a:pPr algn="ctr"/>
+            <a:endParaRPr kumimoji="1" lang="ja-JP" altLang="en-US"/>
+          </a:p>
+        </p:txBody>
+      </p:sp>
+      <p:sp>
+        <p:nvSpPr>
+          <p:cNvPr id="5" name="テキスト ボックス 4">
+            <a:extLst>
+              <a:ext uri="{FF2B5EF4-FFF2-40B4-BE49-F238E27FC236}">
+                <a16:creationId xmlns:a16="http://schemas.microsoft.com/office/drawing/2014/main" id="{E341A88E-112A-4B21-8A55-FAC0ECC9D277}"/>
+              </a:ext>
+            </a:extLst>
+          </p:cNvPr>
+          <p:cNvSpPr txBox="1"/>
+          <p:nvPr/>
+        </p:nvSpPr>
+        <p:spPr>
+          <a:xfrm>
+            <a:off x="9845924" y="2725830"/>
+            <a:ext cx="346112" cy="369332"/>
+          </a:xfrm>
+          <a:prstGeom prst="rect">
+            <a:avLst/>
+          </a:prstGeom>
+          <a:noFill/>
+        </p:spPr>
+        <p:txBody>
+          <a:bodyPr wrap="square" rtlCol="0">
+            <a:spAutoFit/>
+          </a:bodyPr>
+          <a:lstStyle/>
+          <a:p>
+            <a:r>
+              <a:rPr kumimoji="1" lang="en-US" altLang="ja-JP" dirty="0">
+                <a:solidFill>
+                  <a:srgbClr val="FF0000"/>
+                </a:solidFill>
               </a:rPr>
-              <a:t>企画の仕事はチェックリストのようなものだと思うので、そこにすべての仕事を書かなければなりません。プログラムやグラフィックは実際の仕事で、各タスクの時間や最初に何をすべきかなど、実際の仕事を管理します。</a:t>
-            </a:r>
-            <a:endParaRPr lang="ja-JP" altLang="en-US" sz="2800" b="0" i="0" dirty="0">
-              <a:effectLst/>
-              <a:latin typeface="Segoe UI" panose="020B0502040204020203" pitchFamily="34" charset="0"/>
+              <a:t>A</a:t>
+            </a:r>
+            <a:endParaRPr kumimoji="1" lang="ja-JP" altLang="en-US" dirty="0">
+              <a:solidFill>
+                <a:srgbClr val="FF0000"/>
+              </a:solidFill>
             </a:endParaRPr>
+          </a:p>
+        </p:txBody>
+      </p:sp>
+      <p:sp>
+        <p:nvSpPr>
+          <p:cNvPr id="8" name="テキスト ボックス 7">
+            <a:extLst>
+              <a:ext uri="{FF2B5EF4-FFF2-40B4-BE49-F238E27FC236}">
+                <a16:creationId xmlns:a16="http://schemas.microsoft.com/office/drawing/2014/main" id="{0690EFAE-5593-4900-90A1-F7046F75DD4C}"/>
+              </a:ext>
+            </a:extLst>
+          </p:cNvPr>
+          <p:cNvSpPr txBox="1"/>
+          <p:nvPr/>
+        </p:nvSpPr>
+        <p:spPr>
+          <a:xfrm>
+            <a:off x="8265920" y="3503552"/>
+            <a:ext cx="3549370" cy="369332"/>
+          </a:xfrm>
+          <a:prstGeom prst="rect">
+            <a:avLst/>
+          </a:prstGeom>
+          <a:noFill/>
+        </p:spPr>
+        <p:txBody>
+          <a:bodyPr wrap="none" rtlCol="0">
+            <a:spAutoFit/>
+          </a:bodyPr>
+          <a:lstStyle/>
+          <a:p>
+            <a:r>
+              <a:rPr kumimoji="1" lang="ja-JP" altLang="en-US" dirty="0"/>
+              <a:t>有効範囲にいると</a:t>
+            </a:r>
+            <a:r>
+              <a:rPr kumimoji="1" lang="en-US" altLang="ja-JP" dirty="0">
+                <a:solidFill>
+                  <a:srgbClr val="FF0000"/>
+                </a:solidFill>
+              </a:rPr>
+              <a:t>A</a:t>
+            </a:r>
+            <a:r>
+              <a:rPr kumimoji="1" lang="ja-JP" altLang="en-US" dirty="0"/>
+              <a:t>ボタンを押す</a:t>
+            </a:r>
+          </a:p>
+        </p:txBody>
+      </p:sp>
+      <p:sp>
+        <p:nvSpPr>
+          <p:cNvPr id="9" name="正方形/長方形 8">
+            <a:extLst>
+              <a:ext uri="{FF2B5EF4-FFF2-40B4-BE49-F238E27FC236}">
+                <a16:creationId xmlns:a16="http://schemas.microsoft.com/office/drawing/2014/main" id="{C80BF579-6FDE-43C1-A6B7-90B4ED14414C}"/>
+              </a:ext>
+            </a:extLst>
+          </p:cNvPr>
+          <p:cNvSpPr/>
+          <p:nvPr/>
+        </p:nvSpPr>
+        <p:spPr>
+          <a:xfrm>
+            <a:off x="0" y="0"/>
+            <a:ext cx="4420998" cy="964734"/>
+          </a:xfrm>
+          <a:prstGeom prst="rect">
+            <a:avLst/>
+          </a:prstGeom>
+          <a:solidFill>
+            <a:srgbClr val="C00000"/>
+          </a:solidFill>
+          <a:ln>
+            <a:noFill/>
+          </a:ln>
+        </p:spPr>
+        <p:style>
+          <a:lnRef idx="2">
+            <a:schemeClr val="accent1">
+              <a:shade val="50000"/>
+            </a:schemeClr>
+          </a:lnRef>
+          <a:fillRef idx="1">
+            <a:schemeClr val="accent1"/>
+          </a:fillRef>
+          <a:effectRef idx="0">
+            <a:schemeClr val="accent1"/>
+          </a:effectRef>
+          <a:fontRef idx="minor">
+            <a:schemeClr val="lt1"/>
+          </a:fontRef>
+        </p:style>
+        <p:txBody>
+          <a:bodyPr rtlCol="0" anchor="ctr"/>
+          <a:lstStyle/>
+          <a:p>
+            <a:pPr algn="ctr"/>
+            <a:r>
+              <a:rPr kumimoji="1" lang="ja-JP" altLang="en-US" sz="3200" dirty="0"/>
+              <a:t>プレーヤーアクション</a:t>
+            </a:r>
+          </a:p>
+        </p:txBody>
+      </p:sp>
+      <p:sp>
+        <p:nvSpPr>
+          <p:cNvPr id="10" name="テキスト ボックス 9">
+            <a:extLst>
+              <a:ext uri="{FF2B5EF4-FFF2-40B4-BE49-F238E27FC236}">
+                <a16:creationId xmlns:a16="http://schemas.microsoft.com/office/drawing/2014/main" id="{D2C22883-6360-4ECC-921E-55507AF0FAE5}"/>
+              </a:ext>
+            </a:extLst>
+          </p:cNvPr>
+          <p:cNvSpPr txBox="1"/>
+          <p:nvPr/>
+        </p:nvSpPr>
+        <p:spPr>
+          <a:xfrm>
+            <a:off x="7203336" y="4136714"/>
+            <a:ext cx="902811" cy="523220"/>
+          </a:xfrm>
+          <a:prstGeom prst="rect">
+            <a:avLst/>
+          </a:prstGeom>
+          <a:noFill/>
+        </p:spPr>
+        <p:txBody>
+          <a:bodyPr wrap="none" rtlCol="0">
+            <a:spAutoFit/>
+          </a:bodyPr>
+          <a:lstStyle/>
+          <a:p>
+            <a:r>
+              <a:rPr kumimoji="1" lang="ja-JP" altLang="en-US" sz="2800" dirty="0">
+                <a:solidFill>
+                  <a:srgbClr val="0070C0"/>
+                </a:solidFill>
+              </a:rPr>
+              <a:t>成功</a:t>
+            </a:r>
+          </a:p>
+        </p:txBody>
+      </p:sp>
+      <p:sp>
+        <p:nvSpPr>
+          <p:cNvPr id="11" name="テキスト ボックス 10">
+            <a:extLst>
+              <a:ext uri="{FF2B5EF4-FFF2-40B4-BE49-F238E27FC236}">
+                <a16:creationId xmlns:a16="http://schemas.microsoft.com/office/drawing/2014/main" id="{5D079760-83C2-43A1-A384-83744227E816}"/>
+              </a:ext>
+            </a:extLst>
+          </p:cNvPr>
+          <p:cNvSpPr txBox="1"/>
+          <p:nvPr/>
+        </p:nvSpPr>
+        <p:spPr>
+          <a:xfrm>
+            <a:off x="6182687" y="4691309"/>
+            <a:ext cx="2723823" cy="369332"/>
+          </a:xfrm>
+          <a:prstGeom prst="rect">
+            <a:avLst/>
+          </a:prstGeom>
+          <a:noFill/>
+        </p:spPr>
+        <p:txBody>
+          <a:bodyPr wrap="none" rtlCol="0">
+            <a:spAutoFit/>
+          </a:bodyPr>
+          <a:lstStyle/>
+          <a:p>
+            <a:r>
+              <a:rPr kumimoji="1" lang="ja-JP" altLang="en-US" dirty="0"/>
+              <a:t>ダメージを受けずに済む</a:t>
+            </a:r>
+          </a:p>
+        </p:txBody>
+      </p:sp>
+      <p:sp>
+        <p:nvSpPr>
+          <p:cNvPr id="15" name="テキスト ボックス 14">
+            <a:extLst>
+              <a:ext uri="{FF2B5EF4-FFF2-40B4-BE49-F238E27FC236}">
+                <a16:creationId xmlns:a16="http://schemas.microsoft.com/office/drawing/2014/main" id="{A1CE4279-5D8A-4077-9E3F-B322C6EA645E}"/>
+              </a:ext>
+            </a:extLst>
+          </p:cNvPr>
+          <p:cNvSpPr txBox="1"/>
+          <p:nvPr/>
+        </p:nvSpPr>
+        <p:spPr>
+          <a:xfrm>
+            <a:off x="10040605" y="4149240"/>
+            <a:ext cx="902811" cy="523220"/>
+          </a:xfrm>
+          <a:prstGeom prst="rect">
+            <a:avLst/>
+          </a:prstGeom>
+          <a:noFill/>
+        </p:spPr>
+        <p:txBody>
+          <a:bodyPr wrap="none" rtlCol="0">
+            <a:spAutoFit/>
+          </a:bodyPr>
+          <a:lstStyle/>
+          <a:p>
+            <a:r>
+              <a:rPr kumimoji="1" lang="ja-JP" altLang="en-US" sz="2800" dirty="0">
+                <a:solidFill>
+                  <a:schemeClr val="accent2"/>
+                </a:solidFill>
+              </a:rPr>
+              <a:t>失敗</a:t>
+            </a:r>
+          </a:p>
+        </p:txBody>
+      </p:sp>
+      <p:sp>
+        <p:nvSpPr>
+          <p:cNvPr id="12" name="テキスト ボックス 11">
+            <a:extLst>
+              <a:ext uri="{FF2B5EF4-FFF2-40B4-BE49-F238E27FC236}">
+                <a16:creationId xmlns:a16="http://schemas.microsoft.com/office/drawing/2014/main" id="{9804555E-79FA-4B5A-A576-51A370C588A7}"/>
+              </a:ext>
+            </a:extLst>
+          </p:cNvPr>
+          <p:cNvSpPr txBox="1"/>
+          <p:nvPr/>
+        </p:nvSpPr>
+        <p:spPr>
+          <a:xfrm>
+            <a:off x="9118832" y="4590363"/>
+            <a:ext cx="2723823" cy="369332"/>
+          </a:xfrm>
+          <a:prstGeom prst="rect">
+            <a:avLst/>
+          </a:prstGeom>
+          <a:noFill/>
+        </p:spPr>
+        <p:txBody>
+          <a:bodyPr wrap="none" rtlCol="0">
+            <a:spAutoFit/>
+          </a:bodyPr>
+          <a:lstStyle/>
+          <a:p>
+            <a:r>
+              <a:rPr kumimoji="1" lang="ja-JP" altLang="en-US" dirty="0"/>
+              <a:t>ダメージを受けてしまう</a:t>
+            </a:r>
           </a:p>
         </p:txBody>
       </p:sp>
     </p:spTree>
     <p:extLst>
       <p:ext uri="{BB962C8B-B14F-4D97-AF65-F5344CB8AC3E}">
-        <p14:creationId xmlns:p14="http://schemas.microsoft.com/office/powerpoint/2010/main" val="1608075975"/>
+        <p14:creationId xmlns:p14="http://schemas.microsoft.com/office/powerpoint/2010/main" val="108615842"/>
       </p:ext>
     </p:extLst>
   </p:cSld>
@@ -20384,129 +20879,6 @@
           <a:chExt cx="0" cy="0"/>
         </a:xfrm>
       </p:grpSpPr>
-      <p:pic>
-        <p:nvPicPr>
-          <p:cNvPr id="1026" name="Picture 2" descr="Criminal with covered head - Free people icons"/>
-          <p:cNvPicPr>
-            <a:picLocks noChangeAspect="1" noChangeArrowheads="1"/>
-          </p:cNvPicPr>
-          <p:nvPr/>
-        </p:nvPicPr>
-        <p:blipFill>
-          <a:blip r:embed="rId2" cstate="print">
-            <a:extLst>
-              <a:ext uri="{28A0092B-C50C-407E-A947-70E740481C1C}">
-                <a14:useLocalDpi xmlns:a14="http://schemas.microsoft.com/office/drawing/2010/main" val="0"/>
-              </a:ext>
-            </a:extLst>
-          </a:blip>
-          <a:srcRect/>
-          <a:stretch>
-            <a:fillRect/>
-          </a:stretch>
-        </p:blipFill>
-        <p:spPr bwMode="auto">
-          <a:xfrm>
-            <a:off x="9551504" y="1362421"/>
-            <a:ext cx="957331" cy="957331"/>
-          </a:xfrm>
-          <a:prstGeom prst="rect">
-            <a:avLst/>
-          </a:prstGeom>
-          <a:noFill/>
-          <a:extLst>
-            <a:ext uri="{909E8E84-426E-40DD-AFC4-6F175D3DCCD1}">
-              <a14:hiddenFill xmlns:a14="http://schemas.microsoft.com/office/drawing/2010/main">
-                <a:solidFill>
-                  <a:srgbClr val="FFFFFF"/>
-                </a:solidFill>
-              </a14:hiddenFill>
-            </a:ext>
-          </a:extLst>
-        </p:spPr>
-      </p:pic>
-      <p:pic>
-        <p:nvPicPr>
-          <p:cNvPr id="1028" name="Picture 4" descr="Guard, helmet, police, policeman, riot, security, weapon icon"/>
-          <p:cNvPicPr>
-            <a:picLocks noChangeAspect="1" noChangeArrowheads="1"/>
-          </p:cNvPicPr>
-          <p:nvPr/>
-        </p:nvPicPr>
-        <p:blipFill>
-          <a:blip r:embed="rId3" cstate="print">
-            <a:extLst>
-              <a:ext uri="{28A0092B-C50C-407E-A947-70E740481C1C}">
-                <a14:useLocalDpi xmlns:a14="http://schemas.microsoft.com/office/drawing/2010/main" val="0"/>
-              </a:ext>
-            </a:extLst>
-          </a:blip>
-          <a:srcRect/>
-          <a:stretch>
-            <a:fillRect/>
-          </a:stretch>
-        </p:blipFill>
-        <p:spPr bwMode="auto">
-          <a:xfrm>
-            <a:off x="1763416" y="1064626"/>
-            <a:ext cx="715479" cy="1205018"/>
-          </a:xfrm>
-          <a:prstGeom prst="rect">
-            <a:avLst/>
-          </a:prstGeom>
-          <a:noFill/>
-          <a:extLst>
-            <a:ext uri="{909E8E84-426E-40DD-AFC4-6F175D3DCCD1}">
-              <a14:hiddenFill xmlns:a14="http://schemas.microsoft.com/office/drawing/2010/main">
-                <a:solidFill>
-                  <a:srgbClr val="FFFFFF"/>
-                </a:solidFill>
-              </a14:hiddenFill>
-            </a:ext>
-          </a:extLst>
-        </p:spPr>
-      </p:pic>
-      <p:pic>
-        <p:nvPicPr>
-          <p:cNvPr id="6" name="Picture 6" descr="https://external-content.duckduckgo.com/iu/?u=https%3A%2F%2Ftse1.mm.bing.net%2Fth%3Fid%3DOIP.Fzl7S98H5cbRWqFn--aw6gHaHa%26pid%3DApi&amp;f=1"/>
-          <p:cNvPicPr>
-            <a:picLocks noChangeAspect="1" noChangeArrowheads="1"/>
-          </p:cNvPicPr>
-          <p:nvPr/>
-        </p:nvPicPr>
-        <p:blipFill>
-          <a:blip r:embed="rId4" cstate="print">
-            <a:extLst>
-              <a:ext uri="{28A0092B-C50C-407E-A947-70E740481C1C}">
-                <a14:useLocalDpi xmlns:a14="http://schemas.microsoft.com/office/drawing/2010/main" val="0"/>
-              </a:ext>
-            </a:extLst>
-          </a:blip>
-          <a:srcRect/>
-          <a:stretch>
-            <a:fillRect/>
-          </a:stretch>
-        </p:blipFill>
-        <p:spPr bwMode="auto">
-          <a:xfrm>
-            <a:off x="8018981" y="1396882"/>
-            <a:ext cx="540505" cy="540505"/>
-          </a:xfrm>
-          <a:prstGeom prst="rect">
-            <a:avLst/>
-          </a:prstGeom>
-          <a:noFill/>
-          <a:extLst>
-            <a:ext uri="{909E8E84-426E-40DD-AFC4-6F175D3DCCD1}">
-              <a14:hiddenFill xmlns:a14="http://schemas.microsoft.com/office/drawing/2010/main">
-                <a:solidFill>
-                  <a:srgbClr val="FFFFFF"/>
-                </a:solidFill>
-              </a14:hiddenFill>
-            </a:ext>
-          </a:extLst>
-        </p:spPr>
-      </p:pic>
       <p:sp>
         <p:nvSpPr>
           <p:cNvPr id="4" name="Rectangle 3"/>
@@ -20515,8 +20887,8 @@
         </p:nvSpPr>
         <p:spPr>
           <a:xfrm>
-            <a:off x="2825008" y="439091"/>
-            <a:ext cx="6096000" cy="923330"/>
+            <a:off x="2117033" y="1728375"/>
+            <a:ext cx="6096000" cy="3108543"/>
           </a:xfrm>
           <a:prstGeom prst="rect">
             <a:avLst/>
@@ -20529,57 +20901,22 @@
           <a:lstStyle/>
           <a:p>
             <a:r>
-              <a:rPr lang="en-US" dirty="0"/>
-              <a:t>敵が武器を投げて、プレイヤーがキャッチシステムをアクティブにしないと、プレイヤーがやられてしまいます。</a:t>
-            </a:r>
-          </a:p>
-        </p:txBody>
-      </p:sp>
-      <p:pic>
-        <p:nvPicPr>
-          <p:cNvPr id="1030" name="Picture 6" descr="Angry, annoyed, cringe, emoji, hurt, upset icon"/>
-          <p:cNvPicPr>
-            <a:picLocks noChangeAspect="1" noChangeArrowheads="1"/>
-          </p:cNvPicPr>
-          <p:nvPr/>
-        </p:nvPicPr>
-        <p:blipFill>
-          <a:blip r:embed="rId5" cstate="print">
-            <a:extLst>
-              <a:ext uri="{28A0092B-C50C-407E-A947-70E740481C1C}">
-                <a14:useLocalDpi xmlns:a14="http://schemas.microsoft.com/office/drawing/2010/main" val="0"/>
-              </a:ext>
-            </a:extLst>
-          </a:blip>
-          <a:srcRect/>
-          <a:stretch>
-            <a:fillRect/>
-          </a:stretch>
-        </p:blipFill>
-        <p:spPr bwMode="auto">
-          <a:xfrm>
-            <a:off x="9690271" y="1022523"/>
-            <a:ext cx="679796" cy="679796"/>
-          </a:xfrm>
-          <a:prstGeom prst="rect">
-            <a:avLst/>
-          </a:prstGeom>
-          <a:noFill/>
-          <a:extLst>
-            <a:ext uri="{909E8E84-426E-40DD-AFC4-6F175D3DCCD1}">
-              <a14:hiddenFill xmlns:a14="http://schemas.microsoft.com/office/drawing/2010/main">
-                <a:solidFill>
-                  <a:srgbClr val="FFFFFF"/>
-                </a:solidFill>
-              </a14:hiddenFill>
-            </a:ext>
-          </a:extLst>
-        </p:spPr>
-      </p:pic>
+              <a:rPr lang="ja-JP" altLang="en-US" sz="2800" dirty="0">
+                <a:latin typeface="Segoe UI" panose="020B0502040204020203" pitchFamily="34" charset="0"/>
+              </a:rPr>
+              <a:t>企画の仕事はチェックリストのようなものだと思うので、そこにすべての仕事を書かなければなりません。プログラムやグラフィックは実際の仕事で、各タスクの時間や最初に何をすべきかなど、実際の仕事を管理します。</a:t>
+            </a:r>
+            <a:endParaRPr lang="ja-JP" altLang="en-US" sz="2800" b="0" i="0" dirty="0">
+              <a:effectLst/>
+              <a:latin typeface="Segoe UI" panose="020B0502040204020203" pitchFamily="34" charset="0"/>
+            </a:endParaRPr>
+          </a:p>
+        </p:txBody>
+      </p:sp>
     </p:spTree>
     <p:extLst>
       <p:ext uri="{BB962C8B-B14F-4D97-AF65-F5344CB8AC3E}">
-        <p14:creationId xmlns:p14="http://schemas.microsoft.com/office/powerpoint/2010/main" val="108615842"/>
+        <p14:creationId xmlns:p14="http://schemas.microsoft.com/office/powerpoint/2010/main" val="1608075975"/>
       </p:ext>
     </p:extLst>
   </p:cSld>

--- a/すみませんASOゲームショウまでに間に合いませんでした.pptx
+++ b/すみませんASOゲームショウまでに間に合いませんでした.pptx
@@ -20715,7 +20715,7 @@
         </p:nvSpPr>
         <p:spPr>
           <a:xfrm>
-            <a:off x="7203336" y="4136714"/>
+            <a:off x="7640016" y="4067143"/>
             <a:ext cx="902811" cy="523220"/>
           </a:xfrm>
           <a:prstGeom prst="rect">
@@ -20754,7 +20754,7 @@
         </p:nvSpPr>
         <p:spPr>
           <a:xfrm>
-            <a:off x="6182687" y="4691309"/>
+            <a:off x="6619367" y="4621738"/>
             <a:ext cx="2723823" cy="369332"/>
           </a:xfrm>
           <a:prstGeom prst="rect">

--- a/すみませんASOゲームショウまでに間に合いませんでした.pptx
+++ b/すみませんASOゲームショウまでに間に合いませんでした.pptx
@@ -30,6 +30,7 @@
     <p:sldId id="279" r:id="rId24"/>
     <p:sldId id="278" r:id="rId25"/>
     <p:sldId id="280" r:id="rId26"/>
+    <p:sldId id="281" r:id="rId27"/>
   </p:sldIdLst>
   <p:sldSz cx="12192000" cy="6858000"/>
   <p:notesSz cx="6858000" cy="9144000"/>
@@ -158,6 +159,7 @@
             <p14:sldId id="279"/>
             <p14:sldId id="278"/>
             <p14:sldId id="280"/>
+            <p14:sldId id="281"/>
           </p14:sldIdLst>
         </p14:section>
       </p14:sectionLst>
@@ -20926,6 +20928,66 @@
 </p:sld>
 </file>
 
+<file path=ppt/slides/slide26.xml><?xml version="1.0" encoding="utf-8"?>
+<p:sld xmlns:a="http://schemas.openxmlformats.org/drawingml/2006/main" xmlns:r="http://schemas.openxmlformats.org/officeDocument/2006/relationships" xmlns:p="http://schemas.openxmlformats.org/presentationml/2006/main">
+  <p:cSld>
+    <p:spTree>
+      <p:nvGrpSpPr>
+        <p:cNvPr id="1" name=""/>
+        <p:cNvGrpSpPr/>
+        <p:nvPr/>
+      </p:nvGrpSpPr>
+      <p:grpSpPr>
+        <a:xfrm>
+          <a:off x="0" y="0"/>
+          <a:ext cx="0" cy="0"/>
+          <a:chOff x="0" y="0"/>
+          <a:chExt cx="0" cy="0"/>
+        </a:xfrm>
+      </p:grpSpPr>
+      <p:pic>
+        <p:nvPicPr>
+          <p:cNvPr id="4" name="Picture 3"/>
+          <p:cNvPicPr>
+            <a:picLocks noChangeAspect="1"/>
+          </p:cNvPicPr>
+          <p:nvPr/>
+        </p:nvPicPr>
+        <p:blipFill>
+          <a:blip r:embed="rId2">
+            <a:extLst>
+              <a:ext uri="{28A0092B-C50C-407E-A947-70E740481C1C}">
+                <a14:useLocalDpi xmlns:a14="http://schemas.microsoft.com/office/drawing/2010/main" val="0"/>
+              </a:ext>
+            </a:extLst>
+          </a:blip>
+          <a:stretch>
+            <a:fillRect/>
+          </a:stretch>
+        </p:blipFill>
+        <p:spPr>
+          <a:xfrm>
+            <a:off x="496974" y="0"/>
+            <a:ext cx="11198052" cy="6858000"/>
+          </a:xfrm>
+          <a:prstGeom prst="rect">
+            <a:avLst/>
+          </a:prstGeom>
+        </p:spPr>
+      </p:pic>
+    </p:spTree>
+    <p:extLst>
+      <p:ext uri="{BB962C8B-B14F-4D97-AF65-F5344CB8AC3E}">
+        <p14:creationId xmlns:p14="http://schemas.microsoft.com/office/powerpoint/2010/main" val="1119788298"/>
+      </p:ext>
+    </p:extLst>
+  </p:cSld>
+  <p:clrMapOvr>
+    <a:masterClrMapping/>
+  </p:clrMapOvr>
+</p:sld>
+</file>
+
 <file path=ppt/slides/slide3.xml><?xml version="1.0" encoding="utf-8"?>
 <p:sld xmlns:a="http://schemas.openxmlformats.org/drawingml/2006/main" xmlns:r="http://schemas.openxmlformats.org/officeDocument/2006/relationships" xmlns:p="http://schemas.openxmlformats.org/presentationml/2006/main">
   <p:cSld>

--- a/すみませんASOゲームショウまでに間に合いませんでした.pptx
+++ b/すみませんASOゲームショウまでに間に合いませんでした.pptx
@@ -33,10 +33,12 @@
     <p:sldId id="280" r:id="rId27"/>
     <p:sldId id="281" r:id="rId28"/>
     <p:sldId id="287" r:id="rId29"/>
-    <p:sldId id="284" r:id="rId30"/>
-    <p:sldId id="285" r:id="rId31"/>
-    <p:sldId id="286" r:id="rId32"/>
-    <p:sldId id="283" r:id="rId33"/>
+    <p:sldId id="288" r:id="rId30"/>
+    <p:sldId id="289" r:id="rId31"/>
+    <p:sldId id="284" r:id="rId32"/>
+    <p:sldId id="285" r:id="rId33"/>
+    <p:sldId id="286" r:id="rId34"/>
+    <p:sldId id="283" r:id="rId35"/>
   </p:sldIdLst>
   <p:sldSz cx="12192000" cy="6858000"/>
   <p:notesSz cx="6858000" cy="9144000"/>
@@ -168,6 +170,8 @@
             <p14:sldId id="280"/>
             <p14:sldId id="281"/>
             <p14:sldId id="287"/>
+            <p14:sldId id="288"/>
+            <p14:sldId id="289"/>
             <p14:sldId id="284"/>
             <p14:sldId id="285"/>
             <p14:sldId id="286"/>
@@ -3087,8 +3091,8 @@
         </p:blipFill>
         <p:spPr>
           <a:xfrm>
-            <a:off x="0" y="-857794"/>
-            <a:ext cx="12192000" cy="7715794"/>
+            <a:off x="0" y="-96473"/>
+            <a:ext cx="12192000" cy="7050946"/>
           </a:xfrm>
           <a:prstGeom prst="rect">
             <a:avLst/>
@@ -3109,7 +3113,7 @@
         </p:nvSpPr>
         <p:spPr>
           <a:xfrm>
-            <a:off x="4728755" y="3000103"/>
+            <a:off x="4744175" y="3327274"/>
             <a:ext cx="3692434" cy="3416320"/>
           </a:xfrm>
           <a:prstGeom prst="rect">
@@ -20944,7 +20948,7 @@
         </p:nvSpPr>
         <p:spPr>
           <a:xfrm>
-            <a:off x="1341783" y="2918982"/>
+            <a:off x="1262270" y="2933848"/>
             <a:ext cx="7752521" cy="2885470"/>
           </a:xfrm>
           <a:prstGeom prst="rect">
@@ -22925,7 +22929,7 @@
         </p:nvSpPr>
         <p:spPr>
           <a:xfrm>
-            <a:off x="0" y="-33340"/>
+            <a:off x="0" y="0"/>
             <a:ext cx="2030135" cy="704676"/>
           </a:xfrm>
           <a:prstGeom prst="rect">
@@ -22972,41 +22976,6 @@
       </p:sp>
       <p:sp>
         <p:nvSpPr>
-          <p:cNvPr id="6" name="テキスト ボックス 5">
-            <a:extLst>
-              <a:ext uri="{FF2B5EF4-FFF2-40B4-BE49-F238E27FC236}">
-                <a16:creationId xmlns:a16="http://schemas.microsoft.com/office/drawing/2014/main" id="{E4877674-E7F0-441E-AC0C-7653DFAB8AC8}"/>
-              </a:ext>
-            </a:extLst>
-          </p:cNvPr>
-          <p:cNvSpPr txBox="1"/>
-          <p:nvPr/>
-        </p:nvSpPr>
-        <p:spPr>
-          <a:xfrm>
-            <a:off x="3070371" y="134332"/>
-            <a:ext cx="2262158" cy="369332"/>
-          </a:xfrm>
-          <a:prstGeom prst="rect">
-            <a:avLst/>
-          </a:prstGeom>
-          <a:noFill/>
-        </p:spPr>
-        <p:txBody>
-          <a:bodyPr wrap="none" rtlCol="0">
-            <a:spAutoFit/>
-          </a:bodyPr>
-          <a:lstStyle/>
-          <a:p>
-            <a:r>
-              <a:rPr kumimoji="1" lang="ja-JP" altLang="en-US" dirty="0"/>
-              <a:t>戦闘シーンのみ実装</a:t>
-            </a:r>
-          </a:p>
-        </p:txBody>
-      </p:sp>
-      <p:sp>
-        <p:nvSpPr>
           <p:cNvPr id="8" name="正方形/長方形 7">
             <a:extLst>
               <a:ext uri="{FF2B5EF4-FFF2-40B4-BE49-F238E27FC236}">
@@ -23019,7 +22988,7 @@
         </p:nvSpPr>
         <p:spPr>
           <a:xfrm>
-            <a:off x="0" y="957959"/>
+            <a:off x="-1" y="1516310"/>
             <a:ext cx="2030135" cy="704676"/>
           </a:xfrm>
           <a:prstGeom prst="rect">
@@ -23066,10 +23035,10 @@
       </p:sp>
       <p:sp>
         <p:nvSpPr>
-          <p:cNvPr id="9" name="テキスト ボックス 8">
+          <p:cNvPr id="3" name="テキスト ボックス 2">
             <a:extLst>
               <a:ext uri="{FF2B5EF4-FFF2-40B4-BE49-F238E27FC236}">
-                <a16:creationId xmlns:a16="http://schemas.microsoft.com/office/drawing/2014/main" id="{1F1308BB-05E0-4077-9999-B27F16276CC9}"/>
+                <a16:creationId xmlns:a16="http://schemas.microsoft.com/office/drawing/2014/main" id="{FA09443D-8D51-4DCB-8364-1FD253E4FDFA}"/>
               </a:ext>
             </a:extLst>
           </p:cNvPr>
@@ -23078,8 +23047,8 @@
         </p:nvSpPr>
         <p:spPr>
           <a:xfrm>
-            <a:off x="3070371" y="1125631"/>
-            <a:ext cx="7109639" cy="369332"/>
+            <a:off x="3137482" y="220212"/>
+            <a:ext cx="958917" cy="369332"/>
           </a:xfrm>
           <a:prstGeom prst="rect">
             <a:avLst/>
@@ -23093,8 +23062,137 @@
           <a:lstStyle/>
           <a:p>
             <a:r>
+              <a:rPr kumimoji="1" lang="en-US" altLang="ja-JP" dirty="0"/>
+              <a:t>demo</a:t>
+            </a:r>
+            <a:r>
               <a:rPr kumimoji="1" lang="ja-JP" altLang="en-US" dirty="0"/>
-              <a:t>タイトルシーンおよびキャラクター選択シーンなどのシーンを実装</a:t>
+              <a:t>版</a:t>
+            </a:r>
+          </a:p>
+        </p:txBody>
+      </p:sp>
+      <p:sp>
+        <p:nvSpPr>
+          <p:cNvPr id="10" name="テキスト ボックス 9">
+            <a:extLst>
+              <a:ext uri="{FF2B5EF4-FFF2-40B4-BE49-F238E27FC236}">
+                <a16:creationId xmlns:a16="http://schemas.microsoft.com/office/drawing/2014/main" id="{21481370-9392-4217-82CF-37DC3C6D75BC}"/>
+              </a:ext>
+            </a:extLst>
+          </p:cNvPr>
+          <p:cNvSpPr txBox="1"/>
+          <p:nvPr/>
+        </p:nvSpPr>
+        <p:spPr>
+          <a:xfrm>
+            <a:off x="3137481" y="1683982"/>
+            <a:ext cx="2262158" cy="369332"/>
+          </a:xfrm>
+          <a:prstGeom prst="rect">
+            <a:avLst/>
+          </a:prstGeom>
+          <a:noFill/>
+        </p:spPr>
+        <p:txBody>
+          <a:bodyPr wrap="none" rtlCol="0">
+            <a:spAutoFit/>
+          </a:bodyPr>
+          <a:lstStyle/>
+          <a:p>
+            <a:r>
+              <a:rPr kumimoji="1" lang="ja-JP" altLang="en-US" dirty="0"/>
+              <a:t>完成版にちかずける</a:t>
+            </a:r>
+          </a:p>
+        </p:txBody>
+      </p:sp>
+      <p:sp>
+        <p:nvSpPr>
+          <p:cNvPr id="11" name="正方形/長方形 10">
+            <a:extLst>
+              <a:ext uri="{FF2B5EF4-FFF2-40B4-BE49-F238E27FC236}">
+                <a16:creationId xmlns:a16="http://schemas.microsoft.com/office/drawing/2014/main" id="{A6598CEE-D93B-4057-9427-99E5137DAF05}"/>
+              </a:ext>
+            </a:extLst>
+          </p:cNvPr>
+          <p:cNvSpPr/>
+          <p:nvPr/>
+        </p:nvSpPr>
+        <p:spPr>
+          <a:xfrm>
+            <a:off x="-2" y="2826391"/>
+            <a:ext cx="2030135" cy="704676"/>
+          </a:xfrm>
+          <a:prstGeom prst="rect">
+            <a:avLst/>
+          </a:prstGeom>
+          <a:solidFill>
+            <a:srgbClr val="C00000"/>
+          </a:solidFill>
+          <a:ln>
+            <a:noFill/>
+          </a:ln>
+        </p:spPr>
+        <p:style>
+          <a:lnRef idx="2">
+            <a:schemeClr val="accent1">
+              <a:shade val="50000"/>
+            </a:schemeClr>
+          </a:lnRef>
+          <a:fillRef idx="1">
+            <a:schemeClr val="accent1"/>
+          </a:fillRef>
+          <a:effectRef idx="0">
+            <a:schemeClr val="accent1"/>
+          </a:effectRef>
+          <a:fontRef idx="minor">
+            <a:schemeClr val="lt1"/>
+          </a:fontRef>
+        </p:style>
+        <p:txBody>
+          <a:bodyPr rtlCol="0" anchor="ctr"/>
+          <a:lstStyle/>
+          <a:p>
+            <a:pPr algn="ctr"/>
+            <a:r>
+              <a:rPr kumimoji="1" lang="ja-JP" altLang="en-US" dirty="0"/>
+              <a:t>完成版</a:t>
+            </a:r>
+          </a:p>
+        </p:txBody>
+      </p:sp>
+      <p:sp>
+        <p:nvSpPr>
+          <p:cNvPr id="4" name="テキスト ボックス 3">
+            <a:extLst>
+              <a:ext uri="{FF2B5EF4-FFF2-40B4-BE49-F238E27FC236}">
+                <a16:creationId xmlns:a16="http://schemas.microsoft.com/office/drawing/2014/main" id="{22C0DD0D-B4CA-4244-B9E7-E49D796A7444}"/>
+              </a:ext>
+            </a:extLst>
+          </p:cNvPr>
+          <p:cNvSpPr txBox="1"/>
+          <p:nvPr/>
+        </p:nvSpPr>
+        <p:spPr>
+          <a:xfrm>
+            <a:off x="3204594" y="3095538"/>
+            <a:ext cx="2031325" cy="369332"/>
+          </a:xfrm>
+          <a:prstGeom prst="rect">
+            <a:avLst/>
+          </a:prstGeom>
+          <a:noFill/>
+        </p:spPr>
+        <p:txBody>
+          <a:bodyPr wrap="none" rtlCol="0">
+            <a:spAutoFit/>
+          </a:bodyPr>
+          <a:lstStyle/>
+          <a:p>
+            <a:r>
+              <a:rPr kumimoji="1" lang="ja-JP" altLang="en-US" dirty="0"/>
+              <a:t>全て完了した状態</a:t>
             </a:r>
           </a:p>
         </p:txBody>
@@ -23113,6 +23211,4584 @@
 </file>
 
 <file path=ppt/slides/slide29.xml><?xml version="1.0" encoding="utf-8"?>
+<p:sld xmlns:a="http://schemas.openxmlformats.org/drawingml/2006/main" xmlns:r="http://schemas.openxmlformats.org/officeDocument/2006/relationships" xmlns:p="http://schemas.openxmlformats.org/presentationml/2006/main">
+  <p:cSld>
+    <p:spTree>
+      <p:nvGrpSpPr>
+        <p:cNvPr id="1" name=""/>
+        <p:cNvGrpSpPr/>
+        <p:nvPr/>
+      </p:nvGrpSpPr>
+      <p:grpSpPr>
+        <a:xfrm>
+          <a:off x="0" y="0"/>
+          <a:ext cx="0" cy="0"/>
+          <a:chOff x="0" y="0"/>
+          <a:chExt cx="0" cy="0"/>
+        </a:xfrm>
+      </p:grpSpPr>
+      <p:grpSp>
+        <p:nvGrpSpPr>
+          <p:cNvPr id="4" name="グループ化 3">
+            <a:extLst>
+              <a:ext uri="{FF2B5EF4-FFF2-40B4-BE49-F238E27FC236}">
+                <a16:creationId xmlns:a16="http://schemas.microsoft.com/office/drawing/2014/main" id="{30C79F88-F3D5-4376-B00B-94519014C187}"/>
+              </a:ext>
+            </a:extLst>
+          </p:cNvPr>
+          <p:cNvGrpSpPr/>
+          <p:nvPr/>
+        </p:nvGrpSpPr>
+        <p:grpSpPr>
+          <a:xfrm>
+            <a:off x="0" y="0"/>
+            <a:ext cx="2030135" cy="704676"/>
+            <a:chOff x="0" y="-33340"/>
+            <a:chExt cx="2030135" cy="704676"/>
+          </a:xfrm>
+        </p:grpSpPr>
+        <p:sp>
+          <p:nvSpPr>
+            <p:cNvPr id="5" name="正方形/長方形 4">
+              <a:extLst>
+                <a:ext uri="{FF2B5EF4-FFF2-40B4-BE49-F238E27FC236}">
+                  <a16:creationId xmlns:a16="http://schemas.microsoft.com/office/drawing/2014/main" id="{135B3D36-40EC-444B-8762-BBBBE9BD344D}"/>
+                </a:ext>
+              </a:extLst>
+            </p:cNvPr>
+            <p:cNvSpPr/>
+            <p:nvPr/>
+          </p:nvSpPr>
+          <p:spPr>
+            <a:xfrm>
+              <a:off x="0" y="-33340"/>
+              <a:ext cx="2030135" cy="704676"/>
+            </a:xfrm>
+            <a:prstGeom prst="rect">
+              <a:avLst/>
+            </a:prstGeom>
+            <a:solidFill>
+              <a:srgbClr val="C00000"/>
+            </a:solidFill>
+            <a:ln>
+              <a:noFill/>
+            </a:ln>
+          </p:spPr>
+          <p:style>
+            <a:lnRef idx="2">
+              <a:schemeClr val="accent1">
+                <a:shade val="50000"/>
+              </a:schemeClr>
+            </a:lnRef>
+            <a:fillRef idx="1">
+              <a:schemeClr val="accent1"/>
+            </a:fillRef>
+            <a:effectRef idx="0">
+              <a:schemeClr val="accent1"/>
+            </a:effectRef>
+            <a:fontRef idx="minor">
+              <a:schemeClr val="lt1"/>
+            </a:fontRef>
+          </p:style>
+          <p:txBody>
+            <a:bodyPr rtlCol="0" anchor="ctr"/>
+            <a:lstStyle/>
+            <a:p>
+              <a:pPr algn="ctr"/>
+              <a:endParaRPr kumimoji="1" lang="ja-JP" altLang="en-US"/>
+            </a:p>
+          </p:txBody>
+        </p:sp>
+        <p:sp>
+          <p:nvSpPr>
+            <p:cNvPr id="6" name="テキスト ボックス 5">
+              <a:extLst>
+                <a:ext uri="{FF2B5EF4-FFF2-40B4-BE49-F238E27FC236}">
+                  <a16:creationId xmlns:a16="http://schemas.microsoft.com/office/drawing/2014/main" id="{6D762F44-B046-44C9-9912-563091CCA331}"/>
+                </a:ext>
+              </a:extLst>
+            </p:cNvPr>
+            <p:cNvSpPr txBox="1"/>
+            <p:nvPr/>
+          </p:nvSpPr>
+          <p:spPr>
+            <a:xfrm>
+              <a:off x="142613" y="-33340"/>
+              <a:ext cx="1678665" cy="646331"/>
+            </a:xfrm>
+            <a:prstGeom prst="rect">
+              <a:avLst/>
+            </a:prstGeom>
+            <a:noFill/>
+          </p:spPr>
+          <p:txBody>
+            <a:bodyPr wrap="none" rtlCol="0">
+              <a:spAutoFit/>
+            </a:bodyPr>
+            <a:lstStyle/>
+            <a:p>
+              <a:r>
+                <a:rPr kumimoji="1" lang="en-US" altLang="ja-JP" sz="3600" dirty="0">
+                  <a:solidFill>
+                    <a:schemeClr val="bg1"/>
+                  </a:solidFill>
+                </a:rPr>
+                <a:t>alpha</a:t>
+              </a:r>
+              <a:r>
+                <a:rPr kumimoji="1" lang="ja-JP" altLang="en-US" sz="3600" dirty="0">
+                  <a:solidFill>
+                    <a:schemeClr val="bg1"/>
+                  </a:solidFill>
+                </a:rPr>
+                <a:t>版</a:t>
+              </a:r>
+            </a:p>
+          </p:txBody>
+        </p:sp>
+      </p:grpSp>
+      <p:sp>
+        <p:nvSpPr>
+          <p:cNvPr id="7" name="テキスト ボックス 6">
+            <a:extLst>
+              <a:ext uri="{FF2B5EF4-FFF2-40B4-BE49-F238E27FC236}">
+                <a16:creationId xmlns:a16="http://schemas.microsoft.com/office/drawing/2014/main" id="{F6C30675-35A8-409F-B410-13ACE7FEFDEA}"/>
+              </a:ext>
+            </a:extLst>
+          </p:cNvPr>
+          <p:cNvSpPr txBox="1"/>
+          <p:nvPr/>
+        </p:nvSpPr>
+        <p:spPr>
+          <a:xfrm>
+            <a:off x="251618" y="744303"/>
+            <a:ext cx="1569660" cy="369332"/>
+          </a:xfrm>
+          <a:prstGeom prst="rect">
+            <a:avLst/>
+          </a:prstGeom>
+          <a:noFill/>
+        </p:spPr>
+        <p:txBody>
+          <a:bodyPr wrap="none" rtlCol="0">
+            <a:spAutoFit/>
+          </a:bodyPr>
+          <a:lstStyle/>
+          <a:p>
+            <a:r>
+              <a:rPr kumimoji="1" lang="ja-JP" altLang="en-US" dirty="0"/>
+              <a:t>完成した状態</a:t>
+            </a:r>
+          </a:p>
+        </p:txBody>
+      </p:sp>
+      <p:sp>
+        <p:nvSpPr>
+          <p:cNvPr id="42" name="正方形/長方形 41">
+            <a:extLst>
+              <a:ext uri="{FF2B5EF4-FFF2-40B4-BE49-F238E27FC236}">
+                <a16:creationId xmlns:a16="http://schemas.microsoft.com/office/drawing/2014/main" id="{294BBB0A-3D01-4B4D-A171-E425A1AC2345}"/>
+              </a:ext>
+            </a:extLst>
+          </p:cNvPr>
+          <p:cNvSpPr/>
+          <p:nvPr/>
+        </p:nvSpPr>
+        <p:spPr>
+          <a:xfrm>
+            <a:off x="2978092" y="169873"/>
+            <a:ext cx="2902592" cy="1887523"/>
+          </a:xfrm>
+          <a:prstGeom prst="rect">
+            <a:avLst/>
+          </a:prstGeom>
+          <a:solidFill>
+            <a:schemeClr val="accent2">
+              <a:lumMod val="40000"/>
+              <a:lumOff val="60000"/>
+            </a:schemeClr>
+          </a:solidFill>
+          <a:ln>
+            <a:noFill/>
+          </a:ln>
+        </p:spPr>
+        <p:style>
+          <a:lnRef idx="2">
+            <a:schemeClr val="accent1">
+              <a:shade val="50000"/>
+            </a:schemeClr>
+          </a:lnRef>
+          <a:fillRef idx="1">
+            <a:schemeClr val="accent1"/>
+          </a:fillRef>
+          <a:effectRef idx="0">
+            <a:schemeClr val="accent1"/>
+          </a:effectRef>
+          <a:fontRef idx="minor">
+            <a:schemeClr val="lt1"/>
+          </a:fontRef>
+        </p:style>
+        <p:txBody>
+          <a:bodyPr rtlCol="0" anchor="ctr"/>
+          <a:lstStyle/>
+          <a:p>
+            <a:pPr algn="ctr"/>
+            <a:endParaRPr kumimoji="1" lang="ja-JP" altLang="en-US" dirty="0"/>
+          </a:p>
+        </p:txBody>
+      </p:sp>
+      <p:sp>
+        <p:nvSpPr>
+          <p:cNvPr id="43" name="テキスト ボックス 42">
+            <a:extLst>
+              <a:ext uri="{FF2B5EF4-FFF2-40B4-BE49-F238E27FC236}">
+                <a16:creationId xmlns:a16="http://schemas.microsoft.com/office/drawing/2014/main" id="{B9DAC98F-D9B6-4EB7-8D5A-7DA49C5F3E29}"/>
+              </a:ext>
+            </a:extLst>
+          </p:cNvPr>
+          <p:cNvSpPr txBox="1"/>
+          <p:nvPr/>
+        </p:nvSpPr>
+        <p:spPr>
+          <a:xfrm>
+            <a:off x="2978092" y="169873"/>
+            <a:ext cx="1099981" cy="369332"/>
+          </a:xfrm>
+          <a:prstGeom prst="rect">
+            <a:avLst/>
+          </a:prstGeom>
+          <a:noFill/>
+        </p:spPr>
+        <p:txBody>
+          <a:bodyPr wrap="none" rtlCol="0">
+            <a:spAutoFit/>
+          </a:bodyPr>
+          <a:lstStyle/>
+          <a:p>
+            <a:r>
+              <a:rPr kumimoji="1" lang="en-US" altLang="ja-JP" dirty="0" err="1"/>
+              <a:t>titlescene</a:t>
+            </a:r>
+            <a:endParaRPr kumimoji="1" lang="ja-JP" altLang="en-US" dirty="0"/>
+          </a:p>
+        </p:txBody>
+      </p:sp>
+      <p:sp>
+        <p:nvSpPr>
+          <p:cNvPr id="44" name="矢印: 下 43">
+            <a:extLst>
+              <a:ext uri="{FF2B5EF4-FFF2-40B4-BE49-F238E27FC236}">
+                <a16:creationId xmlns:a16="http://schemas.microsoft.com/office/drawing/2014/main" id="{C9C4450E-A2F6-4EB9-85EA-C2DC559FABC8}"/>
+              </a:ext>
+            </a:extLst>
+          </p:cNvPr>
+          <p:cNvSpPr/>
+          <p:nvPr/>
+        </p:nvSpPr>
+        <p:spPr>
+          <a:xfrm>
+            <a:off x="4148356" y="2164360"/>
+            <a:ext cx="562063" cy="545284"/>
+          </a:xfrm>
+          <a:prstGeom prst="downArrow">
+            <a:avLst/>
+          </a:prstGeom>
+        </p:spPr>
+        <p:style>
+          <a:lnRef idx="2">
+            <a:schemeClr val="accent1">
+              <a:shade val="50000"/>
+            </a:schemeClr>
+          </a:lnRef>
+          <a:fillRef idx="1">
+            <a:schemeClr val="accent1"/>
+          </a:fillRef>
+          <a:effectRef idx="0">
+            <a:schemeClr val="accent1"/>
+          </a:effectRef>
+          <a:fontRef idx="minor">
+            <a:schemeClr val="lt1"/>
+          </a:fontRef>
+        </p:style>
+        <p:txBody>
+          <a:bodyPr rtlCol="0" anchor="ctr"/>
+          <a:lstStyle/>
+          <a:p>
+            <a:pPr algn="ctr"/>
+            <a:endParaRPr kumimoji="1" lang="ja-JP" altLang="en-US" dirty="0"/>
+          </a:p>
+        </p:txBody>
+      </p:sp>
+      <p:sp>
+        <p:nvSpPr>
+          <p:cNvPr id="45" name="正方形/長方形 44">
+            <a:extLst>
+              <a:ext uri="{FF2B5EF4-FFF2-40B4-BE49-F238E27FC236}">
+                <a16:creationId xmlns:a16="http://schemas.microsoft.com/office/drawing/2014/main" id="{5EDBB286-6263-4C14-ABC9-06FF59E69074}"/>
+              </a:ext>
+            </a:extLst>
+          </p:cNvPr>
+          <p:cNvSpPr/>
+          <p:nvPr/>
+        </p:nvSpPr>
+        <p:spPr>
+          <a:xfrm>
+            <a:off x="2752988" y="2816608"/>
+            <a:ext cx="3352800" cy="1847680"/>
+          </a:xfrm>
+          <a:prstGeom prst="rect">
+            <a:avLst/>
+          </a:prstGeom>
+          <a:ln>
+            <a:noFill/>
+          </a:ln>
+        </p:spPr>
+        <p:style>
+          <a:lnRef idx="2">
+            <a:schemeClr val="accent1">
+              <a:shade val="50000"/>
+            </a:schemeClr>
+          </a:lnRef>
+          <a:fillRef idx="1">
+            <a:schemeClr val="accent1"/>
+          </a:fillRef>
+          <a:effectRef idx="0">
+            <a:schemeClr val="accent1"/>
+          </a:effectRef>
+          <a:fontRef idx="minor">
+            <a:schemeClr val="lt1"/>
+          </a:fontRef>
+        </p:style>
+        <p:txBody>
+          <a:bodyPr rtlCol="0" anchor="ctr"/>
+          <a:lstStyle/>
+          <a:p>
+            <a:pPr algn="ctr"/>
+            <a:endParaRPr kumimoji="1" lang="ja-JP" altLang="en-US" dirty="0"/>
+          </a:p>
+        </p:txBody>
+      </p:sp>
+      <p:sp>
+        <p:nvSpPr>
+          <p:cNvPr id="46" name="テキスト ボックス 45">
+            <a:extLst>
+              <a:ext uri="{FF2B5EF4-FFF2-40B4-BE49-F238E27FC236}">
+                <a16:creationId xmlns:a16="http://schemas.microsoft.com/office/drawing/2014/main" id="{B5081627-F810-4C50-8C66-88361C6E0B70}"/>
+              </a:ext>
+            </a:extLst>
+          </p:cNvPr>
+          <p:cNvSpPr txBox="1"/>
+          <p:nvPr/>
+        </p:nvSpPr>
+        <p:spPr>
+          <a:xfrm>
+            <a:off x="2752988" y="2816608"/>
+            <a:ext cx="1255985" cy="369332"/>
+          </a:xfrm>
+          <a:prstGeom prst="rect">
+            <a:avLst/>
+          </a:prstGeom>
+          <a:noFill/>
+        </p:spPr>
+        <p:txBody>
+          <a:bodyPr wrap="none" rtlCol="0">
+            <a:spAutoFit/>
+          </a:bodyPr>
+          <a:lstStyle/>
+          <a:p>
+            <a:r>
+              <a:rPr kumimoji="1" lang="en-US" altLang="ja-JP" dirty="0" err="1"/>
+              <a:t>gameScene</a:t>
+            </a:r>
+            <a:endParaRPr kumimoji="1" lang="ja-JP" altLang="en-US" dirty="0"/>
+          </a:p>
+        </p:txBody>
+      </p:sp>
+      <p:sp>
+        <p:nvSpPr>
+          <p:cNvPr id="47" name="矢印: 下 46">
+            <a:extLst>
+              <a:ext uri="{FF2B5EF4-FFF2-40B4-BE49-F238E27FC236}">
+                <a16:creationId xmlns:a16="http://schemas.microsoft.com/office/drawing/2014/main" id="{3D5C3C26-0CF6-4BF2-998A-7BB33461C96A}"/>
+              </a:ext>
+            </a:extLst>
+          </p:cNvPr>
+          <p:cNvSpPr/>
+          <p:nvPr/>
+        </p:nvSpPr>
+        <p:spPr>
+          <a:xfrm>
+            <a:off x="4148356" y="4771252"/>
+            <a:ext cx="492855" cy="551571"/>
+          </a:xfrm>
+          <a:prstGeom prst="downArrow">
+            <a:avLst/>
+          </a:prstGeom>
+        </p:spPr>
+        <p:style>
+          <a:lnRef idx="2">
+            <a:schemeClr val="accent1">
+              <a:shade val="50000"/>
+            </a:schemeClr>
+          </a:lnRef>
+          <a:fillRef idx="1">
+            <a:schemeClr val="accent1"/>
+          </a:fillRef>
+          <a:effectRef idx="0">
+            <a:schemeClr val="accent1"/>
+          </a:effectRef>
+          <a:fontRef idx="minor">
+            <a:schemeClr val="lt1"/>
+          </a:fontRef>
+        </p:style>
+        <p:txBody>
+          <a:bodyPr rtlCol="0" anchor="ctr"/>
+          <a:lstStyle/>
+          <a:p>
+            <a:pPr algn="ctr"/>
+            <a:endParaRPr kumimoji="1" lang="ja-JP" altLang="en-US"/>
+          </a:p>
+        </p:txBody>
+      </p:sp>
+      <p:sp>
+        <p:nvSpPr>
+          <p:cNvPr id="48" name="正方形/長方形 47">
+            <a:extLst>
+              <a:ext uri="{FF2B5EF4-FFF2-40B4-BE49-F238E27FC236}">
+                <a16:creationId xmlns:a16="http://schemas.microsoft.com/office/drawing/2014/main" id="{C5BAAE90-B2EF-46E7-BE00-E2E38FA6BE2C}"/>
+              </a:ext>
+            </a:extLst>
+          </p:cNvPr>
+          <p:cNvSpPr/>
+          <p:nvPr/>
+        </p:nvSpPr>
+        <p:spPr>
+          <a:xfrm>
+            <a:off x="2978092" y="5423500"/>
+            <a:ext cx="2950478" cy="1398877"/>
+          </a:xfrm>
+          <a:prstGeom prst="rect">
+            <a:avLst/>
+          </a:prstGeom>
+          <a:solidFill>
+            <a:schemeClr val="accent2">
+              <a:lumMod val="40000"/>
+              <a:lumOff val="60000"/>
+            </a:schemeClr>
+          </a:solidFill>
+          <a:ln>
+            <a:noFill/>
+          </a:ln>
+        </p:spPr>
+        <p:style>
+          <a:lnRef idx="2">
+            <a:schemeClr val="accent1">
+              <a:shade val="50000"/>
+            </a:schemeClr>
+          </a:lnRef>
+          <a:fillRef idx="1">
+            <a:schemeClr val="accent1"/>
+          </a:fillRef>
+          <a:effectRef idx="0">
+            <a:schemeClr val="accent1"/>
+          </a:effectRef>
+          <a:fontRef idx="minor">
+            <a:schemeClr val="lt1"/>
+          </a:fontRef>
+        </p:style>
+        <p:txBody>
+          <a:bodyPr rtlCol="0" anchor="ctr"/>
+          <a:lstStyle/>
+          <a:p>
+            <a:pPr algn="ctr"/>
+            <a:endParaRPr kumimoji="1" lang="ja-JP" altLang="en-US" dirty="0"/>
+          </a:p>
+        </p:txBody>
+      </p:sp>
+      <p:sp>
+        <p:nvSpPr>
+          <p:cNvPr id="49" name="テキスト ボックス 48">
+            <a:extLst>
+              <a:ext uri="{FF2B5EF4-FFF2-40B4-BE49-F238E27FC236}">
+                <a16:creationId xmlns:a16="http://schemas.microsoft.com/office/drawing/2014/main" id="{9EE7F202-A661-454B-A5BB-E6958981704C}"/>
+              </a:ext>
+            </a:extLst>
+          </p:cNvPr>
+          <p:cNvSpPr txBox="1"/>
+          <p:nvPr/>
+        </p:nvSpPr>
+        <p:spPr>
+          <a:xfrm>
+            <a:off x="3024636" y="5463343"/>
+            <a:ext cx="1685783" cy="369332"/>
+          </a:xfrm>
+          <a:prstGeom prst="rect">
+            <a:avLst/>
+          </a:prstGeom>
+          <a:noFill/>
+        </p:spPr>
+        <p:txBody>
+          <a:bodyPr wrap="none" rtlCol="0">
+            <a:spAutoFit/>
+          </a:bodyPr>
+          <a:lstStyle/>
+          <a:p>
+            <a:r>
+              <a:rPr kumimoji="1" lang="en-US" altLang="ja-JP" dirty="0" err="1"/>
+              <a:t>gameOverscene</a:t>
+            </a:r>
+            <a:endParaRPr kumimoji="1" lang="ja-JP" altLang="en-US" dirty="0"/>
+          </a:p>
+        </p:txBody>
+      </p:sp>
+      <p:sp>
+        <p:nvSpPr>
+          <p:cNvPr id="50" name="矢印: 上向き折線 49">
+            <a:extLst>
+              <a:ext uri="{FF2B5EF4-FFF2-40B4-BE49-F238E27FC236}">
+                <a16:creationId xmlns:a16="http://schemas.microsoft.com/office/drawing/2014/main" id="{8B682213-DA76-40BF-8F79-0F79F375906A}"/>
+              </a:ext>
+            </a:extLst>
+          </p:cNvPr>
+          <p:cNvSpPr/>
+          <p:nvPr/>
+        </p:nvSpPr>
+        <p:spPr>
+          <a:xfrm rot="16200000">
+            <a:off x="3814700" y="2985053"/>
+            <a:ext cx="5561522" cy="884076"/>
+          </a:xfrm>
+          <a:prstGeom prst="bentUpArrow">
+            <a:avLst>
+              <a:gd name="adj1" fmla="val 22471"/>
+              <a:gd name="adj2" fmla="val 23899"/>
+              <a:gd name="adj3" fmla="val 17098"/>
+            </a:avLst>
+          </a:prstGeom>
+        </p:spPr>
+        <p:style>
+          <a:lnRef idx="2">
+            <a:schemeClr val="accent1">
+              <a:shade val="50000"/>
+            </a:schemeClr>
+          </a:lnRef>
+          <a:fillRef idx="1">
+            <a:schemeClr val="accent1"/>
+          </a:fillRef>
+          <a:effectRef idx="0">
+            <a:schemeClr val="accent1"/>
+          </a:effectRef>
+          <a:fontRef idx="minor">
+            <a:schemeClr val="lt1"/>
+          </a:fontRef>
+        </p:style>
+        <p:txBody>
+          <a:bodyPr rtlCol="0" anchor="ctr"/>
+          <a:lstStyle/>
+          <a:p>
+            <a:pPr algn="ctr"/>
+            <a:endParaRPr kumimoji="1" lang="ja-JP" altLang="en-US"/>
+          </a:p>
+        </p:txBody>
+      </p:sp>
+      <p:sp>
+        <p:nvSpPr>
+          <p:cNvPr id="51" name="正方形/長方形 50">
+            <a:extLst>
+              <a:ext uri="{FF2B5EF4-FFF2-40B4-BE49-F238E27FC236}">
+                <a16:creationId xmlns:a16="http://schemas.microsoft.com/office/drawing/2014/main" id="{A3ADF775-6F8C-47F7-B011-34506FC5390E}"/>
+              </a:ext>
+            </a:extLst>
+          </p:cNvPr>
+          <p:cNvSpPr/>
+          <p:nvPr/>
+        </p:nvSpPr>
+        <p:spPr>
+          <a:xfrm>
+            <a:off x="5928570" y="6034831"/>
+            <a:ext cx="1108928" cy="226503"/>
+          </a:xfrm>
+          <a:prstGeom prst="rect">
+            <a:avLst/>
+          </a:prstGeom>
+        </p:spPr>
+        <p:style>
+          <a:lnRef idx="2">
+            <a:schemeClr val="accent1">
+              <a:shade val="50000"/>
+            </a:schemeClr>
+          </a:lnRef>
+          <a:fillRef idx="1">
+            <a:schemeClr val="accent1"/>
+          </a:fillRef>
+          <a:effectRef idx="0">
+            <a:schemeClr val="accent1"/>
+          </a:effectRef>
+          <a:fontRef idx="minor">
+            <a:schemeClr val="lt1"/>
+          </a:fontRef>
+        </p:style>
+        <p:txBody>
+          <a:bodyPr rtlCol="0" anchor="ctr"/>
+          <a:lstStyle/>
+          <a:p>
+            <a:pPr algn="ctr"/>
+            <a:endParaRPr kumimoji="1" lang="ja-JP" altLang="en-US"/>
+          </a:p>
+        </p:txBody>
+      </p:sp>
+    </p:spTree>
+    <p:extLst>
+      <p:ext uri="{BB962C8B-B14F-4D97-AF65-F5344CB8AC3E}">
+        <p14:creationId xmlns:p14="http://schemas.microsoft.com/office/powerpoint/2010/main" val="1669710795"/>
+      </p:ext>
+    </p:extLst>
+  </p:cSld>
+  <p:clrMapOvr>
+    <a:masterClrMapping/>
+  </p:clrMapOvr>
+</p:sld>
+</file>
+
+<file path=ppt/slides/slide3.xml><?xml version="1.0" encoding="utf-8"?>
+<p:sld xmlns:a="http://schemas.openxmlformats.org/drawingml/2006/main" xmlns:r="http://schemas.openxmlformats.org/officeDocument/2006/relationships" xmlns:p="http://schemas.openxmlformats.org/presentationml/2006/main">
+  <p:cSld>
+    <p:spTree>
+      <p:nvGrpSpPr>
+        <p:cNvPr id="1" name=""/>
+        <p:cNvGrpSpPr/>
+        <p:nvPr/>
+      </p:nvGrpSpPr>
+      <p:grpSpPr>
+        <a:xfrm>
+          <a:off x="0" y="0"/>
+          <a:ext cx="0" cy="0"/>
+          <a:chOff x="0" y="0"/>
+          <a:chExt cx="0" cy="0"/>
+        </a:xfrm>
+      </p:grpSpPr>
+      <p:sp>
+        <p:nvSpPr>
+          <p:cNvPr id="6" name="正方形/長方形 4">
+            <a:extLst>
+              <a:ext uri="{FF2B5EF4-FFF2-40B4-BE49-F238E27FC236}">
+                <a16:creationId xmlns:a16="http://schemas.microsoft.com/office/drawing/2014/main" id="{1C7390E3-7F86-4759-B013-625FF8695BA8}"/>
+              </a:ext>
+            </a:extLst>
+          </p:cNvPr>
+          <p:cNvSpPr/>
+          <p:nvPr/>
+        </p:nvSpPr>
+        <p:spPr>
+          <a:xfrm>
+            <a:off x="0" y="0"/>
+            <a:ext cx="6455506" cy="1480008"/>
+          </a:xfrm>
+          <a:prstGeom prst="rect">
+            <a:avLst/>
+          </a:prstGeom>
+          <a:solidFill>
+            <a:srgbClr val="C00000"/>
+          </a:solidFill>
+          <a:ln>
+            <a:noFill/>
+          </a:ln>
+        </p:spPr>
+        <p:style>
+          <a:lnRef idx="2">
+            <a:schemeClr val="accent1">
+              <a:shade val="50000"/>
+            </a:schemeClr>
+          </a:lnRef>
+          <a:fillRef idx="1">
+            <a:schemeClr val="accent1"/>
+          </a:fillRef>
+          <a:effectRef idx="0">
+            <a:schemeClr val="accent1"/>
+          </a:effectRef>
+          <a:fontRef idx="minor">
+            <a:schemeClr val="lt1"/>
+          </a:fontRef>
+        </p:style>
+        <p:txBody>
+          <a:bodyPr rtlCol="0" anchor="ctr"/>
+          <a:lstStyle/>
+          <a:p>
+            <a:pPr algn="ctr"/>
+            <a:endParaRPr kumimoji="1" lang="ja-JP" altLang="en-US"/>
+          </a:p>
+        </p:txBody>
+      </p:sp>
+      <p:sp>
+        <p:nvSpPr>
+          <p:cNvPr id="7" name="テキスト ボックス 3">
+            <a:extLst>
+              <a:ext uri="{FF2B5EF4-FFF2-40B4-BE49-F238E27FC236}">
+                <a16:creationId xmlns:a16="http://schemas.microsoft.com/office/drawing/2014/main" id="{7F86680F-D054-4F49-8711-264897B230E3}"/>
+              </a:ext>
+            </a:extLst>
+          </p:cNvPr>
+          <p:cNvSpPr txBox="1"/>
+          <p:nvPr/>
+        </p:nvSpPr>
+        <p:spPr>
+          <a:xfrm>
+            <a:off x="442375" y="232172"/>
+            <a:ext cx="5570756" cy="1015663"/>
+          </a:xfrm>
+          <a:prstGeom prst="rect">
+            <a:avLst/>
+          </a:prstGeom>
+          <a:noFill/>
+        </p:spPr>
+        <p:txBody>
+          <a:bodyPr wrap="none" rtlCol="0">
+            <a:spAutoFit/>
+          </a:bodyPr>
+          <a:lstStyle/>
+          <a:p>
+            <a:r>
+              <a:rPr kumimoji="1" lang="ja-JP" altLang="en-US" sz="6000" dirty="0">
+                <a:solidFill>
+                  <a:schemeClr val="bg1"/>
+                </a:solidFill>
+              </a:rPr>
+              <a:t>初期コンセプト</a:t>
+            </a:r>
+          </a:p>
+        </p:txBody>
+      </p:sp>
+      <p:sp>
+        <p:nvSpPr>
+          <p:cNvPr id="10" name="TextBox 9"/>
+          <p:cNvSpPr txBox="1"/>
+          <p:nvPr/>
+        </p:nvSpPr>
+        <p:spPr>
+          <a:xfrm>
+            <a:off x="2468742" y="1863633"/>
+            <a:ext cx="7088777" cy="923330"/>
+          </a:xfrm>
+          <a:prstGeom prst="rect">
+            <a:avLst/>
+          </a:prstGeom>
+          <a:noFill/>
+        </p:spPr>
+        <p:txBody>
+          <a:bodyPr wrap="square" rtlCol="0">
+            <a:spAutoFit/>
+          </a:bodyPr>
+          <a:lstStyle/>
+          <a:p>
+            <a:r>
+              <a:rPr lang="ja-JP" altLang="en-US" dirty="0"/>
+              <a:t>それは、プレイヤーが敵を倒すために</a:t>
+            </a:r>
+            <a:r>
+              <a:rPr lang="ja-JP" altLang="en-US" b="1" dirty="0">
+                <a:solidFill>
+                  <a:srgbClr val="FF0000"/>
+                </a:solidFill>
+              </a:rPr>
+              <a:t>近接戦闘</a:t>
+            </a:r>
+            <a:r>
+              <a:rPr lang="ja-JP" altLang="en-US" dirty="0"/>
+              <a:t>であり、また、プレイヤーは敵を殺すために</a:t>
+            </a:r>
+            <a:r>
+              <a:rPr lang="ja-JP" altLang="en-US" b="1" dirty="0">
+                <a:solidFill>
+                  <a:srgbClr val="FF0000"/>
+                </a:solidFill>
+              </a:rPr>
+              <a:t>銃を使用</a:t>
+            </a:r>
+            <a:r>
+              <a:rPr lang="ja-JP" altLang="en-US" dirty="0"/>
+              <a:t>することができるを行うアクションゲームです。</a:t>
+            </a:r>
+            <a:endParaRPr lang="en-US" dirty="0"/>
+          </a:p>
+        </p:txBody>
+      </p:sp>
+      <p:pic>
+        <p:nvPicPr>
+          <p:cNvPr id="2054" name="Picture 6" descr="Shooting, sport shooter icon"/>
+          <p:cNvPicPr>
+            <a:picLocks noChangeAspect="1" noChangeArrowheads="1"/>
+          </p:cNvPicPr>
+          <p:nvPr/>
+        </p:nvPicPr>
+        <p:blipFill>
+          <a:blip r:embed="rId2" cstate="print">
+            <a:extLst>
+              <a:ext uri="{28A0092B-C50C-407E-A947-70E740481C1C}">
+                <a14:useLocalDpi xmlns:a14="http://schemas.microsoft.com/office/drawing/2010/main" val="0"/>
+              </a:ext>
+            </a:extLst>
+          </a:blip>
+          <a:srcRect/>
+          <a:stretch>
+            <a:fillRect/>
+          </a:stretch>
+        </p:blipFill>
+        <p:spPr bwMode="auto">
+          <a:xfrm>
+            <a:off x="4294762" y="4833773"/>
+            <a:ext cx="1072333" cy="1072333"/>
+          </a:xfrm>
+          <a:prstGeom prst="rect">
+            <a:avLst/>
+          </a:prstGeom>
+          <a:noFill/>
+          <a:extLst>
+            <a:ext uri="{909E8E84-426E-40DD-AFC4-6F175D3DCCD1}">
+              <a14:hiddenFill xmlns:a14="http://schemas.microsoft.com/office/drawing/2010/main">
+                <a:solidFill>
+                  <a:srgbClr val="FFFFFF"/>
+                </a:solidFill>
+              </a14:hiddenFill>
+            </a:ext>
+          </a:extLst>
+        </p:spPr>
+      </p:pic>
+      <p:pic>
+        <p:nvPicPr>
+          <p:cNvPr id="17" name="Picture 6" descr="Shooting, sport shooter icon"/>
+          <p:cNvPicPr>
+            <a:picLocks noChangeAspect="1" noChangeArrowheads="1"/>
+          </p:cNvPicPr>
+          <p:nvPr/>
+        </p:nvPicPr>
+        <p:blipFill>
+          <a:blip r:embed="rId2" cstate="print">
+            <a:extLst>
+              <a:ext uri="{28A0092B-C50C-407E-A947-70E740481C1C}">
+                <a14:useLocalDpi xmlns:a14="http://schemas.microsoft.com/office/drawing/2010/main" val="0"/>
+              </a:ext>
+            </a:extLst>
+          </a:blip>
+          <a:srcRect/>
+          <a:stretch>
+            <a:fillRect/>
+          </a:stretch>
+        </p:blipFill>
+        <p:spPr bwMode="auto">
+          <a:xfrm>
+            <a:off x="3628914" y="4268336"/>
+            <a:ext cx="1072333" cy="1072333"/>
+          </a:xfrm>
+          <a:prstGeom prst="rect">
+            <a:avLst/>
+          </a:prstGeom>
+          <a:noFill/>
+          <a:extLst>
+            <a:ext uri="{909E8E84-426E-40DD-AFC4-6F175D3DCCD1}">
+              <a14:hiddenFill xmlns:a14="http://schemas.microsoft.com/office/drawing/2010/main">
+                <a:solidFill>
+                  <a:srgbClr val="FFFFFF"/>
+                </a:solidFill>
+              </a14:hiddenFill>
+            </a:ext>
+          </a:extLst>
+        </p:spPr>
+      </p:pic>
+      <p:pic>
+        <p:nvPicPr>
+          <p:cNvPr id="28" name="Picture 12" descr="View topic - ıllıllı ғroхт'ѕ gғх ѕнop ıllıllı"/>
+          <p:cNvPicPr>
+            <a:picLocks noChangeAspect="1" noChangeArrowheads="1"/>
+          </p:cNvPicPr>
+          <p:nvPr/>
+        </p:nvPicPr>
+        <p:blipFill>
+          <a:blip r:embed="rId3" cstate="print">
+            <a:extLst>
+              <a:ext uri="{28A0092B-C50C-407E-A947-70E740481C1C}">
+                <a14:useLocalDpi xmlns:a14="http://schemas.microsoft.com/office/drawing/2010/main" val="0"/>
+              </a:ext>
+            </a:extLst>
+          </a:blip>
+          <a:srcRect/>
+          <a:stretch>
+            <a:fillRect/>
+          </a:stretch>
+        </p:blipFill>
+        <p:spPr bwMode="auto">
+          <a:xfrm>
+            <a:off x="7221981" y="4580647"/>
+            <a:ext cx="793659" cy="340140"/>
+          </a:xfrm>
+          <a:prstGeom prst="rect">
+            <a:avLst/>
+          </a:prstGeom>
+          <a:noFill/>
+          <a:extLst>
+            <a:ext uri="{909E8E84-426E-40DD-AFC4-6F175D3DCCD1}">
+              <a14:hiddenFill xmlns:a14="http://schemas.microsoft.com/office/drawing/2010/main">
+                <a:solidFill>
+                  <a:srgbClr val="FFFFFF"/>
+                </a:solidFill>
+              </a14:hiddenFill>
+            </a:ext>
+          </a:extLst>
+        </p:spPr>
+      </p:pic>
+      <p:pic>
+        <p:nvPicPr>
+          <p:cNvPr id="30" name="Picture 12" descr="View topic - ıllıllı ғroхт'ѕ gғх ѕнop ıllıllı"/>
+          <p:cNvPicPr>
+            <a:picLocks noChangeAspect="1" noChangeArrowheads="1"/>
+          </p:cNvPicPr>
+          <p:nvPr/>
+        </p:nvPicPr>
+        <p:blipFill>
+          <a:blip r:embed="rId4" cstate="print">
+            <a:extLst>
+              <a:ext uri="{28A0092B-C50C-407E-A947-70E740481C1C}">
+                <a14:useLocalDpi xmlns:a14="http://schemas.microsoft.com/office/drawing/2010/main" val="0"/>
+              </a:ext>
+            </a:extLst>
+          </a:blip>
+          <a:srcRect/>
+          <a:stretch>
+            <a:fillRect/>
+          </a:stretch>
+        </p:blipFill>
+        <p:spPr bwMode="auto">
+          <a:xfrm flipH="1">
+            <a:off x="4414689" y="4580647"/>
+            <a:ext cx="990079" cy="340140"/>
+          </a:xfrm>
+          <a:prstGeom prst="rect">
+            <a:avLst/>
+          </a:prstGeom>
+          <a:noFill/>
+          <a:extLst>
+            <a:ext uri="{909E8E84-426E-40DD-AFC4-6F175D3DCCD1}">
+              <a14:hiddenFill xmlns:a14="http://schemas.microsoft.com/office/drawing/2010/main">
+                <a:solidFill>
+                  <a:srgbClr val="FFFFFF"/>
+                </a:solidFill>
+              </a14:hiddenFill>
+            </a:ext>
+          </a:extLst>
+        </p:spPr>
+      </p:pic>
+      <p:pic>
+        <p:nvPicPr>
+          <p:cNvPr id="31" name="Picture 12" descr="View topic - ıllıllı ғroхт'ѕ gғх ѕнop ıllıllı"/>
+          <p:cNvPicPr>
+            <a:picLocks noChangeAspect="1" noChangeArrowheads="1"/>
+          </p:cNvPicPr>
+          <p:nvPr/>
+        </p:nvPicPr>
+        <p:blipFill>
+          <a:blip r:embed="rId3" cstate="print">
+            <a:extLst>
+              <a:ext uri="{28A0092B-C50C-407E-A947-70E740481C1C}">
+                <a14:useLocalDpi xmlns:a14="http://schemas.microsoft.com/office/drawing/2010/main" val="0"/>
+              </a:ext>
+            </a:extLst>
+          </a:blip>
+          <a:srcRect/>
+          <a:stretch>
+            <a:fillRect/>
+          </a:stretch>
+        </p:blipFill>
+        <p:spPr bwMode="auto">
+          <a:xfrm>
+            <a:off x="7470420" y="5007661"/>
+            <a:ext cx="793659" cy="340140"/>
+          </a:xfrm>
+          <a:prstGeom prst="rect">
+            <a:avLst/>
+          </a:prstGeom>
+          <a:noFill/>
+          <a:extLst>
+            <a:ext uri="{909E8E84-426E-40DD-AFC4-6F175D3DCCD1}">
+              <a14:hiddenFill xmlns:a14="http://schemas.microsoft.com/office/drawing/2010/main">
+                <a:solidFill>
+                  <a:srgbClr val="FFFFFF"/>
+                </a:solidFill>
+              </a14:hiddenFill>
+            </a:ext>
+          </a:extLst>
+        </p:spPr>
+      </p:pic>
+      <p:pic>
+        <p:nvPicPr>
+          <p:cNvPr id="32" name="Picture 12" descr="View topic - ıllıllı ғroхт'ѕ gғх ѕнop ıllıllı"/>
+          <p:cNvPicPr>
+            <a:picLocks noChangeAspect="1" noChangeArrowheads="1"/>
+          </p:cNvPicPr>
+          <p:nvPr/>
+        </p:nvPicPr>
+        <p:blipFill>
+          <a:blip r:embed="rId3" cstate="print">
+            <a:extLst>
+              <a:ext uri="{28A0092B-C50C-407E-A947-70E740481C1C}">
+                <a14:useLocalDpi xmlns:a14="http://schemas.microsoft.com/office/drawing/2010/main" val="0"/>
+              </a:ext>
+            </a:extLst>
+          </a:blip>
+          <a:srcRect/>
+          <a:stretch>
+            <a:fillRect/>
+          </a:stretch>
+        </p:blipFill>
+        <p:spPr bwMode="auto">
+          <a:xfrm>
+            <a:off x="7867250" y="4750717"/>
+            <a:ext cx="793659" cy="340140"/>
+          </a:xfrm>
+          <a:prstGeom prst="rect">
+            <a:avLst/>
+          </a:prstGeom>
+          <a:noFill/>
+          <a:extLst>
+            <a:ext uri="{909E8E84-426E-40DD-AFC4-6F175D3DCCD1}">
+              <a14:hiddenFill xmlns:a14="http://schemas.microsoft.com/office/drawing/2010/main">
+                <a:solidFill>
+                  <a:srgbClr val="FFFFFF"/>
+                </a:solidFill>
+              </a14:hiddenFill>
+            </a:ext>
+          </a:extLst>
+        </p:spPr>
+      </p:pic>
+      <p:pic>
+        <p:nvPicPr>
+          <p:cNvPr id="33" name="Picture 12" descr="View topic - ıllıllı ғroхт'ѕ gғх ѕнop ıllıllı"/>
+          <p:cNvPicPr>
+            <a:picLocks noChangeAspect="1" noChangeArrowheads="1"/>
+          </p:cNvPicPr>
+          <p:nvPr/>
+        </p:nvPicPr>
+        <p:blipFill>
+          <a:blip r:embed="rId4" cstate="print">
+            <a:extLst>
+              <a:ext uri="{28A0092B-C50C-407E-A947-70E740481C1C}">
+                <a14:useLocalDpi xmlns:a14="http://schemas.microsoft.com/office/drawing/2010/main" val="0"/>
+              </a:ext>
+            </a:extLst>
+          </a:blip>
+          <a:srcRect/>
+          <a:stretch>
+            <a:fillRect/>
+          </a:stretch>
+        </p:blipFill>
+        <p:spPr bwMode="auto">
+          <a:xfrm flipH="1">
+            <a:off x="4641584" y="4750717"/>
+            <a:ext cx="990079" cy="340140"/>
+          </a:xfrm>
+          <a:prstGeom prst="rect">
+            <a:avLst/>
+          </a:prstGeom>
+          <a:noFill/>
+          <a:extLst>
+            <a:ext uri="{909E8E84-426E-40DD-AFC4-6F175D3DCCD1}">
+              <a14:hiddenFill xmlns:a14="http://schemas.microsoft.com/office/drawing/2010/main">
+                <a:solidFill>
+                  <a:srgbClr val="FFFFFF"/>
+                </a:solidFill>
+              </a14:hiddenFill>
+            </a:ext>
+          </a:extLst>
+        </p:spPr>
+      </p:pic>
+      <p:pic>
+        <p:nvPicPr>
+          <p:cNvPr id="34" name="Picture 12" descr="View topic - ıllıllı ғroхт'ѕ gғх ѕнop ıllıllı"/>
+          <p:cNvPicPr>
+            <a:picLocks noChangeAspect="1" noChangeArrowheads="1"/>
+          </p:cNvPicPr>
+          <p:nvPr/>
+        </p:nvPicPr>
+        <p:blipFill>
+          <a:blip r:embed="rId4" cstate="print">
+            <a:extLst>
+              <a:ext uri="{28A0092B-C50C-407E-A947-70E740481C1C}">
+                <a14:useLocalDpi xmlns:a14="http://schemas.microsoft.com/office/drawing/2010/main" val="0"/>
+              </a:ext>
+            </a:extLst>
+          </a:blip>
+          <a:srcRect/>
+          <a:stretch>
+            <a:fillRect/>
+          </a:stretch>
+        </p:blipFill>
+        <p:spPr bwMode="auto">
+          <a:xfrm flipH="1">
+            <a:off x="4885146" y="5114688"/>
+            <a:ext cx="990079" cy="340140"/>
+          </a:xfrm>
+          <a:prstGeom prst="rect">
+            <a:avLst/>
+          </a:prstGeom>
+          <a:noFill/>
+          <a:extLst>
+            <a:ext uri="{909E8E84-426E-40DD-AFC4-6F175D3DCCD1}">
+              <a14:hiddenFill xmlns:a14="http://schemas.microsoft.com/office/drawing/2010/main">
+                <a:solidFill>
+                  <a:srgbClr val="FFFFFF"/>
+                </a:solidFill>
+              </a14:hiddenFill>
+            </a:ext>
+          </a:extLst>
+        </p:spPr>
+      </p:pic>
+      <p:pic>
+        <p:nvPicPr>
+          <p:cNvPr id="35" name="Picture 12" descr="View topic - ıllıllı ғroхт'ѕ gғх ѕнop ıllıllı"/>
+          <p:cNvPicPr>
+            <a:picLocks noChangeAspect="1" noChangeArrowheads="1"/>
+          </p:cNvPicPr>
+          <p:nvPr/>
+        </p:nvPicPr>
+        <p:blipFill>
+          <a:blip r:embed="rId4" cstate="print">
+            <a:extLst>
+              <a:ext uri="{28A0092B-C50C-407E-A947-70E740481C1C}">
+                <a14:useLocalDpi xmlns:a14="http://schemas.microsoft.com/office/drawing/2010/main" val="0"/>
+              </a:ext>
+            </a:extLst>
+          </a:blip>
+          <a:srcRect/>
+          <a:stretch>
+            <a:fillRect/>
+          </a:stretch>
+        </p:blipFill>
+        <p:spPr bwMode="auto">
+          <a:xfrm flipH="1">
+            <a:off x="5440890" y="5177731"/>
+            <a:ext cx="990079" cy="340140"/>
+          </a:xfrm>
+          <a:prstGeom prst="rect">
+            <a:avLst/>
+          </a:prstGeom>
+          <a:noFill/>
+          <a:extLst>
+            <a:ext uri="{909E8E84-426E-40DD-AFC4-6F175D3DCCD1}">
+              <a14:hiddenFill xmlns:a14="http://schemas.microsoft.com/office/drawing/2010/main">
+                <a:solidFill>
+                  <a:srgbClr val="FFFFFF"/>
+                </a:solidFill>
+              </a14:hiddenFill>
+            </a:ext>
+          </a:extLst>
+        </p:spPr>
+      </p:pic>
+      <p:pic>
+        <p:nvPicPr>
+          <p:cNvPr id="36" name="Picture 6" descr="Shooting, sport shooter icon"/>
+          <p:cNvPicPr>
+            <a:picLocks noChangeAspect="1" noChangeArrowheads="1"/>
+          </p:cNvPicPr>
+          <p:nvPr/>
+        </p:nvPicPr>
+        <p:blipFill>
+          <a:blip r:embed="rId5" cstate="print">
+            <a:extLst>
+              <a:ext uri="{28A0092B-C50C-407E-A947-70E740481C1C}">
+                <a14:useLocalDpi xmlns:a14="http://schemas.microsoft.com/office/drawing/2010/main" val="0"/>
+              </a:ext>
+            </a:extLst>
+          </a:blip>
+          <a:srcRect/>
+          <a:stretch>
+            <a:fillRect/>
+          </a:stretch>
+        </p:blipFill>
+        <p:spPr bwMode="auto">
+          <a:xfrm flipH="1">
+            <a:off x="8847259" y="7118665"/>
+            <a:ext cx="197198" cy="175755"/>
+          </a:xfrm>
+          <a:prstGeom prst="rect">
+            <a:avLst/>
+          </a:prstGeom>
+          <a:noFill/>
+          <a:extLst>
+            <a:ext uri="{909E8E84-426E-40DD-AFC4-6F175D3DCCD1}">
+              <a14:hiddenFill xmlns:a14="http://schemas.microsoft.com/office/drawing/2010/main">
+                <a:solidFill>
+                  <a:srgbClr val="FFFFFF"/>
+                </a:solidFill>
+              </a14:hiddenFill>
+            </a:ext>
+          </a:extLst>
+        </p:spPr>
+      </p:pic>
+      <p:pic>
+        <p:nvPicPr>
+          <p:cNvPr id="2062" name="Picture 14" descr="Fighter, gladiator, medieval, morning star, soldier ..."/>
+          <p:cNvPicPr>
+            <a:picLocks noChangeAspect="1" noChangeArrowheads="1"/>
+          </p:cNvPicPr>
+          <p:nvPr/>
+        </p:nvPicPr>
+        <p:blipFill>
+          <a:blip r:embed="rId6" cstate="print">
+            <a:extLst>
+              <a:ext uri="{28A0092B-C50C-407E-A947-70E740481C1C}">
+                <a14:useLocalDpi xmlns:a14="http://schemas.microsoft.com/office/drawing/2010/main" val="0"/>
+              </a:ext>
+            </a:extLst>
+          </a:blip>
+          <a:srcRect/>
+          <a:stretch>
+            <a:fillRect/>
+          </a:stretch>
+        </p:blipFill>
+        <p:spPr bwMode="auto">
+          <a:xfrm>
+            <a:off x="4510075" y="3358160"/>
+            <a:ext cx="799306" cy="730616"/>
+          </a:xfrm>
+          <a:prstGeom prst="rect">
+            <a:avLst/>
+          </a:prstGeom>
+          <a:noFill/>
+          <a:extLst>
+            <a:ext uri="{909E8E84-426E-40DD-AFC4-6F175D3DCCD1}">
+              <a14:hiddenFill xmlns:a14="http://schemas.microsoft.com/office/drawing/2010/main">
+                <a:solidFill>
+                  <a:srgbClr val="FFFFFF"/>
+                </a:solidFill>
+              </a14:hiddenFill>
+            </a:ext>
+          </a:extLst>
+        </p:spPr>
+      </p:pic>
+      <p:pic>
+        <p:nvPicPr>
+          <p:cNvPr id="38" name="Picture 6" descr="Shooting, sport shooter icon"/>
+          <p:cNvPicPr>
+            <a:picLocks noChangeAspect="1" noChangeArrowheads="1"/>
+          </p:cNvPicPr>
+          <p:nvPr/>
+        </p:nvPicPr>
+        <p:blipFill>
+          <a:blip r:embed="rId2" cstate="print">
+            <a:extLst>
+              <a:ext uri="{28A0092B-C50C-407E-A947-70E740481C1C}">
+                <a14:useLocalDpi xmlns:a14="http://schemas.microsoft.com/office/drawing/2010/main" val="0"/>
+              </a:ext>
+            </a:extLst>
+          </a:blip>
+          <a:srcRect/>
+          <a:stretch>
+            <a:fillRect/>
+          </a:stretch>
+        </p:blipFill>
+        <p:spPr bwMode="auto">
+          <a:xfrm flipH="1">
+            <a:off x="8388431" y="4554690"/>
+            <a:ext cx="1041833" cy="1072333"/>
+          </a:xfrm>
+          <a:prstGeom prst="rect">
+            <a:avLst/>
+          </a:prstGeom>
+          <a:noFill/>
+          <a:extLst>
+            <a:ext uri="{909E8E84-426E-40DD-AFC4-6F175D3DCCD1}">
+              <a14:hiddenFill xmlns:a14="http://schemas.microsoft.com/office/drawing/2010/main">
+                <a:solidFill>
+                  <a:srgbClr val="FFFFFF"/>
+                </a:solidFill>
+              </a14:hiddenFill>
+            </a:ext>
+          </a:extLst>
+        </p:spPr>
+      </p:pic>
+      <p:pic>
+        <p:nvPicPr>
+          <p:cNvPr id="39" name="Picture 14" descr="Fighter, gladiator, medieval, morning star, soldier ..."/>
+          <p:cNvPicPr>
+            <a:picLocks noChangeAspect="1" noChangeArrowheads="1"/>
+          </p:cNvPicPr>
+          <p:nvPr/>
+        </p:nvPicPr>
+        <p:blipFill>
+          <a:blip r:embed="rId7" cstate="print">
+            <a:extLst>
+              <a:ext uri="{28A0092B-C50C-407E-A947-70E740481C1C}">
+                <a14:useLocalDpi xmlns:a14="http://schemas.microsoft.com/office/drawing/2010/main" val="0"/>
+              </a:ext>
+            </a:extLst>
+          </a:blip>
+          <a:srcRect/>
+          <a:stretch>
+            <a:fillRect/>
+          </a:stretch>
+        </p:blipFill>
+        <p:spPr bwMode="auto">
+          <a:xfrm flipH="1">
+            <a:off x="6185253" y="3617039"/>
+            <a:ext cx="719172" cy="730616"/>
+          </a:xfrm>
+          <a:prstGeom prst="rect">
+            <a:avLst/>
+          </a:prstGeom>
+          <a:noFill/>
+          <a:extLst>
+            <a:ext uri="{909E8E84-426E-40DD-AFC4-6F175D3DCCD1}">
+              <a14:hiddenFill xmlns:a14="http://schemas.microsoft.com/office/drawing/2010/main">
+                <a:solidFill>
+                  <a:srgbClr val="FFFFFF"/>
+                </a:solidFill>
+              </a14:hiddenFill>
+            </a:ext>
+          </a:extLst>
+        </p:spPr>
+      </p:pic>
+      <p:pic>
+        <p:nvPicPr>
+          <p:cNvPr id="40" name="Picture 14" descr="Fighter, gladiator, medieval, morning star, soldier ..."/>
+          <p:cNvPicPr>
+            <a:picLocks noChangeAspect="1" noChangeArrowheads="1"/>
+          </p:cNvPicPr>
+          <p:nvPr/>
+        </p:nvPicPr>
+        <p:blipFill>
+          <a:blip r:embed="rId7" cstate="print">
+            <a:extLst>
+              <a:ext uri="{28A0092B-C50C-407E-A947-70E740481C1C}">
+                <a14:useLocalDpi xmlns:a14="http://schemas.microsoft.com/office/drawing/2010/main" val="0"/>
+              </a:ext>
+            </a:extLst>
+          </a:blip>
+          <a:srcRect/>
+          <a:stretch>
+            <a:fillRect/>
+          </a:stretch>
+        </p:blipFill>
+        <p:spPr bwMode="auto">
+          <a:xfrm flipH="1">
+            <a:off x="6430969" y="3170588"/>
+            <a:ext cx="719172" cy="730616"/>
+          </a:xfrm>
+          <a:prstGeom prst="rect">
+            <a:avLst/>
+          </a:prstGeom>
+          <a:noFill/>
+          <a:extLst>
+            <a:ext uri="{909E8E84-426E-40DD-AFC4-6F175D3DCCD1}">
+              <a14:hiddenFill xmlns:a14="http://schemas.microsoft.com/office/drawing/2010/main">
+                <a:solidFill>
+                  <a:srgbClr val="FFFFFF"/>
+                </a:solidFill>
+              </a14:hiddenFill>
+            </a:ext>
+          </a:extLst>
+        </p:spPr>
+      </p:pic>
+      <p:pic>
+        <p:nvPicPr>
+          <p:cNvPr id="2064" name="Picture 16" descr="Blast, bomb, boom, burst, cloudy explosion, effect ..."/>
+          <p:cNvPicPr>
+            <a:picLocks noChangeAspect="1" noChangeArrowheads="1"/>
+          </p:cNvPicPr>
+          <p:nvPr/>
+        </p:nvPicPr>
+        <p:blipFill>
+          <a:blip r:embed="rId8" cstate="print">
+            <a:extLst>
+              <a:ext uri="{28A0092B-C50C-407E-A947-70E740481C1C}">
+                <a14:useLocalDpi xmlns:a14="http://schemas.microsoft.com/office/drawing/2010/main" val="0"/>
+              </a:ext>
+            </a:extLst>
+          </a:blip>
+          <a:srcRect/>
+          <a:stretch>
+            <a:fillRect/>
+          </a:stretch>
+        </p:blipFill>
+        <p:spPr bwMode="auto">
+          <a:xfrm>
+            <a:off x="5395775" y="3184558"/>
+            <a:ext cx="841132" cy="841132"/>
+          </a:xfrm>
+          <a:prstGeom prst="rect">
+            <a:avLst/>
+          </a:prstGeom>
+          <a:noFill/>
+          <a:extLst>
+            <a:ext uri="{909E8E84-426E-40DD-AFC4-6F175D3DCCD1}">
+              <a14:hiddenFill xmlns:a14="http://schemas.microsoft.com/office/drawing/2010/main">
+                <a:solidFill>
+                  <a:srgbClr val="FFFFFF"/>
+                </a:solidFill>
+              </a14:hiddenFill>
+            </a:ext>
+          </a:extLst>
+        </p:spPr>
+      </p:pic>
+      <p:pic>
+        <p:nvPicPr>
+          <p:cNvPr id="42" name="Picture 16" descr="Blast, bomb, boom, burst, cloudy explosion, effect ..."/>
+          <p:cNvPicPr>
+            <a:picLocks noChangeAspect="1" noChangeArrowheads="1"/>
+          </p:cNvPicPr>
+          <p:nvPr/>
+        </p:nvPicPr>
+        <p:blipFill>
+          <a:blip r:embed="rId8" cstate="print">
+            <a:extLst>
+              <a:ext uri="{28A0092B-C50C-407E-A947-70E740481C1C}">
+                <a14:useLocalDpi xmlns:a14="http://schemas.microsoft.com/office/drawing/2010/main" val="0"/>
+              </a:ext>
+            </a:extLst>
+          </a:blip>
+          <a:srcRect/>
+          <a:stretch>
+            <a:fillRect/>
+          </a:stretch>
+        </p:blipFill>
+        <p:spPr bwMode="auto">
+          <a:xfrm>
+            <a:off x="6222047" y="4458171"/>
+            <a:ext cx="841132" cy="841132"/>
+          </a:xfrm>
+          <a:prstGeom prst="rect">
+            <a:avLst/>
+          </a:prstGeom>
+          <a:noFill/>
+          <a:extLst>
+            <a:ext uri="{909E8E84-426E-40DD-AFC4-6F175D3DCCD1}">
+              <a14:hiddenFill xmlns:a14="http://schemas.microsoft.com/office/drawing/2010/main">
+                <a:solidFill>
+                  <a:srgbClr val="FFFFFF"/>
+                </a:solidFill>
+              </a14:hiddenFill>
+            </a:ext>
+          </a:extLst>
+        </p:spPr>
+      </p:pic>
+    </p:spTree>
+    <p:extLst>
+      <p:ext uri="{BB962C8B-B14F-4D97-AF65-F5344CB8AC3E}">
+        <p14:creationId xmlns:p14="http://schemas.microsoft.com/office/powerpoint/2010/main" val="113421976"/>
+      </p:ext>
+    </p:extLst>
+  </p:cSld>
+  <p:clrMapOvr>
+    <a:masterClrMapping/>
+  </p:clrMapOvr>
+</p:sld>
+</file>
+
+<file path=ppt/slides/slide30.xml><?xml version="1.0" encoding="utf-8"?>
+<p:sld xmlns:a="http://schemas.openxmlformats.org/drawingml/2006/main" xmlns:r="http://schemas.openxmlformats.org/officeDocument/2006/relationships" xmlns:p="http://schemas.openxmlformats.org/presentationml/2006/main">
+  <p:cSld>
+    <p:spTree>
+      <p:nvGrpSpPr>
+        <p:cNvPr id="1" name=""/>
+        <p:cNvGrpSpPr/>
+        <p:nvPr/>
+      </p:nvGrpSpPr>
+      <p:grpSpPr>
+        <a:xfrm>
+          <a:off x="0" y="0"/>
+          <a:ext cx="0" cy="0"/>
+          <a:chOff x="0" y="0"/>
+          <a:chExt cx="0" cy="0"/>
+        </a:xfrm>
+      </p:grpSpPr>
+      <p:grpSp>
+        <p:nvGrpSpPr>
+          <p:cNvPr id="5" name="グループ化 4">
+            <a:extLst>
+              <a:ext uri="{FF2B5EF4-FFF2-40B4-BE49-F238E27FC236}">
+                <a16:creationId xmlns:a16="http://schemas.microsoft.com/office/drawing/2014/main" id="{4FEBA87B-6371-4CE0-9F83-08998A7171CD}"/>
+              </a:ext>
+            </a:extLst>
+          </p:cNvPr>
+          <p:cNvGrpSpPr/>
+          <p:nvPr/>
+        </p:nvGrpSpPr>
+        <p:grpSpPr>
+          <a:xfrm>
+            <a:off x="0" y="0"/>
+            <a:ext cx="2030135" cy="704676"/>
+            <a:chOff x="0" y="-33340"/>
+            <a:chExt cx="2030135" cy="704676"/>
+          </a:xfrm>
+        </p:grpSpPr>
+        <p:sp>
+          <p:nvSpPr>
+            <p:cNvPr id="6" name="正方形/長方形 5">
+              <a:extLst>
+                <a:ext uri="{FF2B5EF4-FFF2-40B4-BE49-F238E27FC236}">
+                  <a16:creationId xmlns:a16="http://schemas.microsoft.com/office/drawing/2014/main" id="{603ECFD9-DCBE-4F94-8232-0C2D4084B022}"/>
+                </a:ext>
+              </a:extLst>
+            </p:cNvPr>
+            <p:cNvSpPr/>
+            <p:nvPr/>
+          </p:nvSpPr>
+          <p:spPr>
+            <a:xfrm>
+              <a:off x="0" y="-33340"/>
+              <a:ext cx="2030135" cy="704676"/>
+            </a:xfrm>
+            <a:prstGeom prst="rect">
+              <a:avLst/>
+            </a:prstGeom>
+            <a:solidFill>
+              <a:srgbClr val="C00000"/>
+            </a:solidFill>
+            <a:ln>
+              <a:noFill/>
+            </a:ln>
+          </p:spPr>
+          <p:style>
+            <a:lnRef idx="2">
+              <a:schemeClr val="accent1">
+                <a:shade val="50000"/>
+              </a:schemeClr>
+            </a:lnRef>
+            <a:fillRef idx="1">
+              <a:schemeClr val="accent1"/>
+            </a:fillRef>
+            <a:effectRef idx="0">
+              <a:schemeClr val="accent1"/>
+            </a:effectRef>
+            <a:fontRef idx="minor">
+              <a:schemeClr val="lt1"/>
+            </a:fontRef>
+          </p:style>
+          <p:txBody>
+            <a:bodyPr rtlCol="0" anchor="ctr"/>
+            <a:lstStyle/>
+            <a:p>
+              <a:pPr algn="ctr"/>
+              <a:endParaRPr kumimoji="1" lang="ja-JP" altLang="en-US"/>
+            </a:p>
+          </p:txBody>
+        </p:sp>
+        <p:sp>
+          <p:nvSpPr>
+            <p:cNvPr id="7" name="テキスト ボックス 6">
+              <a:extLst>
+                <a:ext uri="{FF2B5EF4-FFF2-40B4-BE49-F238E27FC236}">
+                  <a16:creationId xmlns:a16="http://schemas.microsoft.com/office/drawing/2014/main" id="{11CF4D67-7BBF-43F1-ADBF-77AEF44D1F9C}"/>
+                </a:ext>
+              </a:extLst>
+            </p:cNvPr>
+            <p:cNvSpPr txBox="1"/>
+            <p:nvPr/>
+          </p:nvSpPr>
+          <p:spPr>
+            <a:xfrm>
+              <a:off x="142613" y="-33340"/>
+              <a:ext cx="1678665" cy="646331"/>
+            </a:xfrm>
+            <a:prstGeom prst="rect">
+              <a:avLst/>
+            </a:prstGeom>
+            <a:noFill/>
+          </p:spPr>
+          <p:txBody>
+            <a:bodyPr wrap="none" rtlCol="0">
+              <a:spAutoFit/>
+            </a:bodyPr>
+            <a:lstStyle/>
+            <a:p>
+              <a:r>
+                <a:rPr kumimoji="1" lang="en-US" altLang="ja-JP" sz="3600" dirty="0">
+                  <a:solidFill>
+                    <a:schemeClr val="bg1"/>
+                  </a:solidFill>
+                </a:rPr>
+                <a:t>alpha</a:t>
+              </a:r>
+              <a:r>
+                <a:rPr kumimoji="1" lang="ja-JP" altLang="en-US" sz="3600" dirty="0">
+                  <a:solidFill>
+                    <a:schemeClr val="bg1"/>
+                  </a:solidFill>
+                </a:rPr>
+                <a:t>版</a:t>
+              </a:r>
+            </a:p>
+          </p:txBody>
+        </p:sp>
+      </p:grpSp>
+      <p:sp>
+        <p:nvSpPr>
+          <p:cNvPr id="4" name="正方形/長方形 3">
+            <a:extLst>
+              <a:ext uri="{FF2B5EF4-FFF2-40B4-BE49-F238E27FC236}">
+                <a16:creationId xmlns:a16="http://schemas.microsoft.com/office/drawing/2014/main" id="{C0E771C5-4EDB-44B2-B212-4A0ED4349AB3}"/>
+              </a:ext>
+            </a:extLst>
+          </p:cNvPr>
+          <p:cNvSpPr/>
+          <p:nvPr/>
+        </p:nvSpPr>
+        <p:spPr>
+          <a:xfrm>
+            <a:off x="5155297" y="1311914"/>
+            <a:ext cx="3837701" cy="2437964"/>
+          </a:xfrm>
+          <a:prstGeom prst="rect">
+            <a:avLst/>
+          </a:prstGeom>
+        </p:spPr>
+        <p:style>
+          <a:lnRef idx="2">
+            <a:schemeClr val="accent1">
+              <a:shade val="50000"/>
+            </a:schemeClr>
+          </a:lnRef>
+          <a:fillRef idx="1">
+            <a:schemeClr val="accent1"/>
+          </a:fillRef>
+          <a:effectRef idx="0">
+            <a:schemeClr val="accent1"/>
+          </a:effectRef>
+          <a:fontRef idx="minor">
+            <a:schemeClr val="lt1"/>
+          </a:fontRef>
+        </p:style>
+        <p:txBody>
+          <a:bodyPr rtlCol="0" anchor="ctr"/>
+          <a:lstStyle/>
+          <a:p>
+            <a:pPr algn="ctr"/>
+            <a:endParaRPr kumimoji="1" lang="ja-JP" altLang="en-US"/>
+          </a:p>
+        </p:txBody>
+      </p:sp>
+      <p:sp>
+        <p:nvSpPr>
+          <p:cNvPr id="8" name="テキスト ボックス 7">
+            <a:extLst>
+              <a:ext uri="{FF2B5EF4-FFF2-40B4-BE49-F238E27FC236}">
+                <a16:creationId xmlns:a16="http://schemas.microsoft.com/office/drawing/2014/main" id="{C818EB7C-3E91-4093-B5DA-20677C935457}"/>
+              </a:ext>
+            </a:extLst>
+          </p:cNvPr>
+          <p:cNvSpPr txBox="1"/>
+          <p:nvPr/>
+        </p:nvSpPr>
+        <p:spPr>
+          <a:xfrm>
+            <a:off x="2357307" y="646331"/>
+            <a:ext cx="1860509" cy="369332"/>
+          </a:xfrm>
+          <a:prstGeom prst="rect">
+            <a:avLst/>
+          </a:prstGeom>
+          <a:noFill/>
+        </p:spPr>
+        <p:txBody>
+          <a:bodyPr wrap="none" rtlCol="0">
+            <a:spAutoFit/>
+          </a:bodyPr>
+          <a:lstStyle/>
+          <a:p>
+            <a:r>
+              <a:rPr kumimoji="1" lang="en-US" altLang="ja-JP" dirty="0"/>
+              <a:t>Display resolution</a:t>
+            </a:r>
+            <a:endParaRPr kumimoji="1" lang="ja-JP" altLang="en-US" dirty="0"/>
+          </a:p>
+        </p:txBody>
+      </p:sp>
+      <p:sp>
+        <p:nvSpPr>
+          <p:cNvPr id="12" name="テキスト ボックス 11">
+            <a:extLst>
+              <a:ext uri="{FF2B5EF4-FFF2-40B4-BE49-F238E27FC236}">
+                <a16:creationId xmlns:a16="http://schemas.microsoft.com/office/drawing/2014/main" id="{8E872A5B-639C-4603-B8C0-0D6E2C994930}"/>
+              </a:ext>
+            </a:extLst>
+          </p:cNvPr>
+          <p:cNvSpPr txBox="1"/>
+          <p:nvPr/>
+        </p:nvSpPr>
+        <p:spPr>
+          <a:xfrm>
+            <a:off x="6639476" y="3749878"/>
+            <a:ext cx="869341" cy="369332"/>
+          </a:xfrm>
+          <a:prstGeom prst="rect">
+            <a:avLst/>
+          </a:prstGeom>
+          <a:noFill/>
+        </p:spPr>
+        <p:txBody>
+          <a:bodyPr wrap="none" rtlCol="0">
+            <a:spAutoFit/>
+          </a:bodyPr>
+          <a:lstStyle/>
+          <a:p>
+            <a:r>
+              <a:rPr kumimoji="1" lang="en-US" altLang="ja-JP" dirty="0"/>
+              <a:t>1680px</a:t>
+            </a:r>
+            <a:endParaRPr kumimoji="1" lang="ja-JP" altLang="en-US" dirty="0"/>
+          </a:p>
+        </p:txBody>
+      </p:sp>
+      <p:sp>
+        <p:nvSpPr>
+          <p:cNvPr id="14" name="テキスト ボックス 13">
+            <a:extLst>
+              <a:ext uri="{FF2B5EF4-FFF2-40B4-BE49-F238E27FC236}">
+                <a16:creationId xmlns:a16="http://schemas.microsoft.com/office/drawing/2014/main" id="{5A91E68C-4FE4-4D79-839B-F9D2C1310722}"/>
+              </a:ext>
+            </a:extLst>
+          </p:cNvPr>
+          <p:cNvSpPr txBox="1"/>
+          <p:nvPr/>
+        </p:nvSpPr>
+        <p:spPr>
+          <a:xfrm rot="5400000">
+            <a:off x="4594470" y="2346230"/>
+            <a:ext cx="752322" cy="369332"/>
+          </a:xfrm>
+          <a:prstGeom prst="rect">
+            <a:avLst/>
+          </a:prstGeom>
+          <a:noFill/>
+        </p:spPr>
+        <p:txBody>
+          <a:bodyPr wrap="none" rtlCol="0">
+            <a:spAutoFit/>
+          </a:bodyPr>
+          <a:lstStyle/>
+          <a:p>
+            <a:r>
+              <a:rPr kumimoji="1" lang="en-US" altLang="ja-JP" dirty="0"/>
+              <a:t>920px</a:t>
+            </a:r>
+            <a:endParaRPr kumimoji="1" lang="ja-JP" altLang="en-US" dirty="0"/>
+          </a:p>
+        </p:txBody>
+      </p:sp>
+      <p:sp>
+        <p:nvSpPr>
+          <p:cNvPr id="15" name="正方形/長方形 14">
+            <a:extLst>
+              <a:ext uri="{FF2B5EF4-FFF2-40B4-BE49-F238E27FC236}">
+                <a16:creationId xmlns:a16="http://schemas.microsoft.com/office/drawing/2014/main" id="{E658AC0F-A43B-4C78-BD8E-2E6EA5E00F25}"/>
+              </a:ext>
+            </a:extLst>
+          </p:cNvPr>
+          <p:cNvSpPr/>
+          <p:nvPr/>
+        </p:nvSpPr>
+        <p:spPr>
+          <a:xfrm>
+            <a:off x="1931415" y="1996580"/>
+            <a:ext cx="578189" cy="546095"/>
+          </a:xfrm>
+          <a:prstGeom prst="rect">
+            <a:avLst/>
+          </a:prstGeom>
+          <a:solidFill>
+            <a:schemeClr val="accent4">
+              <a:lumMod val="60000"/>
+              <a:lumOff val="40000"/>
+            </a:schemeClr>
+          </a:solidFill>
+          <a:ln>
+            <a:noFill/>
+          </a:ln>
+        </p:spPr>
+        <p:style>
+          <a:lnRef idx="2">
+            <a:schemeClr val="accent1">
+              <a:shade val="50000"/>
+            </a:schemeClr>
+          </a:lnRef>
+          <a:fillRef idx="1">
+            <a:schemeClr val="accent1"/>
+          </a:fillRef>
+          <a:effectRef idx="0">
+            <a:schemeClr val="accent1"/>
+          </a:effectRef>
+          <a:fontRef idx="minor">
+            <a:schemeClr val="lt1"/>
+          </a:fontRef>
+        </p:style>
+        <p:txBody>
+          <a:bodyPr rtlCol="0" anchor="ctr"/>
+          <a:lstStyle/>
+          <a:p>
+            <a:pPr algn="ctr"/>
+            <a:endParaRPr kumimoji="1" lang="ja-JP" altLang="en-US"/>
+          </a:p>
+        </p:txBody>
+      </p:sp>
+      <p:sp>
+        <p:nvSpPr>
+          <p:cNvPr id="16" name="テキスト ボックス 15">
+            <a:extLst>
+              <a:ext uri="{FF2B5EF4-FFF2-40B4-BE49-F238E27FC236}">
+                <a16:creationId xmlns:a16="http://schemas.microsoft.com/office/drawing/2014/main" id="{E3C2A202-CBD9-47FA-8F8D-17CF0F226575}"/>
+              </a:ext>
+            </a:extLst>
+          </p:cNvPr>
+          <p:cNvSpPr txBox="1"/>
+          <p:nvPr/>
+        </p:nvSpPr>
+        <p:spPr>
+          <a:xfrm>
+            <a:off x="440847" y="1015663"/>
+            <a:ext cx="762645" cy="369332"/>
+          </a:xfrm>
+          <a:prstGeom prst="rect">
+            <a:avLst/>
+          </a:prstGeom>
+          <a:solidFill>
+            <a:schemeClr val="accent2">
+              <a:lumMod val="60000"/>
+              <a:lumOff val="40000"/>
+            </a:schemeClr>
+          </a:solidFill>
+        </p:spPr>
+        <p:txBody>
+          <a:bodyPr wrap="none" rtlCol="0">
+            <a:spAutoFit/>
+          </a:bodyPr>
+          <a:lstStyle/>
+          <a:p>
+            <a:r>
+              <a:rPr kumimoji="1" lang="en-US" altLang="ja-JP" dirty="0"/>
+              <a:t>player</a:t>
+            </a:r>
+            <a:endParaRPr kumimoji="1" lang="ja-JP" altLang="en-US" dirty="0"/>
+          </a:p>
+        </p:txBody>
+      </p:sp>
+      <p:sp>
+        <p:nvSpPr>
+          <p:cNvPr id="17" name="テキスト ボックス 16">
+            <a:extLst>
+              <a:ext uri="{FF2B5EF4-FFF2-40B4-BE49-F238E27FC236}">
+                <a16:creationId xmlns:a16="http://schemas.microsoft.com/office/drawing/2014/main" id="{7A6BCCF6-5015-40A0-BE49-64BE91141B07}"/>
+              </a:ext>
+            </a:extLst>
+          </p:cNvPr>
+          <p:cNvSpPr txBox="1"/>
+          <p:nvPr/>
+        </p:nvSpPr>
+        <p:spPr>
+          <a:xfrm>
+            <a:off x="711114" y="1900295"/>
+            <a:ext cx="984757" cy="369332"/>
+          </a:xfrm>
+          <a:prstGeom prst="rect">
+            <a:avLst/>
+          </a:prstGeom>
+          <a:noFill/>
+        </p:spPr>
+        <p:txBody>
+          <a:bodyPr wrap="none" rtlCol="0">
+            <a:spAutoFit/>
+          </a:bodyPr>
+          <a:lstStyle/>
+          <a:p>
+            <a:r>
+              <a:rPr kumimoji="1" lang="en-US" altLang="ja-JP" dirty="0"/>
+              <a:t>40*40px</a:t>
+            </a:r>
+            <a:endParaRPr kumimoji="1" lang="ja-JP" altLang="en-US" dirty="0"/>
+          </a:p>
+        </p:txBody>
+      </p:sp>
+      <p:sp>
+        <p:nvSpPr>
+          <p:cNvPr id="18" name="テキスト ボックス 17">
+            <a:extLst>
+              <a:ext uri="{FF2B5EF4-FFF2-40B4-BE49-F238E27FC236}">
+                <a16:creationId xmlns:a16="http://schemas.microsoft.com/office/drawing/2014/main" id="{638BC722-4A39-47BF-AE19-EC37A414A279}"/>
+              </a:ext>
+            </a:extLst>
+          </p:cNvPr>
+          <p:cNvSpPr txBox="1"/>
+          <p:nvPr/>
+        </p:nvSpPr>
+        <p:spPr>
+          <a:xfrm>
+            <a:off x="592544" y="1555536"/>
+            <a:ext cx="1613134" cy="369332"/>
+          </a:xfrm>
+          <a:prstGeom prst="rect">
+            <a:avLst/>
+          </a:prstGeom>
+          <a:noFill/>
+        </p:spPr>
+        <p:txBody>
+          <a:bodyPr wrap="none" rtlCol="0">
+            <a:spAutoFit/>
+          </a:bodyPr>
+          <a:lstStyle/>
+          <a:p>
+            <a:r>
+              <a:rPr kumimoji="1" lang="en-US" altLang="ja-JP" dirty="0"/>
+              <a:t>Making version</a:t>
+            </a:r>
+            <a:endParaRPr kumimoji="1" lang="ja-JP" altLang="en-US" dirty="0"/>
+          </a:p>
+        </p:txBody>
+      </p:sp>
+      <p:sp>
+        <p:nvSpPr>
+          <p:cNvPr id="19" name="テキスト ボックス 18">
+            <a:extLst>
+              <a:ext uri="{FF2B5EF4-FFF2-40B4-BE49-F238E27FC236}">
+                <a16:creationId xmlns:a16="http://schemas.microsoft.com/office/drawing/2014/main" id="{CD23EDCA-2317-41FF-95A8-785795FD862A}"/>
+              </a:ext>
+            </a:extLst>
+          </p:cNvPr>
+          <p:cNvSpPr txBox="1"/>
+          <p:nvPr/>
+        </p:nvSpPr>
+        <p:spPr>
+          <a:xfrm>
+            <a:off x="592544" y="2542675"/>
+            <a:ext cx="1587999" cy="369332"/>
+          </a:xfrm>
+          <a:prstGeom prst="rect">
+            <a:avLst/>
+          </a:prstGeom>
+          <a:noFill/>
+        </p:spPr>
+        <p:txBody>
+          <a:bodyPr wrap="none" rtlCol="0">
+            <a:spAutoFit/>
+          </a:bodyPr>
+          <a:lstStyle/>
+          <a:p>
+            <a:r>
+              <a:rPr kumimoji="1" lang="en-US" altLang="ja-JP" dirty="0"/>
+              <a:t>Display version</a:t>
+            </a:r>
+            <a:endParaRPr kumimoji="1" lang="ja-JP" altLang="en-US" dirty="0"/>
+          </a:p>
+        </p:txBody>
+      </p:sp>
+      <p:sp>
+        <p:nvSpPr>
+          <p:cNvPr id="20" name="テキスト ボックス 19">
+            <a:extLst>
+              <a:ext uri="{FF2B5EF4-FFF2-40B4-BE49-F238E27FC236}">
+                <a16:creationId xmlns:a16="http://schemas.microsoft.com/office/drawing/2014/main" id="{9E05B7F1-8921-4E97-853B-2F9258CEF2CE}"/>
+              </a:ext>
+            </a:extLst>
+          </p:cNvPr>
+          <p:cNvSpPr txBox="1"/>
+          <p:nvPr/>
+        </p:nvSpPr>
+        <p:spPr>
+          <a:xfrm>
+            <a:off x="711113" y="3059668"/>
+            <a:ext cx="984757" cy="369332"/>
+          </a:xfrm>
+          <a:prstGeom prst="rect">
+            <a:avLst/>
+          </a:prstGeom>
+          <a:noFill/>
+        </p:spPr>
+        <p:txBody>
+          <a:bodyPr wrap="none" rtlCol="0">
+            <a:spAutoFit/>
+          </a:bodyPr>
+          <a:lstStyle/>
+          <a:p>
+            <a:r>
+              <a:rPr kumimoji="1" lang="en-US" altLang="ja-JP" dirty="0"/>
+              <a:t>80*80px</a:t>
+            </a:r>
+            <a:endParaRPr kumimoji="1" lang="ja-JP" altLang="en-US" dirty="0"/>
+          </a:p>
+        </p:txBody>
+      </p:sp>
+      <p:sp>
+        <p:nvSpPr>
+          <p:cNvPr id="22" name="正方形/長方形 21">
+            <a:extLst>
+              <a:ext uri="{FF2B5EF4-FFF2-40B4-BE49-F238E27FC236}">
+                <a16:creationId xmlns:a16="http://schemas.microsoft.com/office/drawing/2014/main" id="{D69FDF5C-2CCB-49FA-97EB-51C1FDD19064}"/>
+              </a:ext>
+            </a:extLst>
+          </p:cNvPr>
+          <p:cNvSpPr/>
+          <p:nvPr/>
+        </p:nvSpPr>
+        <p:spPr>
+          <a:xfrm>
+            <a:off x="1942779" y="2912007"/>
+            <a:ext cx="1224631" cy="1156654"/>
+          </a:xfrm>
+          <a:prstGeom prst="rect">
+            <a:avLst/>
+          </a:prstGeom>
+          <a:solidFill>
+            <a:schemeClr val="accent4">
+              <a:lumMod val="60000"/>
+              <a:lumOff val="40000"/>
+            </a:schemeClr>
+          </a:solidFill>
+          <a:ln>
+            <a:noFill/>
+          </a:ln>
+        </p:spPr>
+        <p:style>
+          <a:lnRef idx="2">
+            <a:schemeClr val="accent1">
+              <a:shade val="50000"/>
+            </a:schemeClr>
+          </a:lnRef>
+          <a:fillRef idx="1">
+            <a:schemeClr val="accent1"/>
+          </a:fillRef>
+          <a:effectRef idx="0">
+            <a:schemeClr val="accent1"/>
+          </a:effectRef>
+          <a:fontRef idx="minor">
+            <a:schemeClr val="lt1"/>
+          </a:fontRef>
+        </p:style>
+        <p:txBody>
+          <a:bodyPr rtlCol="0" anchor="ctr"/>
+          <a:lstStyle/>
+          <a:p>
+            <a:pPr algn="ctr"/>
+            <a:endParaRPr kumimoji="1" lang="ja-JP" altLang="en-US"/>
+          </a:p>
+        </p:txBody>
+      </p:sp>
+      <p:sp>
+        <p:nvSpPr>
+          <p:cNvPr id="23" name="テキスト ボックス 22">
+            <a:extLst>
+              <a:ext uri="{FF2B5EF4-FFF2-40B4-BE49-F238E27FC236}">
+                <a16:creationId xmlns:a16="http://schemas.microsoft.com/office/drawing/2014/main" id="{EACE8E8A-73C5-46D7-8E2A-EA898B2846EB}"/>
+              </a:ext>
+            </a:extLst>
+          </p:cNvPr>
+          <p:cNvSpPr txBox="1"/>
+          <p:nvPr/>
+        </p:nvSpPr>
+        <p:spPr>
+          <a:xfrm>
+            <a:off x="4507650" y="4121940"/>
+            <a:ext cx="491417" cy="369332"/>
+          </a:xfrm>
+          <a:prstGeom prst="rect">
+            <a:avLst/>
+          </a:prstGeom>
+          <a:noFill/>
+        </p:spPr>
+        <p:txBody>
+          <a:bodyPr wrap="none" rtlCol="0">
+            <a:spAutoFit/>
+          </a:bodyPr>
+          <a:lstStyle/>
+          <a:p>
+            <a:r>
+              <a:rPr kumimoji="1" lang="en-US" altLang="ja-JP" dirty="0"/>
+              <a:t>.txt</a:t>
+            </a:r>
+            <a:endParaRPr kumimoji="1" lang="ja-JP" altLang="en-US" dirty="0"/>
+          </a:p>
+        </p:txBody>
+      </p:sp>
+      <p:pic>
+        <p:nvPicPr>
+          <p:cNvPr id="2052" name="Picture 4" descr="Txtファイル | 無料のアイコン">
+            <a:extLst>
+              <a:ext uri="{FF2B5EF4-FFF2-40B4-BE49-F238E27FC236}">
+                <a16:creationId xmlns:a16="http://schemas.microsoft.com/office/drawing/2014/main" id="{DB92FBEA-1D5A-489D-80BB-B92B03AA58BA}"/>
+              </a:ext>
+            </a:extLst>
+          </p:cNvPr>
+          <p:cNvPicPr>
+            <a:picLocks noChangeAspect="1" noChangeArrowheads="1"/>
+          </p:cNvPicPr>
+          <p:nvPr/>
+        </p:nvPicPr>
+        <p:blipFill>
+          <a:blip r:embed="rId2" cstate="print">
+            <a:extLst>
+              <a:ext uri="{28A0092B-C50C-407E-A947-70E740481C1C}">
+                <a14:useLocalDpi xmlns:a14="http://schemas.microsoft.com/office/drawing/2010/main" val="0"/>
+              </a:ext>
+            </a:extLst>
+          </a:blip>
+          <a:srcRect/>
+          <a:stretch>
+            <a:fillRect/>
+          </a:stretch>
+        </p:blipFill>
+        <p:spPr bwMode="auto">
+          <a:xfrm>
+            <a:off x="4637309" y="4491272"/>
+            <a:ext cx="723517" cy="723517"/>
+          </a:xfrm>
+          <a:prstGeom prst="rect">
+            <a:avLst/>
+          </a:prstGeom>
+          <a:noFill/>
+          <a:extLst>
+            <a:ext uri="{909E8E84-426E-40DD-AFC4-6F175D3DCCD1}">
+              <a14:hiddenFill xmlns:a14="http://schemas.microsoft.com/office/drawing/2010/main">
+                <a:solidFill>
+                  <a:srgbClr val="FFFFFF"/>
+                </a:solidFill>
+              </a14:hiddenFill>
+            </a:ext>
+          </a:extLst>
+        </p:spPr>
+      </p:pic>
+      <p:sp>
+        <p:nvSpPr>
+          <p:cNvPr id="25" name="テキスト ボックス 24">
+            <a:extLst>
+              <a:ext uri="{FF2B5EF4-FFF2-40B4-BE49-F238E27FC236}">
+                <a16:creationId xmlns:a16="http://schemas.microsoft.com/office/drawing/2014/main" id="{C39FCEC4-7849-4235-A655-695835C198B2}"/>
+              </a:ext>
+            </a:extLst>
+          </p:cNvPr>
+          <p:cNvSpPr txBox="1"/>
+          <p:nvPr/>
+        </p:nvSpPr>
+        <p:spPr>
+          <a:xfrm>
+            <a:off x="592544" y="4186323"/>
+            <a:ext cx="601447" cy="369332"/>
+          </a:xfrm>
+          <a:prstGeom prst="rect">
+            <a:avLst/>
+          </a:prstGeom>
+          <a:noFill/>
+        </p:spPr>
+        <p:txBody>
+          <a:bodyPr wrap="none" rtlCol="0">
+            <a:spAutoFit/>
+          </a:bodyPr>
+          <a:lstStyle/>
+          <a:p>
+            <a:r>
+              <a:rPr kumimoji="1" lang="en-US" altLang="ja-JP" dirty="0"/>
+              <a:t>map</a:t>
+            </a:r>
+            <a:endParaRPr kumimoji="1" lang="ja-JP" altLang="en-US" dirty="0"/>
+          </a:p>
+        </p:txBody>
+      </p:sp>
+      <p:sp>
+        <p:nvSpPr>
+          <p:cNvPr id="26" name="テキスト ボックス 25">
+            <a:extLst>
+              <a:ext uri="{FF2B5EF4-FFF2-40B4-BE49-F238E27FC236}">
+                <a16:creationId xmlns:a16="http://schemas.microsoft.com/office/drawing/2014/main" id="{D0963E0B-B704-493A-B2E0-A6DFD6A23EE5}"/>
+              </a:ext>
+            </a:extLst>
+          </p:cNvPr>
+          <p:cNvSpPr txBox="1"/>
+          <p:nvPr/>
+        </p:nvSpPr>
+        <p:spPr>
+          <a:xfrm>
+            <a:off x="1981912" y="4318522"/>
+            <a:ext cx="1540743" cy="369332"/>
+          </a:xfrm>
+          <a:prstGeom prst="rect">
+            <a:avLst/>
+          </a:prstGeom>
+          <a:noFill/>
+        </p:spPr>
+        <p:txBody>
+          <a:bodyPr wrap="none" rtlCol="0">
+            <a:spAutoFit/>
+          </a:bodyPr>
+          <a:lstStyle/>
+          <a:p>
+            <a:r>
+              <a:rPr kumimoji="1" lang="en-US" altLang="ja-JP" dirty="0" err="1"/>
+              <a:t>loadStageData</a:t>
+            </a:r>
+            <a:endParaRPr kumimoji="1" lang="ja-JP" altLang="en-US" dirty="0"/>
+          </a:p>
+        </p:txBody>
+      </p:sp>
+      <p:sp>
+        <p:nvSpPr>
+          <p:cNvPr id="27" name="テキスト ボックス 26">
+            <a:extLst>
+              <a:ext uri="{FF2B5EF4-FFF2-40B4-BE49-F238E27FC236}">
+                <a16:creationId xmlns:a16="http://schemas.microsoft.com/office/drawing/2014/main" id="{A5C2F739-30C9-4EDA-800E-E53B0D6BC143}"/>
+              </a:ext>
+            </a:extLst>
+          </p:cNvPr>
+          <p:cNvSpPr txBox="1"/>
+          <p:nvPr/>
+        </p:nvSpPr>
+        <p:spPr>
+          <a:xfrm>
+            <a:off x="1920905" y="4998841"/>
+            <a:ext cx="2620717" cy="369332"/>
+          </a:xfrm>
+          <a:prstGeom prst="rect">
+            <a:avLst/>
+          </a:prstGeom>
+          <a:noFill/>
+        </p:spPr>
+        <p:txBody>
+          <a:bodyPr wrap="none" rtlCol="0">
+            <a:spAutoFit/>
+          </a:bodyPr>
+          <a:lstStyle/>
+          <a:p>
+            <a:r>
+              <a:rPr kumimoji="1" lang="ja-JP" altLang="en-US" dirty="0"/>
+              <a:t>読み込んだ</a:t>
+            </a:r>
+            <a:r>
+              <a:rPr kumimoji="1" lang="en-US" altLang="ja-JP" dirty="0" err="1"/>
+              <a:t>chipCount:x,y</a:t>
+            </a:r>
+            <a:endParaRPr kumimoji="1" lang="ja-JP" altLang="en-US" dirty="0"/>
+          </a:p>
+        </p:txBody>
+      </p:sp>
+      <p:graphicFrame>
+        <p:nvGraphicFramePr>
+          <p:cNvPr id="28" name="表 28">
+            <a:extLst>
+              <a:ext uri="{FF2B5EF4-FFF2-40B4-BE49-F238E27FC236}">
+                <a16:creationId xmlns:a16="http://schemas.microsoft.com/office/drawing/2014/main" id="{9AB8AB0B-AEEA-4619-98DB-E7FC1C31BA2F}"/>
+              </a:ext>
+            </a:extLst>
+          </p:cNvPr>
+          <p:cNvGraphicFramePr>
+            <a:graphicFrameLocks noGrp="1"/>
+          </p:cNvGraphicFramePr>
+          <p:nvPr>
+            <p:extLst>
+              <p:ext uri="{D42A27DB-BD31-4B8C-83A1-F6EECF244321}">
+                <p14:modId xmlns:p14="http://schemas.microsoft.com/office/powerpoint/2010/main" val="1020748122"/>
+              </p:ext>
+            </p:extLst>
+          </p:nvPr>
+        </p:nvGraphicFramePr>
+        <p:xfrm>
+          <a:off x="5853104" y="4370989"/>
+          <a:ext cx="2846634" cy="2225040"/>
+        </p:xfrm>
+        <a:graphic>
+          <a:graphicData uri="http://schemas.openxmlformats.org/drawingml/2006/table">
+            <a:tbl>
+              <a:tblPr firstRow="1" bandRow="1">
+                <a:tableStyleId>{5C22544A-7EE6-4342-B048-85BDC9FD1C3A}</a:tableStyleId>
+              </a:tblPr>
+              <a:tblGrid>
+                <a:gridCol w="351155">
+                  <a:extLst>
+                    <a:ext uri="{9D8B030D-6E8A-4147-A177-3AD203B41FA5}">
+                      <a16:colId xmlns:a16="http://schemas.microsoft.com/office/drawing/2014/main" val="1485507950"/>
+                    </a:ext>
+                  </a:extLst>
+                </a:gridCol>
+                <a:gridCol w="376432">
+                  <a:extLst>
+                    <a:ext uri="{9D8B030D-6E8A-4147-A177-3AD203B41FA5}">
+                      <a16:colId xmlns:a16="http://schemas.microsoft.com/office/drawing/2014/main" val="2085798080"/>
+                    </a:ext>
+                  </a:extLst>
+                </a:gridCol>
+                <a:gridCol w="489249">
+                  <a:extLst>
+                    <a:ext uri="{9D8B030D-6E8A-4147-A177-3AD203B41FA5}">
+                      <a16:colId xmlns:a16="http://schemas.microsoft.com/office/drawing/2014/main" val="1899149780"/>
+                    </a:ext>
+                  </a:extLst>
+                </a:gridCol>
+                <a:gridCol w="543266">
+                  <a:extLst>
+                    <a:ext uri="{9D8B030D-6E8A-4147-A177-3AD203B41FA5}">
+                      <a16:colId xmlns:a16="http://schemas.microsoft.com/office/drawing/2014/main" val="3668783458"/>
+                    </a:ext>
+                  </a:extLst>
+                </a:gridCol>
+                <a:gridCol w="543266">
+                  <a:extLst>
+                    <a:ext uri="{9D8B030D-6E8A-4147-A177-3AD203B41FA5}">
+                      <a16:colId xmlns:a16="http://schemas.microsoft.com/office/drawing/2014/main" val="1949752049"/>
+                    </a:ext>
+                  </a:extLst>
+                </a:gridCol>
+                <a:gridCol w="543266">
+                  <a:extLst>
+                    <a:ext uri="{9D8B030D-6E8A-4147-A177-3AD203B41FA5}">
+                      <a16:colId xmlns:a16="http://schemas.microsoft.com/office/drawing/2014/main" val="3867465141"/>
+                    </a:ext>
+                  </a:extLst>
+                </a:gridCol>
+              </a:tblGrid>
+              <a:tr h="370840">
+                <a:tc>
+                  <a:txBody>
+                    <a:bodyPr/>
+                    <a:lstStyle/>
+                    <a:p>
+                      <a:r>
+                        <a:rPr kumimoji="1" lang="en-US" altLang="ja-JP" dirty="0"/>
+                        <a:t>1</a:t>
+                      </a:r>
+                      <a:endParaRPr kumimoji="1" lang="ja-JP" altLang="en-US" dirty="0"/>
+                    </a:p>
+                  </a:txBody>
+                  <a:tcPr>
+                    <a:lnL w="12700" cap="flat" cmpd="sng" algn="ctr">
+                      <a:solidFill>
+                        <a:schemeClr val="tx1"/>
+                      </a:solidFill>
+                      <a:prstDash val="solid"/>
+                      <a:round/>
+                      <a:headEnd type="none" w="med" len="med"/>
+                      <a:tailEnd type="none" w="med" len="med"/>
+                    </a:lnL>
+                    <a:lnR w="12700" cap="flat" cmpd="sng" algn="ctr">
+                      <a:solidFill>
+                        <a:schemeClr val="tx1"/>
+                      </a:solidFill>
+                      <a:prstDash val="solid"/>
+                      <a:round/>
+                      <a:headEnd type="none" w="med" len="med"/>
+                      <a:tailEnd type="none" w="med" len="med"/>
+                    </a:lnR>
+                    <a:lnT w="12700" cap="flat" cmpd="sng" algn="ctr">
+                      <a:solidFill>
+                        <a:schemeClr val="tx1"/>
+                      </a:solidFill>
+                      <a:prstDash val="solid"/>
+                      <a:round/>
+                      <a:headEnd type="none" w="med" len="med"/>
+                      <a:tailEnd type="none" w="med" len="med"/>
+                    </a:lnT>
+                    <a:lnB w="12700" cap="flat" cmpd="sng" algn="ctr">
+                      <a:solidFill>
+                        <a:schemeClr val="tx1"/>
+                      </a:solidFill>
+                      <a:prstDash val="solid"/>
+                      <a:round/>
+                      <a:headEnd type="none" w="med" len="med"/>
+                      <a:tailEnd type="none" w="med" len="med"/>
+                    </a:lnB>
+                    <a:solidFill>
+                      <a:schemeClr val="accent2">
+                        <a:lumMod val="40000"/>
+                        <a:lumOff val="60000"/>
+                      </a:schemeClr>
+                    </a:solidFill>
+                  </a:tcPr>
+                </a:tc>
+                <a:tc>
+                  <a:txBody>
+                    <a:bodyPr/>
+                    <a:lstStyle/>
+                    <a:p>
+                      <a:r>
+                        <a:rPr kumimoji="1" lang="en-US" altLang="ja-JP" dirty="0"/>
+                        <a:t>1</a:t>
+                      </a:r>
+                      <a:endParaRPr kumimoji="1" lang="ja-JP" altLang="en-US" dirty="0"/>
+                    </a:p>
+                  </a:txBody>
+                  <a:tcPr>
+                    <a:lnL w="12700" cap="flat" cmpd="sng" algn="ctr">
+                      <a:solidFill>
+                        <a:schemeClr val="tx1"/>
+                      </a:solidFill>
+                      <a:prstDash val="solid"/>
+                      <a:round/>
+                      <a:headEnd type="none" w="med" len="med"/>
+                      <a:tailEnd type="none" w="med" len="med"/>
+                    </a:lnL>
+                    <a:lnR w="12700" cap="flat" cmpd="sng" algn="ctr">
+                      <a:solidFill>
+                        <a:schemeClr val="tx1"/>
+                      </a:solidFill>
+                      <a:prstDash val="solid"/>
+                      <a:round/>
+                      <a:headEnd type="none" w="med" len="med"/>
+                      <a:tailEnd type="none" w="med" len="med"/>
+                    </a:lnR>
+                    <a:lnT w="12700" cap="flat" cmpd="sng" algn="ctr">
+                      <a:solidFill>
+                        <a:schemeClr val="tx1"/>
+                      </a:solidFill>
+                      <a:prstDash val="solid"/>
+                      <a:round/>
+                      <a:headEnd type="none" w="med" len="med"/>
+                      <a:tailEnd type="none" w="med" len="med"/>
+                    </a:lnT>
+                    <a:lnB w="12700" cap="flat" cmpd="sng" algn="ctr">
+                      <a:solidFill>
+                        <a:schemeClr val="tx1"/>
+                      </a:solidFill>
+                      <a:prstDash val="solid"/>
+                      <a:round/>
+                      <a:headEnd type="none" w="med" len="med"/>
+                      <a:tailEnd type="none" w="med" len="med"/>
+                    </a:lnB>
+                    <a:solidFill>
+                      <a:schemeClr val="accent2">
+                        <a:lumMod val="40000"/>
+                        <a:lumOff val="60000"/>
+                      </a:schemeClr>
+                    </a:solidFill>
+                  </a:tcPr>
+                </a:tc>
+                <a:tc>
+                  <a:txBody>
+                    <a:bodyPr/>
+                    <a:lstStyle/>
+                    <a:p>
+                      <a:r>
+                        <a:rPr kumimoji="1" lang="en-US" altLang="ja-JP" dirty="0"/>
+                        <a:t>1</a:t>
+                      </a:r>
+                      <a:endParaRPr kumimoji="1" lang="ja-JP" altLang="en-US" dirty="0"/>
+                    </a:p>
+                  </a:txBody>
+                  <a:tcPr>
+                    <a:lnL w="12700" cap="flat" cmpd="sng" algn="ctr">
+                      <a:solidFill>
+                        <a:schemeClr val="tx1"/>
+                      </a:solidFill>
+                      <a:prstDash val="solid"/>
+                      <a:round/>
+                      <a:headEnd type="none" w="med" len="med"/>
+                      <a:tailEnd type="none" w="med" len="med"/>
+                    </a:lnL>
+                    <a:lnR w="12700" cap="flat" cmpd="sng" algn="ctr">
+                      <a:solidFill>
+                        <a:schemeClr val="tx1"/>
+                      </a:solidFill>
+                      <a:prstDash val="solid"/>
+                      <a:round/>
+                      <a:headEnd type="none" w="med" len="med"/>
+                      <a:tailEnd type="none" w="med" len="med"/>
+                    </a:lnR>
+                    <a:lnT w="12700" cap="flat" cmpd="sng" algn="ctr">
+                      <a:solidFill>
+                        <a:schemeClr val="tx1"/>
+                      </a:solidFill>
+                      <a:prstDash val="solid"/>
+                      <a:round/>
+                      <a:headEnd type="none" w="med" len="med"/>
+                      <a:tailEnd type="none" w="med" len="med"/>
+                    </a:lnT>
+                    <a:lnB w="12700" cap="flat" cmpd="sng" algn="ctr">
+                      <a:solidFill>
+                        <a:schemeClr val="tx1"/>
+                      </a:solidFill>
+                      <a:prstDash val="solid"/>
+                      <a:round/>
+                      <a:headEnd type="none" w="med" len="med"/>
+                      <a:tailEnd type="none" w="med" len="med"/>
+                    </a:lnB>
+                    <a:solidFill>
+                      <a:schemeClr val="accent2">
+                        <a:lumMod val="40000"/>
+                        <a:lumOff val="60000"/>
+                      </a:schemeClr>
+                    </a:solidFill>
+                  </a:tcPr>
+                </a:tc>
+                <a:tc>
+                  <a:txBody>
+                    <a:bodyPr/>
+                    <a:lstStyle/>
+                    <a:p>
+                      <a:r>
+                        <a:rPr kumimoji="1" lang="en-US" altLang="ja-JP" dirty="0"/>
+                        <a:t>1</a:t>
+                      </a:r>
+                      <a:endParaRPr kumimoji="1" lang="ja-JP" altLang="en-US" dirty="0"/>
+                    </a:p>
+                  </a:txBody>
+                  <a:tcPr>
+                    <a:lnL w="12700" cap="flat" cmpd="sng" algn="ctr">
+                      <a:solidFill>
+                        <a:schemeClr val="tx1"/>
+                      </a:solidFill>
+                      <a:prstDash val="solid"/>
+                      <a:round/>
+                      <a:headEnd type="none" w="med" len="med"/>
+                      <a:tailEnd type="none" w="med" len="med"/>
+                    </a:lnL>
+                    <a:lnR w="12700" cap="flat" cmpd="sng" algn="ctr">
+                      <a:solidFill>
+                        <a:schemeClr val="tx1"/>
+                      </a:solidFill>
+                      <a:prstDash val="solid"/>
+                      <a:round/>
+                      <a:headEnd type="none" w="med" len="med"/>
+                      <a:tailEnd type="none" w="med" len="med"/>
+                    </a:lnR>
+                    <a:lnT w="12700" cap="flat" cmpd="sng" algn="ctr">
+                      <a:solidFill>
+                        <a:schemeClr val="tx1"/>
+                      </a:solidFill>
+                      <a:prstDash val="solid"/>
+                      <a:round/>
+                      <a:headEnd type="none" w="med" len="med"/>
+                      <a:tailEnd type="none" w="med" len="med"/>
+                    </a:lnT>
+                    <a:lnB w="12700" cap="flat" cmpd="sng" algn="ctr">
+                      <a:solidFill>
+                        <a:schemeClr val="tx1"/>
+                      </a:solidFill>
+                      <a:prstDash val="solid"/>
+                      <a:round/>
+                      <a:headEnd type="none" w="med" len="med"/>
+                      <a:tailEnd type="none" w="med" len="med"/>
+                    </a:lnB>
+                    <a:solidFill>
+                      <a:schemeClr val="accent2">
+                        <a:lumMod val="40000"/>
+                        <a:lumOff val="60000"/>
+                      </a:schemeClr>
+                    </a:solidFill>
+                  </a:tcPr>
+                </a:tc>
+                <a:tc>
+                  <a:txBody>
+                    <a:bodyPr/>
+                    <a:lstStyle/>
+                    <a:p>
+                      <a:r>
+                        <a:rPr kumimoji="1" lang="en-US" altLang="ja-JP" dirty="0"/>
+                        <a:t>1</a:t>
+                      </a:r>
+                      <a:endParaRPr kumimoji="1" lang="ja-JP" altLang="en-US" dirty="0"/>
+                    </a:p>
+                  </a:txBody>
+                  <a:tcPr>
+                    <a:lnL w="12700" cap="flat" cmpd="sng" algn="ctr">
+                      <a:solidFill>
+                        <a:schemeClr val="tx1"/>
+                      </a:solidFill>
+                      <a:prstDash val="solid"/>
+                      <a:round/>
+                      <a:headEnd type="none" w="med" len="med"/>
+                      <a:tailEnd type="none" w="med" len="med"/>
+                    </a:lnL>
+                    <a:lnR w="12700" cap="flat" cmpd="sng" algn="ctr">
+                      <a:solidFill>
+                        <a:schemeClr val="tx1"/>
+                      </a:solidFill>
+                      <a:prstDash val="solid"/>
+                      <a:round/>
+                      <a:headEnd type="none" w="med" len="med"/>
+                      <a:tailEnd type="none" w="med" len="med"/>
+                    </a:lnR>
+                    <a:lnT w="12700" cap="flat" cmpd="sng" algn="ctr">
+                      <a:solidFill>
+                        <a:schemeClr val="tx1"/>
+                      </a:solidFill>
+                      <a:prstDash val="solid"/>
+                      <a:round/>
+                      <a:headEnd type="none" w="med" len="med"/>
+                      <a:tailEnd type="none" w="med" len="med"/>
+                    </a:lnT>
+                    <a:lnB w="12700" cap="flat" cmpd="sng" algn="ctr">
+                      <a:solidFill>
+                        <a:schemeClr val="tx1"/>
+                      </a:solidFill>
+                      <a:prstDash val="solid"/>
+                      <a:round/>
+                      <a:headEnd type="none" w="med" len="med"/>
+                      <a:tailEnd type="none" w="med" len="med"/>
+                    </a:lnB>
+                    <a:solidFill>
+                      <a:schemeClr val="accent2">
+                        <a:lumMod val="40000"/>
+                        <a:lumOff val="60000"/>
+                      </a:schemeClr>
+                    </a:solidFill>
+                  </a:tcPr>
+                </a:tc>
+                <a:tc>
+                  <a:txBody>
+                    <a:bodyPr/>
+                    <a:lstStyle/>
+                    <a:p>
+                      <a:r>
+                        <a:rPr kumimoji="1" lang="en-US" altLang="ja-JP" dirty="0"/>
+                        <a:t>1</a:t>
+                      </a:r>
+                      <a:endParaRPr kumimoji="1" lang="ja-JP" altLang="en-US" dirty="0"/>
+                    </a:p>
+                  </a:txBody>
+                  <a:tcPr>
+                    <a:lnL w="12700" cap="flat" cmpd="sng" algn="ctr">
+                      <a:solidFill>
+                        <a:schemeClr val="tx1"/>
+                      </a:solidFill>
+                      <a:prstDash val="solid"/>
+                      <a:round/>
+                      <a:headEnd type="none" w="med" len="med"/>
+                      <a:tailEnd type="none" w="med" len="med"/>
+                    </a:lnL>
+                    <a:lnR w="12700" cap="flat" cmpd="sng" algn="ctr">
+                      <a:solidFill>
+                        <a:schemeClr val="tx1"/>
+                      </a:solidFill>
+                      <a:prstDash val="solid"/>
+                      <a:round/>
+                      <a:headEnd type="none" w="med" len="med"/>
+                      <a:tailEnd type="none" w="med" len="med"/>
+                    </a:lnR>
+                    <a:lnT w="12700" cap="flat" cmpd="sng" algn="ctr">
+                      <a:solidFill>
+                        <a:schemeClr val="tx1"/>
+                      </a:solidFill>
+                      <a:prstDash val="solid"/>
+                      <a:round/>
+                      <a:headEnd type="none" w="med" len="med"/>
+                      <a:tailEnd type="none" w="med" len="med"/>
+                    </a:lnT>
+                    <a:lnB w="12700" cap="flat" cmpd="sng" algn="ctr">
+                      <a:solidFill>
+                        <a:schemeClr val="tx1"/>
+                      </a:solidFill>
+                      <a:prstDash val="solid"/>
+                      <a:round/>
+                      <a:headEnd type="none" w="med" len="med"/>
+                      <a:tailEnd type="none" w="med" len="med"/>
+                    </a:lnB>
+                    <a:solidFill>
+                      <a:schemeClr val="accent2">
+                        <a:lumMod val="40000"/>
+                        <a:lumOff val="60000"/>
+                      </a:schemeClr>
+                    </a:solidFill>
+                  </a:tcPr>
+                </a:tc>
+                <a:extLst>
+                  <a:ext uri="{0D108BD9-81ED-4DB2-BD59-A6C34878D82A}">
+                    <a16:rowId xmlns:a16="http://schemas.microsoft.com/office/drawing/2014/main" val="2021431106"/>
+                  </a:ext>
+                </a:extLst>
+              </a:tr>
+              <a:tr h="370840">
+                <a:tc>
+                  <a:txBody>
+                    <a:bodyPr/>
+                    <a:lstStyle/>
+                    <a:p>
+                      <a:r>
+                        <a:rPr kumimoji="1" lang="en-US" altLang="ja-JP" dirty="0"/>
+                        <a:t>1</a:t>
+                      </a:r>
+                      <a:endParaRPr kumimoji="1" lang="ja-JP" altLang="en-US" dirty="0"/>
+                    </a:p>
+                  </a:txBody>
+                  <a:tcPr>
+                    <a:lnL w="12700" cap="flat" cmpd="sng" algn="ctr">
+                      <a:solidFill>
+                        <a:schemeClr val="tx1"/>
+                      </a:solidFill>
+                      <a:prstDash val="solid"/>
+                      <a:round/>
+                      <a:headEnd type="none" w="med" len="med"/>
+                      <a:tailEnd type="none" w="med" len="med"/>
+                    </a:lnL>
+                    <a:lnR w="12700" cap="flat" cmpd="sng" algn="ctr">
+                      <a:solidFill>
+                        <a:schemeClr val="tx1"/>
+                      </a:solidFill>
+                      <a:prstDash val="solid"/>
+                      <a:round/>
+                      <a:headEnd type="none" w="med" len="med"/>
+                      <a:tailEnd type="none" w="med" len="med"/>
+                    </a:lnR>
+                    <a:lnT w="12700" cap="flat" cmpd="sng" algn="ctr">
+                      <a:solidFill>
+                        <a:schemeClr val="tx1"/>
+                      </a:solidFill>
+                      <a:prstDash val="solid"/>
+                      <a:round/>
+                      <a:headEnd type="none" w="med" len="med"/>
+                      <a:tailEnd type="none" w="med" len="med"/>
+                    </a:lnT>
+                    <a:lnB w="12700" cap="flat" cmpd="sng" algn="ctr">
+                      <a:solidFill>
+                        <a:schemeClr val="tx1"/>
+                      </a:solidFill>
+                      <a:prstDash val="solid"/>
+                      <a:round/>
+                      <a:headEnd type="none" w="med" len="med"/>
+                      <a:tailEnd type="none" w="med" len="med"/>
+                    </a:lnB>
+                    <a:solidFill>
+                      <a:schemeClr val="accent2">
+                        <a:lumMod val="40000"/>
+                        <a:lumOff val="60000"/>
+                      </a:schemeClr>
+                    </a:solidFill>
+                  </a:tcPr>
+                </a:tc>
+                <a:tc>
+                  <a:txBody>
+                    <a:bodyPr/>
+                    <a:lstStyle/>
+                    <a:p>
+                      <a:r>
+                        <a:rPr kumimoji="1" lang="en-US" altLang="ja-JP" dirty="0"/>
+                        <a:t>0</a:t>
+                      </a:r>
+                      <a:endParaRPr kumimoji="1" lang="ja-JP" altLang="en-US" dirty="0"/>
+                    </a:p>
+                  </a:txBody>
+                  <a:tcPr>
+                    <a:lnL w="12700" cap="flat" cmpd="sng" algn="ctr">
+                      <a:solidFill>
+                        <a:schemeClr val="tx1"/>
+                      </a:solidFill>
+                      <a:prstDash val="solid"/>
+                      <a:round/>
+                      <a:headEnd type="none" w="med" len="med"/>
+                      <a:tailEnd type="none" w="med" len="med"/>
+                    </a:lnL>
+                    <a:lnR w="12700" cap="flat" cmpd="sng" algn="ctr">
+                      <a:solidFill>
+                        <a:schemeClr val="tx1"/>
+                      </a:solidFill>
+                      <a:prstDash val="solid"/>
+                      <a:round/>
+                      <a:headEnd type="none" w="med" len="med"/>
+                      <a:tailEnd type="none" w="med" len="med"/>
+                    </a:lnR>
+                    <a:lnT w="12700" cap="flat" cmpd="sng" algn="ctr">
+                      <a:solidFill>
+                        <a:schemeClr val="tx1"/>
+                      </a:solidFill>
+                      <a:prstDash val="solid"/>
+                      <a:round/>
+                      <a:headEnd type="none" w="med" len="med"/>
+                      <a:tailEnd type="none" w="med" len="med"/>
+                    </a:lnT>
+                    <a:lnB w="12700" cap="flat" cmpd="sng" algn="ctr">
+                      <a:solidFill>
+                        <a:schemeClr val="tx1"/>
+                      </a:solidFill>
+                      <a:prstDash val="solid"/>
+                      <a:round/>
+                      <a:headEnd type="none" w="med" len="med"/>
+                      <a:tailEnd type="none" w="med" len="med"/>
+                    </a:lnB>
+                    <a:solidFill>
+                      <a:schemeClr val="accent2">
+                        <a:lumMod val="40000"/>
+                        <a:lumOff val="60000"/>
+                      </a:schemeClr>
+                    </a:solidFill>
+                  </a:tcPr>
+                </a:tc>
+                <a:tc>
+                  <a:txBody>
+                    <a:bodyPr/>
+                    <a:lstStyle/>
+                    <a:p>
+                      <a:r>
+                        <a:rPr kumimoji="1" lang="en-US" altLang="ja-JP" dirty="0"/>
+                        <a:t>0</a:t>
+                      </a:r>
+                      <a:endParaRPr kumimoji="1" lang="ja-JP" altLang="en-US" dirty="0"/>
+                    </a:p>
+                  </a:txBody>
+                  <a:tcPr>
+                    <a:lnL w="12700" cap="flat" cmpd="sng" algn="ctr">
+                      <a:solidFill>
+                        <a:schemeClr val="tx1"/>
+                      </a:solidFill>
+                      <a:prstDash val="solid"/>
+                      <a:round/>
+                      <a:headEnd type="none" w="med" len="med"/>
+                      <a:tailEnd type="none" w="med" len="med"/>
+                    </a:lnL>
+                    <a:lnR w="12700" cap="flat" cmpd="sng" algn="ctr">
+                      <a:solidFill>
+                        <a:schemeClr val="tx1"/>
+                      </a:solidFill>
+                      <a:prstDash val="solid"/>
+                      <a:round/>
+                      <a:headEnd type="none" w="med" len="med"/>
+                      <a:tailEnd type="none" w="med" len="med"/>
+                    </a:lnR>
+                    <a:lnT w="12700" cap="flat" cmpd="sng" algn="ctr">
+                      <a:solidFill>
+                        <a:schemeClr val="tx1"/>
+                      </a:solidFill>
+                      <a:prstDash val="solid"/>
+                      <a:round/>
+                      <a:headEnd type="none" w="med" len="med"/>
+                      <a:tailEnd type="none" w="med" len="med"/>
+                    </a:lnT>
+                    <a:lnB w="12700" cap="flat" cmpd="sng" algn="ctr">
+                      <a:solidFill>
+                        <a:schemeClr val="tx1"/>
+                      </a:solidFill>
+                      <a:prstDash val="solid"/>
+                      <a:round/>
+                      <a:headEnd type="none" w="med" len="med"/>
+                      <a:tailEnd type="none" w="med" len="med"/>
+                    </a:lnB>
+                    <a:solidFill>
+                      <a:schemeClr val="accent2">
+                        <a:lumMod val="40000"/>
+                        <a:lumOff val="60000"/>
+                      </a:schemeClr>
+                    </a:solidFill>
+                  </a:tcPr>
+                </a:tc>
+                <a:tc>
+                  <a:txBody>
+                    <a:bodyPr/>
+                    <a:lstStyle/>
+                    <a:p>
+                      <a:r>
+                        <a:rPr kumimoji="1" lang="en-US" altLang="ja-JP" dirty="0"/>
+                        <a:t>0</a:t>
+                      </a:r>
+                      <a:endParaRPr kumimoji="1" lang="ja-JP" altLang="en-US" dirty="0"/>
+                    </a:p>
+                  </a:txBody>
+                  <a:tcPr>
+                    <a:lnL w="12700" cap="flat" cmpd="sng" algn="ctr">
+                      <a:solidFill>
+                        <a:schemeClr val="tx1"/>
+                      </a:solidFill>
+                      <a:prstDash val="solid"/>
+                      <a:round/>
+                      <a:headEnd type="none" w="med" len="med"/>
+                      <a:tailEnd type="none" w="med" len="med"/>
+                    </a:lnL>
+                    <a:lnR w="12700" cap="flat" cmpd="sng" algn="ctr">
+                      <a:solidFill>
+                        <a:schemeClr val="tx1"/>
+                      </a:solidFill>
+                      <a:prstDash val="solid"/>
+                      <a:round/>
+                      <a:headEnd type="none" w="med" len="med"/>
+                      <a:tailEnd type="none" w="med" len="med"/>
+                    </a:lnR>
+                    <a:lnT w="12700" cap="flat" cmpd="sng" algn="ctr">
+                      <a:solidFill>
+                        <a:schemeClr val="tx1"/>
+                      </a:solidFill>
+                      <a:prstDash val="solid"/>
+                      <a:round/>
+                      <a:headEnd type="none" w="med" len="med"/>
+                      <a:tailEnd type="none" w="med" len="med"/>
+                    </a:lnT>
+                    <a:lnB w="12700" cap="flat" cmpd="sng" algn="ctr">
+                      <a:solidFill>
+                        <a:schemeClr val="tx1"/>
+                      </a:solidFill>
+                      <a:prstDash val="solid"/>
+                      <a:round/>
+                      <a:headEnd type="none" w="med" len="med"/>
+                      <a:tailEnd type="none" w="med" len="med"/>
+                    </a:lnB>
+                    <a:solidFill>
+                      <a:schemeClr val="accent2">
+                        <a:lumMod val="40000"/>
+                        <a:lumOff val="60000"/>
+                      </a:schemeClr>
+                    </a:solidFill>
+                  </a:tcPr>
+                </a:tc>
+                <a:tc>
+                  <a:txBody>
+                    <a:bodyPr/>
+                    <a:lstStyle/>
+                    <a:p>
+                      <a:r>
+                        <a:rPr kumimoji="1" lang="en-US" altLang="ja-JP" dirty="0"/>
+                        <a:t>0</a:t>
+                      </a:r>
+                      <a:endParaRPr kumimoji="1" lang="ja-JP" altLang="en-US" dirty="0"/>
+                    </a:p>
+                  </a:txBody>
+                  <a:tcPr>
+                    <a:lnL w="12700" cap="flat" cmpd="sng" algn="ctr">
+                      <a:solidFill>
+                        <a:schemeClr val="tx1"/>
+                      </a:solidFill>
+                      <a:prstDash val="solid"/>
+                      <a:round/>
+                      <a:headEnd type="none" w="med" len="med"/>
+                      <a:tailEnd type="none" w="med" len="med"/>
+                    </a:lnL>
+                    <a:lnR w="12700" cap="flat" cmpd="sng" algn="ctr">
+                      <a:solidFill>
+                        <a:schemeClr val="tx1"/>
+                      </a:solidFill>
+                      <a:prstDash val="solid"/>
+                      <a:round/>
+                      <a:headEnd type="none" w="med" len="med"/>
+                      <a:tailEnd type="none" w="med" len="med"/>
+                    </a:lnR>
+                    <a:lnT w="12700" cap="flat" cmpd="sng" algn="ctr">
+                      <a:solidFill>
+                        <a:schemeClr val="tx1"/>
+                      </a:solidFill>
+                      <a:prstDash val="solid"/>
+                      <a:round/>
+                      <a:headEnd type="none" w="med" len="med"/>
+                      <a:tailEnd type="none" w="med" len="med"/>
+                    </a:lnT>
+                    <a:lnB w="12700" cap="flat" cmpd="sng" algn="ctr">
+                      <a:solidFill>
+                        <a:schemeClr val="tx1"/>
+                      </a:solidFill>
+                      <a:prstDash val="solid"/>
+                      <a:round/>
+                      <a:headEnd type="none" w="med" len="med"/>
+                      <a:tailEnd type="none" w="med" len="med"/>
+                    </a:lnB>
+                    <a:solidFill>
+                      <a:schemeClr val="accent2">
+                        <a:lumMod val="40000"/>
+                        <a:lumOff val="60000"/>
+                      </a:schemeClr>
+                    </a:solidFill>
+                  </a:tcPr>
+                </a:tc>
+                <a:tc>
+                  <a:txBody>
+                    <a:bodyPr/>
+                    <a:lstStyle/>
+                    <a:p>
+                      <a:r>
+                        <a:rPr kumimoji="1" lang="en-US" altLang="ja-JP" dirty="0"/>
+                        <a:t>1</a:t>
+                      </a:r>
+                      <a:endParaRPr kumimoji="1" lang="ja-JP" altLang="en-US" dirty="0"/>
+                    </a:p>
+                  </a:txBody>
+                  <a:tcPr>
+                    <a:lnL w="12700" cap="flat" cmpd="sng" algn="ctr">
+                      <a:solidFill>
+                        <a:schemeClr val="tx1"/>
+                      </a:solidFill>
+                      <a:prstDash val="solid"/>
+                      <a:round/>
+                      <a:headEnd type="none" w="med" len="med"/>
+                      <a:tailEnd type="none" w="med" len="med"/>
+                    </a:lnL>
+                    <a:lnR w="12700" cap="flat" cmpd="sng" algn="ctr">
+                      <a:solidFill>
+                        <a:schemeClr val="tx1"/>
+                      </a:solidFill>
+                      <a:prstDash val="solid"/>
+                      <a:round/>
+                      <a:headEnd type="none" w="med" len="med"/>
+                      <a:tailEnd type="none" w="med" len="med"/>
+                    </a:lnR>
+                    <a:lnT w="12700" cap="flat" cmpd="sng" algn="ctr">
+                      <a:solidFill>
+                        <a:schemeClr val="tx1"/>
+                      </a:solidFill>
+                      <a:prstDash val="solid"/>
+                      <a:round/>
+                      <a:headEnd type="none" w="med" len="med"/>
+                      <a:tailEnd type="none" w="med" len="med"/>
+                    </a:lnT>
+                    <a:lnB w="12700" cap="flat" cmpd="sng" algn="ctr">
+                      <a:solidFill>
+                        <a:schemeClr val="tx1"/>
+                      </a:solidFill>
+                      <a:prstDash val="solid"/>
+                      <a:round/>
+                      <a:headEnd type="none" w="med" len="med"/>
+                      <a:tailEnd type="none" w="med" len="med"/>
+                    </a:lnB>
+                    <a:solidFill>
+                      <a:schemeClr val="accent2">
+                        <a:lumMod val="40000"/>
+                        <a:lumOff val="60000"/>
+                      </a:schemeClr>
+                    </a:solidFill>
+                  </a:tcPr>
+                </a:tc>
+                <a:extLst>
+                  <a:ext uri="{0D108BD9-81ED-4DB2-BD59-A6C34878D82A}">
+                    <a16:rowId xmlns:a16="http://schemas.microsoft.com/office/drawing/2014/main" val="643165346"/>
+                  </a:ext>
+                </a:extLst>
+              </a:tr>
+              <a:tr h="370840">
+                <a:tc>
+                  <a:txBody>
+                    <a:bodyPr/>
+                    <a:lstStyle/>
+                    <a:p>
+                      <a:r>
+                        <a:rPr kumimoji="1" lang="en-US" altLang="ja-JP" dirty="0"/>
+                        <a:t>1</a:t>
+                      </a:r>
+                      <a:endParaRPr kumimoji="1" lang="ja-JP" altLang="en-US" dirty="0"/>
+                    </a:p>
+                  </a:txBody>
+                  <a:tcPr>
+                    <a:lnL w="12700" cap="flat" cmpd="sng" algn="ctr">
+                      <a:solidFill>
+                        <a:schemeClr val="tx1"/>
+                      </a:solidFill>
+                      <a:prstDash val="solid"/>
+                      <a:round/>
+                      <a:headEnd type="none" w="med" len="med"/>
+                      <a:tailEnd type="none" w="med" len="med"/>
+                    </a:lnL>
+                    <a:lnR w="12700" cap="flat" cmpd="sng" algn="ctr">
+                      <a:solidFill>
+                        <a:schemeClr val="tx1"/>
+                      </a:solidFill>
+                      <a:prstDash val="solid"/>
+                      <a:round/>
+                      <a:headEnd type="none" w="med" len="med"/>
+                      <a:tailEnd type="none" w="med" len="med"/>
+                    </a:lnR>
+                    <a:lnT w="12700" cap="flat" cmpd="sng" algn="ctr">
+                      <a:solidFill>
+                        <a:schemeClr val="tx1"/>
+                      </a:solidFill>
+                      <a:prstDash val="solid"/>
+                      <a:round/>
+                      <a:headEnd type="none" w="med" len="med"/>
+                      <a:tailEnd type="none" w="med" len="med"/>
+                    </a:lnT>
+                    <a:lnB w="12700" cap="flat" cmpd="sng" algn="ctr">
+                      <a:solidFill>
+                        <a:schemeClr val="tx1"/>
+                      </a:solidFill>
+                      <a:prstDash val="solid"/>
+                      <a:round/>
+                      <a:headEnd type="none" w="med" len="med"/>
+                      <a:tailEnd type="none" w="med" len="med"/>
+                    </a:lnB>
+                    <a:solidFill>
+                      <a:schemeClr val="accent2">
+                        <a:lumMod val="40000"/>
+                        <a:lumOff val="60000"/>
+                      </a:schemeClr>
+                    </a:solidFill>
+                  </a:tcPr>
+                </a:tc>
+                <a:tc>
+                  <a:txBody>
+                    <a:bodyPr/>
+                    <a:lstStyle/>
+                    <a:p>
+                      <a:endParaRPr kumimoji="1" lang="ja-JP" altLang="en-US" dirty="0"/>
+                    </a:p>
+                  </a:txBody>
+                  <a:tcPr>
+                    <a:lnL w="12700" cap="flat" cmpd="sng" algn="ctr">
+                      <a:solidFill>
+                        <a:schemeClr val="tx1"/>
+                      </a:solidFill>
+                      <a:prstDash val="solid"/>
+                      <a:round/>
+                      <a:headEnd type="none" w="med" len="med"/>
+                      <a:tailEnd type="none" w="med" len="med"/>
+                    </a:lnL>
+                    <a:lnR w="12700" cap="flat" cmpd="sng" algn="ctr">
+                      <a:solidFill>
+                        <a:schemeClr val="tx1"/>
+                      </a:solidFill>
+                      <a:prstDash val="solid"/>
+                      <a:round/>
+                      <a:headEnd type="none" w="med" len="med"/>
+                      <a:tailEnd type="none" w="med" len="med"/>
+                    </a:lnR>
+                    <a:lnT w="12700" cap="flat" cmpd="sng" algn="ctr">
+                      <a:solidFill>
+                        <a:schemeClr val="tx1"/>
+                      </a:solidFill>
+                      <a:prstDash val="solid"/>
+                      <a:round/>
+                      <a:headEnd type="none" w="med" len="med"/>
+                      <a:tailEnd type="none" w="med" len="med"/>
+                    </a:lnT>
+                    <a:lnB w="12700" cap="flat" cmpd="sng" algn="ctr">
+                      <a:solidFill>
+                        <a:schemeClr val="tx1"/>
+                      </a:solidFill>
+                      <a:prstDash val="solid"/>
+                      <a:round/>
+                      <a:headEnd type="none" w="med" len="med"/>
+                      <a:tailEnd type="none" w="med" len="med"/>
+                    </a:lnB>
+                    <a:solidFill>
+                      <a:schemeClr val="accent2">
+                        <a:lumMod val="40000"/>
+                        <a:lumOff val="60000"/>
+                      </a:schemeClr>
+                    </a:solidFill>
+                  </a:tcPr>
+                </a:tc>
+                <a:tc>
+                  <a:txBody>
+                    <a:bodyPr/>
+                    <a:lstStyle/>
+                    <a:p>
+                      <a:endParaRPr kumimoji="1" lang="ja-JP" altLang="en-US" dirty="0"/>
+                    </a:p>
+                  </a:txBody>
+                  <a:tcPr>
+                    <a:lnL w="12700" cap="flat" cmpd="sng" algn="ctr">
+                      <a:solidFill>
+                        <a:schemeClr val="tx1"/>
+                      </a:solidFill>
+                      <a:prstDash val="solid"/>
+                      <a:round/>
+                      <a:headEnd type="none" w="med" len="med"/>
+                      <a:tailEnd type="none" w="med" len="med"/>
+                    </a:lnL>
+                    <a:lnR w="12700" cap="flat" cmpd="sng" algn="ctr">
+                      <a:solidFill>
+                        <a:schemeClr val="tx1"/>
+                      </a:solidFill>
+                      <a:prstDash val="solid"/>
+                      <a:round/>
+                      <a:headEnd type="none" w="med" len="med"/>
+                      <a:tailEnd type="none" w="med" len="med"/>
+                    </a:lnR>
+                    <a:lnT w="12700" cap="flat" cmpd="sng" algn="ctr">
+                      <a:solidFill>
+                        <a:schemeClr val="tx1"/>
+                      </a:solidFill>
+                      <a:prstDash val="solid"/>
+                      <a:round/>
+                      <a:headEnd type="none" w="med" len="med"/>
+                      <a:tailEnd type="none" w="med" len="med"/>
+                    </a:lnT>
+                    <a:lnB w="12700" cap="flat" cmpd="sng" algn="ctr">
+                      <a:solidFill>
+                        <a:schemeClr val="tx1"/>
+                      </a:solidFill>
+                      <a:prstDash val="solid"/>
+                      <a:round/>
+                      <a:headEnd type="none" w="med" len="med"/>
+                      <a:tailEnd type="none" w="med" len="med"/>
+                    </a:lnB>
+                    <a:solidFill>
+                      <a:schemeClr val="accent2">
+                        <a:lumMod val="40000"/>
+                        <a:lumOff val="60000"/>
+                      </a:schemeClr>
+                    </a:solidFill>
+                  </a:tcPr>
+                </a:tc>
+                <a:tc>
+                  <a:txBody>
+                    <a:bodyPr/>
+                    <a:lstStyle/>
+                    <a:p>
+                      <a:endParaRPr kumimoji="1" lang="ja-JP" altLang="en-US" dirty="0"/>
+                    </a:p>
+                  </a:txBody>
+                  <a:tcPr>
+                    <a:lnL w="12700" cap="flat" cmpd="sng" algn="ctr">
+                      <a:solidFill>
+                        <a:schemeClr val="tx1"/>
+                      </a:solidFill>
+                      <a:prstDash val="solid"/>
+                      <a:round/>
+                      <a:headEnd type="none" w="med" len="med"/>
+                      <a:tailEnd type="none" w="med" len="med"/>
+                    </a:lnL>
+                    <a:lnR w="12700" cap="flat" cmpd="sng" algn="ctr">
+                      <a:solidFill>
+                        <a:schemeClr val="tx1"/>
+                      </a:solidFill>
+                      <a:prstDash val="solid"/>
+                      <a:round/>
+                      <a:headEnd type="none" w="med" len="med"/>
+                      <a:tailEnd type="none" w="med" len="med"/>
+                    </a:lnR>
+                    <a:lnT w="12700" cap="flat" cmpd="sng" algn="ctr">
+                      <a:solidFill>
+                        <a:schemeClr val="tx1"/>
+                      </a:solidFill>
+                      <a:prstDash val="solid"/>
+                      <a:round/>
+                      <a:headEnd type="none" w="med" len="med"/>
+                      <a:tailEnd type="none" w="med" len="med"/>
+                    </a:lnT>
+                    <a:lnB w="12700" cap="flat" cmpd="sng" algn="ctr">
+                      <a:solidFill>
+                        <a:schemeClr val="tx1"/>
+                      </a:solidFill>
+                      <a:prstDash val="solid"/>
+                      <a:round/>
+                      <a:headEnd type="none" w="med" len="med"/>
+                      <a:tailEnd type="none" w="med" len="med"/>
+                    </a:lnB>
+                    <a:solidFill>
+                      <a:schemeClr val="accent2">
+                        <a:lumMod val="40000"/>
+                        <a:lumOff val="60000"/>
+                      </a:schemeClr>
+                    </a:solidFill>
+                  </a:tcPr>
+                </a:tc>
+                <a:tc>
+                  <a:txBody>
+                    <a:bodyPr/>
+                    <a:lstStyle/>
+                    <a:p>
+                      <a:endParaRPr kumimoji="1" lang="ja-JP" altLang="en-US"/>
+                    </a:p>
+                  </a:txBody>
+                  <a:tcPr>
+                    <a:lnL w="12700" cap="flat" cmpd="sng" algn="ctr">
+                      <a:solidFill>
+                        <a:schemeClr val="tx1"/>
+                      </a:solidFill>
+                      <a:prstDash val="solid"/>
+                      <a:round/>
+                      <a:headEnd type="none" w="med" len="med"/>
+                      <a:tailEnd type="none" w="med" len="med"/>
+                    </a:lnL>
+                    <a:lnR w="12700" cap="flat" cmpd="sng" algn="ctr">
+                      <a:solidFill>
+                        <a:schemeClr val="tx1"/>
+                      </a:solidFill>
+                      <a:prstDash val="solid"/>
+                      <a:round/>
+                      <a:headEnd type="none" w="med" len="med"/>
+                      <a:tailEnd type="none" w="med" len="med"/>
+                    </a:lnR>
+                    <a:lnT w="12700" cap="flat" cmpd="sng" algn="ctr">
+                      <a:solidFill>
+                        <a:schemeClr val="tx1"/>
+                      </a:solidFill>
+                      <a:prstDash val="solid"/>
+                      <a:round/>
+                      <a:headEnd type="none" w="med" len="med"/>
+                      <a:tailEnd type="none" w="med" len="med"/>
+                    </a:lnT>
+                    <a:lnB w="12700" cap="flat" cmpd="sng" algn="ctr">
+                      <a:solidFill>
+                        <a:schemeClr val="tx1"/>
+                      </a:solidFill>
+                      <a:prstDash val="solid"/>
+                      <a:round/>
+                      <a:headEnd type="none" w="med" len="med"/>
+                      <a:tailEnd type="none" w="med" len="med"/>
+                    </a:lnB>
+                    <a:solidFill>
+                      <a:schemeClr val="accent2">
+                        <a:lumMod val="40000"/>
+                        <a:lumOff val="60000"/>
+                      </a:schemeClr>
+                    </a:solidFill>
+                  </a:tcPr>
+                </a:tc>
+                <a:tc>
+                  <a:txBody>
+                    <a:bodyPr/>
+                    <a:lstStyle/>
+                    <a:p>
+                      <a:r>
+                        <a:rPr kumimoji="1" lang="en-US" altLang="ja-JP" dirty="0"/>
+                        <a:t>1</a:t>
+                      </a:r>
+                      <a:endParaRPr kumimoji="1" lang="ja-JP" altLang="en-US" dirty="0"/>
+                    </a:p>
+                  </a:txBody>
+                  <a:tcPr>
+                    <a:lnL w="12700" cap="flat" cmpd="sng" algn="ctr">
+                      <a:solidFill>
+                        <a:schemeClr val="tx1"/>
+                      </a:solidFill>
+                      <a:prstDash val="solid"/>
+                      <a:round/>
+                      <a:headEnd type="none" w="med" len="med"/>
+                      <a:tailEnd type="none" w="med" len="med"/>
+                    </a:lnL>
+                    <a:lnR w="12700" cap="flat" cmpd="sng" algn="ctr">
+                      <a:solidFill>
+                        <a:schemeClr val="tx1"/>
+                      </a:solidFill>
+                      <a:prstDash val="solid"/>
+                      <a:round/>
+                      <a:headEnd type="none" w="med" len="med"/>
+                      <a:tailEnd type="none" w="med" len="med"/>
+                    </a:lnR>
+                    <a:lnT w="12700" cap="flat" cmpd="sng" algn="ctr">
+                      <a:solidFill>
+                        <a:schemeClr val="tx1"/>
+                      </a:solidFill>
+                      <a:prstDash val="solid"/>
+                      <a:round/>
+                      <a:headEnd type="none" w="med" len="med"/>
+                      <a:tailEnd type="none" w="med" len="med"/>
+                    </a:lnT>
+                    <a:lnB w="12700" cap="flat" cmpd="sng" algn="ctr">
+                      <a:solidFill>
+                        <a:schemeClr val="tx1"/>
+                      </a:solidFill>
+                      <a:prstDash val="solid"/>
+                      <a:round/>
+                      <a:headEnd type="none" w="med" len="med"/>
+                      <a:tailEnd type="none" w="med" len="med"/>
+                    </a:lnB>
+                    <a:solidFill>
+                      <a:schemeClr val="accent2">
+                        <a:lumMod val="40000"/>
+                        <a:lumOff val="60000"/>
+                      </a:schemeClr>
+                    </a:solidFill>
+                  </a:tcPr>
+                </a:tc>
+                <a:extLst>
+                  <a:ext uri="{0D108BD9-81ED-4DB2-BD59-A6C34878D82A}">
+                    <a16:rowId xmlns:a16="http://schemas.microsoft.com/office/drawing/2014/main" val="863750847"/>
+                  </a:ext>
+                </a:extLst>
+              </a:tr>
+              <a:tr h="370840">
+                <a:tc>
+                  <a:txBody>
+                    <a:bodyPr/>
+                    <a:lstStyle/>
+                    <a:p>
+                      <a:r>
+                        <a:rPr kumimoji="1" lang="en-US" altLang="ja-JP" dirty="0"/>
+                        <a:t>1</a:t>
+                      </a:r>
+                      <a:endParaRPr kumimoji="1" lang="ja-JP" altLang="en-US" dirty="0"/>
+                    </a:p>
+                  </a:txBody>
+                  <a:tcPr>
+                    <a:lnL w="12700" cap="flat" cmpd="sng" algn="ctr">
+                      <a:solidFill>
+                        <a:schemeClr val="tx1"/>
+                      </a:solidFill>
+                      <a:prstDash val="solid"/>
+                      <a:round/>
+                      <a:headEnd type="none" w="med" len="med"/>
+                      <a:tailEnd type="none" w="med" len="med"/>
+                    </a:lnL>
+                    <a:lnR w="12700" cap="flat" cmpd="sng" algn="ctr">
+                      <a:solidFill>
+                        <a:schemeClr val="tx1"/>
+                      </a:solidFill>
+                      <a:prstDash val="solid"/>
+                      <a:round/>
+                      <a:headEnd type="none" w="med" len="med"/>
+                      <a:tailEnd type="none" w="med" len="med"/>
+                    </a:lnR>
+                    <a:lnT w="12700" cap="flat" cmpd="sng" algn="ctr">
+                      <a:solidFill>
+                        <a:schemeClr val="tx1"/>
+                      </a:solidFill>
+                      <a:prstDash val="solid"/>
+                      <a:round/>
+                      <a:headEnd type="none" w="med" len="med"/>
+                      <a:tailEnd type="none" w="med" len="med"/>
+                    </a:lnT>
+                    <a:lnB w="12700" cap="flat" cmpd="sng" algn="ctr">
+                      <a:solidFill>
+                        <a:schemeClr val="tx1"/>
+                      </a:solidFill>
+                      <a:prstDash val="solid"/>
+                      <a:round/>
+                      <a:headEnd type="none" w="med" len="med"/>
+                      <a:tailEnd type="none" w="med" len="med"/>
+                    </a:lnB>
+                    <a:solidFill>
+                      <a:schemeClr val="accent2">
+                        <a:lumMod val="40000"/>
+                        <a:lumOff val="60000"/>
+                      </a:schemeClr>
+                    </a:solidFill>
+                  </a:tcPr>
+                </a:tc>
+                <a:tc>
+                  <a:txBody>
+                    <a:bodyPr/>
+                    <a:lstStyle/>
+                    <a:p>
+                      <a:endParaRPr kumimoji="1" lang="ja-JP" altLang="en-US"/>
+                    </a:p>
+                  </a:txBody>
+                  <a:tcPr>
+                    <a:lnL w="12700" cap="flat" cmpd="sng" algn="ctr">
+                      <a:solidFill>
+                        <a:schemeClr val="tx1"/>
+                      </a:solidFill>
+                      <a:prstDash val="solid"/>
+                      <a:round/>
+                      <a:headEnd type="none" w="med" len="med"/>
+                      <a:tailEnd type="none" w="med" len="med"/>
+                    </a:lnL>
+                    <a:lnR w="12700" cap="flat" cmpd="sng" algn="ctr">
+                      <a:solidFill>
+                        <a:schemeClr val="tx1"/>
+                      </a:solidFill>
+                      <a:prstDash val="solid"/>
+                      <a:round/>
+                      <a:headEnd type="none" w="med" len="med"/>
+                      <a:tailEnd type="none" w="med" len="med"/>
+                    </a:lnR>
+                    <a:lnT w="12700" cap="flat" cmpd="sng" algn="ctr">
+                      <a:solidFill>
+                        <a:schemeClr val="tx1"/>
+                      </a:solidFill>
+                      <a:prstDash val="solid"/>
+                      <a:round/>
+                      <a:headEnd type="none" w="med" len="med"/>
+                      <a:tailEnd type="none" w="med" len="med"/>
+                    </a:lnT>
+                    <a:lnB w="12700" cap="flat" cmpd="sng" algn="ctr">
+                      <a:solidFill>
+                        <a:schemeClr val="tx1"/>
+                      </a:solidFill>
+                      <a:prstDash val="solid"/>
+                      <a:round/>
+                      <a:headEnd type="none" w="med" len="med"/>
+                      <a:tailEnd type="none" w="med" len="med"/>
+                    </a:lnB>
+                    <a:solidFill>
+                      <a:schemeClr val="accent2">
+                        <a:lumMod val="40000"/>
+                        <a:lumOff val="60000"/>
+                      </a:schemeClr>
+                    </a:solidFill>
+                  </a:tcPr>
+                </a:tc>
+                <a:tc>
+                  <a:txBody>
+                    <a:bodyPr/>
+                    <a:lstStyle/>
+                    <a:p>
+                      <a:endParaRPr kumimoji="1" lang="ja-JP" altLang="en-US"/>
+                    </a:p>
+                  </a:txBody>
+                  <a:tcPr>
+                    <a:lnL w="12700" cap="flat" cmpd="sng" algn="ctr">
+                      <a:solidFill>
+                        <a:schemeClr val="tx1"/>
+                      </a:solidFill>
+                      <a:prstDash val="solid"/>
+                      <a:round/>
+                      <a:headEnd type="none" w="med" len="med"/>
+                      <a:tailEnd type="none" w="med" len="med"/>
+                    </a:lnL>
+                    <a:lnR w="12700" cap="flat" cmpd="sng" algn="ctr">
+                      <a:solidFill>
+                        <a:schemeClr val="tx1"/>
+                      </a:solidFill>
+                      <a:prstDash val="solid"/>
+                      <a:round/>
+                      <a:headEnd type="none" w="med" len="med"/>
+                      <a:tailEnd type="none" w="med" len="med"/>
+                    </a:lnR>
+                    <a:lnT w="12700" cap="flat" cmpd="sng" algn="ctr">
+                      <a:solidFill>
+                        <a:schemeClr val="tx1"/>
+                      </a:solidFill>
+                      <a:prstDash val="solid"/>
+                      <a:round/>
+                      <a:headEnd type="none" w="med" len="med"/>
+                      <a:tailEnd type="none" w="med" len="med"/>
+                    </a:lnT>
+                    <a:lnB w="12700" cap="flat" cmpd="sng" algn="ctr">
+                      <a:solidFill>
+                        <a:schemeClr val="tx1"/>
+                      </a:solidFill>
+                      <a:prstDash val="solid"/>
+                      <a:round/>
+                      <a:headEnd type="none" w="med" len="med"/>
+                      <a:tailEnd type="none" w="med" len="med"/>
+                    </a:lnB>
+                    <a:solidFill>
+                      <a:schemeClr val="accent2">
+                        <a:lumMod val="40000"/>
+                        <a:lumOff val="60000"/>
+                      </a:schemeClr>
+                    </a:solidFill>
+                  </a:tcPr>
+                </a:tc>
+                <a:tc>
+                  <a:txBody>
+                    <a:bodyPr/>
+                    <a:lstStyle/>
+                    <a:p>
+                      <a:endParaRPr kumimoji="1" lang="ja-JP" altLang="en-US"/>
+                    </a:p>
+                  </a:txBody>
+                  <a:tcPr>
+                    <a:lnL w="12700" cap="flat" cmpd="sng" algn="ctr">
+                      <a:solidFill>
+                        <a:schemeClr val="tx1"/>
+                      </a:solidFill>
+                      <a:prstDash val="solid"/>
+                      <a:round/>
+                      <a:headEnd type="none" w="med" len="med"/>
+                      <a:tailEnd type="none" w="med" len="med"/>
+                    </a:lnL>
+                    <a:lnR w="12700" cap="flat" cmpd="sng" algn="ctr">
+                      <a:solidFill>
+                        <a:schemeClr val="tx1"/>
+                      </a:solidFill>
+                      <a:prstDash val="solid"/>
+                      <a:round/>
+                      <a:headEnd type="none" w="med" len="med"/>
+                      <a:tailEnd type="none" w="med" len="med"/>
+                    </a:lnR>
+                    <a:lnT w="12700" cap="flat" cmpd="sng" algn="ctr">
+                      <a:solidFill>
+                        <a:schemeClr val="tx1"/>
+                      </a:solidFill>
+                      <a:prstDash val="solid"/>
+                      <a:round/>
+                      <a:headEnd type="none" w="med" len="med"/>
+                      <a:tailEnd type="none" w="med" len="med"/>
+                    </a:lnT>
+                    <a:lnB w="12700" cap="flat" cmpd="sng" algn="ctr">
+                      <a:solidFill>
+                        <a:schemeClr val="tx1"/>
+                      </a:solidFill>
+                      <a:prstDash val="solid"/>
+                      <a:round/>
+                      <a:headEnd type="none" w="med" len="med"/>
+                      <a:tailEnd type="none" w="med" len="med"/>
+                    </a:lnB>
+                    <a:solidFill>
+                      <a:schemeClr val="accent2">
+                        <a:lumMod val="40000"/>
+                        <a:lumOff val="60000"/>
+                      </a:schemeClr>
+                    </a:solidFill>
+                  </a:tcPr>
+                </a:tc>
+                <a:tc>
+                  <a:txBody>
+                    <a:bodyPr/>
+                    <a:lstStyle/>
+                    <a:p>
+                      <a:endParaRPr kumimoji="1" lang="ja-JP" altLang="en-US"/>
+                    </a:p>
+                  </a:txBody>
+                  <a:tcPr>
+                    <a:lnL w="12700" cap="flat" cmpd="sng" algn="ctr">
+                      <a:solidFill>
+                        <a:schemeClr val="tx1"/>
+                      </a:solidFill>
+                      <a:prstDash val="solid"/>
+                      <a:round/>
+                      <a:headEnd type="none" w="med" len="med"/>
+                      <a:tailEnd type="none" w="med" len="med"/>
+                    </a:lnL>
+                    <a:lnR w="12700" cap="flat" cmpd="sng" algn="ctr">
+                      <a:solidFill>
+                        <a:schemeClr val="tx1"/>
+                      </a:solidFill>
+                      <a:prstDash val="solid"/>
+                      <a:round/>
+                      <a:headEnd type="none" w="med" len="med"/>
+                      <a:tailEnd type="none" w="med" len="med"/>
+                    </a:lnR>
+                    <a:lnT w="12700" cap="flat" cmpd="sng" algn="ctr">
+                      <a:solidFill>
+                        <a:schemeClr val="tx1"/>
+                      </a:solidFill>
+                      <a:prstDash val="solid"/>
+                      <a:round/>
+                      <a:headEnd type="none" w="med" len="med"/>
+                      <a:tailEnd type="none" w="med" len="med"/>
+                    </a:lnT>
+                    <a:lnB w="12700" cap="flat" cmpd="sng" algn="ctr">
+                      <a:solidFill>
+                        <a:schemeClr val="tx1"/>
+                      </a:solidFill>
+                      <a:prstDash val="solid"/>
+                      <a:round/>
+                      <a:headEnd type="none" w="med" len="med"/>
+                      <a:tailEnd type="none" w="med" len="med"/>
+                    </a:lnB>
+                    <a:solidFill>
+                      <a:schemeClr val="accent2">
+                        <a:lumMod val="40000"/>
+                        <a:lumOff val="60000"/>
+                      </a:schemeClr>
+                    </a:solidFill>
+                  </a:tcPr>
+                </a:tc>
+                <a:tc>
+                  <a:txBody>
+                    <a:bodyPr/>
+                    <a:lstStyle/>
+                    <a:p>
+                      <a:r>
+                        <a:rPr kumimoji="1" lang="en-US" altLang="ja-JP" dirty="0"/>
+                        <a:t>1</a:t>
+                      </a:r>
+                      <a:endParaRPr kumimoji="1" lang="ja-JP" altLang="en-US" dirty="0"/>
+                    </a:p>
+                  </a:txBody>
+                  <a:tcPr>
+                    <a:lnL w="12700" cap="flat" cmpd="sng" algn="ctr">
+                      <a:solidFill>
+                        <a:schemeClr val="tx1"/>
+                      </a:solidFill>
+                      <a:prstDash val="solid"/>
+                      <a:round/>
+                      <a:headEnd type="none" w="med" len="med"/>
+                      <a:tailEnd type="none" w="med" len="med"/>
+                    </a:lnL>
+                    <a:lnR w="12700" cap="flat" cmpd="sng" algn="ctr">
+                      <a:solidFill>
+                        <a:schemeClr val="tx1"/>
+                      </a:solidFill>
+                      <a:prstDash val="solid"/>
+                      <a:round/>
+                      <a:headEnd type="none" w="med" len="med"/>
+                      <a:tailEnd type="none" w="med" len="med"/>
+                    </a:lnR>
+                    <a:lnT w="12700" cap="flat" cmpd="sng" algn="ctr">
+                      <a:solidFill>
+                        <a:schemeClr val="tx1"/>
+                      </a:solidFill>
+                      <a:prstDash val="solid"/>
+                      <a:round/>
+                      <a:headEnd type="none" w="med" len="med"/>
+                      <a:tailEnd type="none" w="med" len="med"/>
+                    </a:lnT>
+                    <a:lnB w="12700" cap="flat" cmpd="sng" algn="ctr">
+                      <a:solidFill>
+                        <a:schemeClr val="tx1"/>
+                      </a:solidFill>
+                      <a:prstDash val="solid"/>
+                      <a:round/>
+                      <a:headEnd type="none" w="med" len="med"/>
+                      <a:tailEnd type="none" w="med" len="med"/>
+                    </a:lnB>
+                    <a:solidFill>
+                      <a:schemeClr val="accent2">
+                        <a:lumMod val="40000"/>
+                        <a:lumOff val="60000"/>
+                      </a:schemeClr>
+                    </a:solidFill>
+                  </a:tcPr>
+                </a:tc>
+                <a:extLst>
+                  <a:ext uri="{0D108BD9-81ED-4DB2-BD59-A6C34878D82A}">
+                    <a16:rowId xmlns:a16="http://schemas.microsoft.com/office/drawing/2014/main" val="1100858626"/>
+                  </a:ext>
+                </a:extLst>
+              </a:tr>
+              <a:tr h="370840">
+                <a:tc>
+                  <a:txBody>
+                    <a:bodyPr/>
+                    <a:lstStyle/>
+                    <a:p>
+                      <a:r>
+                        <a:rPr kumimoji="1" lang="en-US" altLang="ja-JP" dirty="0"/>
+                        <a:t>1</a:t>
+                      </a:r>
+                      <a:endParaRPr kumimoji="1" lang="ja-JP" altLang="en-US" dirty="0"/>
+                    </a:p>
+                  </a:txBody>
+                  <a:tcPr>
+                    <a:lnL w="12700" cap="flat" cmpd="sng" algn="ctr">
+                      <a:solidFill>
+                        <a:schemeClr val="tx1"/>
+                      </a:solidFill>
+                      <a:prstDash val="solid"/>
+                      <a:round/>
+                      <a:headEnd type="none" w="med" len="med"/>
+                      <a:tailEnd type="none" w="med" len="med"/>
+                    </a:lnL>
+                    <a:lnR w="12700" cap="flat" cmpd="sng" algn="ctr">
+                      <a:solidFill>
+                        <a:schemeClr val="tx1"/>
+                      </a:solidFill>
+                      <a:prstDash val="solid"/>
+                      <a:round/>
+                      <a:headEnd type="none" w="med" len="med"/>
+                      <a:tailEnd type="none" w="med" len="med"/>
+                    </a:lnR>
+                    <a:lnT w="12700" cap="flat" cmpd="sng" algn="ctr">
+                      <a:solidFill>
+                        <a:schemeClr val="tx1"/>
+                      </a:solidFill>
+                      <a:prstDash val="solid"/>
+                      <a:round/>
+                      <a:headEnd type="none" w="med" len="med"/>
+                      <a:tailEnd type="none" w="med" len="med"/>
+                    </a:lnT>
+                    <a:lnB w="12700" cap="flat" cmpd="sng" algn="ctr">
+                      <a:solidFill>
+                        <a:schemeClr val="tx1"/>
+                      </a:solidFill>
+                      <a:prstDash val="solid"/>
+                      <a:round/>
+                      <a:headEnd type="none" w="med" len="med"/>
+                      <a:tailEnd type="none" w="med" len="med"/>
+                    </a:lnB>
+                    <a:solidFill>
+                      <a:schemeClr val="accent2">
+                        <a:lumMod val="40000"/>
+                        <a:lumOff val="60000"/>
+                      </a:schemeClr>
+                    </a:solidFill>
+                  </a:tcPr>
+                </a:tc>
+                <a:tc>
+                  <a:txBody>
+                    <a:bodyPr/>
+                    <a:lstStyle/>
+                    <a:p>
+                      <a:endParaRPr kumimoji="1" lang="ja-JP" altLang="en-US"/>
+                    </a:p>
+                  </a:txBody>
+                  <a:tcPr>
+                    <a:lnL w="12700" cap="flat" cmpd="sng" algn="ctr">
+                      <a:solidFill>
+                        <a:schemeClr val="tx1"/>
+                      </a:solidFill>
+                      <a:prstDash val="solid"/>
+                      <a:round/>
+                      <a:headEnd type="none" w="med" len="med"/>
+                      <a:tailEnd type="none" w="med" len="med"/>
+                    </a:lnL>
+                    <a:lnR w="12700" cap="flat" cmpd="sng" algn="ctr">
+                      <a:solidFill>
+                        <a:schemeClr val="tx1"/>
+                      </a:solidFill>
+                      <a:prstDash val="solid"/>
+                      <a:round/>
+                      <a:headEnd type="none" w="med" len="med"/>
+                      <a:tailEnd type="none" w="med" len="med"/>
+                    </a:lnR>
+                    <a:lnT w="12700" cap="flat" cmpd="sng" algn="ctr">
+                      <a:solidFill>
+                        <a:schemeClr val="tx1"/>
+                      </a:solidFill>
+                      <a:prstDash val="solid"/>
+                      <a:round/>
+                      <a:headEnd type="none" w="med" len="med"/>
+                      <a:tailEnd type="none" w="med" len="med"/>
+                    </a:lnT>
+                    <a:lnB w="12700" cap="flat" cmpd="sng" algn="ctr">
+                      <a:solidFill>
+                        <a:schemeClr val="tx1"/>
+                      </a:solidFill>
+                      <a:prstDash val="solid"/>
+                      <a:round/>
+                      <a:headEnd type="none" w="med" len="med"/>
+                      <a:tailEnd type="none" w="med" len="med"/>
+                    </a:lnB>
+                    <a:solidFill>
+                      <a:schemeClr val="accent2">
+                        <a:lumMod val="40000"/>
+                        <a:lumOff val="60000"/>
+                      </a:schemeClr>
+                    </a:solidFill>
+                  </a:tcPr>
+                </a:tc>
+                <a:tc>
+                  <a:txBody>
+                    <a:bodyPr/>
+                    <a:lstStyle/>
+                    <a:p>
+                      <a:endParaRPr kumimoji="1" lang="ja-JP" altLang="en-US"/>
+                    </a:p>
+                  </a:txBody>
+                  <a:tcPr>
+                    <a:lnL w="12700" cap="flat" cmpd="sng" algn="ctr">
+                      <a:solidFill>
+                        <a:schemeClr val="tx1"/>
+                      </a:solidFill>
+                      <a:prstDash val="solid"/>
+                      <a:round/>
+                      <a:headEnd type="none" w="med" len="med"/>
+                      <a:tailEnd type="none" w="med" len="med"/>
+                    </a:lnL>
+                    <a:lnR w="12700" cap="flat" cmpd="sng" algn="ctr">
+                      <a:solidFill>
+                        <a:schemeClr val="tx1"/>
+                      </a:solidFill>
+                      <a:prstDash val="solid"/>
+                      <a:round/>
+                      <a:headEnd type="none" w="med" len="med"/>
+                      <a:tailEnd type="none" w="med" len="med"/>
+                    </a:lnR>
+                    <a:lnT w="12700" cap="flat" cmpd="sng" algn="ctr">
+                      <a:solidFill>
+                        <a:schemeClr val="tx1"/>
+                      </a:solidFill>
+                      <a:prstDash val="solid"/>
+                      <a:round/>
+                      <a:headEnd type="none" w="med" len="med"/>
+                      <a:tailEnd type="none" w="med" len="med"/>
+                    </a:lnT>
+                    <a:lnB w="12700" cap="flat" cmpd="sng" algn="ctr">
+                      <a:solidFill>
+                        <a:schemeClr val="tx1"/>
+                      </a:solidFill>
+                      <a:prstDash val="solid"/>
+                      <a:round/>
+                      <a:headEnd type="none" w="med" len="med"/>
+                      <a:tailEnd type="none" w="med" len="med"/>
+                    </a:lnB>
+                    <a:solidFill>
+                      <a:schemeClr val="accent2">
+                        <a:lumMod val="40000"/>
+                        <a:lumOff val="60000"/>
+                      </a:schemeClr>
+                    </a:solidFill>
+                  </a:tcPr>
+                </a:tc>
+                <a:tc>
+                  <a:txBody>
+                    <a:bodyPr/>
+                    <a:lstStyle/>
+                    <a:p>
+                      <a:endParaRPr kumimoji="1" lang="ja-JP" altLang="en-US"/>
+                    </a:p>
+                  </a:txBody>
+                  <a:tcPr>
+                    <a:lnL w="12700" cap="flat" cmpd="sng" algn="ctr">
+                      <a:solidFill>
+                        <a:schemeClr val="tx1"/>
+                      </a:solidFill>
+                      <a:prstDash val="solid"/>
+                      <a:round/>
+                      <a:headEnd type="none" w="med" len="med"/>
+                      <a:tailEnd type="none" w="med" len="med"/>
+                    </a:lnL>
+                    <a:lnR w="12700" cap="flat" cmpd="sng" algn="ctr">
+                      <a:solidFill>
+                        <a:schemeClr val="tx1"/>
+                      </a:solidFill>
+                      <a:prstDash val="solid"/>
+                      <a:round/>
+                      <a:headEnd type="none" w="med" len="med"/>
+                      <a:tailEnd type="none" w="med" len="med"/>
+                    </a:lnR>
+                    <a:lnT w="12700" cap="flat" cmpd="sng" algn="ctr">
+                      <a:solidFill>
+                        <a:schemeClr val="tx1"/>
+                      </a:solidFill>
+                      <a:prstDash val="solid"/>
+                      <a:round/>
+                      <a:headEnd type="none" w="med" len="med"/>
+                      <a:tailEnd type="none" w="med" len="med"/>
+                    </a:lnT>
+                    <a:lnB w="12700" cap="flat" cmpd="sng" algn="ctr">
+                      <a:solidFill>
+                        <a:schemeClr val="tx1"/>
+                      </a:solidFill>
+                      <a:prstDash val="solid"/>
+                      <a:round/>
+                      <a:headEnd type="none" w="med" len="med"/>
+                      <a:tailEnd type="none" w="med" len="med"/>
+                    </a:lnB>
+                    <a:solidFill>
+                      <a:schemeClr val="accent2">
+                        <a:lumMod val="40000"/>
+                        <a:lumOff val="60000"/>
+                      </a:schemeClr>
+                    </a:solidFill>
+                  </a:tcPr>
+                </a:tc>
+                <a:tc>
+                  <a:txBody>
+                    <a:bodyPr/>
+                    <a:lstStyle/>
+                    <a:p>
+                      <a:endParaRPr kumimoji="1" lang="ja-JP" altLang="en-US"/>
+                    </a:p>
+                  </a:txBody>
+                  <a:tcPr>
+                    <a:lnL w="12700" cap="flat" cmpd="sng" algn="ctr">
+                      <a:solidFill>
+                        <a:schemeClr val="tx1"/>
+                      </a:solidFill>
+                      <a:prstDash val="solid"/>
+                      <a:round/>
+                      <a:headEnd type="none" w="med" len="med"/>
+                      <a:tailEnd type="none" w="med" len="med"/>
+                    </a:lnL>
+                    <a:lnR w="12700" cap="flat" cmpd="sng" algn="ctr">
+                      <a:solidFill>
+                        <a:schemeClr val="tx1"/>
+                      </a:solidFill>
+                      <a:prstDash val="solid"/>
+                      <a:round/>
+                      <a:headEnd type="none" w="med" len="med"/>
+                      <a:tailEnd type="none" w="med" len="med"/>
+                    </a:lnR>
+                    <a:lnT w="12700" cap="flat" cmpd="sng" algn="ctr">
+                      <a:solidFill>
+                        <a:schemeClr val="tx1"/>
+                      </a:solidFill>
+                      <a:prstDash val="solid"/>
+                      <a:round/>
+                      <a:headEnd type="none" w="med" len="med"/>
+                      <a:tailEnd type="none" w="med" len="med"/>
+                    </a:lnT>
+                    <a:lnB w="12700" cap="flat" cmpd="sng" algn="ctr">
+                      <a:solidFill>
+                        <a:schemeClr val="tx1"/>
+                      </a:solidFill>
+                      <a:prstDash val="solid"/>
+                      <a:round/>
+                      <a:headEnd type="none" w="med" len="med"/>
+                      <a:tailEnd type="none" w="med" len="med"/>
+                    </a:lnB>
+                    <a:solidFill>
+                      <a:schemeClr val="accent2">
+                        <a:lumMod val="40000"/>
+                        <a:lumOff val="60000"/>
+                      </a:schemeClr>
+                    </a:solidFill>
+                  </a:tcPr>
+                </a:tc>
+                <a:tc>
+                  <a:txBody>
+                    <a:bodyPr/>
+                    <a:lstStyle/>
+                    <a:p>
+                      <a:r>
+                        <a:rPr kumimoji="1" lang="en-US" altLang="ja-JP" dirty="0"/>
+                        <a:t>1</a:t>
+                      </a:r>
+                      <a:endParaRPr kumimoji="1" lang="ja-JP" altLang="en-US" dirty="0"/>
+                    </a:p>
+                  </a:txBody>
+                  <a:tcPr>
+                    <a:lnL w="12700" cap="flat" cmpd="sng" algn="ctr">
+                      <a:solidFill>
+                        <a:schemeClr val="tx1"/>
+                      </a:solidFill>
+                      <a:prstDash val="solid"/>
+                      <a:round/>
+                      <a:headEnd type="none" w="med" len="med"/>
+                      <a:tailEnd type="none" w="med" len="med"/>
+                    </a:lnL>
+                    <a:lnR w="12700" cap="flat" cmpd="sng" algn="ctr">
+                      <a:solidFill>
+                        <a:schemeClr val="tx1"/>
+                      </a:solidFill>
+                      <a:prstDash val="solid"/>
+                      <a:round/>
+                      <a:headEnd type="none" w="med" len="med"/>
+                      <a:tailEnd type="none" w="med" len="med"/>
+                    </a:lnR>
+                    <a:lnT w="12700" cap="flat" cmpd="sng" algn="ctr">
+                      <a:solidFill>
+                        <a:schemeClr val="tx1"/>
+                      </a:solidFill>
+                      <a:prstDash val="solid"/>
+                      <a:round/>
+                      <a:headEnd type="none" w="med" len="med"/>
+                      <a:tailEnd type="none" w="med" len="med"/>
+                    </a:lnT>
+                    <a:lnB w="12700" cap="flat" cmpd="sng" algn="ctr">
+                      <a:solidFill>
+                        <a:schemeClr val="tx1"/>
+                      </a:solidFill>
+                      <a:prstDash val="solid"/>
+                      <a:round/>
+                      <a:headEnd type="none" w="med" len="med"/>
+                      <a:tailEnd type="none" w="med" len="med"/>
+                    </a:lnB>
+                    <a:solidFill>
+                      <a:schemeClr val="accent2">
+                        <a:lumMod val="40000"/>
+                        <a:lumOff val="60000"/>
+                      </a:schemeClr>
+                    </a:solidFill>
+                  </a:tcPr>
+                </a:tc>
+                <a:extLst>
+                  <a:ext uri="{0D108BD9-81ED-4DB2-BD59-A6C34878D82A}">
+                    <a16:rowId xmlns:a16="http://schemas.microsoft.com/office/drawing/2014/main" val="3628197712"/>
+                  </a:ext>
+                </a:extLst>
+              </a:tr>
+              <a:tr h="370840">
+                <a:tc>
+                  <a:txBody>
+                    <a:bodyPr/>
+                    <a:lstStyle/>
+                    <a:p>
+                      <a:r>
+                        <a:rPr kumimoji="1" lang="en-US" altLang="ja-JP" dirty="0"/>
+                        <a:t>1</a:t>
+                      </a:r>
+                      <a:endParaRPr kumimoji="1" lang="ja-JP" altLang="en-US" dirty="0"/>
+                    </a:p>
+                  </a:txBody>
+                  <a:tcPr>
+                    <a:lnL w="12700" cap="flat" cmpd="sng" algn="ctr">
+                      <a:solidFill>
+                        <a:schemeClr val="tx1"/>
+                      </a:solidFill>
+                      <a:prstDash val="solid"/>
+                      <a:round/>
+                      <a:headEnd type="none" w="med" len="med"/>
+                      <a:tailEnd type="none" w="med" len="med"/>
+                    </a:lnL>
+                    <a:lnR w="12700" cap="flat" cmpd="sng" algn="ctr">
+                      <a:solidFill>
+                        <a:schemeClr val="tx1"/>
+                      </a:solidFill>
+                      <a:prstDash val="solid"/>
+                      <a:round/>
+                      <a:headEnd type="none" w="med" len="med"/>
+                      <a:tailEnd type="none" w="med" len="med"/>
+                    </a:lnR>
+                    <a:lnT w="12700" cap="flat" cmpd="sng" algn="ctr">
+                      <a:solidFill>
+                        <a:schemeClr val="tx1"/>
+                      </a:solidFill>
+                      <a:prstDash val="solid"/>
+                      <a:round/>
+                      <a:headEnd type="none" w="med" len="med"/>
+                      <a:tailEnd type="none" w="med" len="med"/>
+                    </a:lnT>
+                    <a:lnB w="12700" cap="flat" cmpd="sng" algn="ctr">
+                      <a:solidFill>
+                        <a:schemeClr val="tx1"/>
+                      </a:solidFill>
+                      <a:prstDash val="solid"/>
+                      <a:round/>
+                      <a:headEnd type="none" w="med" len="med"/>
+                      <a:tailEnd type="none" w="med" len="med"/>
+                    </a:lnB>
+                    <a:solidFill>
+                      <a:schemeClr val="accent2">
+                        <a:lumMod val="40000"/>
+                        <a:lumOff val="60000"/>
+                      </a:schemeClr>
+                    </a:solidFill>
+                  </a:tcPr>
+                </a:tc>
+                <a:tc>
+                  <a:txBody>
+                    <a:bodyPr/>
+                    <a:lstStyle/>
+                    <a:p>
+                      <a:r>
+                        <a:rPr kumimoji="1" lang="en-US" altLang="ja-JP" dirty="0"/>
+                        <a:t>1</a:t>
+                      </a:r>
+                      <a:endParaRPr kumimoji="1" lang="ja-JP" altLang="en-US" dirty="0"/>
+                    </a:p>
+                  </a:txBody>
+                  <a:tcPr>
+                    <a:lnL w="12700" cap="flat" cmpd="sng" algn="ctr">
+                      <a:solidFill>
+                        <a:schemeClr val="tx1"/>
+                      </a:solidFill>
+                      <a:prstDash val="solid"/>
+                      <a:round/>
+                      <a:headEnd type="none" w="med" len="med"/>
+                      <a:tailEnd type="none" w="med" len="med"/>
+                    </a:lnL>
+                    <a:lnR w="12700" cap="flat" cmpd="sng" algn="ctr">
+                      <a:solidFill>
+                        <a:schemeClr val="tx1"/>
+                      </a:solidFill>
+                      <a:prstDash val="solid"/>
+                      <a:round/>
+                      <a:headEnd type="none" w="med" len="med"/>
+                      <a:tailEnd type="none" w="med" len="med"/>
+                    </a:lnR>
+                    <a:lnT w="12700" cap="flat" cmpd="sng" algn="ctr">
+                      <a:solidFill>
+                        <a:schemeClr val="tx1"/>
+                      </a:solidFill>
+                      <a:prstDash val="solid"/>
+                      <a:round/>
+                      <a:headEnd type="none" w="med" len="med"/>
+                      <a:tailEnd type="none" w="med" len="med"/>
+                    </a:lnT>
+                    <a:lnB w="12700" cap="flat" cmpd="sng" algn="ctr">
+                      <a:solidFill>
+                        <a:schemeClr val="tx1"/>
+                      </a:solidFill>
+                      <a:prstDash val="solid"/>
+                      <a:round/>
+                      <a:headEnd type="none" w="med" len="med"/>
+                      <a:tailEnd type="none" w="med" len="med"/>
+                    </a:lnB>
+                    <a:solidFill>
+                      <a:schemeClr val="accent2">
+                        <a:lumMod val="40000"/>
+                        <a:lumOff val="60000"/>
+                      </a:schemeClr>
+                    </a:solidFill>
+                  </a:tcPr>
+                </a:tc>
+                <a:tc>
+                  <a:txBody>
+                    <a:bodyPr/>
+                    <a:lstStyle/>
+                    <a:p>
+                      <a:r>
+                        <a:rPr kumimoji="1" lang="en-US" altLang="ja-JP" dirty="0"/>
+                        <a:t>1</a:t>
+                      </a:r>
+                      <a:endParaRPr kumimoji="1" lang="ja-JP" altLang="en-US" dirty="0"/>
+                    </a:p>
+                  </a:txBody>
+                  <a:tcPr>
+                    <a:lnL w="12700" cap="flat" cmpd="sng" algn="ctr">
+                      <a:solidFill>
+                        <a:schemeClr val="tx1"/>
+                      </a:solidFill>
+                      <a:prstDash val="solid"/>
+                      <a:round/>
+                      <a:headEnd type="none" w="med" len="med"/>
+                      <a:tailEnd type="none" w="med" len="med"/>
+                    </a:lnL>
+                    <a:lnR w="12700" cap="flat" cmpd="sng" algn="ctr">
+                      <a:solidFill>
+                        <a:schemeClr val="tx1"/>
+                      </a:solidFill>
+                      <a:prstDash val="solid"/>
+                      <a:round/>
+                      <a:headEnd type="none" w="med" len="med"/>
+                      <a:tailEnd type="none" w="med" len="med"/>
+                    </a:lnR>
+                    <a:lnT w="12700" cap="flat" cmpd="sng" algn="ctr">
+                      <a:solidFill>
+                        <a:schemeClr val="tx1"/>
+                      </a:solidFill>
+                      <a:prstDash val="solid"/>
+                      <a:round/>
+                      <a:headEnd type="none" w="med" len="med"/>
+                      <a:tailEnd type="none" w="med" len="med"/>
+                    </a:lnT>
+                    <a:lnB w="12700" cap="flat" cmpd="sng" algn="ctr">
+                      <a:solidFill>
+                        <a:schemeClr val="tx1"/>
+                      </a:solidFill>
+                      <a:prstDash val="solid"/>
+                      <a:round/>
+                      <a:headEnd type="none" w="med" len="med"/>
+                      <a:tailEnd type="none" w="med" len="med"/>
+                    </a:lnB>
+                    <a:solidFill>
+                      <a:schemeClr val="accent2">
+                        <a:lumMod val="40000"/>
+                        <a:lumOff val="60000"/>
+                      </a:schemeClr>
+                    </a:solidFill>
+                  </a:tcPr>
+                </a:tc>
+                <a:tc>
+                  <a:txBody>
+                    <a:bodyPr/>
+                    <a:lstStyle/>
+                    <a:p>
+                      <a:r>
+                        <a:rPr kumimoji="1" lang="en-US" altLang="ja-JP" dirty="0"/>
+                        <a:t>1</a:t>
+                      </a:r>
+                      <a:endParaRPr kumimoji="1" lang="ja-JP" altLang="en-US" dirty="0"/>
+                    </a:p>
+                  </a:txBody>
+                  <a:tcPr>
+                    <a:lnL w="12700" cap="flat" cmpd="sng" algn="ctr">
+                      <a:solidFill>
+                        <a:schemeClr val="tx1"/>
+                      </a:solidFill>
+                      <a:prstDash val="solid"/>
+                      <a:round/>
+                      <a:headEnd type="none" w="med" len="med"/>
+                      <a:tailEnd type="none" w="med" len="med"/>
+                    </a:lnL>
+                    <a:lnR w="12700" cap="flat" cmpd="sng" algn="ctr">
+                      <a:solidFill>
+                        <a:schemeClr val="tx1"/>
+                      </a:solidFill>
+                      <a:prstDash val="solid"/>
+                      <a:round/>
+                      <a:headEnd type="none" w="med" len="med"/>
+                      <a:tailEnd type="none" w="med" len="med"/>
+                    </a:lnR>
+                    <a:lnT w="12700" cap="flat" cmpd="sng" algn="ctr">
+                      <a:solidFill>
+                        <a:schemeClr val="tx1"/>
+                      </a:solidFill>
+                      <a:prstDash val="solid"/>
+                      <a:round/>
+                      <a:headEnd type="none" w="med" len="med"/>
+                      <a:tailEnd type="none" w="med" len="med"/>
+                    </a:lnT>
+                    <a:lnB w="12700" cap="flat" cmpd="sng" algn="ctr">
+                      <a:solidFill>
+                        <a:schemeClr val="tx1"/>
+                      </a:solidFill>
+                      <a:prstDash val="solid"/>
+                      <a:round/>
+                      <a:headEnd type="none" w="med" len="med"/>
+                      <a:tailEnd type="none" w="med" len="med"/>
+                    </a:lnB>
+                    <a:solidFill>
+                      <a:schemeClr val="accent2">
+                        <a:lumMod val="40000"/>
+                        <a:lumOff val="60000"/>
+                      </a:schemeClr>
+                    </a:solidFill>
+                  </a:tcPr>
+                </a:tc>
+                <a:tc>
+                  <a:txBody>
+                    <a:bodyPr/>
+                    <a:lstStyle/>
+                    <a:p>
+                      <a:r>
+                        <a:rPr kumimoji="1" lang="en-US" altLang="ja-JP" dirty="0"/>
+                        <a:t>1</a:t>
+                      </a:r>
+                      <a:endParaRPr kumimoji="1" lang="ja-JP" altLang="en-US" dirty="0"/>
+                    </a:p>
+                  </a:txBody>
+                  <a:tcPr>
+                    <a:lnL w="12700" cap="flat" cmpd="sng" algn="ctr">
+                      <a:solidFill>
+                        <a:schemeClr val="tx1"/>
+                      </a:solidFill>
+                      <a:prstDash val="solid"/>
+                      <a:round/>
+                      <a:headEnd type="none" w="med" len="med"/>
+                      <a:tailEnd type="none" w="med" len="med"/>
+                    </a:lnL>
+                    <a:lnR w="12700" cap="flat" cmpd="sng" algn="ctr">
+                      <a:solidFill>
+                        <a:schemeClr val="tx1"/>
+                      </a:solidFill>
+                      <a:prstDash val="solid"/>
+                      <a:round/>
+                      <a:headEnd type="none" w="med" len="med"/>
+                      <a:tailEnd type="none" w="med" len="med"/>
+                    </a:lnR>
+                    <a:lnT w="12700" cap="flat" cmpd="sng" algn="ctr">
+                      <a:solidFill>
+                        <a:schemeClr val="tx1"/>
+                      </a:solidFill>
+                      <a:prstDash val="solid"/>
+                      <a:round/>
+                      <a:headEnd type="none" w="med" len="med"/>
+                      <a:tailEnd type="none" w="med" len="med"/>
+                    </a:lnT>
+                    <a:lnB w="12700" cap="flat" cmpd="sng" algn="ctr">
+                      <a:solidFill>
+                        <a:schemeClr val="tx1"/>
+                      </a:solidFill>
+                      <a:prstDash val="solid"/>
+                      <a:round/>
+                      <a:headEnd type="none" w="med" len="med"/>
+                      <a:tailEnd type="none" w="med" len="med"/>
+                    </a:lnB>
+                    <a:solidFill>
+                      <a:schemeClr val="accent2">
+                        <a:lumMod val="40000"/>
+                        <a:lumOff val="60000"/>
+                      </a:schemeClr>
+                    </a:solidFill>
+                  </a:tcPr>
+                </a:tc>
+                <a:tc>
+                  <a:txBody>
+                    <a:bodyPr/>
+                    <a:lstStyle/>
+                    <a:p>
+                      <a:r>
+                        <a:rPr kumimoji="1" lang="en-US" altLang="ja-JP" dirty="0"/>
+                        <a:t>1</a:t>
+                      </a:r>
+                      <a:endParaRPr kumimoji="1" lang="ja-JP" altLang="en-US" dirty="0"/>
+                    </a:p>
+                  </a:txBody>
+                  <a:tcPr>
+                    <a:lnL w="12700" cap="flat" cmpd="sng" algn="ctr">
+                      <a:solidFill>
+                        <a:schemeClr val="tx1"/>
+                      </a:solidFill>
+                      <a:prstDash val="solid"/>
+                      <a:round/>
+                      <a:headEnd type="none" w="med" len="med"/>
+                      <a:tailEnd type="none" w="med" len="med"/>
+                    </a:lnL>
+                    <a:lnR w="12700" cap="flat" cmpd="sng" algn="ctr">
+                      <a:solidFill>
+                        <a:schemeClr val="tx1"/>
+                      </a:solidFill>
+                      <a:prstDash val="solid"/>
+                      <a:round/>
+                      <a:headEnd type="none" w="med" len="med"/>
+                      <a:tailEnd type="none" w="med" len="med"/>
+                    </a:lnR>
+                    <a:lnT w="12700" cap="flat" cmpd="sng" algn="ctr">
+                      <a:solidFill>
+                        <a:schemeClr val="tx1"/>
+                      </a:solidFill>
+                      <a:prstDash val="solid"/>
+                      <a:round/>
+                      <a:headEnd type="none" w="med" len="med"/>
+                      <a:tailEnd type="none" w="med" len="med"/>
+                    </a:lnT>
+                    <a:lnB w="12700" cap="flat" cmpd="sng" algn="ctr">
+                      <a:solidFill>
+                        <a:schemeClr val="tx1"/>
+                      </a:solidFill>
+                      <a:prstDash val="solid"/>
+                      <a:round/>
+                      <a:headEnd type="none" w="med" len="med"/>
+                      <a:tailEnd type="none" w="med" len="med"/>
+                    </a:lnB>
+                    <a:solidFill>
+                      <a:schemeClr val="accent2">
+                        <a:lumMod val="40000"/>
+                        <a:lumOff val="60000"/>
+                      </a:schemeClr>
+                    </a:solidFill>
+                  </a:tcPr>
+                </a:tc>
+                <a:extLst>
+                  <a:ext uri="{0D108BD9-81ED-4DB2-BD59-A6C34878D82A}">
+                    <a16:rowId xmlns:a16="http://schemas.microsoft.com/office/drawing/2014/main" val="3199481315"/>
+                  </a:ext>
+                </a:extLst>
+              </a:tr>
+            </a:tbl>
+          </a:graphicData>
+        </a:graphic>
+      </p:graphicFrame>
+      <p:sp>
+        <p:nvSpPr>
+          <p:cNvPr id="31" name="テキスト ボックス 30">
+            <a:extLst>
+              <a:ext uri="{FF2B5EF4-FFF2-40B4-BE49-F238E27FC236}">
+                <a16:creationId xmlns:a16="http://schemas.microsoft.com/office/drawing/2014/main" id="{654E55AA-3FE3-4F0D-B3A7-7495CB7A1F27}"/>
+              </a:ext>
+            </a:extLst>
+          </p:cNvPr>
+          <p:cNvSpPr txBox="1"/>
+          <p:nvPr/>
+        </p:nvSpPr>
+        <p:spPr>
+          <a:xfrm>
+            <a:off x="9177556" y="4568458"/>
+            <a:ext cx="364202" cy="646331"/>
+          </a:xfrm>
+          <a:prstGeom prst="rect">
+            <a:avLst/>
+          </a:prstGeom>
+          <a:noFill/>
+        </p:spPr>
+        <p:txBody>
+          <a:bodyPr wrap="none" rtlCol="0">
+            <a:spAutoFit/>
+          </a:bodyPr>
+          <a:lstStyle/>
+          <a:p>
+            <a:r>
+              <a:rPr kumimoji="1" lang="en-US" altLang="ja-JP" dirty="0"/>
+              <a:t>0:</a:t>
+            </a:r>
+          </a:p>
+          <a:p>
+            <a:r>
+              <a:rPr kumimoji="1" lang="en-US" altLang="ja-JP" dirty="0"/>
+              <a:t>1:</a:t>
+            </a:r>
+          </a:p>
+        </p:txBody>
+      </p:sp>
+      <p:sp>
+        <p:nvSpPr>
+          <p:cNvPr id="32" name="テキスト ボックス 31">
+            <a:extLst>
+              <a:ext uri="{FF2B5EF4-FFF2-40B4-BE49-F238E27FC236}">
+                <a16:creationId xmlns:a16="http://schemas.microsoft.com/office/drawing/2014/main" id="{6CDB02CD-938A-451C-853B-294E2E51646A}"/>
+              </a:ext>
+            </a:extLst>
+          </p:cNvPr>
+          <p:cNvSpPr txBox="1"/>
+          <p:nvPr/>
+        </p:nvSpPr>
+        <p:spPr>
+          <a:xfrm>
+            <a:off x="6992369" y="4019091"/>
+            <a:ext cx="284052" cy="369332"/>
+          </a:xfrm>
+          <a:prstGeom prst="rect">
+            <a:avLst/>
+          </a:prstGeom>
+          <a:noFill/>
+        </p:spPr>
+        <p:txBody>
+          <a:bodyPr wrap="none" rtlCol="0">
+            <a:spAutoFit/>
+          </a:bodyPr>
+          <a:lstStyle/>
+          <a:p>
+            <a:r>
+              <a:rPr kumimoji="1" lang="en-US" altLang="ja-JP" dirty="0"/>
+              <a:t>x</a:t>
+            </a:r>
+            <a:endParaRPr kumimoji="1" lang="ja-JP" altLang="en-US" dirty="0"/>
+          </a:p>
+        </p:txBody>
+      </p:sp>
+      <p:sp>
+        <p:nvSpPr>
+          <p:cNvPr id="42" name="テキスト ボックス 41">
+            <a:extLst>
+              <a:ext uri="{FF2B5EF4-FFF2-40B4-BE49-F238E27FC236}">
+                <a16:creationId xmlns:a16="http://schemas.microsoft.com/office/drawing/2014/main" id="{B4C304DD-9A1E-479A-B6B4-95D6A827C69F}"/>
+              </a:ext>
+            </a:extLst>
+          </p:cNvPr>
+          <p:cNvSpPr txBox="1"/>
+          <p:nvPr/>
+        </p:nvSpPr>
+        <p:spPr>
+          <a:xfrm rot="16200000">
+            <a:off x="5462534" y="5521189"/>
+            <a:ext cx="288862" cy="369332"/>
+          </a:xfrm>
+          <a:prstGeom prst="rect">
+            <a:avLst/>
+          </a:prstGeom>
+          <a:noFill/>
+        </p:spPr>
+        <p:txBody>
+          <a:bodyPr wrap="none" rtlCol="0">
+            <a:spAutoFit/>
+          </a:bodyPr>
+          <a:lstStyle/>
+          <a:p>
+            <a:r>
+              <a:rPr kumimoji="1" lang="en-US" altLang="ja-JP" dirty="0"/>
+              <a:t>y</a:t>
+            </a:r>
+            <a:endParaRPr kumimoji="1" lang="ja-JP" altLang="en-US" dirty="0"/>
+          </a:p>
+        </p:txBody>
+      </p:sp>
+      <p:sp>
+        <p:nvSpPr>
+          <p:cNvPr id="43" name="テキスト ボックス 42">
+            <a:extLst>
+              <a:ext uri="{FF2B5EF4-FFF2-40B4-BE49-F238E27FC236}">
+                <a16:creationId xmlns:a16="http://schemas.microsoft.com/office/drawing/2014/main" id="{148EBDAF-A01D-4655-918D-6AD96678AB02}"/>
+              </a:ext>
+            </a:extLst>
+          </p:cNvPr>
+          <p:cNvSpPr txBox="1"/>
+          <p:nvPr/>
+        </p:nvSpPr>
+        <p:spPr>
+          <a:xfrm>
+            <a:off x="2648411" y="5538714"/>
+            <a:ext cx="1165704" cy="369332"/>
+          </a:xfrm>
+          <a:prstGeom prst="rect">
+            <a:avLst/>
+          </a:prstGeom>
+          <a:noFill/>
+        </p:spPr>
+        <p:txBody>
+          <a:bodyPr wrap="none" rtlCol="0">
+            <a:spAutoFit/>
+          </a:bodyPr>
+          <a:lstStyle/>
+          <a:p>
+            <a:r>
+              <a:rPr kumimoji="1" lang="en-US" altLang="ja-JP" dirty="0"/>
+              <a:t>X*32,y*32</a:t>
+            </a:r>
+            <a:endParaRPr kumimoji="1" lang="ja-JP" altLang="en-US" dirty="0"/>
+          </a:p>
+        </p:txBody>
+      </p:sp>
+      <p:sp>
+        <p:nvSpPr>
+          <p:cNvPr id="44" name="テキスト ボックス 43">
+            <a:extLst>
+              <a:ext uri="{FF2B5EF4-FFF2-40B4-BE49-F238E27FC236}">
+                <a16:creationId xmlns:a16="http://schemas.microsoft.com/office/drawing/2014/main" id="{0C989CDD-D2FE-4174-8689-3C6FE058CFF8}"/>
+              </a:ext>
+            </a:extLst>
+          </p:cNvPr>
+          <p:cNvSpPr txBox="1"/>
+          <p:nvPr/>
+        </p:nvSpPr>
+        <p:spPr>
+          <a:xfrm>
+            <a:off x="1695870" y="5538743"/>
+            <a:ext cx="1037079" cy="369332"/>
+          </a:xfrm>
+          <a:prstGeom prst="rect">
+            <a:avLst/>
+          </a:prstGeom>
+          <a:noFill/>
+        </p:spPr>
+        <p:txBody>
+          <a:bodyPr wrap="none" rtlCol="0">
+            <a:spAutoFit/>
+          </a:bodyPr>
+          <a:lstStyle/>
+          <a:p>
+            <a:r>
+              <a:rPr kumimoji="1" lang="en-US" altLang="ja-JP" dirty="0" err="1"/>
+              <a:t>MapSize</a:t>
+            </a:r>
+            <a:r>
+              <a:rPr kumimoji="1" lang="en-US" altLang="ja-JP" dirty="0"/>
+              <a:t>:</a:t>
+            </a:r>
+            <a:endParaRPr kumimoji="1" lang="ja-JP" altLang="en-US" dirty="0"/>
+          </a:p>
+        </p:txBody>
+      </p:sp>
+    </p:spTree>
+    <p:extLst>
+      <p:ext uri="{BB962C8B-B14F-4D97-AF65-F5344CB8AC3E}">
+        <p14:creationId xmlns:p14="http://schemas.microsoft.com/office/powerpoint/2010/main" val="856752709"/>
+      </p:ext>
+    </p:extLst>
+  </p:cSld>
+  <p:clrMapOvr>
+    <a:masterClrMapping/>
+  </p:clrMapOvr>
+</p:sld>
+</file>
+
+<file path=ppt/slides/slide31.xml><?xml version="1.0" encoding="utf-8"?>
 <p:sld xmlns:a="http://schemas.openxmlformats.org/drawingml/2006/main" xmlns:r="http://schemas.openxmlformats.org/officeDocument/2006/relationships" xmlns:p="http://schemas.openxmlformats.org/presentationml/2006/main">
   <p:cSld>
     <p:spTree>
@@ -24183,838 +28859,7 @@
 </p:sld>
 </file>
 
-<file path=ppt/slides/slide3.xml><?xml version="1.0" encoding="utf-8"?>
-<p:sld xmlns:a="http://schemas.openxmlformats.org/drawingml/2006/main" xmlns:r="http://schemas.openxmlformats.org/officeDocument/2006/relationships" xmlns:p="http://schemas.openxmlformats.org/presentationml/2006/main">
-  <p:cSld>
-    <p:spTree>
-      <p:nvGrpSpPr>
-        <p:cNvPr id="1" name=""/>
-        <p:cNvGrpSpPr/>
-        <p:nvPr/>
-      </p:nvGrpSpPr>
-      <p:grpSpPr>
-        <a:xfrm>
-          <a:off x="0" y="0"/>
-          <a:ext cx="0" cy="0"/>
-          <a:chOff x="0" y="0"/>
-          <a:chExt cx="0" cy="0"/>
-        </a:xfrm>
-      </p:grpSpPr>
-      <p:sp>
-        <p:nvSpPr>
-          <p:cNvPr id="6" name="正方形/長方形 4">
-            <a:extLst>
-              <a:ext uri="{FF2B5EF4-FFF2-40B4-BE49-F238E27FC236}">
-                <a16:creationId xmlns:a16="http://schemas.microsoft.com/office/drawing/2014/main" id="{1C7390E3-7F86-4759-B013-625FF8695BA8}"/>
-              </a:ext>
-            </a:extLst>
-          </p:cNvPr>
-          <p:cNvSpPr/>
-          <p:nvPr/>
-        </p:nvSpPr>
-        <p:spPr>
-          <a:xfrm>
-            <a:off x="0" y="0"/>
-            <a:ext cx="6455506" cy="1480008"/>
-          </a:xfrm>
-          <a:prstGeom prst="rect">
-            <a:avLst/>
-          </a:prstGeom>
-          <a:solidFill>
-            <a:srgbClr val="C00000"/>
-          </a:solidFill>
-          <a:ln>
-            <a:noFill/>
-          </a:ln>
-        </p:spPr>
-        <p:style>
-          <a:lnRef idx="2">
-            <a:schemeClr val="accent1">
-              <a:shade val="50000"/>
-            </a:schemeClr>
-          </a:lnRef>
-          <a:fillRef idx="1">
-            <a:schemeClr val="accent1"/>
-          </a:fillRef>
-          <a:effectRef idx="0">
-            <a:schemeClr val="accent1"/>
-          </a:effectRef>
-          <a:fontRef idx="minor">
-            <a:schemeClr val="lt1"/>
-          </a:fontRef>
-        </p:style>
-        <p:txBody>
-          <a:bodyPr rtlCol="0" anchor="ctr"/>
-          <a:lstStyle/>
-          <a:p>
-            <a:pPr algn="ctr"/>
-            <a:endParaRPr kumimoji="1" lang="ja-JP" altLang="en-US"/>
-          </a:p>
-        </p:txBody>
-      </p:sp>
-      <p:sp>
-        <p:nvSpPr>
-          <p:cNvPr id="7" name="テキスト ボックス 3">
-            <a:extLst>
-              <a:ext uri="{FF2B5EF4-FFF2-40B4-BE49-F238E27FC236}">
-                <a16:creationId xmlns:a16="http://schemas.microsoft.com/office/drawing/2014/main" id="{7F86680F-D054-4F49-8711-264897B230E3}"/>
-              </a:ext>
-            </a:extLst>
-          </p:cNvPr>
-          <p:cNvSpPr txBox="1"/>
-          <p:nvPr/>
-        </p:nvSpPr>
-        <p:spPr>
-          <a:xfrm>
-            <a:off x="442375" y="232172"/>
-            <a:ext cx="5570756" cy="1015663"/>
-          </a:xfrm>
-          <a:prstGeom prst="rect">
-            <a:avLst/>
-          </a:prstGeom>
-          <a:noFill/>
-        </p:spPr>
-        <p:txBody>
-          <a:bodyPr wrap="none" rtlCol="0">
-            <a:spAutoFit/>
-          </a:bodyPr>
-          <a:lstStyle/>
-          <a:p>
-            <a:r>
-              <a:rPr kumimoji="1" lang="ja-JP" altLang="en-US" sz="6000" dirty="0">
-                <a:solidFill>
-                  <a:schemeClr val="bg1"/>
-                </a:solidFill>
-              </a:rPr>
-              <a:t>初期コンセプト</a:t>
-            </a:r>
-          </a:p>
-        </p:txBody>
-      </p:sp>
-      <p:sp>
-        <p:nvSpPr>
-          <p:cNvPr id="10" name="TextBox 9"/>
-          <p:cNvSpPr txBox="1"/>
-          <p:nvPr/>
-        </p:nvSpPr>
-        <p:spPr>
-          <a:xfrm>
-            <a:off x="2468742" y="1863633"/>
-            <a:ext cx="7088777" cy="923330"/>
-          </a:xfrm>
-          <a:prstGeom prst="rect">
-            <a:avLst/>
-          </a:prstGeom>
-          <a:noFill/>
-        </p:spPr>
-        <p:txBody>
-          <a:bodyPr wrap="square" rtlCol="0">
-            <a:spAutoFit/>
-          </a:bodyPr>
-          <a:lstStyle/>
-          <a:p>
-            <a:r>
-              <a:rPr lang="ja-JP" altLang="en-US" dirty="0"/>
-              <a:t>それは、プレイヤーが敵を倒すために</a:t>
-            </a:r>
-            <a:r>
-              <a:rPr lang="ja-JP" altLang="en-US" b="1" dirty="0">
-                <a:solidFill>
-                  <a:srgbClr val="FF0000"/>
-                </a:solidFill>
-              </a:rPr>
-              <a:t>近接戦闘</a:t>
-            </a:r>
-            <a:r>
-              <a:rPr lang="ja-JP" altLang="en-US" dirty="0"/>
-              <a:t>であり、また、プレイヤーは敵を殺すために</a:t>
-            </a:r>
-            <a:r>
-              <a:rPr lang="ja-JP" altLang="en-US" b="1" dirty="0">
-                <a:solidFill>
-                  <a:srgbClr val="FF0000"/>
-                </a:solidFill>
-              </a:rPr>
-              <a:t>銃を使用</a:t>
-            </a:r>
-            <a:r>
-              <a:rPr lang="ja-JP" altLang="en-US" dirty="0"/>
-              <a:t>することができるを行うアクションゲームです。</a:t>
-            </a:r>
-            <a:endParaRPr lang="en-US" dirty="0"/>
-          </a:p>
-        </p:txBody>
-      </p:sp>
-      <p:pic>
-        <p:nvPicPr>
-          <p:cNvPr id="2054" name="Picture 6" descr="Shooting, sport shooter icon"/>
-          <p:cNvPicPr>
-            <a:picLocks noChangeAspect="1" noChangeArrowheads="1"/>
-          </p:cNvPicPr>
-          <p:nvPr/>
-        </p:nvPicPr>
-        <p:blipFill>
-          <a:blip r:embed="rId2" cstate="print">
-            <a:extLst>
-              <a:ext uri="{28A0092B-C50C-407E-A947-70E740481C1C}">
-                <a14:useLocalDpi xmlns:a14="http://schemas.microsoft.com/office/drawing/2010/main" val="0"/>
-              </a:ext>
-            </a:extLst>
-          </a:blip>
-          <a:srcRect/>
-          <a:stretch>
-            <a:fillRect/>
-          </a:stretch>
-        </p:blipFill>
-        <p:spPr bwMode="auto">
-          <a:xfrm>
-            <a:off x="4294762" y="4833773"/>
-            <a:ext cx="1072333" cy="1072333"/>
-          </a:xfrm>
-          <a:prstGeom prst="rect">
-            <a:avLst/>
-          </a:prstGeom>
-          <a:noFill/>
-          <a:extLst>
-            <a:ext uri="{909E8E84-426E-40DD-AFC4-6F175D3DCCD1}">
-              <a14:hiddenFill xmlns:a14="http://schemas.microsoft.com/office/drawing/2010/main">
-                <a:solidFill>
-                  <a:srgbClr val="FFFFFF"/>
-                </a:solidFill>
-              </a14:hiddenFill>
-            </a:ext>
-          </a:extLst>
-        </p:spPr>
-      </p:pic>
-      <p:pic>
-        <p:nvPicPr>
-          <p:cNvPr id="17" name="Picture 6" descr="Shooting, sport shooter icon"/>
-          <p:cNvPicPr>
-            <a:picLocks noChangeAspect="1" noChangeArrowheads="1"/>
-          </p:cNvPicPr>
-          <p:nvPr/>
-        </p:nvPicPr>
-        <p:blipFill>
-          <a:blip r:embed="rId2" cstate="print">
-            <a:extLst>
-              <a:ext uri="{28A0092B-C50C-407E-A947-70E740481C1C}">
-                <a14:useLocalDpi xmlns:a14="http://schemas.microsoft.com/office/drawing/2010/main" val="0"/>
-              </a:ext>
-            </a:extLst>
-          </a:blip>
-          <a:srcRect/>
-          <a:stretch>
-            <a:fillRect/>
-          </a:stretch>
-        </p:blipFill>
-        <p:spPr bwMode="auto">
-          <a:xfrm>
-            <a:off x="3628914" y="4268336"/>
-            <a:ext cx="1072333" cy="1072333"/>
-          </a:xfrm>
-          <a:prstGeom prst="rect">
-            <a:avLst/>
-          </a:prstGeom>
-          <a:noFill/>
-          <a:extLst>
-            <a:ext uri="{909E8E84-426E-40DD-AFC4-6F175D3DCCD1}">
-              <a14:hiddenFill xmlns:a14="http://schemas.microsoft.com/office/drawing/2010/main">
-                <a:solidFill>
-                  <a:srgbClr val="FFFFFF"/>
-                </a:solidFill>
-              </a14:hiddenFill>
-            </a:ext>
-          </a:extLst>
-        </p:spPr>
-      </p:pic>
-      <p:pic>
-        <p:nvPicPr>
-          <p:cNvPr id="28" name="Picture 12" descr="View topic - ıllıllı ғroхт'ѕ gғх ѕнop ıllıllı"/>
-          <p:cNvPicPr>
-            <a:picLocks noChangeAspect="1" noChangeArrowheads="1"/>
-          </p:cNvPicPr>
-          <p:nvPr/>
-        </p:nvPicPr>
-        <p:blipFill>
-          <a:blip r:embed="rId3" cstate="print">
-            <a:extLst>
-              <a:ext uri="{28A0092B-C50C-407E-A947-70E740481C1C}">
-                <a14:useLocalDpi xmlns:a14="http://schemas.microsoft.com/office/drawing/2010/main" val="0"/>
-              </a:ext>
-            </a:extLst>
-          </a:blip>
-          <a:srcRect/>
-          <a:stretch>
-            <a:fillRect/>
-          </a:stretch>
-        </p:blipFill>
-        <p:spPr bwMode="auto">
-          <a:xfrm>
-            <a:off x="7221981" y="4580647"/>
-            <a:ext cx="793659" cy="340140"/>
-          </a:xfrm>
-          <a:prstGeom prst="rect">
-            <a:avLst/>
-          </a:prstGeom>
-          <a:noFill/>
-          <a:extLst>
-            <a:ext uri="{909E8E84-426E-40DD-AFC4-6F175D3DCCD1}">
-              <a14:hiddenFill xmlns:a14="http://schemas.microsoft.com/office/drawing/2010/main">
-                <a:solidFill>
-                  <a:srgbClr val="FFFFFF"/>
-                </a:solidFill>
-              </a14:hiddenFill>
-            </a:ext>
-          </a:extLst>
-        </p:spPr>
-      </p:pic>
-      <p:pic>
-        <p:nvPicPr>
-          <p:cNvPr id="30" name="Picture 12" descr="View topic - ıllıllı ғroхт'ѕ gғх ѕнop ıllıllı"/>
-          <p:cNvPicPr>
-            <a:picLocks noChangeAspect="1" noChangeArrowheads="1"/>
-          </p:cNvPicPr>
-          <p:nvPr/>
-        </p:nvPicPr>
-        <p:blipFill>
-          <a:blip r:embed="rId4" cstate="print">
-            <a:extLst>
-              <a:ext uri="{28A0092B-C50C-407E-A947-70E740481C1C}">
-                <a14:useLocalDpi xmlns:a14="http://schemas.microsoft.com/office/drawing/2010/main" val="0"/>
-              </a:ext>
-            </a:extLst>
-          </a:blip>
-          <a:srcRect/>
-          <a:stretch>
-            <a:fillRect/>
-          </a:stretch>
-        </p:blipFill>
-        <p:spPr bwMode="auto">
-          <a:xfrm flipH="1">
-            <a:off x="4414689" y="4580647"/>
-            <a:ext cx="990079" cy="340140"/>
-          </a:xfrm>
-          <a:prstGeom prst="rect">
-            <a:avLst/>
-          </a:prstGeom>
-          <a:noFill/>
-          <a:extLst>
-            <a:ext uri="{909E8E84-426E-40DD-AFC4-6F175D3DCCD1}">
-              <a14:hiddenFill xmlns:a14="http://schemas.microsoft.com/office/drawing/2010/main">
-                <a:solidFill>
-                  <a:srgbClr val="FFFFFF"/>
-                </a:solidFill>
-              </a14:hiddenFill>
-            </a:ext>
-          </a:extLst>
-        </p:spPr>
-      </p:pic>
-      <p:pic>
-        <p:nvPicPr>
-          <p:cNvPr id="31" name="Picture 12" descr="View topic - ıllıllı ғroхт'ѕ gғх ѕнop ıllıllı"/>
-          <p:cNvPicPr>
-            <a:picLocks noChangeAspect="1" noChangeArrowheads="1"/>
-          </p:cNvPicPr>
-          <p:nvPr/>
-        </p:nvPicPr>
-        <p:blipFill>
-          <a:blip r:embed="rId3" cstate="print">
-            <a:extLst>
-              <a:ext uri="{28A0092B-C50C-407E-A947-70E740481C1C}">
-                <a14:useLocalDpi xmlns:a14="http://schemas.microsoft.com/office/drawing/2010/main" val="0"/>
-              </a:ext>
-            </a:extLst>
-          </a:blip>
-          <a:srcRect/>
-          <a:stretch>
-            <a:fillRect/>
-          </a:stretch>
-        </p:blipFill>
-        <p:spPr bwMode="auto">
-          <a:xfrm>
-            <a:off x="7470420" y="5007661"/>
-            <a:ext cx="793659" cy="340140"/>
-          </a:xfrm>
-          <a:prstGeom prst="rect">
-            <a:avLst/>
-          </a:prstGeom>
-          <a:noFill/>
-          <a:extLst>
-            <a:ext uri="{909E8E84-426E-40DD-AFC4-6F175D3DCCD1}">
-              <a14:hiddenFill xmlns:a14="http://schemas.microsoft.com/office/drawing/2010/main">
-                <a:solidFill>
-                  <a:srgbClr val="FFFFFF"/>
-                </a:solidFill>
-              </a14:hiddenFill>
-            </a:ext>
-          </a:extLst>
-        </p:spPr>
-      </p:pic>
-      <p:pic>
-        <p:nvPicPr>
-          <p:cNvPr id="32" name="Picture 12" descr="View topic - ıllıllı ғroхт'ѕ gғх ѕнop ıllıllı"/>
-          <p:cNvPicPr>
-            <a:picLocks noChangeAspect="1" noChangeArrowheads="1"/>
-          </p:cNvPicPr>
-          <p:nvPr/>
-        </p:nvPicPr>
-        <p:blipFill>
-          <a:blip r:embed="rId3" cstate="print">
-            <a:extLst>
-              <a:ext uri="{28A0092B-C50C-407E-A947-70E740481C1C}">
-                <a14:useLocalDpi xmlns:a14="http://schemas.microsoft.com/office/drawing/2010/main" val="0"/>
-              </a:ext>
-            </a:extLst>
-          </a:blip>
-          <a:srcRect/>
-          <a:stretch>
-            <a:fillRect/>
-          </a:stretch>
-        </p:blipFill>
-        <p:spPr bwMode="auto">
-          <a:xfrm>
-            <a:off x="7867250" y="4750717"/>
-            <a:ext cx="793659" cy="340140"/>
-          </a:xfrm>
-          <a:prstGeom prst="rect">
-            <a:avLst/>
-          </a:prstGeom>
-          <a:noFill/>
-          <a:extLst>
-            <a:ext uri="{909E8E84-426E-40DD-AFC4-6F175D3DCCD1}">
-              <a14:hiddenFill xmlns:a14="http://schemas.microsoft.com/office/drawing/2010/main">
-                <a:solidFill>
-                  <a:srgbClr val="FFFFFF"/>
-                </a:solidFill>
-              </a14:hiddenFill>
-            </a:ext>
-          </a:extLst>
-        </p:spPr>
-      </p:pic>
-      <p:pic>
-        <p:nvPicPr>
-          <p:cNvPr id="33" name="Picture 12" descr="View topic - ıllıllı ғroхт'ѕ gғх ѕнop ıllıllı"/>
-          <p:cNvPicPr>
-            <a:picLocks noChangeAspect="1" noChangeArrowheads="1"/>
-          </p:cNvPicPr>
-          <p:nvPr/>
-        </p:nvPicPr>
-        <p:blipFill>
-          <a:blip r:embed="rId4" cstate="print">
-            <a:extLst>
-              <a:ext uri="{28A0092B-C50C-407E-A947-70E740481C1C}">
-                <a14:useLocalDpi xmlns:a14="http://schemas.microsoft.com/office/drawing/2010/main" val="0"/>
-              </a:ext>
-            </a:extLst>
-          </a:blip>
-          <a:srcRect/>
-          <a:stretch>
-            <a:fillRect/>
-          </a:stretch>
-        </p:blipFill>
-        <p:spPr bwMode="auto">
-          <a:xfrm flipH="1">
-            <a:off x="4641584" y="4750717"/>
-            <a:ext cx="990079" cy="340140"/>
-          </a:xfrm>
-          <a:prstGeom prst="rect">
-            <a:avLst/>
-          </a:prstGeom>
-          <a:noFill/>
-          <a:extLst>
-            <a:ext uri="{909E8E84-426E-40DD-AFC4-6F175D3DCCD1}">
-              <a14:hiddenFill xmlns:a14="http://schemas.microsoft.com/office/drawing/2010/main">
-                <a:solidFill>
-                  <a:srgbClr val="FFFFFF"/>
-                </a:solidFill>
-              </a14:hiddenFill>
-            </a:ext>
-          </a:extLst>
-        </p:spPr>
-      </p:pic>
-      <p:pic>
-        <p:nvPicPr>
-          <p:cNvPr id="34" name="Picture 12" descr="View topic - ıllıllı ғroхт'ѕ gғх ѕнop ıllıllı"/>
-          <p:cNvPicPr>
-            <a:picLocks noChangeAspect="1" noChangeArrowheads="1"/>
-          </p:cNvPicPr>
-          <p:nvPr/>
-        </p:nvPicPr>
-        <p:blipFill>
-          <a:blip r:embed="rId4" cstate="print">
-            <a:extLst>
-              <a:ext uri="{28A0092B-C50C-407E-A947-70E740481C1C}">
-                <a14:useLocalDpi xmlns:a14="http://schemas.microsoft.com/office/drawing/2010/main" val="0"/>
-              </a:ext>
-            </a:extLst>
-          </a:blip>
-          <a:srcRect/>
-          <a:stretch>
-            <a:fillRect/>
-          </a:stretch>
-        </p:blipFill>
-        <p:spPr bwMode="auto">
-          <a:xfrm flipH="1">
-            <a:off x="4885146" y="5114688"/>
-            <a:ext cx="990079" cy="340140"/>
-          </a:xfrm>
-          <a:prstGeom prst="rect">
-            <a:avLst/>
-          </a:prstGeom>
-          <a:noFill/>
-          <a:extLst>
-            <a:ext uri="{909E8E84-426E-40DD-AFC4-6F175D3DCCD1}">
-              <a14:hiddenFill xmlns:a14="http://schemas.microsoft.com/office/drawing/2010/main">
-                <a:solidFill>
-                  <a:srgbClr val="FFFFFF"/>
-                </a:solidFill>
-              </a14:hiddenFill>
-            </a:ext>
-          </a:extLst>
-        </p:spPr>
-      </p:pic>
-      <p:pic>
-        <p:nvPicPr>
-          <p:cNvPr id="35" name="Picture 12" descr="View topic - ıllıllı ғroхт'ѕ gғх ѕнop ıllıllı"/>
-          <p:cNvPicPr>
-            <a:picLocks noChangeAspect="1" noChangeArrowheads="1"/>
-          </p:cNvPicPr>
-          <p:nvPr/>
-        </p:nvPicPr>
-        <p:blipFill>
-          <a:blip r:embed="rId4" cstate="print">
-            <a:extLst>
-              <a:ext uri="{28A0092B-C50C-407E-A947-70E740481C1C}">
-                <a14:useLocalDpi xmlns:a14="http://schemas.microsoft.com/office/drawing/2010/main" val="0"/>
-              </a:ext>
-            </a:extLst>
-          </a:blip>
-          <a:srcRect/>
-          <a:stretch>
-            <a:fillRect/>
-          </a:stretch>
-        </p:blipFill>
-        <p:spPr bwMode="auto">
-          <a:xfrm flipH="1">
-            <a:off x="5440890" y="5177731"/>
-            <a:ext cx="990079" cy="340140"/>
-          </a:xfrm>
-          <a:prstGeom prst="rect">
-            <a:avLst/>
-          </a:prstGeom>
-          <a:noFill/>
-          <a:extLst>
-            <a:ext uri="{909E8E84-426E-40DD-AFC4-6F175D3DCCD1}">
-              <a14:hiddenFill xmlns:a14="http://schemas.microsoft.com/office/drawing/2010/main">
-                <a:solidFill>
-                  <a:srgbClr val="FFFFFF"/>
-                </a:solidFill>
-              </a14:hiddenFill>
-            </a:ext>
-          </a:extLst>
-        </p:spPr>
-      </p:pic>
-      <p:pic>
-        <p:nvPicPr>
-          <p:cNvPr id="36" name="Picture 6" descr="Shooting, sport shooter icon"/>
-          <p:cNvPicPr>
-            <a:picLocks noChangeAspect="1" noChangeArrowheads="1"/>
-          </p:cNvPicPr>
-          <p:nvPr/>
-        </p:nvPicPr>
-        <p:blipFill>
-          <a:blip r:embed="rId5" cstate="print">
-            <a:extLst>
-              <a:ext uri="{28A0092B-C50C-407E-A947-70E740481C1C}">
-                <a14:useLocalDpi xmlns:a14="http://schemas.microsoft.com/office/drawing/2010/main" val="0"/>
-              </a:ext>
-            </a:extLst>
-          </a:blip>
-          <a:srcRect/>
-          <a:stretch>
-            <a:fillRect/>
-          </a:stretch>
-        </p:blipFill>
-        <p:spPr bwMode="auto">
-          <a:xfrm flipH="1">
-            <a:off x="8847259" y="7118665"/>
-            <a:ext cx="197198" cy="175755"/>
-          </a:xfrm>
-          <a:prstGeom prst="rect">
-            <a:avLst/>
-          </a:prstGeom>
-          <a:noFill/>
-          <a:extLst>
-            <a:ext uri="{909E8E84-426E-40DD-AFC4-6F175D3DCCD1}">
-              <a14:hiddenFill xmlns:a14="http://schemas.microsoft.com/office/drawing/2010/main">
-                <a:solidFill>
-                  <a:srgbClr val="FFFFFF"/>
-                </a:solidFill>
-              </a14:hiddenFill>
-            </a:ext>
-          </a:extLst>
-        </p:spPr>
-      </p:pic>
-      <p:pic>
-        <p:nvPicPr>
-          <p:cNvPr id="2062" name="Picture 14" descr="Fighter, gladiator, medieval, morning star, soldier ..."/>
-          <p:cNvPicPr>
-            <a:picLocks noChangeAspect="1" noChangeArrowheads="1"/>
-          </p:cNvPicPr>
-          <p:nvPr/>
-        </p:nvPicPr>
-        <p:blipFill>
-          <a:blip r:embed="rId6" cstate="print">
-            <a:extLst>
-              <a:ext uri="{28A0092B-C50C-407E-A947-70E740481C1C}">
-                <a14:useLocalDpi xmlns:a14="http://schemas.microsoft.com/office/drawing/2010/main" val="0"/>
-              </a:ext>
-            </a:extLst>
-          </a:blip>
-          <a:srcRect/>
-          <a:stretch>
-            <a:fillRect/>
-          </a:stretch>
-        </p:blipFill>
-        <p:spPr bwMode="auto">
-          <a:xfrm>
-            <a:off x="4510075" y="3358160"/>
-            <a:ext cx="799306" cy="730616"/>
-          </a:xfrm>
-          <a:prstGeom prst="rect">
-            <a:avLst/>
-          </a:prstGeom>
-          <a:noFill/>
-          <a:extLst>
-            <a:ext uri="{909E8E84-426E-40DD-AFC4-6F175D3DCCD1}">
-              <a14:hiddenFill xmlns:a14="http://schemas.microsoft.com/office/drawing/2010/main">
-                <a:solidFill>
-                  <a:srgbClr val="FFFFFF"/>
-                </a:solidFill>
-              </a14:hiddenFill>
-            </a:ext>
-          </a:extLst>
-        </p:spPr>
-      </p:pic>
-      <p:pic>
-        <p:nvPicPr>
-          <p:cNvPr id="38" name="Picture 6" descr="Shooting, sport shooter icon"/>
-          <p:cNvPicPr>
-            <a:picLocks noChangeAspect="1" noChangeArrowheads="1"/>
-          </p:cNvPicPr>
-          <p:nvPr/>
-        </p:nvPicPr>
-        <p:blipFill>
-          <a:blip r:embed="rId2" cstate="print">
-            <a:extLst>
-              <a:ext uri="{28A0092B-C50C-407E-A947-70E740481C1C}">
-                <a14:useLocalDpi xmlns:a14="http://schemas.microsoft.com/office/drawing/2010/main" val="0"/>
-              </a:ext>
-            </a:extLst>
-          </a:blip>
-          <a:srcRect/>
-          <a:stretch>
-            <a:fillRect/>
-          </a:stretch>
-        </p:blipFill>
-        <p:spPr bwMode="auto">
-          <a:xfrm flipH="1">
-            <a:off x="8388431" y="4554690"/>
-            <a:ext cx="1041833" cy="1072333"/>
-          </a:xfrm>
-          <a:prstGeom prst="rect">
-            <a:avLst/>
-          </a:prstGeom>
-          <a:noFill/>
-          <a:extLst>
-            <a:ext uri="{909E8E84-426E-40DD-AFC4-6F175D3DCCD1}">
-              <a14:hiddenFill xmlns:a14="http://schemas.microsoft.com/office/drawing/2010/main">
-                <a:solidFill>
-                  <a:srgbClr val="FFFFFF"/>
-                </a:solidFill>
-              </a14:hiddenFill>
-            </a:ext>
-          </a:extLst>
-        </p:spPr>
-      </p:pic>
-      <p:pic>
-        <p:nvPicPr>
-          <p:cNvPr id="39" name="Picture 14" descr="Fighter, gladiator, medieval, morning star, soldier ..."/>
-          <p:cNvPicPr>
-            <a:picLocks noChangeAspect="1" noChangeArrowheads="1"/>
-          </p:cNvPicPr>
-          <p:nvPr/>
-        </p:nvPicPr>
-        <p:blipFill>
-          <a:blip r:embed="rId7" cstate="print">
-            <a:extLst>
-              <a:ext uri="{28A0092B-C50C-407E-A947-70E740481C1C}">
-                <a14:useLocalDpi xmlns:a14="http://schemas.microsoft.com/office/drawing/2010/main" val="0"/>
-              </a:ext>
-            </a:extLst>
-          </a:blip>
-          <a:srcRect/>
-          <a:stretch>
-            <a:fillRect/>
-          </a:stretch>
-        </p:blipFill>
-        <p:spPr bwMode="auto">
-          <a:xfrm flipH="1">
-            <a:off x="6185253" y="3617039"/>
-            <a:ext cx="719172" cy="730616"/>
-          </a:xfrm>
-          <a:prstGeom prst="rect">
-            <a:avLst/>
-          </a:prstGeom>
-          <a:noFill/>
-          <a:extLst>
-            <a:ext uri="{909E8E84-426E-40DD-AFC4-6F175D3DCCD1}">
-              <a14:hiddenFill xmlns:a14="http://schemas.microsoft.com/office/drawing/2010/main">
-                <a:solidFill>
-                  <a:srgbClr val="FFFFFF"/>
-                </a:solidFill>
-              </a14:hiddenFill>
-            </a:ext>
-          </a:extLst>
-        </p:spPr>
-      </p:pic>
-      <p:pic>
-        <p:nvPicPr>
-          <p:cNvPr id="40" name="Picture 14" descr="Fighter, gladiator, medieval, morning star, soldier ..."/>
-          <p:cNvPicPr>
-            <a:picLocks noChangeAspect="1" noChangeArrowheads="1"/>
-          </p:cNvPicPr>
-          <p:nvPr/>
-        </p:nvPicPr>
-        <p:blipFill>
-          <a:blip r:embed="rId7" cstate="print">
-            <a:extLst>
-              <a:ext uri="{28A0092B-C50C-407E-A947-70E740481C1C}">
-                <a14:useLocalDpi xmlns:a14="http://schemas.microsoft.com/office/drawing/2010/main" val="0"/>
-              </a:ext>
-            </a:extLst>
-          </a:blip>
-          <a:srcRect/>
-          <a:stretch>
-            <a:fillRect/>
-          </a:stretch>
-        </p:blipFill>
-        <p:spPr bwMode="auto">
-          <a:xfrm flipH="1">
-            <a:off x="6430969" y="3170588"/>
-            <a:ext cx="719172" cy="730616"/>
-          </a:xfrm>
-          <a:prstGeom prst="rect">
-            <a:avLst/>
-          </a:prstGeom>
-          <a:noFill/>
-          <a:extLst>
-            <a:ext uri="{909E8E84-426E-40DD-AFC4-6F175D3DCCD1}">
-              <a14:hiddenFill xmlns:a14="http://schemas.microsoft.com/office/drawing/2010/main">
-                <a:solidFill>
-                  <a:srgbClr val="FFFFFF"/>
-                </a:solidFill>
-              </a14:hiddenFill>
-            </a:ext>
-          </a:extLst>
-        </p:spPr>
-      </p:pic>
-      <p:pic>
-        <p:nvPicPr>
-          <p:cNvPr id="2064" name="Picture 16" descr="Blast, bomb, boom, burst, cloudy explosion, effect ..."/>
-          <p:cNvPicPr>
-            <a:picLocks noChangeAspect="1" noChangeArrowheads="1"/>
-          </p:cNvPicPr>
-          <p:nvPr/>
-        </p:nvPicPr>
-        <p:blipFill>
-          <a:blip r:embed="rId8" cstate="print">
-            <a:extLst>
-              <a:ext uri="{28A0092B-C50C-407E-A947-70E740481C1C}">
-                <a14:useLocalDpi xmlns:a14="http://schemas.microsoft.com/office/drawing/2010/main" val="0"/>
-              </a:ext>
-            </a:extLst>
-          </a:blip>
-          <a:srcRect/>
-          <a:stretch>
-            <a:fillRect/>
-          </a:stretch>
-        </p:blipFill>
-        <p:spPr bwMode="auto">
-          <a:xfrm>
-            <a:off x="5395775" y="3184558"/>
-            <a:ext cx="841132" cy="841132"/>
-          </a:xfrm>
-          <a:prstGeom prst="rect">
-            <a:avLst/>
-          </a:prstGeom>
-          <a:noFill/>
-          <a:extLst>
-            <a:ext uri="{909E8E84-426E-40DD-AFC4-6F175D3DCCD1}">
-              <a14:hiddenFill xmlns:a14="http://schemas.microsoft.com/office/drawing/2010/main">
-                <a:solidFill>
-                  <a:srgbClr val="FFFFFF"/>
-                </a:solidFill>
-              </a14:hiddenFill>
-            </a:ext>
-          </a:extLst>
-        </p:spPr>
-      </p:pic>
-      <p:pic>
-        <p:nvPicPr>
-          <p:cNvPr id="42" name="Picture 16" descr="Blast, bomb, boom, burst, cloudy explosion, effect ..."/>
-          <p:cNvPicPr>
-            <a:picLocks noChangeAspect="1" noChangeArrowheads="1"/>
-          </p:cNvPicPr>
-          <p:nvPr/>
-        </p:nvPicPr>
-        <p:blipFill>
-          <a:blip r:embed="rId8" cstate="print">
-            <a:extLst>
-              <a:ext uri="{28A0092B-C50C-407E-A947-70E740481C1C}">
-                <a14:useLocalDpi xmlns:a14="http://schemas.microsoft.com/office/drawing/2010/main" val="0"/>
-              </a:ext>
-            </a:extLst>
-          </a:blip>
-          <a:srcRect/>
-          <a:stretch>
-            <a:fillRect/>
-          </a:stretch>
-        </p:blipFill>
-        <p:spPr bwMode="auto">
-          <a:xfrm>
-            <a:off x="6222047" y="4458171"/>
-            <a:ext cx="841132" cy="841132"/>
-          </a:xfrm>
-          <a:prstGeom prst="rect">
-            <a:avLst/>
-          </a:prstGeom>
-          <a:noFill/>
-          <a:extLst>
-            <a:ext uri="{909E8E84-426E-40DD-AFC4-6F175D3DCCD1}">
-              <a14:hiddenFill xmlns:a14="http://schemas.microsoft.com/office/drawing/2010/main">
-                <a:solidFill>
-                  <a:srgbClr val="FFFFFF"/>
-                </a:solidFill>
-              </a14:hiddenFill>
-            </a:ext>
-          </a:extLst>
-        </p:spPr>
-      </p:pic>
-    </p:spTree>
-    <p:extLst>
-      <p:ext uri="{BB962C8B-B14F-4D97-AF65-F5344CB8AC3E}">
-        <p14:creationId xmlns:p14="http://schemas.microsoft.com/office/powerpoint/2010/main" val="113421976"/>
-      </p:ext>
-    </p:extLst>
-  </p:cSld>
-  <p:clrMapOvr>
-    <a:masterClrMapping/>
-  </p:clrMapOvr>
-</p:sld>
-</file>
-
-<file path=ppt/slides/slide30.xml><?xml version="1.0" encoding="utf-8"?>
+<file path=ppt/slides/slide32.xml><?xml version="1.0" encoding="utf-8"?>
 <p:sld xmlns:a="http://schemas.openxmlformats.org/drawingml/2006/main" xmlns:r="http://schemas.openxmlformats.org/officeDocument/2006/relationships" xmlns:p="http://schemas.openxmlformats.org/presentationml/2006/main">
   <p:cSld>
     <p:spTree>
@@ -25714,7 +29559,7 @@
 </p:sld>
 </file>
 
-<file path=ppt/slides/slide31.xml><?xml version="1.0" encoding="utf-8"?>
+<file path=ppt/slides/slide33.xml><?xml version="1.0" encoding="utf-8"?>
 <p:sld xmlns:a="http://schemas.openxmlformats.org/drawingml/2006/main" xmlns:r="http://schemas.openxmlformats.org/officeDocument/2006/relationships" xmlns:p="http://schemas.openxmlformats.org/presentationml/2006/main">
   <p:cSld>
     <p:spTree>
@@ -25969,7 +29814,7 @@
 </p:sld>
 </file>
 
-<file path=ppt/slides/slide32.xml><?xml version="1.0" encoding="utf-8"?>
+<file path=ppt/slides/slide34.xml><?xml version="1.0" encoding="utf-8"?>
 <p:sld xmlns:a="http://schemas.openxmlformats.org/drawingml/2006/main" xmlns:r="http://schemas.openxmlformats.org/officeDocument/2006/relationships" xmlns:p="http://schemas.openxmlformats.org/presentationml/2006/main">
   <p:cSld>
     <p:spTree>

--- a/すみませんASOゲームショウまでに間に合いませんでした.pptx
+++ b/すみませんASOゲームショウまでに間に合いませんでした.pptx
@@ -35,10 +35,11 @@
     <p:sldId id="287" r:id="rId29"/>
     <p:sldId id="288" r:id="rId30"/>
     <p:sldId id="289" r:id="rId31"/>
-    <p:sldId id="284" r:id="rId32"/>
-    <p:sldId id="285" r:id="rId33"/>
-    <p:sldId id="286" r:id="rId34"/>
-    <p:sldId id="283" r:id="rId35"/>
+    <p:sldId id="291" r:id="rId32"/>
+    <p:sldId id="290" r:id="rId33"/>
+    <p:sldId id="284" r:id="rId34"/>
+    <p:sldId id="286" r:id="rId35"/>
+    <p:sldId id="283" r:id="rId36"/>
   </p:sldIdLst>
   <p:sldSz cx="12192000" cy="6858000"/>
   <p:notesSz cx="6858000" cy="9144000"/>
@@ -172,8 +173,9 @@
             <p14:sldId id="287"/>
             <p14:sldId id="288"/>
             <p14:sldId id="289"/>
+            <p14:sldId id="291"/>
+            <p14:sldId id="290"/>
             <p14:sldId id="284"/>
-            <p14:sldId id="285"/>
             <p14:sldId id="286"/>
             <p14:sldId id="283"/>
           </p14:sldIdLst>
@@ -356,7 +358,7 @@
           <a:p>
             <a:fld id="{C9D909E4-55EF-4C03-B3F2-C5767FAA5706}" type="datetimeFigureOut">
               <a:rPr lang="en-US" smtClean="0"/>
-              <a:t>5/13/2020</a:t>
+              <a:t>5/14/2020</a:t>
             </a:fld>
             <a:endParaRPr lang="en-US"/>
           </a:p>
@@ -524,7 +526,7 @@
           <a:p>
             <a:fld id="{C9D909E4-55EF-4C03-B3F2-C5767FAA5706}" type="datetimeFigureOut">
               <a:rPr lang="en-US" smtClean="0"/>
-              <a:t>5/13/2020</a:t>
+              <a:t>5/14/2020</a:t>
             </a:fld>
             <a:endParaRPr lang="en-US"/>
           </a:p>
@@ -702,7 +704,7 @@
           <a:p>
             <a:fld id="{C9D909E4-55EF-4C03-B3F2-C5767FAA5706}" type="datetimeFigureOut">
               <a:rPr lang="en-US" smtClean="0"/>
-              <a:t>5/13/2020</a:t>
+              <a:t>5/14/2020</a:t>
             </a:fld>
             <a:endParaRPr lang="en-US"/>
           </a:p>
@@ -870,7 +872,7 @@
           <a:p>
             <a:fld id="{C9D909E4-55EF-4C03-B3F2-C5767FAA5706}" type="datetimeFigureOut">
               <a:rPr lang="en-US" smtClean="0"/>
-              <a:t>5/13/2020</a:t>
+              <a:t>5/14/2020</a:t>
             </a:fld>
             <a:endParaRPr lang="en-US"/>
           </a:p>
@@ -1115,7 +1117,7 @@
           <a:p>
             <a:fld id="{C9D909E4-55EF-4C03-B3F2-C5767FAA5706}" type="datetimeFigureOut">
               <a:rPr lang="en-US" smtClean="0"/>
-              <a:t>5/13/2020</a:t>
+              <a:t>5/14/2020</a:t>
             </a:fld>
             <a:endParaRPr lang="en-US"/>
           </a:p>
@@ -1344,7 +1346,7 @@
           <a:p>
             <a:fld id="{C9D909E4-55EF-4C03-B3F2-C5767FAA5706}" type="datetimeFigureOut">
               <a:rPr lang="en-US" smtClean="0"/>
-              <a:t>5/13/2020</a:t>
+              <a:t>5/14/2020</a:t>
             </a:fld>
             <a:endParaRPr lang="en-US"/>
           </a:p>
@@ -1708,7 +1710,7 @@
           <a:p>
             <a:fld id="{C9D909E4-55EF-4C03-B3F2-C5767FAA5706}" type="datetimeFigureOut">
               <a:rPr lang="en-US" smtClean="0"/>
-              <a:t>5/13/2020</a:t>
+              <a:t>5/14/2020</a:t>
             </a:fld>
             <a:endParaRPr lang="en-US"/>
           </a:p>
@@ -1825,7 +1827,7 @@
           <a:p>
             <a:fld id="{C9D909E4-55EF-4C03-B3F2-C5767FAA5706}" type="datetimeFigureOut">
               <a:rPr lang="en-US" smtClean="0"/>
-              <a:t>5/13/2020</a:t>
+              <a:t>5/14/2020</a:t>
             </a:fld>
             <a:endParaRPr lang="en-US"/>
           </a:p>
@@ -1920,7 +1922,7 @@
           <a:p>
             <a:fld id="{C9D909E4-55EF-4C03-B3F2-C5767FAA5706}" type="datetimeFigureOut">
               <a:rPr lang="en-US" smtClean="0"/>
-              <a:t>5/13/2020</a:t>
+              <a:t>5/14/2020</a:t>
             </a:fld>
             <a:endParaRPr lang="en-US"/>
           </a:p>
@@ -2195,7 +2197,7 @@
           <a:p>
             <a:fld id="{C9D909E4-55EF-4C03-B3F2-C5767FAA5706}" type="datetimeFigureOut">
               <a:rPr lang="en-US" smtClean="0"/>
-              <a:t>5/13/2020</a:t>
+              <a:t>5/14/2020</a:t>
             </a:fld>
             <a:endParaRPr lang="en-US"/>
           </a:p>
@@ -2447,7 +2449,7 @@
           <a:p>
             <a:fld id="{C9D909E4-55EF-4C03-B3F2-C5767FAA5706}" type="datetimeFigureOut">
               <a:rPr lang="en-US" smtClean="0"/>
-              <a:t>5/13/2020</a:t>
+              <a:t>5/14/2020</a:t>
             </a:fld>
             <a:endParaRPr lang="en-US"/>
           </a:p>
@@ -2658,7 +2660,7 @@
           <a:p>
             <a:fld id="{C9D909E4-55EF-4C03-B3F2-C5767FAA5706}" type="datetimeFigureOut">
               <a:rPr lang="en-US" smtClean="0"/>
-              <a:t>5/13/2020</a:t>
+              <a:t>5/14/2020</a:t>
             </a:fld>
             <a:endParaRPr lang="en-US"/>
           </a:p>
@@ -25477,14 +25479,14 @@
           <p:nvPr>
             <p:extLst>
               <p:ext uri="{D42A27DB-BD31-4B8C-83A1-F6EECF244321}">
-                <p14:modId xmlns:p14="http://schemas.microsoft.com/office/powerpoint/2010/main" val="1020748122"/>
+                <p14:modId xmlns:p14="http://schemas.microsoft.com/office/powerpoint/2010/main" val="1716150947"/>
               </p:ext>
             </p:extLst>
           </p:nvPr>
         </p:nvGraphicFramePr>
         <p:xfrm>
           <a:off x="5853104" y="4370989"/>
-          <a:ext cx="2846634" cy="2225040"/>
+          <a:ext cx="2703667" cy="2225040"/>
         </p:xfrm>
         <a:graphic>
           <a:graphicData uri="http://schemas.openxmlformats.org/drawingml/2006/table">
@@ -25493,42 +25495,42 @@
                 <a:tableStyleId>{5C22544A-7EE6-4342-B048-85BDC9FD1C3A}</a:tableStyleId>
               </a:tblPr>
               <a:tblGrid>
-                <a:gridCol w="351155">
+                <a:gridCol w="396694">
                   <a:extLst>
                     <a:ext uri="{9D8B030D-6E8A-4147-A177-3AD203B41FA5}">
                       <a16:colId xmlns:a16="http://schemas.microsoft.com/office/drawing/2014/main" val="1485507950"/>
                     </a:ext>
                   </a:extLst>
                 </a:gridCol>
-                <a:gridCol w="376432">
+                <a:gridCol w="411061">
                   <a:extLst>
                     <a:ext uri="{9D8B030D-6E8A-4147-A177-3AD203B41FA5}">
                       <a16:colId xmlns:a16="http://schemas.microsoft.com/office/drawing/2014/main" val="2085798080"/>
                     </a:ext>
                   </a:extLst>
                 </a:gridCol>
-                <a:gridCol w="489249">
+                <a:gridCol w="503339">
                   <a:extLst>
                     <a:ext uri="{9D8B030D-6E8A-4147-A177-3AD203B41FA5}">
                       <a16:colId xmlns:a16="http://schemas.microsoft.com/office/drawing/2014/main" val="1899149780"/>
                     </a:ext>
                   </a:extLst>
                 </a:gridCol>
-                <a:gridCol w="543266">
+                <a:gridCol w="444617">
                   <a:extLst>
                     <a:ext uri="{9D8B030D-6E8A-4147-A177-3AD203B41FA5}">
                       <a16:colId xmlns:a16="http://schemas.microsoft.com/office/drawing/2014/main" val="3668783458"/>
                     </a:ext>
                   </a:extLst>
                 </a:gridCol>
-                <a:gridCol w="543266">
+                <a:gridCol w="478172">
                   <a:extLst>
                     <a:ext uri="{9D8B030D-6E8A-4147-A177-3AD203B41FA5}">
                       <a16:colId xmlns:a16="http://schemas.microsoft.com/office/drawing/2014/main" val="1949752049"/>
                     </a:ext>
                   </a:extLst>
                 </a:gridCol>
-                <a:gridCol w="543266">
+                <a:gridCol w="469784">
                   <a:extLst>
                     <a:ext uri="{9D8B030D-6E8A-4147-A177-3AD203B41FA5}">
                       <a16:colId xmlns:a16="http://schemas.microsoft.com/office/drawing/2014/main" val="3867465141"/>
@@ -27807,6 +27809,1542 @@
       </p:grpSpPr>
       <p:grpSp>
         <p:nvGrpSpPr>
+          <p:cNvPr id="4" name="グループ化 3">
+            <a:extLst>
+              <a:ext uri="{FF2B5EF4-FFF2-40B4-BE49-F238E27FC236}">
+                <a16:creationId xmlns:a16="http://schemas.microsoft.com/office/drawing/2014/main" id="{AAA121B9-9D06-487B-ABA2-AAB8AAD87550}"/>
+              </a:ext>
+            </a:extLst>
+          </p:cNvPr>
+          <p:cNvGrpSpPr/>
+          <p:nvPr/>
+        </p:nvGrpSpPr>
+        <p:grpSpPr>
+          <a:xfrm>
+            <a:off x="0" y="0"/>
+            <a:ext cx="2030135" cy="704676"/>
+            <a:chOff x="0" y="-33340"/>
+            <a:chExt cx="2030135" cy="704676"/>
+          </a:xfrm>
+        </p:grpSpPr>
+        <p:sp>
+          <p:nvSpPr>
+            <p:cNvPr id="5" name="正方形/長方形 4">
+              <a:extLst>
+                <a:ext uri="{FF2B5EF4-FFF2-40B4-BE49-F238E27FC236}">
+                  <a16:creationId xmlns:a16="http://schemas.microsoft.com/office/drawing/2014/main" id="{7FEE4311-9E57-4378-978F-2D01D46C9A6F}"/>
+                </a:ext>
+              </a:extLst>
+            </p:cNvPr>
+            <p:cNvSpPr/>
+            <p:nvPr/>
+          </p:nvSpPr>
+          <p:spPr>
+            <a:xfrm>
+              <a:off x="0" y="-33340"/>
+              <a:ext cx="2030135" cy="704676"/>
+            </a:xfrm>
+            <a:prstGeom prst="rect">
+              <a:avLst/>
+            </a:prstGeom>
+            <a:solidFill>
+              <a:srgbClr val="C00000"/>
+            </a:solidFill>
+            <a:ln>
+              <a:noFill/>
+            </a:ln>
+          </p:spPr>
+          <p:style>
+            <a:lnRef idx="2">
+              <a:schemeClr val="accent1">
+                <a:shade val="50000"/>
+              </a:schemeClr>
+            </a:lnRef>
+            <a:fillRef idx="1">
+              <a:schemeClr val="accent1"/>
+            </a:fillRef>
+            <a:effectRef idx="0">
+              <a:schemeClr val="accent1"/>
+            </a:effectRef>
+            <a:fontRef idx="minor">
+              <a:schemeClr val="lt1"/>
+            </a:fontRef>
+          </p:style>
+          <p:txBody>
+            <a:bodyPr rtlCol="0" anchor="ctr"/>
+            <a:lstStyle/>
+            <a:p>
+              <a:pPr algn="ctr"/>
+              <a:endParaRPr kumimoji="1" lang="ja-JP" altLang="en-US"/>
+            </a:p>
+          </p:txBody>
+        </p:sp>
+        <p:sp>
+          <p:nvSpPr>
+            <p:cNvPr id="6" name="テキスト ボックス 5">
+              <a:extLst>
+                <a:ext uri="{FF2B5EF4-FFF2-40B4-BE49-F238E27FC236}">
+                  <a16:creationId xmlns:a16="http://schemas.microsoft.com/office/drawing/2014/main" id="{28832269-86ED-4AE6-87FB-88AE653F1AD8}"/>
+                </a:ext>
+              </a:extLst>
+            </p:cNvPr>
+            <p:cNvSpPr txBox="1"/>
+            <p:nvPr/>
+          </p:nvSpPr>
+          <p:spPr>
+            <a:xfrm>
+              <a:off x="142613" y="-33340"/>
+              <a:ext cx="1678665" cy="646331"/>
+            </a:xfrm>
+            <a:prstGeom prst="rect">
+              <a:avLst/>
+            </a:prstGeom>
+            <a:noFill/>
+          </p:spPr>
+          <p:txBody>
+            <a:bodyPr wrap="none" rtlCol="0">
+              <a:spAutoFit/>
+            </a:bodyPr>
+            <a:lstStyle/>
+            <a:p>
+              <a:r>
+                <a:rPr kumimoji="1" lang="en-US" altLang="ja-JP" sz="3600" dirty="0">
+                  <a:solidFill>
+                    <a:schemeClr val="bg1"/>
+                  </a:solidFill>
+                </a:rPr>
+                <a:t>alpha</a:t>
+              </a:r>
+              <a:r>
+                <a:rPr kumimoji="1" lang="ja-JP" altLang="en-US" sz="3600" dirty="0">
+                  <a:solidFill>
+                    <a:schemeClr val="bg1"/>
+                  </a:solidFill>
+                </a:rPr>
+                <a:t>版</a:t>
+              </a:r>
+            </a:p>
+          </p:txBody>
+        </p:sp>
+      </p:grpSp>
+    </p:spTree>
+    <p:extLst>
+      <p:ext uri="{BB962C8B-B14F-4D97-AF65-F5344CB8AC3E}">
+        <p14:creationId xmlns:p14="http://schemas.microsoft.com/office/powerpoint/2010/main" val="943526791"/>
+      </p:ext>
+    </p:extLst>
+  </p:cSld>
+  <p:clrMapOvr>
+    <a:masterClrMapping/>
+  </p:clrMapOvr>
+</p:sld>
+</file>
+
+<file path=ppt/slides/slide32.xml><?xml version="1.0" encoding="utf-8"?>
+<p:sld xmlns:a="http://schemas.openxmlformats.org/drawingml/2006/main" xmlns:r="http://schemas.openxmlformats.org/officeDocument/2006/relationships" xmlns:p="http://schemas.openxmlformats.org/presentationml/2006/main">
+  <p:cSld>
+    <p:spTree>
+      <p:nvGrpSpPr>
+        <p:cNvPr id="1" name=""/>
+        <p:cNvGrpSpPr/>
+        <p:nvPr/>
+      </p:nvGrpSpPr>
+      <p:grpSpPr>
+        <a:xfrm>
+          <a:off x="0" y="0"/>
+          <a:ext cx="0" cy="0"/>
+          <a:chOff x="0" y="0"/>
+          <a:chExt cx="0" cy="0"/>
+        </a:xfrm>
+      </p:grpSpPr>
+      <p:grpSp>
+        <p:nvGrpSpPr>
+          <p:cNvPr id="4" name="グループ化 3">
+            <a:extLst>
+              <a:ext uri="{FF2B5EF4-FFF2-40B4-BE49-F238E27FC236}">
+                <a16:creationId xmlns:a16="http://schemas.microsoft.com/office/drawing/2014/main" id="{635B7A35-47DB-45E7-BC69-CFC847A04217}"/>
+              </a:ext>
+            </a:extLst>
+          </p:cNvPr>
+          <p:cNvGrpSpPr/>
+          <p:nvPr/>
+        </p:nvGrpSpPr>
+        <p:grpSpPr>
+          <a:xfrm>
+            <a:off x="0" y="0"/>
+            <a:ext cx="2030135" cy="704676"/>
+            <a:chOff x="0" y="-33340"/>
+            <a:chExt cx="2030135" cy="704676"/>
+          </a:xfrm>
+        </p:grpSpPr>
+        <p:sp>
+          <p:nvSpPr>
+            <p:cNvPr id="5" name="正方形/長方形 4">
+              <a:extLst>
+                <a:ext uri="{FF2B5EF4-FFF2-40B4-BE49-F238E27FC236}">
+                  <a16:creationId xmlns:a16="http://schemas.microsoft.com/office/drawing/2014/main" id="{E084844B-224B-483B-A371-1CC4E79468DA}"/>
+                </a:ext>
+              </a:extLst>
+            </p:cNvPr>
+            <p:cNvSpPr/>
+            <p:nvPr/>
+          </p:nvSpPr>
+          <p:spPr>
+            <a:xfrm>
+              <a:off x="0" y="-33340"/>
+              <a:ext cx="2030135" cy="704676"/>
+            </a:xfrm>
+            <a:prstGeom prst="rect">
+              <a:avLst/>
+            </a:prstGeom>
+            <a:solidFill>
+              <a:srgbClr val="C00000"/>
+            </a:solidFill>
+            <a:ln>
+              <a:noFill/>
+            </a:ln>
+          </p:spPr>
+          <p:style>
+            <a:lnRef idx="2">
+              <a:schemeClr val="accent1">
+                <a:shade val="50000"/>
+              </a:schemeClr>
+            </a:lnRef>
+            <a:fillRef idx="1">
+              <a:schemeClr val="accent1"/>
+            </a:fillRef>
+            <a:effectRef idx="0">
+              <a:schemeClr val="accent1"/>
+            </a:effectRef>
+            <a:fontRef idx="minor">
+              <a:schemeClr val="lt1"/>
+            </a:fontRef>
+          </p:style>
+          <p:txBody>
+            <a:bodyPr rtlCol="0" anchor="ctr"/>
+            <a:lstStyle/>
+            <a:p>
+              <a:pPr algn="ctr"/>
+              <a:endParaRPr kumimoji="1" lang="ja-JP" altLang="en-US"/>
+            </a:p>
+          </p:txBody>
+        </p:sp>
+        <p:sp>
+          <p:nvSpPr>
+            <p:cNvPr id="6" name="テキスト ボックス 5">
+              <a:extLst>
+                <a:ext uri="{FF2B5EF4-FFF2-40B4-BE49-F238E27FC236}">
+                  <a16:creationId xmlns:a16="http://schemas.microsoft.com/office/drawing/2014/main" id="{559BBD2E-7ABC-4407-AB1D-E2E0411C07CC}"/>
+                </a:ext>
+              </a:extLst>
+            </p:cNvPr>
+            <p:cNvSpPr txBox="1"/>
+            <p:nvPr/>
+          </p:nvSpPr>
+          <p:spPr>
+            <a:xfrm>
+              <a:off x="142613" y="-33340"/>
+              <a:ext cx="1678665" cy="646331"/>
+            </a:xfrm>
+            <a:prstGeom prst="rect">
+              <a:avLst/>
+            </a:prstGeom>
+            <a:noFill/>
+          </p:spPr>
+          <p:txBody>
+            <a:bodyPr wrap="none" rtlCol="0">
+              <a:spAutoFit/>
+            </a:bodyPr>
+            <a:lstStyle/>
+            <a:p>
+              <a:r>
+                <a:rPr kumimoji="1" lang="en-US" altLang="ja-JP" sz="3600" dirty="0">
+                  <a:solidFill>
+                    <a:schemeClr val="bg1"/>
+                  </a:solidFill>
+                </a:rPr>
+                <a:t>alpha</a:t>
+              </a:r>
+              <a:r>
+                <a:rPr kumimoji="1" lang="ja-JP" altLang="en-US" sz="3600" dirty="0">
+                  <a:solidFill>
+                    <a:schemeClr val="bg1"/>
+                  </a:solidFill>
+                </a:rPr>
+                <a:t>版</a:t>
+              </a:r>
+            </a:p>
+          </p:txBody>
+        </p:sp>
+      </p:grpSp>
+      <p:sp>
+        <p:nvSpPr>
+          <p:cNvPr id="7" name="正方形/長方形 6">
+            <a:extLst>
+              <a:ext uri="{FF2B5EF4-FFF2-40B4-BE49-F238E27FC236}">
+                <a16:creationId xmlns:a16="http://schemas.microsoft.com/office/drawing/2014/main" id="{28C30FE1-DFCB-43B7-9D69-7EDDB73CF30C}"/>
+              </a:ext>
+            </a:extLst>
+          </p:cNvPr>
+          <p:cNvSpPr/>
+          <p:nvPr/>
+        </p:nvSpPr>
+        <p:spPr>
+          <a:xfrm>
+            <a:off x="2532117" y="643060"/>
+            <a:ext cx="5342389" cy="2202928"/>
+          </a:xfrm>
+          <a:prstGeom prst="rect">
+            <a:avLst/>
+          </a:prstGeom>
+          <a:solidFill>
+            <a:schemeClr val="accent6">
+              <a:lumMod val="60000"/>
+              <a:lumOff val="40000"/>
+            </a:schemeClr>
+          </a:solidFill>
+          <a:ln>
+            <a:noFill/>
+          </a:ln>
+        </p:spPr>
+        <p:style>
+          <a:lnRef idx="2">
+            <a:schemeClr val="accent1">
+              <a:shade val="50000"/>
+            </a:schemeClr>
+          </a:lnRef>
+          <a:fillRef idx="1">
+            <a:schemeClr val="accent1"/>
+          </a:fillRef>
+          <a:effectRef idx="0">
+            <a:schemeClr val="accent1"/>
+          </a:effectRef>
+          <a:fontRef idx="minor">
+            <a:schemeClr val="lt1"/>
+          </a:fontRef>
+        </p:style>
+        <p:txBody>
+          <a:bodyPr rtlCol="0" anchor="ctr"/>
+          <a:lstStyle/>
+          <a:p>
+            <a:pPr algn="ctr"/>
+            <a:endParaRPr kumimoji="1" lang="ja-JP" altLang="en-US" dirty="0"/>
+          </a:p>
+        </p:txBody>
+      </p:sp>
+      <p:sp>
+        <p:nvSpPr>
+          <p:cNvPr id="10" name="テキスト ボックス 9">
+            <a:extLst>
+              <a:ext uri="{FF2B5EF4-FFF2-40B4-BE49-F238E27FC236}">
+                <a16:creationId xmlns:a16="http://schemas.microsoft.com/office/drawing/2014/main" id="{DD6B5EAE-5051-40A3-A41F-266F0D7B5B72}"/>
+              </a:ext>
+            </a:extLst>
+          </p:cNvPr>
+          <p:cNvSpPr txBox="1"/>
+          <p:nvPr/>
+        </p:nvSpPr>
+        <p:spPr>
+          <a:xfrm>
+            <a:off x="2392260" y="597826"/>
+            <a:ext cx="609038" cy="369332"/>
+          </a:xfrm>
+          <a:prstGeom prst="rect">
+            <a:avLst/>
+          </a:prstGeom>
+          <a:noFill/>
+        </p:spPr>
+        <p:txBody>
+          <a:bodyPr wrap="square" rtlCol="0">
+            <a:spAutoFit/>
+          </a:bodyPr>
+          <a:lstStyle/>
+          <a:p>
+            <a:r>
+              <a:rPr kumimoji="1" lang="en-US" altLang="ja-JP" dirty="0"/>
+              <a:t>map</a:t>
+            </a:r>
+            <a:endParaRPr kumimoji="1" lang="ja-JP" altLang="en-US" dirty="0"/>
+          </a:p>
+        </p:txBody>
+      </p:sp>
+      <p:sp>
+        <p:nvSpPr>
+          <p:cNvPr id="11" name="テキスト ボックス 10">
+            <a:extLst>
+              <a:ext uri="{FF2B5EF4-FFF2-40B4-BE49-F238E27FC236}">
+                <a16:creationId xmlns:a16="http://schemas.microsoft.com/office/drawing/2014/main" id="{AAA8A432-CA79-4909-94EB-9058B956DB84}"/>
+              </a:ext>
+            </a:extLst>
+          </p:cNvPr>
+          <p:cNvSpPr txBox="1"/>
+          <p:nvPr/>
+        </p:nvSpPr>
+        <p:spPr>
+          <a:xfrm>
+            <a:off x="3391102" y="600647"/>
+            <a:ext cx="812137" cy="369332"/>
+          </a:xfrm>
+          <a:prstGeom prst="rect">
+            <a:avLst/>
+          </a:prstGeom>
+          <a:noFill/>
+        </p:spPr>
+        <p:txBody>
+          <a:bodyPr wrap="square" rtlCol="0">
+            <a:spAutoFit/>
+          </a:bodyPr>
+          <a:lstStyle/>
+          <a:p>
+            <a:r>
+              <a:rPr kumimoji="1" lang="en-US" altLang="ja-JP" dirty="0"/>
+              <a:t>screen</a:t>
+            </a:r>
+            <a:endParaRPr kumimoji="1" lang="ja-JP" altLang="en-US" dirty="0"/>
+          </a:p>
+        </p:txBody>
+      </p:sp>
+      <p:grpSp>
+        <p:nvGrpSpPr>
+          <p:cNvPr id="24" name="グループ化 23">
+            <a:extLst>
+              <a:ext uri="{FF2B5EF4-FFF2-40B4-BE49-F238E27FC236}">
+                <a16:creationId xmlns:a16="http://schemas.microsoft.com/office/drawing/2014/main" id="{5AF614E4-33A3-434A-993C-78829EED7B19}"/>
+              </a:ext>
+            </a:extLst>
+          </p:cNvPr>
+          <p:cNvGrpSpPr/>
+          <p:nvPr/>
+        </p:nvGrpSpPr>
+        <p:grpSpPr>
+          <a:xfrm>
+            <a:off x="4228503" y="733980"/>
+            <a:ext cx="3113811" cy="1736414"/>
+            <a:chOff x="4678595" y="587338"/>
+            <a:chExt cx="4160940" cy="2432806"/>
+          </a:xfrm>
+        </p:grpSpPr>
+        <p:sp>
+          <p:nvSpPr>
+            <p:cNvPr id="9" name="正方形/長方形 8">
+              <a:extLst>
+                <a:ext uri="{FF2B5EF4-FFF2-40B4-BE49-F238E27FC236}">
+                  <a16:creationId xmlns:a16="http://schemas.microsoft.com/office/drawing/2014/main" id="{8E328DBA-4397-4FC7-8AF3-441A315EE28A}"/>
+                </a:ext>
+              </a:extLst>
+            </p:cNvPr>
+            <p:cNvSpPr/>
+            <p:nvPr/>
+          </p:nvSpPr>
+          <p:spPr>
+            <a:xfrm>
+              <a:off x="4678595" y="587338"/>
+              <a:ext cx="4160940" cy="2432806"/>
+            </a:xfrm>
+            <a:prstGeom prst="rect">
+              <a:avLst/>
+            </a:prstGeom>
+            <a:solidFill>
+              <a:schemeClr val="bg1"/>
+            </a:solidFill>
+            <a:ln>
+              <a:solidFill>
+                <a:schemeClr val="tx1"/>
+              </a:solidFill>
+            </a:ln>
+          </p:spPr>
+          <p:style>
+            <a:lnRef idx="2">
+              <a:schemeClr val="accent1">
+                <a:shade val="50000"/>
+              </a:schemeClr>
+            </a:lnRef>
+            <a:fillRef idx="1">
+              <a:schemeClr val="accent1"/>
+            </a:fillRef>
+            <a:effectRef idx="0">
+              <a:schemeClr val="accent1"/>
+            </a:effectRef>
+            <a:fontRef idx="minor">
+              <a:schemeClr val="lt1"/>
+            </a:fontRef>
+          </p:style>
+          <p:txBody>
+            <a:bodyPr rtlCol="0" anchor="ctr"/>
+            <a:lstStyle/>
+            <a:p>
+              <a:pPr algn="ctr"/>
+              <a:r>
+                <a:rPr kumimoji="1" lang="en-US" altLang="ja-JP" dirty="0"/>
+                <a:t>s</a:t>
+              </a:r>
+              <a:endParaRPr kumimoji="1" lang="ja-JP" altLang="en-US" dirty="0"/>
+            </a:p>
+          </p:txBody>
+        </p:sp>
+        <p:sp>
+          <p:nvSpPr>
+            <p:cNvPr id="12" name="正方形/長方形 11">
+              <a:extLst>
+                <a:ext uri="{FF2B5EF4-FFF2-40B4-BE49-F238E27FC236}">
+                  <a16:creationId xmlns:a16="http://schemas.microsoft.com/office/drawing/2014/main" id="{C97C3D29-98A0-485D-941B-87C9FCB0108F}"/>
+                </a:ext>
+              </a:extLst>
+            </p:cNvPr>
+            <p:cNvSpPr/>
+            <p:nvPr/>
+          </p:nvSpPr>
+          <p:spPr>
+            <a:xfrm>
+              <a:off x="5051073" y="772005"/>
+              <a:ext cx="3415984" cy="1870419"/>
+            </a:xfrm>
+            <a:prstGeom prst="rect">
+              <a:avLst/>
+            </a:prstGeom>
+            <a:solidFill>
+              <a:schemeClr val="accent2">
+                <a:lumMod val="20000"/>
+                <a:lumOff val="80000"/>
+              </a:schemeClr>
+            </a:solidFill>
+            <a:ln>
+              <a:noFill/>
+            </a:ln>
+          </p:spPr>
+          <p:style>
+            <a:lnRef idx="2">
+              <a:schemeClr val="accent1">
+                <a:shade val="50000"/>
+              </a:schemeClr>
+            </a:lnRef>
+            <a:fillRef idx="1">
+              <a:schemeClr val="accent1"/>
+            </a:fillRef>
+            <a:effectRef idx="0">
+              <a:schemeClr val="accent1"/>
+            </a:effectRef>
+            <a:fontRef idx="minor">
+              <a:schemeClr val="lt1"/>
+            </a:fontRef>
+          </p:style>
+          <p:txBody>
+            <a:bodyPr rtlCol="0" anchor="ctr"/>
+            <a:lstStyle/>
+            <a:p>
+              <a:pPr algn="ctr"/>
+              <a:endParaRPr kumimoji="1" lang="ja-JP" altLang="en-US"/>
+            </a:p>
+          </p:txBody>
+        </p:sp>
+      </p:grpSp>
+      <p:cxnSp>
+        <p:nvCxnSpPr>
+          <p:cNvPr id="14" name="直線矢印コネクタ 13">
+            <a:extLst>
+              <a:ext uri="{FF2B5EF4-FFF2-40B4-BE49-F238E27FC236}">
+                <a16:creationId xmlns:a16="http://schemas.microsoft.com/office/drawing/2014/main" id="{4FE8FD00-D1C9-4213-AD15-8106EB6DF732}"/>
+              </a:ext>
+            </a:extLst>
+          </p:cNvPr>
+          <p:cNvCxnSpPr>
+            <a:cxnSpLocks/>
+          </p:cNvCxnSpPr>
+          <p:nvPr/>
+        </p:nvCxnSpPr>
+        <p:spPr>
+          <a:xfrm>
+            <a:off x="7268646" y="2556626"/>
+            <a:ext cx="922113" cy="0"/>
+          </a:xfrm>
+          <a:prstGeom prst="straightConnector1">
+            <a:avLst/>
+          </a:prstGeom>
+          <a:ln>
+            <a:tailEnd type="triangle"/>
+          </a:ln>
+        </p:spPr>
+        <p:style>
+          <a:lnRef idx="1">
+            <a:schemeClr val="accent1"/>
+          </a:lnRef>
+          <a:fillRef idx="0">
+            <a:schemeClr val="accent1"/>
+          </a:fillRef>
+          <a:effectRef idx="0">
+            <a:schemeClr val="accent1"/>
+          </a:effectRef>
+          <a:fontRef idx="minor">
+            <a:schemeClr val="tx1"/>
+          </a:fontRef>
+        </p:style>
+      </p:cxnSp>
+      <p:grpSp>
+        <p:nvGrpSpPr>
+          <p:cNvPr id="31" name="グループ化 30">
+            <a:extLst>
+              <a:ext uri="{FF2B5EF4-FFF2-40B4-BE49-F238E27FC236}">
+                <a16:creationId xmlns:a16="http://schemas.microsoft.com/office/drawing/2014/main" id="{31C29762-C2E6-4263-A1D0-55454DBA1E30}"/>
+              </a:ext>
+            </a:extLst>
+          </p:cNvPr>
+          <p:cNvGrpSpPr/>
+          <p:nvPr/>
+        </p:nvGrpSpPr>
+        <p:grpSpPr>
+          <a:xfrm>
+            <a:off x="4791015" y="1471998"/>
+            <a:ext cx="1861456" cy="499738"/>
+            <a:chOff x="4791014" y="1455544"/>
+            <a:chExt cx="2997749" cy="911337"/>
+          </a:xfrm>
+        </p:grpSpPr>
+        <p:sp>
+          <p:nvSpPr>
+            <p:cNvPr id="13" name="フローチャート: 結合子 12">
+              <a:extLst>
+                <a:ext uri="{FF2B5EF4-FFF2-40B4-BE49-F238E27FC236}">
+                  <a16:creationId xmlns:a16="http://schemas.microsoft.com/office/drawing/2014/main" id="{CDA0B505-324C-4DF0-A64E-D245711EFEC7}"/>
+                </a:ext>
+              </a:extLst>
+            </p:cNvPr>
+            <p:cNvSpPr/>
+            <p:nvPr/>
+          </p:nvSpPr>
+          <p:spPr>
+            <a:xfrm>
+              <a:off x="7268646" y="1455544"/>
+              <a:ext cx="520117" cy="911337"/>
+            </a:xfrm>
+            <a:prstGeom prst="flowChartConnector">
+              <a:avLst/>
+            </a:prstGeom>
+          </p:spPr>
+          <p:style>
+            <a:lnRef idx="2">
+              <a:schemeClr val="accent1">
+                <a:shade val="50000"/>
+              </a:schemeClr>
+            </a:lnRef>
+            <a:fillRef idx="1">
+              <a:schemeClr val="accent1"/>
+            </a:fillRef>
+            <a:effectRef idx="0">
+              <a:schemeClr val="accent1"/>
+            </a:effectRef>
+            <a:fontRef idx="minor">
+              <a:schemeClr val="lt1"/>
+            </a:fontRef>
+          </p:style>
+          <p:txBody>
+            <a:bodyPr rtlCol="0" anchor="ctr"/>
+            <a:lstStyle/>
+            <a:p>
+              <a:pPr algn="ctr"/>
+              <a:r>
+                <a:rPr kumimoji="1" lang="ja-JP" altLang="en-US" dirty="0"/>
+                <a:t>Ｐ</a:t>
+              </a:r>
+              <a:r>
+                <a:rPr kumimoji="1" lang="en-US" altLang="ja-JP" dirty="0"/>
+                <a:t>3</a:t>
+              </a:r>
+              <a:endParaRPr kumimoji="1" lang="ja-JP" altLang="en-US" dirty="0"/>
+            </a:p>
+          </p:txBody>
+        </p:sp>
+        <p:sp>
+          <p:nvSpPr>
+            <p:cNvPr id="23" name="フローチャート: 結合子 22">
+              <a:extLst>
+                <a:ext uri="{FF2B5EF4-FFF2-40B4-BE49-F238E27FC236}">
+                  <a16:creationId xmlns:a16="http://schemas.microsoft.com/office/drawing/2014/main" id="{868D5466-5BA1-4C3A-B7A1-F2B3CDB93809}"/>
+                </a:ext>
+              </a:extLst>
+            </p:cNvPr>
+            <p:cNvSpPr/>
+            <p:nvPr/>
+          </p:nvSpPr>
+          <p:spPr>
+            <a:xfrm>
+              <a:off x="4791014" y="1455544"/>
+              <a:ext cx="520117" cy="911337"/>
+            </a:xfrm>
+            <a:prstGeom prst="flowChartConnector">
+              <a:avLst/>
+            </a:prstGeom>
+          </p:spPr>
+          <p:style>
+            <a:lnRef idx="2">
+              <a:schemeClr val="accent1">
+                <a:shade val="50000"/>
+              </a:schemeClr>
+            </a:lnRef>
+            <a:fillRef idx="1">
+              <a:schemeClr val="accent1"/>
+            </a:fillRef>
+            <a:effectRef idx="0">
+              <a:schemeClr val="accent1"/>
+            </a:effectRef>
+            <a:fontRef idx="minor">
+              <a:schemeClr val="lt1"/>
+            </a:fontRef>
+          </p:style>
+          <p:txBody>
+            <a:bodyPr rtlCol="0" anchor="ctr"/>
+            <a:lstStyle/>
+            <a:p>
+              <a:pPr algn="ctr"/>
+              <a:r>
+                <a:rPr kumimoji="1" lang="ja-JP" altLang="en-US" dirty="0"/>
+                <a:t>Ｐ</a:t>
+              </a:r>
+              <a:r>
+                <a:rPr kumimoji="1" lang="en-US" altLang="ja-JP" dirty="0"/>
+                <a:t>4</a:t>
+              </a:r>
+              <a:endParaRPr kumimoji="1" lang="ja-JP" altLang="en-US" dirty="0"/>
+            </a:p>
+          </p:txBody>
+        </p:sp>
+        <p:cxnSp>
+          <p:nvCxnSpPr>
+            <p:cNvPr id="28" name="直線コネクタ 27">
+              <a:extLst>
+                <a:ext uri="{FF2B5EF4-FFF2-40B4-BE49-F238E27FC236}">
+                  <a16:creationId xmlns:a16="http://schemas.microsoft.com/office/drawing/2014/main" id="{5924909C-CEB9-4D47-94D7-3D42A38128C1}"/>
+                </a:ext>
+              </a:extLst>
+            </p:cNvPr>
+            <p:cNvCxnSpPr/>
+            <p:nvPr/>
+          </p:nvCxnSpPr>
+          <p:spPr>
+            <a:xfrm>
+              <a:off x="5051072" y="1707214"/>
+              <a:ext cx="2445726" cy="0"/>
+            </a:xfrm>
+            <a:prstGeom prst="line">
+              <a:avLst/>
+            </a:prstGeom>
+          </p:spPr>
+          <p:style>
+            <a:lnRef idx="1">
+              <a:schemeClr val="accent1"/>
+            </a:lnRef>
+            <a:fillRef idx="0">
+              <a:schemeClr val="accent1"/>
+            </a:fillRef>
+            <a:effectRef idx="0">
+              <a:schemeClr val="accent1"/>
+            </a:effectRef>
+            <a:fontRef idx="minor">
+              <a:schemeClr val="tx1"/>
+            </a:fontRef>
+          </p:style>
+        </p:cxnSp>
+      </p:grpSp>
+      <p:sp>
+        <p:nvSpPr>
+          <p:cNvPr id="32" name="テキスト ボックス 31">
+            <a:extLst>
+              <a:ext uri="{FF2B5EF4-FFF2-40B4-BE49-F238E27FC236}">
+                <a16:creationId xmlns:a16="http://schemas.microsoft.com/office/drawing/2014/main" id="{3E75ACB5-1EB3-4869-A5D8-1824EE504779}"/>
+              </a:ext>
+            </a:extLst>
+          </p:cNvPr>
+          <p:cNvSpPr txBox="1"/>
+          <p:nvPr/>
+        </p:nvSpPr>
+        <p:spPr>
+          <a:xfrm>
+            <a:off x="2442787" y="2979996"/>
+            <a:ext cx="7059240" cy="369332"/>
+          </a:xfrm>
+          <a:prstGeom prst="rect">
+            <a:avLst/>
+          </a:prstGeom>
+          <a:noFill/>
+        </p:spPr>
+        <p:txBody>
+          <a:bodyPr wrap="none" rtlCol="0">
+            <a:spAutoFit/>
+          </a:bodyPr>
+          <a:lstStyle/>
+          <a:p>
+            <a:r>
+              <a:rPr kumimoji="1" lang="en-US" altLang="ja-JP" dirty="0" err="1">
+                <a:solidFill>
+                  <a:srgbClr val="FF0000"/>
+                </a:solidFill>
+              </a:rPr>
+              <a:t>Center_X</a:t>
+            </a:r>
+            <a:r>
+              <a:rPr kumimoji="1" lang="en-US" altLang="ja-JP" dirty="0">
+                <a:solidFill>
+                  <a:srgbClr val="FF0000"/>
+                </a:solidFill>
+              </a:rPr>
+              <a:t>	</a:t>
+            </a:r>
+            <a:r>
+              <a:rPr kumimoji="1" lang="en-US" altLang="ja-JP" dirty="0">
+                <a:solidFill>
+                  <a:schemeClr val="tx1">
+                    <a:lumMod val="95000"/>
+                    <a:lumOff val="5000"/>
+                  </a:schemeClr>
+                </a:solidFill>
+              </a:rPr>
+              <a:t>:2</a:t>
+            </a:r>
+            <a:r>
+              <a:rPr kumimoji="1" lang="ja-JP" altLang="en-US" dirty="0">
+                <a:solidFill>
+                  <a:schemeClr val="tx1">
+                    <a:lumMod val="95000"/>
+                    <a:lumOff val="5000"/>
+                  </a:schemeClr>
+                </a:solidFill>
+              </a:rPr>
+              <a:t>つの</a:t>
+            </a:r>
+            <a:r>
+              <a:rPr kumimoji="1" lang="en-US" altLang="ja-JP" dirty="0">
+                <a:solidFill>
+                  <a:schemeClr val="tx1">
+                    <a:lumMod val="95000"/>
+                    <a:lumOff val="5000"/>
+                  </a:schemeClr>
+                </a:solidFill>
+              </a:rPr>
+              <a:t>player</a:t>
+            </a:r>
+            <a:r>
+              <a:rPr kumimoji="1" lang="ja-JP" altLang="en-US" dirty="0">
+                <a:solidFill>
+                  <a:schemeClr val="tx1">
+                    <a:lumMod val="95000"/>
+                    <a:lumOff val="5000"/>
+                  </a:schemeClr>
+                </a:solidFill>
+              </a:rPr>
+              <a:t>の中心にｽｸﾘｰﾝが位置するように移動させる</a:t>
+            </a:r>
+          </a:p>
+        </p:txBody>
+      </p:sp>
+      <p:sp>
+        <p:nvSpPr>
+          <p:cNvPr id="33" name="楕円 32">
+            <a:extLst>
+              <a:ext uri="{FF2B5EF4-FFF2-40B4-BE49-F238E27FC236}">
+                <a16:creationId xmlns:a16="http://schemas.microsoft.com/office/drawing/2014/main" id="{CDBF7947-C3FA-4F5C-8756-797AFA7BE7CC}"/>
+              </a:ext>
+            </a:extLst>
+          </p:cNvPr>
+          <p:cNvSpPr/>
+          <p:nvPr/>
+        </p:nvSpPr>
+        <p:spPr>
+          <a:xfrm>
+            <a:off x="5592907" y="1480062"/>
+            <a:ext cx="237857" cy="276010"/>
+          </a:xfrm>
+          <a:prstGeom prst="ellipse">
+            <a:avLst/>
+          </a:prstGeom>
+          <a:solidFill>
+            <a:srgbClr val="FF0000"/>
+          </a:solidFill>
+          <a:ln>
+            <a:noFill/>
+          </a:ln>
+        </p:spPr>
+        <p:style>
+          <a:lnRef idx="2">
+            <a:schemeClr val="accent1">
+              <a:shade val="50000"/>
+            </a:schemeClr>
+          </a:lnRef>
+          <a:fillRef idx="1">
+            <a:schemeClr val="accent1"/>
+          </a:fillRef>
+          <a:effectRef idx="0">
+            <a:schemeClr val="accent1"/>
+          </a:effectRef>
+          <a:fontRef idx="minor">
+            <a:schemeClr val="lt1"/>
+          </a:fontRef>
+        </p:style>
+        <p:txBody>
+          <a:bodyPr rtlCol="0" anchor="ctr"/>
+          <a:lstStyle/>
+          <a:p>
+            <a:pPr algn="ctr"/>
+            <a:r>
+              <a:rPr kumimoji="1" lang="en-US" altLang="ja-JP" dirty="0"/>
+              <a:t>C</a:t>
+            </a:r>
+            <a:endParaRPr kumimoji="1" lang="ja-JP" altLang="en-US" dirty="0"/>
+          </a:p>
+        </p:txBody>
+      </p:sp>
+      <p:sp>
+        <p:nvSpPr>
+          <p:cNvPr id="34" name="テキスト ボックス 33">
+            <a:extLst>
+              <a:ext uri="{FF2B5EF4-FFF2-40B4-BE49-F238E27FC236}">
+                <a16:creationId xmlns:a16="http://schemas.microsoft.com/office/drawing/2014/main" id="{EC29EED1-9498-42AC-926B-9ADCFCD3A37E}"/>
+              </a:ext>
+            </a:extLst>
+          </p:cNvPr>
+          <p:cNvSpPr txBox="1"/>
+          <p:nvPr/>
+        </p:nvSpPr>
+        <p:spPr>
+          <a:xfrm>
+            <a:off x="2442787" y="3416005"/>
+            <a:ext cx="7059240" cy="369332"/>
+          </a:xfrm>
+          <a:prstGeom prst="rect">
+            <a:avLst/>
+          </a:prstGeom>
+          <a:noFill/>
+        </p:spPr>
+        <p:txBody>
+          <a:bodyPr wrap="none" rtlCol="0">
+            <a:spAutoFit/>
+          </a:bodyPr>
+          <a:lstStyle/>
+          <a:p>
+            <a:r>
+              <a:rPr kumimoji="1" lang="en-US" altLang="ja-JP" dirty="0" err="1">
+                <a:solidFill>
+                  <a:schemeClr val="accent1"/>
+                </a:solidFill>
+              </a:rPr>
+              <a:t>Center_Y</a:t>
+            </a:r>
+            <a:r>
+              <a:rPr kumimoji="1" lang="en-US" altLang="ja-JP" dirty="0">
+                <a:solidFill>
+                  <a:srgbClr val="FF0000"/>
+                </a:solidFill>
+              </a:rPr>
+              <a:t>	</a:t>
+            </a:r>
+            <a:r>
+              <a:rPr kumimoji="1" lang="en-US" altLang="ja-JP" dirty="0">
+                <a:solidFill>
+                  <a:schemeClr val="tx1">
+                    <a:lumMod val="95000"/>
+                    <a:lumOff val="5000"/>
+                  </a:schemeClr>
+                </a:solidFill>
+              </a:rPr>
+              <a:t>:2</a:t>
+            </a:r>
+            <a:r>
+              <a:rPr kumimoji="1" lang="ja-JP" altLang="en-US" dirty="0">
+                <a:solidFill>
+                  <a:schemeClr val="tx1">
+                    <a:lumMod val="95000"/>
+                    <a:lumOff val="5000"/>
+                  </a:schemeClr>
+                </a:solidFill>
+              </a:rPr>
+              <a:t>つの</a:t>
+            </a:r>
+            <a:r>
+              <a:rPr kumimoji="1" lang="en-US" altLang="ja-JP" dirty="0">
+                <a:solidFill>
+                  <a:schemeClr val="tx1">
+                    <a:lumMod val="95000"/>
+                    <a:lumOff val="5000"/>
+                  </a:schemeClr>
+                </a:solidFill>
+              </a:rPr>
+              <a:t>player</a:t>
+            </a:r>
+            <a:r>
+              <a:rPr kumimoji="1" lang="ja-JP" altLang="en-US" dirty="0">
+                <a:solidFill>
+                  <a:schemeClr val="tx1">
+                    <a:lumMod val="95000"/>
+                    <a:lumOff val="5000"/>
+                  </a:schemeClr>
+                </a:solidFill>
+              </a:rPr>
+              <a:t>の中心にｽｸﾘｰﾝが位置するように移動させる</a:t>
+            </a:r>
+          </a:p>
+        </p:txBody>
+      </p:sp>
+      <p:sp>
+        <p:nvSpPr>
+          <p:cNvPr id="36" name="楕円 35">
+            <a:extLst>
+              <a:ext uri="{FF2B5EF4-FFF2-40B4-BE49-F238E27FC236}">
+                <a16:creationId xmlns:a16="http://schemas.microsoft.com/office/drawing/2014/main" id="{7AE26BE4-C4C4-47BA-AC8F-F6F652D081F4}"/>
+              </a:ext>
+            </a:extLst>
+          </p:cNvPr>
+          <p:cNvSpPr/>
+          <p:nvPr/>
+        </p:nvSpPr>
+        <p:spPr>
+          <a:xfrm>
+            <a:off x="4420998" y="939412"/>
+            <a:ext cx="366016" cy="446354"/>
+          </a:xfrm>
+          <a:prstGeom prst="ellipse">
+            <a:avLst/>
+          </a:prstGeom>
+        </p:spPr>
+        <p:style>
+          <a:lnRef idx="2">
+            <a:schemeClr val="accent1">
+              <a:shade val="50000"/>
+            </a:schemeClr>
+          </a:lnRef>
+          <a:fillRef idx="1">
+            <a:schemeClr val="accent1"/>
+          </a:fillRef>
+          <a:effectRef idx="0">
+            <a:schemeClr val="accent1"/>
+          </a:effectRef>
+          <a:fontRef idx="minor">
+            <a:schemeClr val="lt1"/>
+          </a:fontRef>
+        </p:style>
+        <p:txBody>
+          <a:bodyPr rtlCol="0" anchor="ctr"/>
+          <a:lstStyle/>
+          <a:p>
+            <a:pPr algn="ctr"/>
+            <a:r>
+              <a:rPr kumimoji="1" lang="en-US" altLang="ja-JP" dirty="0"/>
+              <a:t>p2</a:t>
+            </a:r>
+            <a:endParaRPr kumimoji="1" lang="ja-JP" altLang="en-US" dirty="0"/>
+          </a:p>
+        </p:txBody>
+      </p:sp>
+      <p:sp>
+        <p:nvSpPr>
+          <p:cNvPr id="37" name="楕円 36">
+            <a:extLst>
+              <a:ext uri="{FF2B5EF4-FFF2-40B4-BE49-F238E27FC236}">
+                <a16:creationId xmlns:a16="http://schemas.microsoft.com/office/drawing/2014/main" id="{4822BBC3-82B1-4F1B-BF90-D5F0D1184D8C}"/>
+              </a:ext>
+            </a:extLst>
+          </p:cNvPr>
+          <p:cNvSpPr/>
+          <p:nvPr/>
+        </p:nvSpPr>
+        <p:spPr>
+          <a:xfrm>
+            <a:off x="6977326" y="1929468"/>
+            <a:ext cx="291320" cy="499739"/>
+          </a:xfrm>
+          <a:prstGeom prst="ellipse">
+            <a:avLst/>
+          </a:prstGeom>
+        </p:spPr>
+        <p:style>
+          <a:lnRef idx="2">
+            <a:schemeClr val="accent1">
+              <a:shade val="50000"/>
+            </a:schemeClr>
+          </a:lnRef>
+          <a:fillRef idx="1">
+            <a:schemeClr val="accent1"/>
+          </a:fillRef>
+          <a:effectRef idx="0">
+            <a:schemeClr val="accent1"/>
+          </a:effectRef>
+          <a:fontRef idx="minor">
+            <a:schemeClr val="lt1"/>
+          </a:fontRef>
+        </p:style>
+        <p:txBody>
+          <a:bodyPr rtlCol="0" anchor="ctr"/>
+          <a:lstStyle/>
+          <a:p>
+            <a:pPr algn="ctr"/>
+            <a:r>
+              <a:rPr kumimoji="1" lang="en-US" altLang="ja-JP" dirty="0"/>
+              <a:t>p1</a:t>
+            </a:r>
+            <a:endParaRPr kumimoji="1" lang="ja-JP" altLang="en-US" dirty="0"/>
+          </a:p>
+        </p:txBody>
+      </p:sp>
+      <p:sp>
+        <p:nvSpPr>
+          <p:cNvPr id="40" name="テキスト ボックス 39">
+            <a:extLst>
+              <a:ext uri="{FF2B5EF4-FFF2-40B4-BE49-F238E27FC236}">
+                <a16:creationId xmlns:a16="http://schemas.microsoft.com/office/drawing/2014/main" id="{65105C05-D2CA-4FBC-A614-C366B7797C36}"/>
+              </a:ext>
+            </a:extLst>
+          </p:cNvPr>
+          <p:cNvSpPr txBox="1"/>
+          <p:nvPr/>
+        </p:nvSpPr>
+        <p:spPr>
+          <a:xfrm>
+            <a:off x="3076800" y="5256278"/>
+            <a:ext cx="577402" cy="369332"/>
+          </a:xfrm>
+          <a:prstGeom prst="rect">
+            <a:avLst/>
+          </a:prstGeom>
+          <a:noFill/>
+        </p:spPr>
+        <p:txBody>
+          <a:bodyPr wrap="none" rtlCol="0">
+            <a:spAutoFit/>
+          </a:bodyPr>
+          <a:lstStyle/>
+          <a:p>
+            <a:r>
+              <a:rPr kumimoji="1" lang="en-US" altLang="ja-JP" dirty="0"/>
+              <a:t>P2.x</a:t>
+            </a:r>
+            <a:endParaRPr kumimoji="1" lang="ja-JP" altLang="en-US" dirty="0"/>
+          </a:p>
+        </p:txBody>
+      </p:sp>
+      <p:sp>
+        <p:nvSpPr>
+          <p:cNvPr id="41" name="テキスト ボックス 40">
+            <a:extLst>
+              <a:ext uri="{FF2B5EF4-FFF2-40B4-BE49-F238E27FC236}">
+                <a16:creationId xmlns:a16="http://schemas.microsoft.com/office/drawing/2014/main" id="{2FBB2F0F-1BDF-4CC4-94A1-B1B02DE0DCA4}"/>
+              </a:ext>
+            </a:extLst>
+          </p:cNvPr>
+          <p:cNvSpPr txBox="1"/>
+          <p:nvPr/>
+        </p:nvSpPr>
+        <p:spPr>
+          <a:xfrm>
+            <a:off x="4132360" y="5256278"/>
+            <a:ext cx="577402" cy="369332"/>
+          </a:xfrm>
+          <a:prstGeom prst="rect">
+            <a:avLst/>
+          </a:prstGeom>
+          <a:noFill/>
+        </p:spPr>
+        <p:txBody>
+          <a:bodyPr wrap="none" rtlCol="0">
+            <a:spAutoFit/>
+          </a:bodyPr>
+          <a:lstStyle/>
+          <a:p>
+            <a:r>
+              <a:rPr kumimoji="1" lang="en-US" altLang="ja-JP" dirty="0"/>
+              <a:t>P4.x</a:t>
+            </a:r>
+            <a:endParaRPr kumimoji="1" lang="ja-JP" altLang="en-US" dirty="0"/>
+          </a:p>
+        </p:txBody>
+      </p:sp>
+      <p:sp>
+        <p:nvSpPr>
+          <p:cNvPr id="42" name="テキスト ボックス 41">
+            <a:extLst>
+              <a:ext uri="{FF2B5EF4-FFF2-40B4-BE49-F238E27FC236}">
+                <a16:creationId xmlns:a16="http://schemas.microsoft.com/office/drawing/2014/main" id="{E31344B8-FD5B-4B0D-88A9-53DF1E039C17}"/>
+              </a:ext>
+            </a:extLst>
+          </p:cNvPr>
+          <p:cNvSpPr txBox="1"/>
+          <p:nvPr/>
+        </p:nvSpPr>
+        <p:spPr>
+          <a:xfrm>
+            <a:off x="4997981" y="5247997"/>
+            <a:ext cx="577402" cy="369332"/>
+          </a:xfrm>
+          <a:prstGeom prst="rect">
+            <a:avLst/>
+          </a:prstGeom>
+          <a:noFill/>
+        </p:spPr>
+        <p:txBody>
+          <a:bodyPr wrap="none" rtlCol="0">
+            <a:spAutoFit/>
+          </a:bodyPr>
+          <a:lstStyle/>
+          <a:p>
+            <a:r>
+              <a:rPr kumimoji="1" lang="en-US" altLang="ja-JP" dirty="0"/>
+              <a:t>P3.x</a:t>
+            </a:r>
+            <a:endParaRPr kumimoji="1" lang="ja-JP" altLang="en-US" dirty="0"/>
+          </a:p>
+        </p:txBody>
+      </p:sp>
+      <p:sp>
+        <p:nvSpPr>
+          <p:cNvPr id="43" name="テキスト ボックス 42">
+            <a:extLst>
+              <a:ext uri="{FF2B5EF4-FFF2-40B4-BE49-F238E27FC236}">
+                <a16:creationId xmlns:a16="http://schemas.microsoft.com/office/drawing/2014/main" id="{113BAE43-A160-47BE-9AFD-C966A3F26C46}"/>
+              </a:ext>
+            </a:extLst>
+          </p:cNvPr>
+          <p:cNvSpPr txBox="1"/>
+          <p:nvPr/>
+        </p:nvSpPr>
+        <p:spPr>
+          <a:xfrm>
+            <a:off x="5882623" y="5256278"/>
+            <a:ext cx="577402" cy="369332"/>
+          </a:xfrm>
+          <a:prstGeom prst="rect">
+            <a:avLst/>
+          </a:prstGeom>
+          <a:noFill/>
+        </p:spPr>
+        <p:txBody>
+          <a:bodyPr wrap="none" rtlCol="0">
+            <a:spAutoFit/>
+          </a:bodyPr>
+          <a:lstStyle/>
+          <a:p>
+            <a:r>
+              <a:rPr kumimoji="1" lang="en-US" altLang="ja-JP" dirty="0"/>
+              <a:t>P1.x</a:t>
+            </a:r>
+            <a:endParaRPr kumimoji="1" lang="ja-JP" altLang="en-US" dirty="0"/>
+          </a:p>
+        </p:txBody>
+      </p:sp>
+      <p:sp>
+        <p:nvSpPr>
+          <p:cNvPr id="44" name="矢印: 右 43">
+            <a:extLst>
+              <a:ext uri="{FF2B5EF4-FFF2-40B4-BE49-F238E27FC236}">
+                <a16:creationId xmlns:a16="http://schemas.microsoft.com/office/drawing/2014/main" id="{F7E13E5A-662A-4242-A152-2897BE4784D1}"/>
+              </a:ext>
+            </a:extLst>
+          </p:cNvPr>
+          <p:cNvSpPr/>
+          <p:nvPr/>
+        </p:nvSpPr>
+        <p:spPr>
+          <a:xfrm>
+            <a:off x="3076800" y="5759618"/>
+            <a:ext cx="3575671" cy="192947"/>
+          </a:xfrm>
+          <a:prstGeom prst="rightArrow">
+            <a:avLst/>
+          </a:prstGeom>
+        </p:spPr>
+        <p:style>
+          <a:lnRef idx="2">
+            <a:schemeClr val="accent1">
+              <a:shade val="50000"/>
+            </a:schemeClr>
+          </a:lnRef>
+          <a:fillRef idx="1">
+            <a:schemeClr val="accent1"/>
+          </a:fillRef>
+          <a:effectRef idx="0">
+            <a:schemeClr val="accent1"/>
+          </a:effectRef>
+          <a:fontRef idx="minor">
+            <a:schemeClr val="lt1"/>
+          </a:fontRef>
+        </p:style>
+        <p:txBody>
+          <a:bodyPr rtlCol="0" anchor="ctr"/>
+          <a:lstStyle/>
+          <a:p>
+            <a:pPr algn="ctr"/>
+            <a:endParaRPr kumimoji="1" lang="ja-JP" altLang="en-US"/>
+          </a:p>
+        </p:txBody>
+      </p:sp>
+      <p:sp>
+        <p:nvSpPr>
+          <p:cNvPr id="45" name="テキスト ボックス 44">
+            <a:extLst>
+              <a:ext uri="{FF2B5EF4-FFF2-40B4-BE49-F238E27FC236}">
+                <a16:creationId xmlns:a16="http://schemas.microsoft.com/office/drawing/2014/main" id="{C9C1D05E-4FE6-450F-B6E6-5D2B36D0D3F8}"/>
+              </a:ext>
+            </a:extLst>
+          </p:cNvPr>
+          <p:cNvSpPr txBox="1"/>
+          <p:nvPr/>
+        </p:nvSpPr>
+        <p:spPr>
+          <a:xfrm>
+            <a:off x="3979164" y="4176194"/>
+            <a:ext cx="577402" cy="369332"/>
+          </a:xfrm>
+          <a:prstGeom prst="rect">
+            <a:avLst/>
+          </a:prstGeom>
+          <a:noFill/>
+        </p:spPr>
+        <p:txBody>
+          <a:bodyPr wrap="none" rtlCol="0">
+            <a:spAutoFit/>
+          </a:bodyPr>
+          <a:lstStyle/>
+          <a:p>
+            <a:r>
+              <a:rPr kumimoji="1" lang="en-US" altLang="ja-JP" dirty="0"/>
+              <a:t>P2.x</a:t>
+            </a:r>
+            <a:endParaRPr kumimoji="1" lang="ja-JP" altLang="en-US" dirty="0"/>
+          </a:p>
+        </p:txBody>
+      </p:sp>
+      <p:sp>
+        <p:nvSpPr>
+          <p:cNvPr id="46" name="テキスト ボックス 45">
+            <a:extLst>
+              <a:ext uri="{FF2B5EF4-FFF2-40B4-BE49-F238E27FC236}">
+                <a16:creationId xmlns:a16="http://schemas.microsoft.com/office/drawing/2014/main" id="{7BAE6DD6-E9BD-4A8E-A8D7-0B251BD13963}"/>
+              </a:ext>
+            </a:extLst>
+          </p:cNvPr>
+          <p:cNvSpPr txBox="1"/>
+          <p:nvPr/>
+        </p:nvSpPr>
+        <p:spPr>
+          <a:xfrm>
+            <a:off x="5594864" y="4212903"/>
+            <a:ext cx="577402" cy="369332"/>
+          </a:xfrm>
+          <a:prstGeom prst="rect">
+            <a:avLst/>
+          </a:prstGeom>
+          <a:noFill/>
+        </p:spPr>
+        <p:txBody>
+          <a:bodyPr wrap="none" rtlCol="0">
+            <a:spAutoFit/>
+          </a:bodyPr>
+          <a:lstStyle/>
+          <a:p>
+            <a:r>
+              <a:rPr kumimoji="1" lang="en-US" altLang="ja-JP" dirty="0"/>
+              <a:t>P4.x</a:t>
+            </a:r>
+            <a:endParaRPr kumimoji="1" lang="ja-JP" altLang="en-US" dirty="0"/>
+          </a:p>
+        </p:txBody>
+      </p:sp>
+      <p:sp>
+        <p:nvSpPr>
+          <p:cNvPr id="47" name="テキスト ボックス 46">
+            <a:extLst>
+              <a:ext uri="{FF2B5EF4-FFF2-40B4-BE49-F238E27FC236}">
+                <a16:creationId xmlns:a16="http://schemas.microsoft.com/office/drawing/2014/main" id="{64B5BCCD-1A26-49F3-A05C-84E849A24C5E}"/>
+              </a:ext>
+            </a:extLst>
+          </p:cNvPr>
+          <p:cNvSpPr txBox="1"/>
+          <p:nvPr/>
+        </p:nvSpPr>
+        <p:spPr>
+          <a:xfrm>
+            <a:off x="4787014" y="4176194"/>
+            <a:ext cx="577402" cy="369332"/>
+          </a:xfrm>
+          <a:prstGeom prst="rect">
+            <a:avLst/>
+          </a:prstGeom>
+          <a:noFill/>
+        </p:spPr>
+        <p:txBody>
+          <a:bodyPr wrap="none" rtlCol="0">
+            <a:spAutoFit/>
+          </a:bodyPr>
+          <a:lstStyle/>
+          <a:p>
+            <a:r>
+              <a:rPr kumimoji="1" lang="en-US" altLang="ja-JP" dirty="0"/>
+              <a:t>P3.x</a:t>
+            </a:r>
+            <a:endParaRPr kumimoji="1" lang="ja-JP" altLang="en-US" dirty="0"/>
+          </a:p>
+        </p:txBody>
+      </p:sp>
+      <p:sp>
+        <p:nvSpPr>
+          <p:cNvPr id="48" name="テキスト ボックス 47">
+            <a:extLst>
+              <a:ext uri="{FF2B5EF4-FFF2-40B4-BE49-F238E27FC236}">
+                <a16:creationId xmlns:a16="http://schemas.microsoft.com/office/drawing/2014/main" id="{EAAEB005-FC5F-4D77-AA99-3B78F4D5FAD1}"/>
+              </a:ext>
+            </a:extLst>
+          </p:cNvPr>
+          <p:cNvSpPr txBox="1"/>
+          <p:nvPr/>
+        </p:nvSpPr>
+        <p:spPr>
+          <a:xfrm>
+            <a:off x="3171314" y="4182681"/>
+            <a:ext cx="577402" cy="369332"/>
+          </a:xfrm>
+          <a:prstGeom prst="rect">
+            <a:avLst/>
+          </a:prstGeom>
+          <a:noFill/>
+        </p:spPr>
+        <p:txBody>
+          <a:bodyPr wrap="none" rtlCol="0">
+            <a:spAutoFit/>
+          </a:bodyPr>
+          <a:lstStyle/>
+          <a:p>
+            <a:r>
+              <a:rPr kumimoji="1" lang="en-US" altLang="ja-JP" dirty="0"/>
+              <a:t>P1.x</a:t>
+            </a:r>
+            <a:endParaRPr kumimoji="1" lang="ja-JP" altLang="en-US" dirty="0"/>
+          </a:p>
+        </p:txBody>
+      </p:sp>
+      <p:sp>
+        <p:nvSpPr>
+          <p:cNvPr id="50" name="矢印: 右 49">
+            <a:extLst>
+              <a:ext uri="{FF2B5EF4-FFF2-40B4-BE49-F238E27FC236}">
+                <a16:creationId xmlns:a16="http://schemas.microsoft.com/office/drawing/2014/main" id="{BA2A77FA-C523-4EDC-8A62-B0DE15667BBA}"/>
+              </a:ext>
+            </a:extLst>
+          </p:cNvPr>
+          <p:cNvSpPr/>
+          <p:nvPr/>
+        </p:nvSpPr>
+        <p:spPr>
+          <a:xfrm rot="5400000">
+            <a:off x="4497078" y="4680104"/>
+            <a:ext cx="467138" cy="417194"/>
+          </a:xfrm>
+          <a:prstGeom prst="rightArrow">
+            <a:avLst/>
+          </a:prstGeom>
+        </p:spPr>
+        <p:style>
+          <a:lnRef idx="2">
+            <a:schemeClr val="accent1">
+              <a:shade val="50000"/>
+            </a:schemeClr>
+          </a:lnRef>
+          <a:fillRef idx="1">
+            <a:schemeClr val="accent1"/>
+          </a:fillRef>
+          <a:effectRef idx="0">
+            <a:schemeClr val="accent1"/>
+          </a:effectRef>
+          <a:fontRef idx="minor">
+            <a:schemeClr val="lt1"/>
+          </a:fontRef>
+        </p:style>
+        <p:txBody>
+          <a:bodyPr rtlCol="0" anchor="ctr"/>
+          <a:lstStyle/>
+          <a:p>
+            <a:pPr algn="ctr"/>
+            <a:endParaRPr kumimoji="1" lang="ja-JP" altLang="en-US"/>
+          </a:p>
+        </p:txBody>
+      </p:sp>
+      <p:sp>
+        <p:nvSpPr>
+          <p:cNvPr id="52" name="テキスト ボックス 51">
+            <a:extLst>
+              <a:ext uri="{FF2B5EF4-FFF2-40B4-BE49-F238E27FC236}">
+                <a16:creationId xmlns:a16="http://schemas.microsoft.com/office/drawing/2014/main" id="{9EBEE42F-1FD2-4C20-948B-8B629A6DF14D}"/>
+              </a:ext>
+            </a:extLst>
+          </p:cNvPr>
+          <p:cNvSpPr txBox="1"/>
+          <p:nvPr/>
+        </p:nvSpPr>
+        <p:spPr>
+          <a:xfrm>
+            <a:off x="5364416" y="4649926"/>
+            <a:ext cx="5400837" cy="646331"/>
+          </a:xfrm>
+          <a:prstGeom prst="rect">
+            <a:avLst/>
+          </a:prstGeom>
+          <a:solidFill>
+            <a:srgbClr val="FFFF00"/>
+          </a:solidFill>
+          <a:ln>
+            <a:noFill/>
+          </a:ln>
+        </p:spPr>
+        <p:txBody>
+          <a:bodyPr wrap="none" rtlCol="0">
+            <a:spAutoFit/>
+          </a:bodyPr>
+          <a:lstStyle/>
+          <a:p>
+            <a:r>
+              <a:rPr kumimoji="1" lang="en-US" altLang="ja-JP" dirty="0"/>
+              <a:t>sort</a:t>
+            </a:r>
+            <a:r>
+              <a:rPr kumimoji="1" lang="ja-JP" altLang="en-US" dirty="0"/>
+              <a:t>してから一番右にいるキャラクターと左にいる</a:t>
+            </a:r>
+            <a:endParaRPr kumimoji="1" lang="en-US" altLang="ja-JP" dirty="0"/>
+          </a:p>
+          <a:p>
+            <a:r>
+              <a:rPr kumimoji="1" lang="ja-JP" altLang="en-US" dirty="0"/>
+              <a:t>キャラクターを見つける</a:t>
+            </a:r>
+          </a:p>
+        </p:txBody>
+      </p:sp>
+    </p:spTree>
+    <p:extLst>
+      <p:ext uri="{BB962C8B-B14F-4D97-AF65-F5344CB8AC3E}">
+        <p14:creationId xmlns:p14="http://schemas.microsoft.com/office/powerpoint/2010/main" val="3341165584"/>
+      </p:ext>
+    </p:extLst>
+  </p:cSld>
+  <p:clrMapOvr>
+    <a:masterClrMapping/>
+  </p:clrMapOvr>
+</p:sld>
+</file>
+
+<file path=ppt/slides/slide33.xml><?xml version="1.0" encoding="utf-8"?>
+<p:sld xmlns:a="http://schemas.openxmlformats.org/drawingml/2006/main" xmlns:r="http://schemas.openxmlformats.org/officeDocument/2006/relationships" xmlns:p="http://schemas.openxmlformats.org/presentationml/2006/main">
+  <p:cSld>
+    <p:spTree>
+      <p:nvGrpSpPr>
+        <p:cNvPr id="1" name=""/>
+        <p:cNvGrpSpPr/>
+        <p:nvPr/>
+      </p:nvGrpSpPr>
+      <p:grpSpPr>
+        <a:xfrm>
+          <a:off x="0" y="0"/>
+          <a:ext cx="0" cy="0"/>
+          <a:chOff x="0" y="0"/>
+          <a:chExt cx="0" cy="0"/>
+        </a:xfrm>
+      </p:grpSpPr>
+      <p:grpSp>
+        <p:nvGrpSpPr>
           <p:cNvPr id="31" name="グループ化 30">
             <a:extLst>
               <a:ext uri="{FF2B5EF4-FFF2-40B4-BE49-F238E27FC236}">
@@ -28859,7 +30397,7 @@
 </p:sld>
 </file>
 
-<file path=ppt/slides/slide32.xml><?xml version="1.0" encoding="utf-8"?>
+<file path=ppt/slides/slide34.xml><?xml version="1.0" encoding="utf-8"?>
 <p:sld xmlns:a="http://schemas.openxmlformats.org/drawingml/2006/main" xmlns:r="http://schemas.openxmlformats.org/officeDocument/2006/relationships" xmlns:p="http://schemas.openxmlformats.org/presentationml/2006/main">
   <p:cSld>
     <p:spTree>
@@ -28878,706 +30416,6 @@
       </p:grpSpPr>
       <p:sp>
         <p:nvSpPr>
-          <p:cNvPr id="12" name="正方形/長方形 11">
-            <a:extLst>
-              <a:ext uri="{FF2B5EF4-FFF2-40B4-BE49-F238E27FC236}">
-                <a16:creationId xmlns:a16="http://schemas.microsoft.com/office/drawing/2014/main" id="{3B2612F5-F1AA-43D7-B1AC-FBA6F6F40C5D}"/>
-              </a:ext>
-            </a:extLst>
-          </p:cNvPr>
-          <p:cNvSpPr/>
-          <p:nvPr/>
-        </p:nvSpPr>
-        <p:spPr>
-          <a:xfrm>
-            <a:off x="1821278" y="822230"/>
-            <a:ext cx="6971252" cy="3691155"/>
-          </a:xfrm>
-          <a:prstGeom prst="rect">
-            <a:avLst/>
-          </a:prstGeom>
-          <a:solidFill>
-            <a:schemeClr val="accent6">
-              <a:lumMod val="60000"/>
-              <a:lumOff val="40000"/>
-            </a:schemeClr>
-          </a:solidFill>
-          <a:ln>
-            <a:noFill/>
-          </a:ln>
-        </p:spPr>
-        <p:style>
-          <a:lnRef idx="2">
-            <a:schemeClr val="accent1">
-              <a:shade val="50000"/>
-            </a:schemeClr>
-          </a:lnRef>
-          <a:fillRef idx="1">
-            <a:schemeClr val="accent1"/>
-          </a:fillRef>
-          <a:effectRef idx="0">
-            <a:schemeClr val="accent1"/>
-          </a:effectRef>
-          <a:fontRef idx="minor">
-            <a:schemeClr val="lt1"/>
-          </a:fontRef>
-        </p:style>
-        <p:txBody>
-          <a:bodyPr rtlCol="0" anchor="ctr"/>
-          <a:lstStyle/>
-          <a:p>
-            <a:pPr algn="ctr"/>
-            <a:endParaRPr kumimoji="1" lang="ja-JP" altLang="en-US" dirty="0"/>
-          </a:p>
-        </p:txBody>
-      </p:sp>
-      <p:sp>
-        <p:nvSpPr>
-          <p:cNvPr id="11" name="正方形/長方形 10">
-            <a:extLst>
-              <a:ext uri="{FF2B5EF4-FFF2-40B4-BE49-F238E27FC236}">
-                <a16:creationId xmlns:a16="http://schemas.microsoft.com/office/drawing/2014/main" id="{3B8081C6-EFA5-439E-95A0-6213CDF23D9C}"/>
-              </a:ext>
-            </a:extLst>
-          </p:cNvPr>
-          <p:cNvSpPr/>
-          <p:nvPr/>
-        </p:nvSpPr>
-        <p:spPr>
-          <a:xfrm>
-            <a:off x="3011648" y="981512"/>
-            <a:ext cx="3565321" cy="2080470"/>
-          </a:xfrm>
-          <a:prstGeom prst="rect">
-            <a:avLst/>
-          </a:prstGeom>
-        </p:spPr>
-        <p:style>
-          <a:lnRef idx="2">
-            <a:schemeClr val="accent1">
-              <a:shade val="50000"/>
-            </a:schemeClr>
-          </a:lnRef>
-          <a:fillRef idx="1">
-            <a:schemeClr val="accent1"/>
-          </a:fillRef>
-          <a:effectRef idx="0">
-            <a:schemeClr val="accent1"/>
-          </a:effectRef>
-          <a:fontRef idx="minor">
-            <a:schemeClr val="lt1"/>
-          </a:fontRef>
-        </p:style>
-        <p:txBody>
-          <a:bodyPr rtlCol="0" anchor="ctr"/>
-          <a:lstStyle/>
-          <a:p>
-            <a:pPr algn="ctr"/>
-            <a:endParaRPr kumimoji="1" lang="ja-JP" altLang="en-US"/>
-          </a:p>
-        </p:txBody>
-      </p:sp>
-      <p:sp>
-        <p:nvSpPr>
-          <p:cNvPr id="4" name="正方形/長方形 3">
-            <a:extLst>
-              <a:ext uri="{FF2B5EF4-FFF2-40B4-BE49-F238E27FC236}">
-                <a16:creationId xmlns:a16="http://schemas.microsoft.com/office/drawing/2014/main" id="{B49BDB93-4450-46D1-99C8-6F2A7F346FD4}"/>
-              </a:ext>
-            </a:extLst>
-          </p:cNvPr>
-          <p:cNvSpPr/>
-          <p:nvPr/>
-        </p:nvSpPr>
-        <p:spPr>
-          <a:xfrm>
-            <a:off x="0" y="-33340"/>
-            <a:ext cx="2030135" cy="704676"/>
-          </a:xfrm>
-          <a:prstGeom prst="rect">
-            <a:avLst/>
-          </a:prstGeom>
-          <a:solidFill>
-            <a:srgbClr val="C00000"/>
-          </a:solidFill>
-          <a:ln>
-            <a:noFill/>
-          </a:ln>
-        </p:spPr>
-        <p:style>
-          <a:lnRef idx="2">
-            <a:schemeClr val="accent1">
-              <a:shade val="50000"/>
-            </a:schemeClr>
-          </a:lnRef>
-          <a:fillRef idx="1">
-            <a:schemeClr val="accent1"/>
-          </a:fillRef>
-          <a:effectRef idx="0">
-            <a:schemeClr val="accent1"/>
-          </a:effectRef>
-          <a:fontRef idx="minor">
-            <a:schemeClr val="lt1"/>
-          </a:fontRef>
-        </p:style>
-        <p:txBody>
-          <a:bodyPr rtlCol="0" anchor="ctr"/>
-          <a:lstStyle/>
-          <a:p>
-            <a:pPr algn="ctr"/>
-            <a:endParaRPr kumimoji="1" lang="ja-JP" altLang="en-US"/>
-          </a:p>
-        </p:txBody>
-      </p:sp>
-      <p:sp>
-        <p:nvSpPr>
-          <p:cNvPr id="5" name="テキスト ボックス 4">
-            <a:extLst>
-              <a:ext uri="{FF2B5EF4-FFF2-40B4-BE49-F238E27FC236}">
-                <a16:creationId xmlns:a16="http://schemas.microsoft.com/office/drawing/2014/main" id="{45178FF1-520E-4062-AA7A-643AE0F40599}"/>
-              </a:ext>
-            </a:extLst>
-          </p:cNvPr>
-          <p:cNvSpPr txBox="1"/>
-          <p:nvPr/>
-        </p:nvSpPr>
-        <p:spPr>
-          <a:xfrm>
-            <a:off x="142613" y="-33340"/>
-            <a:ext cx="1678665" cy="646331"/>
-          </a:xfrm>
-          <a:prstGeom prst="rect">
-            <a:avLst/>
-          </a:prstGeom>
-          <a:noFill/>
-        </p:spPr>
-        <p:txBody>
-          <a:bodyPr wrap="none" rtlCol="0">
-            <a:spAutoFit/>
-          </a:bodyPr>
-          <a:lstStyle/>
-          <a:p>
-            <a:r>
-              <a:rPr kumimoji="1" lang="en-US" altLang="ja-JP" sz="3600" dirty="0">
-                <a:solidFill>
-                  <a:schemeClr val="bg1"/>
-                </a:solidFill>
-              </a:rPr>
-              <a:t>alpha</a:t>
-            </a:r>
-            <a:r>
-              <a:rPr kumimoji="1" lang="ja-JP" altLang="en-US" sz="3600" dirty="0">
-                <a:solidFill>
-                  <a:schemeClr val="bg1"/>
-                </a:solidFill>
-              </a:rPr>
-              <a:t>版</a:t>
-            </a:r>
-          </a:p>
-        </p:txBody>
-      </p:sp>
-      <p:grpSp>
-        <p:nvGrpSpPr>
-          <p:cNvPr id="6" name="グループ化 5">
-            <a:extLst>
-              <a:ext uri="{FF2B5EF4-FFF2-40B4-BE49-F238E27FC236}">
-                <a16:creationId xmlns:a16="http://schemas.microsoft.com/office/drawing/2014/main" id="{AD6238EB-6A5F-418A-8798-09748BAD0AB7}"/>
-              </a:ext>
-            </a:extLst>
-          </p:cNvPr>
-          <p:cNvGrpSpPr/>
-          <p:nvPr/>
-        </p:nvGrpSpPr>
-        <p:grpSpPr>
-          <a:xfrm>
-            <a:off x="200788" y="864175"/>
-            <a:ext cx="1829347" cy="486561"/>
-            <a:chOff x="-8069" y="3892600"/>
-            <a:chExt cx="1829347" cy="486561"/>
-          </a:xfrm>
-        </p:grpSpPr>
-        <p:sp>
-          <p:nvSpPr>
-            <p:cNvPr id="7" name="正方形/長方形 6">
-              <a:extLst>
-                <a:ext uri="{FF2B5EF4-FFF2-40B4-BE49-F238E27FC236}">
-                  <a16:creationId xmlns:a16="http://schemas.microsoft.com/office/drawing/2014/main" id="{B0337708-A68B-4443-8807-9DA0E0CBBA7C}"/>
-                </a:ext>
-              </a:extLst>
-            </p:cNvPr>
-            <p:cNvSpPr/>
-            <p:nvPr/>
-          </p:nvSpPr>
-          <p:spPr>
-            <a:xfrm>
-              <a:off x="38343" y="3892600"/>
-              <a:ext cx="1736521" cy="486561"/>
-            </a:xfrm>
-            <a:prstGeom prst="rect">
-              <a:avLst/>
-            </a:prstGeom>
-          </p:spPr>
-          <p:style>
-            <a:lnRef idx="2">
-              <a:schemeClr val="accent1">
-                <a:shade val="50000"/>
-              </a:schemeClr>
-            </a:lnRef>
-            <a:fillRef idx="1">
-              <a:schemeClr val="accent1"/>
-            </a:fillRef>
-            <a:effectRef idx="0">
-              <a:schemeClr val="accent1"/>
-            </a:effectRef>
-            <a:fontRef idx="minor">
-              <a:schemeClr val="lt1"/>
-            </a:fontRef>
-          </p:style>
-          <p:txBody>
-            <a:bodyPr rtlCol="0" anchor="ctr"/>
-            <a:lstStyle/>
-            <a:p>
-              <a:pPr algn="ctr"/>
-              <a:endParaRPr kumimoji="1" lang="ja-JP" altLang="en-US"/>
-            </a:p>
-          </p:txBody>
-        </p:sp>
-        <p:sp>
-          <p:nvSpPr>
-            <p:cNvPr id="8" name="テキスト ボックス 7">
-              <a:extLst>
-                <a:ext uri="{FF2B5EF4-FFF2-40B4-BE49-F238E27FC236}">
-                  <a16:creationId xmlns:a16="http://schemas.microsoft.com/office/drawing/2014/main" id="{0B0A06F3-FAE3-4896-9C0E-33865831E83A}"/>
-                </a:ext>
-              </a:extLst>
-            </p:cNvPr>
-            <p:cNvSpPr txBox="1"/>
-            <p:nvPr/>
-          </p:nvSpPr>
-          <p:spPr>
-            <a:xfrm>
-              <a:off x="-8069" y="3951215"/>
-              <a:ext cx="1829347" cy="369332"/>
-            </a:xfrm>
-            <a:prstGeom prst="rect">
-              <a:avLst/>
-            </a:prstGeom>
-            <a:noFill/>
-          </p:spPr>
-          <p:txBody>
-            <a:bodyPr wrap="none" rtlCol="0">
-              <a:spAutoFit/>
-            </a:bodyPr>
-            <a:lstStyle/>
-            <a:p>
-              <a:r>
-                <a:rPr kumimoji="1" lang="en-US" altLang="ja-JP" dirty="0"/>
-                <a:t>2D</a:t>
-              </a:r>
-              <a:r>
-                <a:rPr kumimoji="1" lang="ja-JP" altLang="en-US" dirty="0"/>
-                <a:t>グラフィック</a:t>
-              </a:r>
-            </a:p>
-          </p:txBody>
-        </p:sp>
-      </p:grpSp>
-      <p:sp>
-        <p:nvSpPr>
-          <p:cNvPr id="9" name="正方形/長方形 8">
-            <a:extLst>
-              <a:ext uri="{FF2B5EF4-FFF2-40B4-BE49-F238E27FC236}">
-                <a16:creationId xmlns:a16="http://schemas.microsoft.com/office/drawing/2014/main" id="{DBB6625D-8E08-4AA3-A7A1-C08D81777DEA}"/>
-              </a:ext>
-            </a:extLst>
-          </p:cNvPr>
-          <p:cNvSpPr/>
-          <p:nvPr/>
-        </p:nvSpPr>
-        <p:spPr>
-          <a:xfrm>
-            <a:off x="2764589" y="822230"/>
-            <a:ext cx="4160940" cy="2432806"/>
-          </a:xfrm>
-          <a:prstGeom prst="rect">
-            <a:avLst/>
-          </a:prstGeom>
-          <a:solidFill>
-            <a:schemeClr val="bg1"/>
-          </a:solidFill>
-          <a:ln>
-            <a:solidFill>
-              <a:schemeClr val="tx1"/>
-            </a:solidFill>
-          </a:ln>
-        </p:spPr>
-        <p:style>
-          <a:lnRef idx="2">
-            <a:schemeClr val="accent1">
-              <a:shade val="50000"/>
-            </a:schemeClr>
-          </a:lnRef>
-          <a:fillRef idx="1">
-            <a:schemeClr val="accent1"/>
-          </a:fillRef>
-          <a:effectRef idx="0">
-            <a:schemeClr val="accent1"/>
-          </a:effectRef>
-          <a:fontRef idx="minor">
-            <a:schemeClr val="lt1"/>
-          </a:fontRef>
-        </p:style>
-        <p:txBody>
-          <a:bodyPr rtlCol="0" anchor="ctr"/>
-          <a:lstStyle/>
-          <a:p>
-            <a:pPr algn="ctr"/>
-            <a:r>
-              <a:rPr kumimoji="1" lang="en-US" altLang="ja-JP" dirty="0"/>
-              <a:t>s</a:t>
-            </a:r>
-            <a:endParaRPr kumimoji="1" lang="ja-JP" altLang="en-US" dirty="0"/>
-          </a:p>
-        </p:txBody>
-      </p:sp>
-      <p:sp>
-        <p:nvSpPr>
-          <p:cNvPr id="13" name="テキスト ボックス 12">
-            <a:extLst>
-              <a:ext uri="{FF2B5EF4-FFF2-40B4-BE49-F238E27FC236}">
-                <a16:creationId xmlns:a16="http://schemas.microsoft.com/office/drawing/2014/main" id="{E00567E2-5212-4618-9F83-4F4087ADB053}"/>
-              </a:ext>
-            </a:extLst>
-          </p:cNvPr>
-          <p:cNvSpPr txBox="1"/>
-          <p:nvPr/>
-        </p:nvSpPr>
-        <p:spPr>
-          <a:xfrm>
-            <a:off x="2015051" y="864175"/>
-            <a:ext cx="601447" cy="369332"/>
-          </a:xfrm>
-          <a:prstGeom prst="rect">
-            <a:avLst/>
-          </a:prstGeom>
-          <a:noFill/>
-        </p:spPr>
-        <p:txBody>
-          <a:bodyPr wrap="none" rtlCol="0">
-            <a:spAutoFit/>
-          </a:bodyPr>
-          <a:lstStyle/>
-          <a:p>
-            <a:r>
-              <a:rPr kumimoji="1" lang="en-US" altLang="ja-JP" dirty="0"/>
-              <a:t>map</a:t>
-            </a:r>
-            <a:endParaRPr kumimoji="1" lang="ja-JP" altLang="en-US" dirty="0"/>
-          </a:p>
-        </p:txBody>
-      </p:sp>
-      <p:sp>
-        <p:nvSpPr>
-          <p:cNvPr id="14" name="テキスト ボックス 13">
-            <a:extLst>
-              <a:ext uri="{FF2B5EF4-FFF2-40B4-BE49-F238E27FC236}">
-                <a16:creationId xmlns:a16="http://schemas.microsoft.com/office/drawing/2014/main" id="{76A140F9-3759-4E1F-A3DC-2A97ACF275FC}"/>
-              </a:ext>
-            </a:extLst>
-          </p:cNvPr>
-          <p:cNvSpPr txBox="1"/>
-          <p:nvPr/>
-        </p:nvSpPr>
-        <p:spPr>
-          <a:xfrm>
-            <a:off x="2759978" y="822231"/>
-            <a:ext cx="802014" cy="369332"/>
-          </a:xfrm>
-          <a:prstGeom prst="rect">
-            <a:avLst/>
-          </a:prstGeom>
-          <a:noFill/>
-        </p:spPr>
-        <p:txBody>
-          <a:bodyPr wrap="none" rtlCol="0">
-            <a:spAutoFit/>
-          </a:bodyPr>
-          <a:lstStyle/>
-          <a:p>
-            <a:r>
-              <a:rPr kumimoji="1" lang="en-US" altLang="ja-JP" dirty="0"/>
-              <a:t>screen</a:t>
-            </a:r>
-            <a:endParaRPr kumimoji="1" lang="ja-JP" altLang="en-US" dirty="0"/>
-          </a:p>
-        </p:txBody>
-      </p:sp>
-      <p:sp>
-        <p:nvSpPr>
-          <p:cNvPr id="15" name="正方形/長方形 14">
-            <a:extLst>
-              <a:ext uri="{FF2B5EF4-FFF2-40B4-BE49-F238E27FC236}">
-                <a16:creationId xmlns:a16="http://schemas.microsoft.com/office/drawing/2014/main" id="{87CE201D-B900-446F-834C-E02C0D62EA56}"/>
-              </a:ext>
-            </a:extLst>
-          </p:cNvPr>
-          <p:cNvSpPr/>
-          <p:nvPr/>
-        </p:nvSpPr>
-        <p:spPr>
-          <a:xfrm>
-            <a:off x="3118209" y="1103424"/>
-            <a:ext cx="3415984" cy="1870419"/>
-          </a:xfrm>
-          <a:prstGeom prst="rect">
-            <a:avLst/>
-          </a:prstGeom>
-          <a:solidFill>
-            <a:schemeClr val="accent2">
-              <a:lumMod val="20000"/>
-              <a:lumOff val="80000"/>
-            </a:schemeClr>
-          </a:solidFill>
-          <a:ln>
-            <a:noFill/>
-          </a:ln>
-        </p:spPr>
-        <p:style>
-          <a:lnRef idx="2">
-            <a:schemeClr val="accent1">
-              <a:shade val="50000"/>
-            </a:schemeClr>
-          </a:lnRef>
-          <a:fillRef idx="1">
-            <a:schemeClr val="accent1"/>
-          </a:fillRef>
-          <a:effectRef idx="0">
-            <a:schemeClr val="accent1"/>
-          </a:effectRef>
-          <a:fontRef idx="minor">
-            <a:schemeClr val="lt1"/>
-          </a:fontRef>
-        </p:style>
-        <p:txBody>
-          <a:bodyPr rtlCol="0" anchor="ctr"/>
-          <a:lstStyle/>
-          <a:p>
-            <a:pPr algn="ctr"/>
-            <a:endParaRPr kumimoji="1" lang="ja-JP" altLang="en-US"/>
-          </a:p>
-        </p:txBody>
-      </p:sp>
-      <p:sp>
-        <p:nvSpPr>
-          <p:cNvPr id="10" name="フローチャート: 結合子 9">
-            <a:extLst>
-              <a:ext uri="{FF2B5EF4-FFF2-40B4-BE49-F238E27FC236}">
-                <a16:creationId xmlns:a16="http://schemas.microsoft.com/office/drawing/2014/main" id="{FB153F5E-3680-4B3D-B9B0-1D2B70AB0924}"/>
-              </a:ext>
-            </a:extLst>
-          </p:cNvPr>
-          <p:cNvSpPr/>
-          <p:nvPr/>
-        </p:nvSpPr>
-        <p:spPr>
-          <a:xfrm>
-            <a:off x="6405412" y="2036510"/>
-            <a:ext cx="520117" cy="503340"/>
-          </a:xfrm>
-          <a:prstGeom prst="flowChartConnector">
-            <a:avLst/>
-          </a:prstGeom>
-        </p:spPr>
-        <p:style>
-          <a:lnRef idx="2">
-            <a:schemeClr val="accent1">
-              <a:shade val="50000"/>
-            </a:schemeClr>
-          </a:lnRef>
-          <a:fillRef idx="1">
-            <a:schemeClr val="accent1"/>
-          </a:fillRef>
-          <a:effectRef idx="0">
-            <a:schemeClr val="accent1"/>
-          </a:effectRef>
-          <a:fontRef idx="minor">
-            <a:schemeClr val="lt1"/>
-          </a:fontRef>
-        </p:style>
-        <p:txBody>
-          <a:bodyPr rtlCol="0" anchor="ctr"/>
-          <a:lstStyle/>
-          <a:p>
-            <a:pPr algn="ctr"/>
-            <a:r>
-              <a:rPr kumimoji="1" lang="ja-JP" altLang="en-US" dirty="0"/>
-              <a:t>Ｐ</a:t>
-            </a:r>
-          </a:p>
-        </p:txBody>
-      </p:sp>
-      <p:sp>
-        <p:nvSpPr>
-          <p:cNvPr id="16" name="正方形/長方形 15">
-            <a:extLst>
-              <a:ext uri="{FF2B5EF4-FFF2-40B4-BE49-F238E27FC236}">
-                <a16:creationId xmlns:a16="http://schemas.microsoft.com/office/drawing/2014/main" id="{6B2BD00B-B7D7-40E2-95B2-D5ED23957506}"/>
-              </a:ext>
-            </a:extLst>
-          </p:cNvPr>
-          <p:cNvSpPr/>
-          <p:nvPr/>
-        </p:nvSpPr>
-        <p:spPr>
-          <a:xfrm>
-            <a:off x="896524" y="4819366"/>
-            <a:ext cx="613494" cy="423753"/>
-          </a:xfrm>
-          <a:prstGeom prst="rect">
-            <a:avLst/>
-          </a:prstGeom>
-          <a:solidFill>
-            <a:schemeClr val="accent2">
-              <a:lumMod val="20000"/>
-              <a:lumOff val="80000"/>
-            </a:schemeClr>
-          </a:solidFill>
-          <a:ln>
-            <a:noFill/>
-          </a:ln>
-        </p:spPr>
-        <p:style>
-          <a:lnRef idx="2">
-            <a:schemeClr val="accent1">
-              <a:shade val="50000"/>
-            </a:schemeClr>
-          </a:lnRef>
-          <a:fillRef idx="1">
-            <a:schemeClr val="accent1"/>
-          </a:fillRef>
-          <a:effectRef idx="0">
-            <a:schemeClr val="accent1"/>
-          </a:effectRef>
-          <a:fontRef idx="minor">
-            <a:schemeClr val="lt1"/>
-          </a:fontRef>
-        </p:style>
-        <p:txBody>
-          <a:bodyPr rtlCol="0" anchor="ctr"/>
-          <a:lstStyle/>
-          <a:p>
-            <a:pPr algn="ctr"/>
-            <a:endParaRPr kumimoji="1" lang="ja-JP" altLang="en-US"/>
-          </a:p>
-        </p:txBody>
-      </p:sp>
-      <p:sp>
-        <p:nvSpPr>
-          <p:cNvPr id="17" name="テキスト ボックス 16">
-            <a:extLst>
-              <a:ext uri="{FF2B5EF4-FFF2-40B4-BE49-F238E27FC236}">
-                <a16:creationId xmlns:a16="http://schemas.microsoft.com/office/drawing/2014/main" id="{96B10E38-FDE4-44B4-AC21-CA0B207C2E1E}"/>
-              </a:ext>
-            </a:extLst>
-          </p:cNvPr>
-          <p:cNvSpPr txBox="1"/>
-          <p:nvPr/>
-        </p:nvSpPr>
-        <p:spPr>
-          <a:xfrm>
-            <a:off x="1821278" y="4886532"/>
-            <a:ext cx="4570482" cy="369332"/>
-          </a:xfrm>
-          <a:prstGeom prst="rect">
-            <a:avLst/>
-          </a:prstGeom>
-          <a:noFill/>
-        </p:spPr>
-        <p:txBody>
-          <a:bodyPr wrap="none" rtlCol="0">
-            <a:spAutoFit/>
-          </a:bodyPr>
-          <a:lstStyle/>
-          <a:p>
-            <a:r>
-              <a:rPr kumimoji="1" lang="ja-JP" altLang="en-US" dirty="0"/>
-              <a:t>プレーヤーは動かすがマップは動かさない</a:t>
-            </a:r>
-            <a:endParaRPr kumimoji="1" lang="en-US" altLang="ja-JP" dirty="0"/>
-          </a:p>
-        </p:txBody>
-      </p:sp>
-      <p:cxnSp>
-        <p:nvCxnSpPr>
-          <p:cNvPr id="19" name="直線矢印コネクタ 18">
-            <a:extLst>
-              <a:ext uri="{FF2B5EF4-FFF2-40B4-BE49-F238E27FC236}">
-                <a16:creationId xmlns:a16="http://schemas.microsoft.com/office/drawing/2014/main" id="{A25C741A-26B7-42BE-942F-F79215DF286F}"/>
-              </a:ext>
-            </a:extLst>
-          </p:cNvPr>
-          <p:cNvCxnSpPr/>
-          <p:nvPr/>
-        </p:nvCxnSpPr>
-        <p:spPr>
-          <a:xfrm>
-            <a:off x="6295523" y="2791518"/>
-            <a:ext cx="910620" cy="0"/>
-          </a:xfrm>
-          <a:prstGeom prst="straightConnector1">
-            <a:avLst/>
-          </a:prstGeom>
-          <a:ln>
-            <a:tailEnd type="triangle"/>
-          </a:ln>
-        </p:spPr>
-        <p:style>
-          <a:lnRef idx="1">
-            <a:schemeClr val="accent1"/>
-          </a:lnRef>
-          <a:fillRef idx="0">
-            <a:schemeClr val="accent1"/>
-          </a:fillRef>
-          <a:effectRef idx="0">
-            <a:schemeClr val="accent1"/>
-          </a:effectRef>
-          <a:fontRef idx="minor">
-            <a:schemeClr val="tx1"/>
-          </a:fontRef>
-        </p:style>
-      </p:cxnSp>
-    </p:spTree>
-    <p:extLst>
-      <p:ext uri="{BB962C8B-B14F-4D97-AF65-F5344CB8AC3E}">
-        <p14:creationId xmlns:p14="http://schemas.microsoft.com/office/powerpoint/2010/main" val="4097559937"/>
-      </p:ext>
-    </p:extLst>
-  </p:cSld>
-  <p:clrMapOvr>
-    <a:masterClrMapping/>
-  </p:clrMapOvr>
-</p:sld>
-</file>
-
-<file path=ppt/slides/slide33.xml><?xml version="1.0" encoding="utf-8"?>
-<p:sld xmlns:a="http://schemas.openxmlformats.org/drawingml/2006/main" xmlns:r="http://schemas.openxmlformats.org/officeDocument/2006/relationships" xmlns:p="http://schemas.openxmlformats.org/presentationml/2006/main">
-  <p:cSld>
-    <p:spTree>
-      <p:nvGrpSpPr>
-        <p:cNvPr id="1" name=""/>
-        <p:cNvGrpSpPr/>
-        <p:nvPr/>
-      </p:nvGrpSpPr>
-      <p:grpSpPr>
-        <a:xfrm>
-          <a:off x="0" y="0"/>
-          <a:ext cx="0" cy="0"/>
-          <a:chOff x="0" y="0"/>
-          <a:chExt cx="0" cy="0"/>
-        </a:xfrm>
-      </p:grpSpPr>
-      <p:sp>
-        <p:nvSpPr>
           <p:cNvPr id="4" name="正方形/長方形 3">
             <a:extLst>
               <a:ext uri="{FF2B5EF4-FFF2-40B4-BE49-F238E27FC236}">
@@ -29814,7 +30652,7 @@
 </p:sld>
 </file>
 
-<file path=ppt/slides/slide34.xml><?xml version="1.0" encoding="utf-8"?>
+<file path=ppt/slides/slide35.xml><?xml version="1.0" encoding="utf-8"?>
 <p:sld xmlns:a="http://schemas.openxmlformats.org/drawingml/2006/main" xmlns:r="http://schemas.openxmlformats.org/officeDocument/2006/relationships" xmlns:p="http://schemas.openxmlformats.org/presentationml/2006/main">
   <p:cSld>
     <p:spTree>

--- a/すみませんASOゲームショウまでに間に合いませんでした.pptx
+++ b/すみませんASOゲームショウまでに間に合いませんでした.pptx
@@ -25479,7 +25479,7 @@
           <p:nvPr>
             <p:extLst>
               <p:ext uri="{D42A27DB-BD31-4B8C-83A1-F6EECF244321}">
-                <p14:modId xmlns:p14="http://schemas.microsoft.com/office/powerpoint/2010/main" val="1716150947"/>
+                <p14:modId xmlns:p14="http://schemas.microsoft.com/office/powerpoint/2010/main" val="1483568339"/>
               </p:ext>
             </p:extLst>
           </p:nvPr>
@@ -25502,14 +25502,14 @@
                     </a:ext>
                   </a:extLst>
                 </a:gridCol>
-                <a:gridCol w="411061">
+                <a:gridCol w="461395">
                   <a:extLst>
                     <a:ext uri="{9D8B030D-6E8A-4147-A177-3AD203B41FA5}">
                       <a16:colId xmlns:a16="http://schemas.microsoft.com/office/drawing/2014/main" val="2085798080"/>
                     </a:ext>
                   </a:extLst>
                 </a:gridCol>
-                <a:gridCol w="503339">
+                <a:gridCol w="453005">
                   <a:extLst>
                     <a:ext uri="{9D8B030D-6E8A-4147-A177-3AD203B41FA5}">
                       <a16:colId xmlns:a16="http://schemas.microsoft.com/office/drawing/2014/main" val="1899149780"/>
@@ -27927,6 +27927,371 @@
           </p:txBody>
         </p:sp>
       </p:grpSp>
+      <p:sp>
+        <p:nvSpPr>
+          <p:cNvPr id="7" name="正方形/長方形 6">
+            <a:extLst>
+              <a:ext uri="{FF2B5EF4-FFF2-40B4-BE49-F238E27FC236}">
+                <a16:creationId xmlns:a16="http://schemas.microsoft.com/office/drawing/2014/main" id="{4E13EF7D-E8BF-4CA1-AE23-62AE525591E9}"/>
+              </a:ext>
+            </a:extLst>
+          </p:cNvPr>
+          <p:cNvSpPr/>
+          <p:nvPr/>
+        </p:nvSpPr>
+        <p:spPr>
+          <a:xfrm>
+            <a:off x="4746171" y="439225"/>
+            <a:ext cx="3623002" cy="2094970"/>
+          </a:xfrm>
+          <a:prstGeom prst="rect">
+            <a:avLst/>
+          </a:prstGeom>
+          <a:solidFill>
+            <a:schemeClr val="bg2">
+              <a:lumMod val="50000"/>
+            </a:schemeClr>
+          </a:solidFill>
+          <a:ln>
+            <a:noFill/>
+          </a:ln>
+        </p:spPr>
+        <p:style>
+          <a:lnRef idx="2">
+            <a:schemeClr val="accent1">
+              <a:shade val="50000"/>
+            </a:schemeClr>
+          </a:lnRef>
+          <a:fillRef idx="1">
+            <a:schemeClr val="accent1"/>
+          </a:fillRef>
+          <a:effectRef idx="0">
+            <a:schemeClr val="accent1"/>
+          </a:effectRef>
+          <a:fontRef idx="minor">
+            <a:schemeClr val="lt1"/>
+          </a:fontRef>
+        </p:style>
+        <p:txBody>
+          <a:bodyPr rtlCol="0" anchor="ctr"/>
+          <a:lstStyle/>
+          <a:p>
+            <a:pPr algn="ctr"/>
+            <a:endParaRPr kumimoji="1" lang="ja-JP" altLang="en-US"/>
+          </a:p>
+        </p:txBody>
+      </p:sp>
+      <p:sp>
+        <p:nvSpPr>
+          <p:cNvPr id="8" name="楕円 7">
+            <a:extLst>
+              <a:ext uri="{FF2B5EF4-FFF2-40B4-BE49-F238E27FC236}">
+                <a16:creationId xmlns:a16="http://schemas.microsoft.com/office/drawing/2014/main" id="{3A563FBE-A6F8-45E8-A3CE-9BAE85F2A072}"/>
+              </a:ext>
+            </a:extLst>
+          </p:cNvPr>
+          <p:cNvSpPr/>
+          <p:nvPr/>
+        </p:nvSpPr>
+        <p:spPr>
+          <a:xfrm>
+            <a:off x="5584272" y="1024765"/>
+            <a:ext cx="511728" cy="528507"/>
+          </a:xfrm>
+          <a:prstGeom prst="ellipse">
+            <a:avLst/>
+          </a:prstGeom>
+        </p:spPr>
+        <p:style>
+          <a:lnRef idx="2">
+            <a:schemeClr val="accent1">
+              <a:shade val="50000"/>
+            </a:schemeClr>
+          </a:lnRef>
+          <a:fillRef idx="1">
+            <a:schemeClr val="accent1"/>
+          </a:fillRef>
+          <a:effectRef idx="0">
+            <a:schemeClr val="accent1"/>
+          </a:effectRef>
+          <a:fontRef idx="minor">
+            <a:schemeClr val="lt1"/>
+          </a:fontRef>
+        </p:style>
+        <p:txBody>
+          <a:bodyPr rtlCol="0" anchor="ctr"/>
+          <a:lstStyle/>
+          <a:p>
+            <a:pPr algn="ctr"/>
+            <a:endParaRPr kumimoji="1" lang="ja-JP" altLang="en-US" dirty="0"/>
+          </a:p>
+        </p:txBody>
+      </p:sp>
+      <p:sp>
+        <p:nvSpPr>
+          <p:cNvPr id="9" name="楕円 8">
+            <a:extLst>
+              <a:ext uri="{FF2B5EF4-FFF2-40B4-BE49-F238E27FC236}">
+                <a16:creationId xmlns:a16="http://schemas.microsoft.com/office/drawing/2014/main" id="{998BBCD6-BFC4-4F29-9539-5C0130D6BF26}"/>
+              </a:ext>
+            </a:extLst>
+          </p:cNvPr>
+          <p:cNvSpPr/>
+          <p:nvPr/>
+        </p:nvSpPr>
+        <p:spPr>
+          <a:xfrm>
+            <a:off x="5584272" y="1418838"/>
+            <a:ext cx="566258" cy="536895"/>
+          </a:xfrm>
+          <a:prstGeom prst="ellipse">
+            <a:avLst/>
+          </a:prstGeom>
+        </p:spPr>
+        <p:style>
+          <a:lnRef idx="2">
+            <a:schemeClr val="accent1">
+              <a:shade val="50000"/>
+            </a:schemeClr>
+          </a:lnRef>
+          <a:fillRef idx="1">
+            <a:schemeClr val="accent1"/>
+          </a:fillRef>
+          <a:effectRef idx="0">
+            <a:schemeClr val="accent1"/>
+          </a:effectRef>
+          <a:fontRef idx="minor">
+            <a:schemeClr val="lt1"/>
+          </a:fontRef>
+        </p:style>
+        <p:txBody>
+          <a:bodyPr rtlCol="0" anchor="ctr"/>
+          <a:lstStyle/>
+          <a:p>
+            <a:pPr algn="ctr"/>
+            <a:endParaRPr kumimoji="1" lang="ja-JP" altLang="en-US"/>
+          </a:p>
+        </p:txBody>
+      </p:sp>
+      <p:cxnSp>
+        <p:nvCxnSpPr>
+          <p:cNvPr id="11" name="直線コネクタ 10">
+            <a:extLst>
+              <a:ext uri="{FF2B5EF4-FFF2-40B4-BE49-F238E27FC236}">
+                <a16:creationId xmlns:a16="http://schemas.microsoft.com/office/drawing/2014/main" id="{BAA75BC8-4551-4EE1-A8FF-A8019661308E}"/>
+              </a:ext>
+            </a:extLst>
+          </p:cNvPr>
+          <p:cNvCxnSpPr/>
+          <p:nvPr/>
+        </p:nvCxnSpPr>
+        <p:spPr>
+          <a:xfrm>
+            <a:off x="5519257" y="1955733"/>
+            <a:ext cx="696287" cy="0"/>
+          </a:xfrm>
+          <a:prstGeom prst="line">
+            <a:avLst/>
+          </a:prstGeom>
+          <a:ln w="28575">
+            <a:solidFill>
+              <a:srgbClr val="FFC000"/>
+            </a:solidFill>
+          </a:ln>
+        </p:spPr>
+        <p:style>
+          <a:lnRef idx="1">
+            <a:schemeClr val="accent1"/>
+          </a:lnRef>
+          <a:fillRef idx="0">
+            <a:schemeClr val="accent1"/>
+          </a:fillRef>
+          <a:effectRef idx="0">
+            <a:schemeClr val="accent1"/>
+          </a:effectRef>
+          <a:fontRef idx="minor">
+            <a:schemeClr val="tx1"/>
+          </a:fontRef>
+        </p:style>
+      </p:cxnSp>
+      <p:sp>
+        <p:nvSpPr>
+          <p:cNvPr id="12" name="テキスト ボックス 11">
+            <a:extLst>
+              <a:ext uri="{FF2B5EF4-FFF2-40B4-BE49-F238E27FC236}">
+                <a16:creationId xmlns:a16="http://schemas.microsoft.com/office/drawing/2014/main" id="{286076DA-5E79-4BEC-91DE-1CD15D89DDF9}"/>
+              </a:ext>
+            </a:extLst>
+          </p:cNvPr>
+          <p:cNvSpPr txBox="1"/>
+          <p:nvPr/>
+        </p:nvSpPr>
+        <p:spPr>
+          <a:xfrm>
+            <a:off x="8867164" y="843514"/>
+            <a:ext cx="2793614" cy="1200329"/>
+          </a:xfrm>
+          <a:prstGeom prst="rect">
+            <a:avLst/>
+          </a:prstGeom>
+          <a:noFill/>
+        </p:spPr>
+        <p:txBody>
+          <a:bodyPr wrap="square" rtlCol="0">
+            <a:spAutoFit/>
+          </a:bodyPr>
+          <a:lstStyle/>
+          <a:p>
+            <a:r>
+              <a:rPr kumimoji="1" lang="ja-JP" altLang="en-US" dirty="0"/>
+              <a:t>キャラクターや壁やいすなどのオブジェクトは</a:t>
+            </a:r>
+            <a:r>
+              <a:rPr kumimoji="1" lang="en-US" altLang="ja-JP" dirty="0"/>
+              <a:t>y</a:t>
+            </a:r>
+            <a:r>
+              <a:rPr kumimoji="1" lang="ja-JP" altLang="en-US" dirty="0"/>
+              <a:t>軸が大きくなると前面に表示される</a:t>
+            </a:r>
+            <a:endParaRPr kumimoji="1" lang="en-US" altLang="ja-JP" dirty="0"/>
+          </a:p>
+        </p:txBody>
+      </p:sp>
+      <p:sp>
+        <p:nvSpPr>
+          <p:cNvPr id="13" name="矢印: 下 12">
+            <a:extLst>
+              <a:ext uri="{FF2B5EF4-FFF2-40B4-BE49-F238E27FC236}">
+                <a16:creationId xmlns:a16="http://schemas.microsoft.com/office/drawing/2014/main" id="{6F1C8D13-D625-475E-8C12-678FB007B361}"/>
+              </a:ext>
+            </a:extLst>
+          </p:cNvPr>
+          <p:cNvSpPr/>
+          <p:nvPr/>
+        </p:nvSpPr>
+        <p:spPr>
+          <a:xfrm>
+            <a:off x="8430934" y="709080"/>
+            <a:ext cx="374469" cy="1929617"/>
+          </a:xfrm>
+          <a:prstGeom prst="downArrow">
+            <a:avLst/>
+          </a:prstGeom>
+        </p:spPr>
+        <p:style>
+          <a:lnRef idx="2">
+            <a:schemeClr val="accent1">
+              <a:shade val="50000"/>
+            </a:schemeClr>
+          </a:lnRef>
+          <a:fillRef idx="1">
+            <a:schemeClr val="accent1"/>
+          </a:fillRef>
+          <a:effectRef idx="0">
+            <a:schemeClr val="accent1"/>
+          </a:effectRef>
+          <a:fontRef idx="minor">
+            <a:schemeClr val="lt1"/>
+          </a:fontRef>
+        </p:style>
+        <p:txBody>
+          <a:bodyPr rtlCol="0" anchor="ctr"/>
+          <a:lstStyle/>
+          <a:p>
+            <a:pPr algn="ctr"/>
+            <a:endParaRPr kumimoji="1" lang="ja-JP" altLang="en-US"/>
+          </a:p>
+        </p:txBody>
+      </p:sp>
+      <p:sp>
+        <p:nvSpPr>
+          <p:cNvPr id="14" name="テキスト ボックス 13">
+            <a:extLst>
+              <a:ext uri="{FF2B5EF4-FFF2-40B4-BE49-F238E27FC236}">
+                <a16:creationId xmlns:a16="http://schemas.microsoft.com/office/drawing/2014/main" id="{B8FD2234-8679-48C7-8BFF-185744F4FD05}"/>
+              </a:ext>
+            </a:extLst>
+          </p:cNvPr>
+          <p:cNvSpPr txBox="1"/>
+          <p:nvPr/>
+        </p:nvSpPr>
+        <p:spPr>
+          <a:xfrm>
+            <a:off x="9403288" y="2818001"/>
+            <a:ext cx="2788712" cy="369332"/>
+          </a:xfrm>
+          <a:prstGeom prst="rect">
+            <a:avLst/>
+          </a:prstGeom>
+          <a:noFill/>
+        </p:spPr>
+        <p:txBody>
+          <a:bodyPr wrap="none" rtlCol="0">
+            <a:spAutoFit/>
+          </a:bodyPr>
+          <a:lstStyle/>
+          <a:p>
+            <a:r>
+              <a:rPr kumimoji="1" lang="en-US" altLang="ja-JP" dirty="0"/>
+              <a:t>character</a:t>
+            </a:r>
+            <a:r>
+              <a:rPr kumimoji="1" lang="ja-JP" altLang="en-US" dirty="0"/>
+              <a:t>の一番下の</a:t>
+            </a:r>
+            <a:r>
+              <a:rPr kumimoji="1" lang="en-US" altLang="ja-JP" dirty="0"/>
+              <a:t>y</a:t>
+            </a:r>
+            <a:r>
+              <a:rPr kumimoji="1" lang="ja-JP" altLang="en-US" dirty="0"/>
+              <a:t>座標</a:t>
+            </a:r>
+          </a:p>
+        </p:txBody>
+      </p:sp>
+      <p:cxnSp>
+        <p:nvCxnSpPr>
+          <p:cNvPr id="15" name="直線コネクタ 14">
+            <a:extLst>
+              <a:ext uri="{FF2B5EF4-FFF2-40B4-BE49-F238E27FC236}">
+                <a16:creationId xmlns:a16="http://schemas.microsoft.com/office/drawing/2014/main" id="{7EB96F43-8302-4A24-939B-67641B5E18E5}"/>
+              </a:ext>
+            </a:extLst>
+          </p:cNvPr>
+          <p:cNvCxnSpPr/>
+          <p:nvPr/>
+        </p:nvCxnSpPr>
+        <p:spPr>
+          <a:xfrm>
+            <a:off x="8472508" y="3002667"/>
+            <a:ext cx="696287" cy="0"/>
+          </a:xfrm>
+          <a:prstGeom prst="line">
+            <a:avLst/>
+          </a:prstGeom>
+          <a:ln w="28575">
+            <a:solidFill>
+              <a:srgbClr val="FFC000"/>
+            </a:solidFill>
+          </a:ln>
+        </p:spPr>
+        <p:style>
+          <a:lnRef idx="1">
+            <a:schemeClr val="accent1"/>
+          </a:lnRef>
+          <a:fillRef idx="0">
+            <a:schemeClr val="accent1"/>
+          </a:fillRef>
+          <a:effectRef idx="0">
+            <a:schemeClr val="accent1"/>
+          </a:effectRef>
+          <a:fontRef idx="minor">
+            <a:schemeClr val="tx1"/>
+          </a:fontRef>
+        </p:style>
+      </p:cxnSp>
     </p:spTree>
     <p:extLst>
       <p:ext uri="{BB962C8B-B14F-4D97-AF65-F5344CB8AC3E}">
@@ -30913,6 +31278,257 @@
               <a:rPr kumimoji="1" lang="ja-JP" altLang="en-US" dirty="0"/>
               <a:t>同時に動かす</a:t>
             </a:r>
+          </a:p>
+        </p:txBody>
+      </p:sp>
+      <p:sp>
+        <p:nvSpPr>
+          <p:cNvPr id="9" name="正方形/長方形 8">
+            <a:extLst>
+              <a:ext uri="{FF2B5EF4-FFF2-40B4-BE49-F238E27FC236}">
+                <a16:creationId xmlns:a16="http://schemas.microsoft.com/office/drawing/2014/main" id="{2F9C2011-6970-443A-B77C-FE3FCD4B50D7}"/>
+              </a:ext>
+            </a:extLst>
+          </p:cNvPr>
+          <p:cNvSpPr/>
+          <p:nvPr/>
+        </p:nvSpPr>
+        <p:spPr>
+          <a:xfrm>
+            <a:off x="6447683" y="3281604"/>
+            <a:ext cx="348345" cy="355722"/>
+          </a:xfrm>
+          <a:prstGeom prst="rect">
+            <a:avLst/>
+          </a:prstGeom>
+          <a:solidFill>
+            <a:schemeClr val="accent4">
+              <a:lumMod val="60000"/>
+              <a:lumOff val="40000"/>
+            </a:schemeClr>
+          </a:solidFill>
+          <a:ln>
+            <a:noFill/>
+          </a:ln>
+        </p:spPr>
+        <p:style>
+          <a:lnRef idx="2">
+            <a:schemeClr val="accent1">
+              <a:shade val="50000"/>
+            </a:schemeClr>
+          </a:lnRef>
+          <a:fillRef idx="1">
+            <a:schemeClr val="accent1"/>
+          </a:fillRef>
+          <a:effectRef idx="0">
+            <a:schemeClr val="accent1"/>
+          </a:effectRef>
+          <a:fontRef idx="minor">
+            <a:schemeClr val="lt1"/>
+          </a:fontRef>
+        </p:style>
+        <p:txBody>
+          <a:bodyPr rtlCol="0" anchor="ctr"/>
+          <a:lstStyle/>
+          <a:p>
+            <a:pPr algn="ctr"/>
+            <a:endParaRPr kumimoji="1" lang="ja-JP" altLang="en-US"/>
+          </a:p>
+        </p:txBody>
+      </p:sp>
+      <p:sp>
+        <p:nvSpPr>
+          <p:cNvPr id="10" name="正方形/長方形 9">
+            <a:extLst>
+              <a:ext uri="{FF2B5EF4-FFF2-40B4-BE49-F238E27FC236}">
+                <a16:creationId xmlns:a16="http://schemas.microsoft.com/office/drawing/2014/main" id="{DBFEE6A7-7B93-4B6E-B481-85F3B8A90ADC}"/>
+              </a:ext>
+            </a:extLst>
+          </p:cNvPr>
+          <p:cNvSpPr/>
+          <p:nvPr/>
+        </p:nvSpPr>
+        <p:spPr>
+          <a:xfrm>
+            <a:off x="4470000" y="2136445"/>
+            <a:ext cx="2151855" cy="1659088"/>
+          </a:xfrm>
+          <a:prstGeom prst="rect">
+            <a:avLst/>
+          </a:prstGeom>
+        </p:spPr>
+        <p:style>
+          <a:lnRef idx="2">
+            <a:schemeClr val="accent1">
+              <a:shade val="50000"/>
+            </a:schemeClr>
+          </a:lnRef>
+          <a:fillRef idx="1">
+            <a:schemeClr val="accent1"/>
+          </a:fillRef>
+          <a:effectRef idx="0">
+            <a:schemeClr val="accent1"/>
+          </a:effectRef>
+          <a:fontRef idx="minor">
+            <a:schemeClr val="lt1"/>
+          </a:fontRef>
+        </p:style>
+        <p:txBody>
+          <a:bodyPr rtlCol="0" anchor="ctr"/>
+          <a:lstStyle/>
+          <a:p>
+            <a:pPr algn="ctr"/>
+            <a:r>
+              <a:rPr kumimoji="1" lang="en-US" altLang="ja-JP" dirty="0"/>
+              <a:t>wall</a:t>
+            </a:r>
+            <a:endParaRPr kumimoji="1" lang="ja-JP" altLang="en-US" dirty="0"/>
+          </a:p>
+        </p:txBody>
+      </p:sp>
+      <p:sp>
+        <p:nvSpPr>
+          <p:cNvPr id="11" name="正方形/長方形 10">
+            <a:extLst>
+              <a:ext uri="{FF2B5EF4-FFF2-40B4-BE49-F238E27FC236}">
+                <a16:creationId xmlns:a16="http://schemas.microsoft.com/office/drawing/2014/main" id="{C840EB39-3296-465D-BEEC-8DB70D06607A}"/>
+              </a:ext>
+            </a:extLst>
+          </p:cNvPr>
+          <p:cNvSpPr/>
+          <p:nvPr/>
+        </p:nvSpPr>
+        <p:spPr>
+          <a:xfrm>
+            <a:off x="6447683" y="3281603"/>
+            <a:ext cx="174172" cy="355722"/>
+          </a:xfrm>
+          <a:prstGeom prst="rect">
+            <a:avLst/>
+          </a:prstGeom>
+          <a:solidFill>
+            <a:schemeClr val="bg2">
+              <a:lumMod val="75000"/>
+            </a:schemeClr>
+          </a:solidFill>
+          <a:ln>
+            <a:solidFill>
+              <a:schemeClr val="bg2">
+                <a:lumMod val="25000"/>
+              </a:schemeClr>
+            </a:solidFill>
+          </a:ln>
+        </p:spPr>
+        <p:style>
+          <a:lnRef idx="2">
+            <a:schemeClr val="accent1">
+              <a:shade val="50000"/>
+            </a:schemeClr>
+          </a:lnRef>
+          <a:fillRef idx="1">
+            <a:schemeClr val="accent1"/>
+          </a:fillRef>
+          <a:effectRef idx="0">
+            <a:schemeClr val="accent1"/>
+          </a:effectRef>
+          <a:fontRef idx="minor">
+            <a:schemeClr val="lt1"/>
+          </a:fontRef>
+        </p:style>
+        <p:txBody>
+          <a:bodyPr rtlCol="0" anchor="ctr"/>
+          <a:lstStyle/>
+          <a:p>
+            <a:pPr algn="ctr"/>
+            <a:endParaRPr kumimoji="1" lang="ja-JP" altLang="en-US" dirty="0"/>
+          </a:p>
+        </p:txBody>
+      </p:sp>
+      <p:sp>
+        <p:nvSpPr>
+          <p:cNvPr id="12" name="テキスト ボックス 11">
+            <a:extLst>
+              <a:ext uri="{FF2B5EF4-FFF2-40B4-BE49-F238E27FC236}">
+                <a16:creationId xmlns:a16="http://schemas.microsoft.com/office/drawing/2014/main" id="{71D056EE-8CF8-4202-979B-F4B076B4A845}"/>
+              </a:ext>
+            </a:extLst>
+          </p:cNvPr>
+          <p:cNvSpPr txBox="1"/>
+          <p:nvPr/>
+        </p:nvSpPr>
+        <p:spPr>
+          <a:xfrm>
+            <a:off x="4470001" y="3892011"/>
+            <a:ext cx="2769326" cy="923330"/>
+          </a:xfrm>
+          <a:prstGeom prst="rect">
+            <a:avLst/>
+          </a:prstGeom>
+          <a:noFill/>
+        </p:spPr>
+        <p:txBody>
+          <a:bodyPr wrap="square" rtlCol="0">
+            <a:spAutoFit/>
+          </a:bodyPr>
+          <a:lstStyle/>
+          <a:p>
+            <a:r>
+              <a:rPr kumimoji="1" lang="ja-JP" altLang="en-US" dirty="0"/>
+              <a:t>壁の一部分に差し掛かると</a:t>
+            </a:r>
+            <a:r>
+              <a:rPr kumimoji="1" lang="en-US" altLang="ja-JP" dirty="0"/>
+              <a:t>player</a:t>
+            </a:r>
+            <a:r>
+              <a:rPr kumimoji="1" lang="ja-JP" altLang="en-US" dirty="0"/>
+              <a:t>キャラクター部の色を変更する</a:t>
+            </a:r>
+          </a:p>
+        </p:txBody>
+      </p:sp>
+      <p:sp>
+        <p:nvSpPr>
+          <p:cNvPr id="2" name="AutoShape 2">
+            <a:extLst>
+              <a:ext uri="{FF2B5EF4-FFF2-40B4-BE49-F238E27FC236}">
+                <a16:creationId xmlns:a16="http://schemas.microsoft.com/office/drawing/2014/main" id="{5EF59C71-36B9-404D-8DF4-0B5D6EEB1E9A}"/>
+              </a:ext>
+            </a:extLst>
+          </p:cNvPr>
+          <p:cNvSpPr>
+            <a:spLocks noChangeAspect="1" noChangeArrowheads="1"/>
+          </p:cNvSpPr>
+          <p:nvPr/>
+        </p:nvSpPr>
+        <p:spPr bwMode="auto">
+          <a:xfrm>
+            <a:off x="5943600" y="3276600"/>
+            <a:ext cx="304800" cy="304800"/>
+          </a:xfrm>
+          <a:prstGeom prst="rect">
+            <a:avLst/>
+          </a:prstGeom>
+          <a:noFill/>
+          <a:extLst>
+            <a:ext uri="{909E8E84-426E-40DD-AFC4-6F175D3DCCD1}">
+              <a14:hiddenFill xmlns:a14="http://schemas.microsoft.com/office/drawing/2010/main">
+                <a:solidFill>
+                  <a:srgbClr val="FFFFFF"/>
+                </a:solidFill>
+              </a14:hiddenFill>
+            </a:ext>
+          </a:extLst>
+        </p:spPr>
+        <p:txBody>
+          <a:bodyPr vert="horz" wrap="square" lIns="91440" tIns="45720" rIns="91440" bIns="45720" numCol="1" anchor="t" anchorCtr="0" compatLnSpc="1">
+            <a:prstTxWarp prst="textNoShape">
+              <a:avLst/>
+            </a:prstTxWarp>
+          </a:bodyPr>
+          <a:lstStyle/>
+          <a:p>
+            <a:endParaRPr lang="ja-JP" altLang="en-US"/>
           </a:p>
         </p:txBody>
       </p:sp>

--- a/すみませんASOゲームショウまでに間に合いませんでした.pptx
+++ b/すみませんASOゲームショウまでに間に合いませんでした.pptx
@@ -358,7 +358,7 @@
           <a:p>
             <a:fld id="{C9D909E4-55EF-4C03-B3F2-C5767FAA5706}" type="datetimeFigureOut">
               <a:rPr lang="en-US" smtClean="0"/>
-              <a:t>5/14/2020</a:t>
+              <a:t>5/15/2020</a:t>
             </a:fld>
             <a:endParaRPr lang="en-US"/>
           </a:p>
@@ -526,7 +526,7 @@
           <a:p>
             <a:fld id="{C9D909E4-55EF-4C03-B3F2-C5767FAA5706}" type="datetimeFigureOut">
               <a:rPr lang="en-US" smtClean="0"/>
-              <a:t>5/14/2020</a:t>
+              <a:t>5/15/2020</a:t>
             </a:fld>
             <a:endParaRPr lang="en-US"/>
           </a:p>
@@ -704,7 +704,7 @@
           <a:p>
             <a:fld id="{C9D909E4-55EF-4C03-B3F2-C5767FAA5706}" type="datetimeFigureOut">
               <a:rPr lang="en-US" smtClean="0"/>
-              <a:t>5/14/2020</a:t>
+              <a:t>5/15/2020</a:t>
             </a:fld>
             <a:endParaRPr lang="en-US"/>
           </a:p>
@@ -872,7 +872,7 @@
           <a:p>
             <a:fld id="{C9D909E4-55EF-4C03-B3F2-C5767FAA5706}" type="datetimeFigureOut">
               <a:rPr lang="en-US" smtClean="0"/>
-              <a:t>5/14/2020</a:t>
+              <a:t>5/15/2020</a:t>
             </a:fld>
             <a:endParaRPr lang="en-US"/>
           </a:p>
@@ -1117,7 +1117,7 @@
           <a:p>
             <a:fld id="{C9D909E4-55EF-4C03-B3F2-C5767FAA5706}" type="datetimeFigureOut">
               <a:rPr lang="en-US" smtClean="0"/>
-              <a:t>5/14/2020</a:t>
+              <a:t>5/15/2020</a:t>
             </a:fld>
             <a:endParaRPr lang="en-US"/>
           </a:p>
@@ -1346,7 +1346,7 @@
           <a:p>
             <a:fld id="{C9D909E4-55EF-4C03-B3F2-C5767FAA5706}" type="datetimeFigureOut">
               <a:rPr lang="en-US" smtClean="0"/>
-              <a:t>5/14/2020</a:t>
+              <a:t>5/15/2020</a:t>
             </a:fld>
             <a:endParaRPr lang="en-US"/>
           </a:p>
@@ -1710,7 +1710,7 @@
           <a:p>
             <a:fld id="{C9D909E4-55EF-4C03-B3F2-C5767FAA5706}" type="datetimeFigureOut">
               <a:rPr lang="en-US" smtClean="0"/>
-              <a:t>5/14/2020</a:t>
+              <a:t>5/15/2020</a:t>
             </a:fld>
             <a:endParaRPr lang="en-US"/>
           </a:p>
@@ -1827,7 +1827,7 @@
           <a:p>
             <a:fld id="{C9D909E4-55EF-4C03-B3F2-C5767FAA5706}" type="datetimeFigureOut">
               <a:rPr lang="en-US" smtClean="0"/>
-              <a:t>5/14/2020</a:t>
+              <a:t>5/15/2020</a:t>
             </a:fld>
             <a:endParaRPr lang="en-US"/>
           </a:p>
@@ -1922,7 +1922,7 @@
           <a:p>
             <a:fld id="{C9D909E4-55EF-4C03-B3F2-C5767FAA5706}" type="datetimeFigureOut">
               <a:rPr lang="en-US" smtClean="0"/>
-              <a:t>5/14/2020</a:t>
+              <a:t>5/15/2020</a:t>
             </a:fld>
             <a:endParaRPr lang="en-US"/>
           </a:p>
@@ -2197,7 +2197,7 @@
           <a:p>
             <a:fld id="{C9D909E4-55EF-4C03-B3F2-C5767FAA5706}" type="datetimeFigureOut">
               <a:rPr lang="en-US" smtClean="0"/>
-              <a:t>5/14/2020</a:t>
+              <a:t>5/15/2020</a:t>
             </a:fld>
             <a:endParaRPr lang="en-US"/>
           </a:p>
@@ -2449,7 +2449,7 @@
           <a:p>
             <a:fld id="{C9D909E4-55EF-4C03-B3F2-C5767FAA5706}" type="datetimeFigureOut">
               <a:rPr lang="en-US" smtClean="0"/>
-              <a:t>5/14/2020</a:t>
+              <a:t>5/15/2020</a:t>
             </a:fld>
             <a:endParaRPr lang="en-US"/>
           </a:p>
@@ -2660,7 +2660,7 @@
           <a:p>
             <a:fld id="{C9D909E4-55EF-4C03-B3F2-C5767FAA5706}" type="datetimeFigureOut">
               <a:rPr lang="en-US" smtClean="0"/>
-              <a:t>5/14/2020</a:t>
+              <a:t>5/15/2020</a:t>
             </a:fld>
             <a:endParaRPr lang="en-US"/>
           </a:p>
@@ -28069,7 +28069,7 @@
           <a:lstStyle/>
           <a:p>
             <a:pPr algn="ctr"/>
-            <a:endParaRPr kumimoji="1" lang="ja-JP" altLang="en-US"/>
+            <a:endParaRPr kumimoji="1" lang="ja-JP" altLang="en-US" dirty="0"/>
           </a:p>
         </p:txBody>
       </p:sp>
@@ -28292,6 +28292,255 @@
           </a:fontRef>
         </p:style>
       </p:cxnSp>
+      <p:sp>
+        <p:nvSpPr>
+          <p:cNvPr id="2" name="正方形/長方形 1">
+            <a:extLst>
+              <a:ext uri="{FF2B5EF4-FFF2-40B4-BE49-F238E27FC236}">
+                <a16:creationId xmlns:a16="http://schemas.microsoft.com/office/drawing/2014/main" id="{93AAE499-4AD5-4C9B-950B-FD7ACEFB1574}"/>
+              </a:ext>
+            </a:extLst>
+          </p:cNvPr>
+          <p:cNvSpPr/>
+          <p:nvPr/>
+        </p:nvSpPr>
+        <p:spPr>
+          <a:xfrm>
+            <a:off x="1619074" y="3429000"/>
+            <a:ext cx="569584" cy="704671"/>
+          </a:xfrm>
+          <a:prstGeom prst="rect">
+            <a:avLst/>
+          </a:prstGeom>
+        </p:spPr>
+        <p:style>
+          <a:lnRef idx="2">
+            <a:schemeClr val="accent1">
+              <a:shade val="50000"/>
+            </a:schemeClr>
+          </a:lnRef>
+          <a:fillRef idx="1">
+            <a:schemeClr val="accent1"/>
+          </a:fillRef>
+          <a:effectRef idx="0">
+            <a:schemeClr val="accent1"/>
+          </a:effectRef>
+          <a:fontRef idx="minor">
+            <a:schemeClr val="lt1"/>
+          </a:fontRef>
+        </p:style>
+        <p:txBody>
+          <a:bodyPr rtlCol="0" anchor="ctr"/>
+          <a:lstStyle/>
+          <a:p>
+            <a:pPr algn="ctr"/>
+            <a:endParaRPr kumimoji="1" lang="ja-JP" altLang="en-US"/>
+          </a:p>
+        </p:txBody>
+      </p:sp>
+      <p:sp>
+        <p:nvSpPr>
+          <p:cNvPr id="3" name="テキスト ボックス 2">
+            <a:extLst>
+              <a:ext uri="{FF2B5EF4-FFF2-40B4-BE49-F238E27FC236}">
+                <a16:creationId xmlns:a16="http://schemas.microsoft.com/office/drawing/2014/main" id="{1B6ED196-A428-423A-A29A-6333D4561E1A}"/>
+              </a:ext>
+            </a:extLst>
+          </p:cNvPr>
+          <p:cNvSpPr txBox="1"/>
+          <p:nvPr/>
+        </p:nvSpPr>
+        <p:spPr>
+          <a:xfrm>
+            <a:off x="1317072" y="2818001"/>
+            <a:ext cx="1545680" cy="369332"/>
+          </a:xfrm>
+          <a:prstGeom prst="rect">
+            <a:avLst/>
+          </a:prstGeom>
+          <a:noFill/>
+        </p:spPr>
+        <p:txBody>
+          <a:bodyPr wrap="none" rtlCol="0">
+            <a:spAutoFit/>
+          </a:bodyPr>
+          <a:lstStyle/>
+          <a:p>
+            <a:r>
+              <a:rPr kumimoji="1" lang="en-US" altLang="ja-JP" dirty="0"/>
+              <a:t>Original Graph</a:t>
+            </a:r>
+            <a:endParaRPr kumimoji="1" lang="ja-JP" altLang="en-US" dirty="0"/>
+          </a:p>
+        </p:txBody>
+      </p:sp>
+      <p:sp>
+        <p:nvSpPr>
+          <p:cNvPr id="10" name="矢印: 右 9">
+            <a:extLst>
+              <a:ext uri="{FF2B5EF4-FFF2-40B4-BE49-F238E27FC236}">
+                <a16:creationId xmlns:a16="http://schemas.microsoft.com/office/drawing/2014/main" id="{885ABBF2-9E67-4A93-842F-6CB4498EB7B5}"/>
+              </a:ext>
+            </a:extLst>
+          </p:cNvPr>
+          <p:cNvSpPr/>
+          <p:nvPr/>
+        </p:nvSpPr>
+        <p:spPr>
+          <a:xfrm>
+            <a:off x="2862752" y="3496109"/>
+            <a:ext cx="1021351" cy="570451"/>
+          </a:xfrm>
+          <a:prstGeom prst="rightArrow">
+            <a:avLst/>
+          </a:prstGeom>
+        </p:spPr>
+        <p:style>
+          <a:lnRef idx="2">
+            <a:schemeClr val="accent1">
+              <a:shade val="50000"/>
+            </a:schemeClr>
+          </a:lnRef>
+          <a:fillRef idx="1">
+            <a:schemeClr val="accent1"/>
+          </a:fillRef>
+          <a:effectRef idx="0">
+            <a:schemeClr val="accent1"/>
+          </a:effectRef>
+          <a:fontRef idx="minor">
+            <a:schemeClr val="lt1"/>
+          </a:fontRef>
+        </p:style>
+        <p:txBody>
+          <a:bodyPr rtlCol="0" anchor="ctr"/>
+          <a:lstStyle/>
+          <a:p>
+            <a:pPr algn="ctr"/>
+            <a:endParaRPr kumimoji="1" lang="ja-JP" altLang="en-US"/>
+          </a:p>
+        </p:txBody>
+      </p:sp>
+      <p:sp>
+        <p:nvSpPr>
+          <p:cNvPr id="16" name="テキスト ボックス 15">
+            <a:extLst>
+              <a:ext uri="{FF2B5EF4-FFF2-40B4-BE49-F238E27FC236}">
+                <a16:creationId xmlns:a16="http://schemas.microsoft.com/office/drawing/2014/main" id="{D6E4AAEB-5406-4C97-8B95-CEBB523D4AA0}"/>
+              </a:ext>
+            </a:extLst>
+          </p:cNvPr>
+          <p:cNvSpPr txBox="1"/>
+          <p:nvPr/>
+        </p:nvSpPr>
+        <p:spPr>
+          <a:xfrm>
+            <a:off x="4395831" y="2877424"/>
+            <a:ext cx="1141659" cy="369332"/>
+          </a:xfrm>
+          <a:prstGeom prst="rect">
+            <a:avLst/>
+          </a:prstGeom>
+          <a:noFill/>
+        </p:spPr>
+        <p:txBody>
+          <a:bodyPr wrap="none" rtlCol="0">
+            <a:spAutoFit/>
+          </a:bodyPr>
+          <a:lstStyle/>
+          <a:p>
+            <a:r>
+              <a:rPr kumimoji="1" lang="en-US" altLang="ja-JP" dirty="0" err="1"/>
+              <a:t>Expension</a:t>
+            </a:r>
+            <a:endParaRPr kumimoji="1" lang="ja-JP" altLang="en-US" dirty="0"/>
+          </a:p>
+        </p:txBody>
+      </p:sp>
+      <p:sp>
+        <p:nvSpPr>
+          <p:cNvPr id="17" name="正方形/長方形 16">
+            <a:extLst>
+              <a:ext uri="{FF2B5EF4-FFF2-40B4-BE49-F238E27FC236}">
+                <a16:creationId xmlns:a16="http://schemas.microsoft.com/office/drawing/2014/main" id="{D9F04F8F-B61C-43FE-8129-638782CDC457}"/>
+              </a:ext>
+            </a:extLst>
+          </p:cNvPr>
+          <p:cNvSpPr/>
+          <p:nvPr/>
+        </p:nvSpPr>
+        <p:spPr>
+          <a:xfrm>
+            <a:off x="4558197" y="3302113"/>
+            <a:ext cx="774707" cy="958442"/>
+          </a:xfrm>
+          <a:prstGeom prst="rect">
+            <a:avLst/>
+          </a:prstGeom>
+        </p:spPr>
+        <p:style>
+          <a:lnRef idx="2">
+            <a:schemeClr val="accent1">
+              <a:shade val="50000"/>
+            </a:schemeClr>
+          </a:lnRef>
+          <a:fillRef idx="1">
+            <a:schemeClr val="accent1"/>
+          </a:fillRef>
+          <a:effectRef idx="0">
+            <a:schemeClr val="accent1"/>
+          </a:effectRef>
+          <a:fontRef idx="minor">
+            <a:schemeClr val="lt1"/>
+          </a:fontRef>
+        </p:style>
+        <p:txBody>
+          <a:bodyPr rtlCol="0" anchor="ctr"/>
+          <a:lstStyle/>
+          <a:p>
+            <a:pPr algn="ctr"/>
+            <a:endParaRPr kumimoji="1" lang="ja-JP" altLang="en-US" dirty="0"/>
+          </a:p>
+        </p:txBody>
+      </p:sp>
+      <p:sp>
+        <p:nvSpPr>
+          <p:cNvPr id="18" name="テキスト ボックス 17">
+            <a:extLst>
+              <a:ext uri="{FF2B5EF4-FFF2-40B4-BE49-F238E27FC236}">
+                <a16:creationId xmlns:a16="http://schemas.microsoft.com/office/drawing/2014/main" id="{5B0E4C4B-51D2-4819-ABCA-C09FA3BF6856}"/>
+              </a:ext>
+            </a:extLst>
+          </p:cNvPr>
+          <p:cNvSpPr txBox="1"/>
+          <p:nvPr/>
+        </p:nvSpPr>
+        <p:spPr>
+          <a:xfrm>
+            <a:off x="2684477" y="4190670"/>
+            <a:ext cx="1399742" cy="369332"/>
+          </a:xfrm>
+          <a:prstGeom prst="rect">
+            <a:avLst/>
+          </a:prstGeom>
+          <a:noFill/>
+        </p:spPr>
+        <p:txBody>
+          <a:bodyPr wrap="none" rtlCol="0">
+            <a:spAutoFit/>
+          </a:bodyPr>
+          <a:lstStyle/>
+          <a:p>
+            <a:r>
+              <a:rPr kumimoji="1" lang="en-US" altLang="ja-JP" dirty="0"/>
+              <a:t>1.5</a:t>
+            </a:r>
+            <a:r>
+              <a:rPr kumimoji="1" lang="ja-JP" altLang="en-US" dirty="0"/>
+              <a:t>倍にする</a:t>
+            </a:r>
+          </a:p>
+        </p:txBody>
+      </p:sp>
     </p:spTree>
     <p:extLst>
       <p:ext uri="{BB962C8B-B14F-4D97-AF65-F5344CB8AC3E}">
